--- a/THIẾT KẾ VÀ XÂY DỰNG.pptx
+++ b/THIẾT KẾ VÀ XÂY DỰNG.pptx
@@ -4,6 +4,9 @@
   <p:sldMasterIdLst>
     <p:sldMasterId id="2147483660" r:id="rId1"/>
   </p:sldMasterIdLst>
+  <p:notesMasterIdLst>
+    <p:notesMasterId r:id="rId15"/>
+  </p:notesMasterIdLst>
   <p:sldIdLst>
     <p:sldId id="256" r:id="rId2"/>
     <p:sldId id="257" r:id="rId3"/>
@@ -12,11 +15,12 @@
     <p:sldId id="267" r:id="rId6"/>
     <p:sldId id="260" r:id="rId7"/>
     <p:sldId id="261" r:id="rId8"/>
-    <p:sldId id="262" r:id="rId9"/>
-    <p:sldId id="263" r:id="rId10"/>
-    <p:sldId id="264" r:id="rId11"/>
-    <p:sldId id="265" r:id="rId12"/>
-    <p:sldId id="266" r:id="rId13"/>
+    <p:sldId id="268" r:id="rId9"/>
+    <p:sldId id="262" r:id="rId10"/>
+    <p:sldId id="263" r:id="rId11"/>
+    <p:sldId id="264" r:id="rId12"/>
+    <p:sldId id="265" r:id="rId13"/>
+    <p:sldId id="266" r:id="rId14"/>
   </p:sldIdLst>
   <p:sldSz cx="12192000" cy="6858000"/>
   <p:notesSz cx="6858000" cy="9144000"/>
@@ -115,6 +119,11 @@
       </a:defRPr>
     </a:lvl9pPr>
   </p:defaultTextStyle>
+  <p:extLst>
+    <p:ext uri="{EFAFB233-063F-42B5-8137-9DF3F51BA10A}">
+      <p15:sldGuideLst xmlns:p15="http://schemas.microsoft.com/office/powerpoint/2012/main"/>
+    </p:ext>
+  </p:extLst>
 </p:presentation>
 </file>
 
@@ -4242,6 +4251,355 @@
 </dgm:styleDef>
 </file>
 
+<file path=ppt/notesMasters/notesMaster1.xml><?xml version="1.0" encoding="utf-8"?>
+<p:notesMaster xmlns:a="http://schemas.openxmlformats.org/drawingml/2006/main" xmlns:r="http://schemas.openxmlformats.org/officeDocument/2006/relationships" xmlns:p="http://schemas.openxmlformats.org/presentationml/2006/main">
+  <p:cSld>
+    <p:bg>
+      <p:bgRef idx="1001">
+        <a:schemeClr val="bg1"/>
+      </p:bgRef>
+    </p:bg>
+    <p:spTree>
+      <p:nvGrpSpPr>
+        <p:cNvPr id="1" name=""/>
+        <p:cNvGrpSpPr/>
+        <p:nvPr/>
+      </p:nvGrpSpPr>
+      <p:grpSpPr>
+        <a:xfrm>
+          <a:off x="0" y="0"/>
+          <a:ext cx="0" cy="0"/>
+          <a:chOff x="0" y="0"/>
+          <a:chExt cx="0" cy="0"/>
+        </a:xfrm>
+      </p:grpSpPr>
+      <p:sp>
+        <p:nvSpPr>
+          <p:cNvPr id="2" name="Header Placeholder 1"/>
+          <p:cNvSpPr>
+            <a:spLocks noGrp="1"/>
+          </p:cNvSpPr>
+          <p:nvPr>
+            <p:ph type="hdr" sz="quarter"/>
+          </p:nvPr>
+        </p:nvSpPr>
+        <p:spPr>
+          <a:xfrm>
+            <a:off x="0" y="0"/>
+            <a:ext cx="2971800" cy="458788"/>
+          </a:xfrm>
+          <a:prstGeom prst="rect">
+            <a:avLst/>
+          </a:prstGeom>
+        </p:spPr>
+        <p:txBody>
+          <a:bodyPr vert="horz" lIns="91440" tIns="45720" rIns="91440" bIns="45720" rtlCol="0"/>
+          <a:lstStyle>
+            <a:lvl1pPr algn="l">
+              <a:defRPr sz="1200"/>
+            </a:lvl1pPr>
+          </a:lstStyle>
+          <a:p>
+            <a:endParaRPr lang="en-US"/>
+          </a:p>
+        </p:txBody>
+      </p:sp>
+      <p:sp>
+        <p:nvSpPr>
+          <p:cNvPr id="3" name="Date Placeholder 2"/>
+          <p:cNvSpPr>
+            <a:spLocks noGrp="1"/>
+          </p:cNvSpPr>
+          <p:nvPr>
+            <p:ph type="dt" idx="1"/>
+          </p:nvPr>
+        </p:nvSpPr>
+        <p:spPr>
+          <a:xfrm>
+            <a:off x="3884613" y="0"/>
+            <a:ext cx="2971800" cy="458788"/>
+          </a:xfrm>
+          <a:prstGeom prst="rect">
+            <a:avLst/>
+          </a:prstGeom>
+        </p:spPr>
+        <p:txBody>
+          <a:bodyPr vert="horz" lIns="91440" tIns="45720" rIns="91440" bIns="45720" rtlCol="0"/>
+          <a:lstStyle>
+            <a:lvl1pPr algn="r">
+              <a:defRPr sz="1200"/>
+            </a:lvl1pPr>
+          </a:lstStyle>
+          <a:p>
+            <a:fld id="{21E92E64-0F1F-4264-A6A9-AE47E7C61E35}" type="datetimeFigureOut">
+              <a:rPr lang="en-US" smtClean="0"/>
+              <a:t>6/6/2023</a:t>
+            </a:fld>
+            <a:endParaRPr lang="en-US"/>
+          </a:p>
+        </p:txBody>
+      </p:sp>
+      <p:sp>
+        <p:nvSpPr>
+          <p:cNvPr id="4" name="Slide Image Placeholder 3"/>
+          <p:cNvSpPr>
+            <a:spLocks noGrp="1" noRot="1" noChangeAspect="1"/>
+          </p:cNvSpPr>
+          <p:nvPr>
+            <p:ph type="sldImg" idx="2"/>
+          </p:nvPr>
+        </p:nvSpPr>
+        <p:spPr>
+          <a:xfrm>
+            <a:off x="685800" y="1143000"/>
+            <a:ext cx="5486400" cy="3086100"/>
+          </a:xfrm>
+          <a:prstGeom prst="rect">
+            <a:avLst/>
+          </a:prstGeom>
+          <a:noFill/>
+          <a:ln w="12700">
+            <a:solidFill>
+              <a:prstClr val="black"/>
+            </a:solidFill>
+          </a:ln>
+        </p:spPr>
+        <p:txBody>
+          <a:bodyPr vert="horz" lIns="91440" tIns="45720" rIns="91440" bIns="45720" rtlCol="0" anchor="ctr"/>
+          <a:lstStyle/>
+          <a:p>
+            <a:endParaRPr lang="en-US"/>
+          </a:p>
+        </p:txBody>
+      </p:sp>
+      <p:sp>
+        <p:nvSpPr>
+          <p:cNvPr id="5" name="Notes Placeholder 4"/>
+          <p:cNvSpPr>
+            <a:spLocks noGrp="1"/>
+          </p:cNvSpPr>
+          <p:nvPr>
+            <p:ph type="body" sz="quarter" idx="3"/>
+          </p:nvPr>
+        </p:nvSpPr>
+        <p:spPr>
+          <a:xfrm>
+            <a:off x="685800" y="4400550"/>
+            <a:ext cx="5486400" cy="3600450"/>
+          </a:xfrm>
+          <a:prstGeom prst="rect">
+            <a:avLst/>
+          </a:prstGeom>
+        </p:spPr>
+        <p:txBody>
+          <a:bodyPr vert="horz" lIns="91440" tIns="45720" rIns="91440" bIns="45720" rtlCol="0"/>
+          <a:lstStyle/>
+          <a:p>
+            <a:pPr lvl="0"/>
+            <a:r>
+              <a:rPr lang="en-US"/>
+              <a:t>Click to edit Master text styles</a:t>
+            </a:r>
+          </a:p>
+          <a:p>
+            <a:pPr lvl="1"/>
+            <a:r>
+              <a:rPr lang="en-US"/>
+              <a:t>Second level</a:t>
+            </a:r>
+          </a:p>
+          <a:p>
+            <a:pPr lvl="2"/>
+            <a:r>
+              <a:rPr lang="en-US"/>
+              <a:t>Third level</a:t>
+            </a:r>
+          </a:p>
+          <a:p>
+            <a:pPr lvl="3"/>
+            <a:r>
+              <a:rPr lang="en-US"/>
+              <a:t>Fourth level</a:t>
+            </a:r>
+          </a:p>
+          <a:p>
+            <a:pPr lvl="4"/>
+            <a:r>
+              <a:rPr lang="en-US"/>
+              <a:t>Fifth level</a:t>
+            </a:r>
+          </a:p>
+        </p:txBody>
+      </p:sp>
+      <p:sp>
+        <p:nvSpPr>
+          <p:cNvPr id="6" name="Footer Placeholder 5"/>
+          <p:cNvSpPr>
+            <a:spLocks noGrp="1"/>
+          </p:cNvSpPr>
+          <p:nvPr>
+            <p:ph type="ftr" sz="quarter" idx="4"/>
+          </p:nvPr>
+        </p:nvSpPr>
+        <p:spPr>
+          <a:xfrm>
+            <a:off x="0" y="8685213"/>
+            <a:ext cx="2971800" cy="458787"/>
+          </a:xfrm>
+          <a:prstGeom prst="rect">
+            <a:avLst/>
+          </a:prstGeom>
+        </p:spPr>
+        <p:txBody>
+          <a:bodyPr vert="horz" lIns="91440" tIns="45720" rIns="91440" bIns="45720" rtlCol="0" anchor="b"/>
+          <a:lstStyle>
+            <a:lvl1pPr algn="l">
+              <a:defRPr sz="1200"/>
+            </a:lvl1pPr>
+          </a:lstStyle>
+          <a:p>
+            <a:endParaRPr lang="en-US"/>
+          </a:p>
+        </p:txBody>
+      </p:sp>
+      <p:sp>
+        <p:nvSpPr>
+          <p:cNvPr id="7" name="Slide Number Placeholder 6"/>
+          <p:cNvSpPr>
+            <a:spLocks noGrp="1"/>
+          </p:cNvSpPr>
+          <p:nvPr>
+            <p:ph type="sldNum" sz="quarter" idx="5"/>
+          </p:nvPr>
+        </p:nvSpPr>
+        <p:spPr>
+          <a:xfrm>
+            <a:off x="3884613" y="8685213"/>
+            <a:ext cx="2971800" cy="458787"/>
+          </a:xfrm>
+          <a:prstGeom prst="rect">
+            <a:avLst/>
+          </a:prstGeom>
+        </p:spPr>
+        <p:txBody>
+          <a:bodyPr vert="horz" lIns="91440" tIns="45720" rIns="91440" bIns="45720" rtlCol="0" anchor="b"/>
+          <a:lstStyle>
+            <a:lvl1pPr algn="r">
+              <a:defRPr sz="1200"/>
+            </a:lvl1pPr>
+          </a:lstStyle>
+          <a:p>
+            <a:fld id="{C278617D-6625-4010-B668-C7CBD9D71FDF}" type="slidenum">
+              <a:rPr lang="en-US" smtClean="0"/>
+              <a:t>‹#›</a:t>
+            </a:fld>
+            <a:endParaRPr lang="en-US"/>
+          </a:p>
+        </p:txBody>
+      </p:sp>
+    </p:spTree>
+    <p:extLst>
+      <p:ext uri="{BB962C8B-B14F-4D97-AF65-F5344CB8AC3E}">
+        <p14:creationId xmlns:p14="http://schemas.microsoft.com/office/powerpoint/2010/main" val="2779473109"/>
+      </p:ext>
+    </p:extLst>
+  </p:cSld>
+  <p:clrMap bg1="lt1" tx1="dk1" bg2="lt2" tx2="dk2" accent1="accent1" accent2="accent2" accent3="accent3" accent4="accent4" accent5="accent5" accent6="accent6" hlink="hlink" folHlink="folHlink"/>
+  <p:notesStyle>
+    <a:lvl1pPr marL="0" algn="l" defTabSz="914400" rtl="0" eaLnBrk="1" latinLnBrk="0" hangingPunct="1">
+      <a:defRPr sz="1200" kern="1200">
+        <a:solidFill>
+          <a:schemeClr val="tx1"/>
+        </a:solidFill>
+        <a:latin typeface="+mn-lt"/>
+        <a:ea typeface="+mn-ea"/>
+        <a:cs typeface="+mn-cs"/>
+      </a:defRPr>
+    </a:lvl1pPr>
+    <a:lvl2pPr marL="457200" algn="l" defTabSz="914400" rtl="0" eaLnBrk="1" latinLnBrk="0" hangingPunct="1">
+      <a:defRPr sz="1200" kern="1200">
+        <a:solidFill>
+          <a:schemeClr val="tx1"/>
+        </a:solidFill>
+        <a:latin typeface="+mn-lt"/>
+        <a:ea typeface="+mn-ea"/>
+        <a:cs typeface="+mn-cs"/>
+      </a:defRPr>
+    </a:lvl2pPr>
+    <a:lvl3pPr marL="914400" algn="l" defTabSz="914400" rtl="0" eaLnBrk="1" latinLnBrk="0" hangingPunct="1">
+      <a:defRPr sz="1200" kern="1200">
+        <a:solidFill>
+          <a:schemeClr val="tx1"/>
+        </a:solidFill>
+        <a:latin typeface="+mn-lt"/>
+        <a:ea typeface="+mn-ea"/>
+        <a:cs typeface="+mn-cs"/>
+      </a:defRPr>
+    </a:lvl3pPr>
+    <a:lvl4pPr marL="1371600" algn="l" defTabSz="914400" rtl="0" eaLnBrk="1" latinLnBrk="0" hangingPunct="1">
+      <a:defRPr sz="1200" kern="1200">
+        <a:solidFill>
+          <a:schemeClr val="tx1"/>
+        </a:solidFill>
+        <a:latin typeface="+mn-lt"/>
+        <a:ea typeface="+mn-ea"/>
+        <a:cs typeface="+mn-cs"/>
+      </a:defRPr>
+    </a:lvl4pPr>
+    <a:lvl5pPr marL="1828800" algn="l" defTabSz="914400" rtl="0" eaLnBrk="1" latinLnBrk="0" hangingPunct="1">
+      <a:defRPr sz="1200" kern="1200">
+        <a:solidFill>
+          <a:schemeClr val="tx1"/>
+        </a:solidFill>
+        <a:latin typeface="+mn-lt"/>
+        <a:ea typeface="+mn-ea"/>
+        <a:cs typeface="+mn-cs"/>
+      </a:defRPr>
+    </a:lvl5pPr>
+    <a:lvl6pPr marL="2286000" algn="l" defTabSz="914400" rtl="0" eaLnBrk="1" latinLnBrk="0" hangingPunct="1">
+      <a:defRPr sz="1200" kern="1200">
+        <a:solidFill>
+          <a:schemeClr val="tx1"/>
+        </a:solidFill>
+        <a:latin typeface="+mn-lt"/>
+        <a:ea typeface="+mn-ea"/>
+        <a:cs typeface="+mn-cs"/>
+      </a:defRPr>
+    </a:lvl6pPr>
+    <a:lvl7pPr marL="2743200" algn="l" defTabSz="914400" rtl="0" eaLnBrk="1" latinLnBrk="0" hangingPunct="1">
+      <a:defRPr sz="1200" kern="1200">
+        <a:solidFill>
+          <a:schemeClr val="tx1"/>
+        </a:solidFill>
+        <a:latin typeface="+mn-lt"/>
+        <a:ea typeface="+mn-ea"/>
+        <a:cs typeface="+mn-cs"/>
+      </a:defRPr>
+    </a:lvl7pPr>
+    <a:lvl8pPr marL="3200400" algn="l" defTabSz="914400" rtl="0" eaLnBrk="1" latinLnBrk="0" hangingPunct="1">
+      <a:defRPr sz="1200" kern="1200">
+        <a:solidFill>
+          <a:schemeClr val="tx1"/>
+        </a:solidFill>
+        <a:latin typeface="+mn-lt"/>
+        <a:ea typeface="+mn-ea"/>
+        <a:cs typeface="+mn-cs"/>
+      </a:defRPr>
+    </a:lvl8pPr>
+    <a:lvl9pPr marL="3657600" algn="l" defTabSz="914400" rtl="0" eaLnBrk="1" latinLnBrk="0" hangingPunct="1">
+      <a:defRPr sz="1200" kern="1200">
+        <a:solidFill>
+          <a:schemeClr val="tx1"/>
+        </a:solidFill>
+        <a:latin typeface="+mn-lt"/>
+        <a:ea typeface="+mn-ea"/>
+        <a:cs typeface="+mn-cs"/>
+      </a:defRPr>
+    </a:lvl9pPr>
+  </p:notesStyle>
+</p:notesMaster>
+</file>
+
 <file path=ppt/slideLayouts/slideLayout1.xml><?xml version="1.0" encoding="utf-8"?>
 <p:sldLayout xmlns:a="http://schemas.openxmlformats.org/drawingml/2006/main" xmlns:r="http://schemas.openxmlformats.org/officeDocument/2006/relationships" xmlns:p="http://schemas.openxmlformats.org/presentationml/2006/main" showMasterSp="0" type="title" preserve="1">
   <p:cSld name="Title Slide">
@@ -4468,7 +4826,7 @@
           <a:p>
             <a:fld id="{35BAD430-743E-4BD7-A57D-737DA1090A76}" type="datetimeFigureOut">
               <a:rPr lang="en-US" smtClean="0"/>
-              <a:t>6/3/2023</a:t>
+              <a:t>6/6/2023</a:t>
             </a:fld>
             <a:endParaRPr lang="en-US"/>
           </a:p>
@@ -4676,7 +5034,7 @@
           <a:p>
             <a:fld id="{35BAD430-743E-4BD7-A57D-737DA1090A76}" type="datetimeFigureOut">
               <a:rPr lang="en-US" smtClean="0"/>
-              <a:t>6/3/2023</a:t>
+              <a:t>6/6/2023</a:t>
             </a:fld>
             <a:endParaRPr lang="en-US"/>
           </a:p>
@@ -4932,7 +5290,7 @@
           <a:p>
             <a:fld id="{35BAD430-743E-4BD7-A57D-737DA1090A76}" type="datetimeFigureOut">
               <a:rPr lang="en-US" smtClean="0"/>
-              <a:t>6/3/2023</a:t>
+              <a:t>6/6/2023</a:t>
             </a:fld>
             <a:endParaRPr lang="en-US"/>
           </a:p>
@@ -5106,7 +5464,7 @@
           <a:p>
             <a:fld id="{35BAD430-743E-4BD7-A57D-737DA1090A76}" type="datetimeFigureOut">
               <a:rPr lang="en-US" smtClean="0"/>
-              <a:t>6/3/2023</a:t>
+              <a:t>6/6/2023</a:t>
             </a:fld>
             <a:endParaRPr lang="en-US"/>
           </a:p>
@@ -5449,7 +5807,7 @@
           <a:p>
             <a:fld id="{35BAD430-743E-4BD7-A57D-737DA1090A76}" type="datetimeFigureOut">
               <a:rPr lang="en-US" smtClean="0"/>
-              <a:t>6/3/2023</a:t>
+              <a:t>6/6/2023</a:t>
             </a:fld>
             <a:endParaRPr lang="en-US"/>
           </a:p>
@@ -5724,7 +6082,7 @@
           <a:p>
             <a:fld id="{35BAD430-743E-4BD7-A57D-737DA1090A76}" type="datetimeFigureOut">
               <a:rPr lang="en-US" smtClean="0"/>
-              <a:t>6/3/2023</a:t>
+              <a:t>6/6/2023</a:t>
             </a:fld>
             <a:endParaRPr lang="en-US"/>
           </a:p>
@@ -6103,7 +6461,7 @@
           <a:p>
             <a:fld id="{35BAD430-743E-4BD7-A57D-737DA1090A76}" type="datetimeFigureOut">
               <a:rPr lang="en-US" smtClean="0"/>
-              <a:t>6/3/2023</a:t>
+              <a:t>6/6/2023</a:t>
             </a:fld>
             <a:endParaRPr lang="en-US"/>
           </a:p>
@@ -6221,7 +6579,7 @@
           <a:p>
             <a:fld id="{35BAD430-743E-4BD7-A57D-737DA1090A76}" type="datetimeFigureOut">
               <a:rPr lang="en-US" smtClean="0"/>
-              <a:t>6/3/2023</a:t>
+              <a:t>6/6/2023</a:t>
             </a:fld>
             <a:endParaRPr lang="en-US"/>
           </a:p>
@@ -6392,7 +6750,7 @@
           <a:p>
             <a:fld id="{35BAD430-743E-4BD7-A57D-737DA1090A76}" type="datetimeFigureOut">
               <a:rPr lang="en-US" smtClean="0"/>
-              <a:t>6/3/2023</a:t>
+              <a:t>6/6/2023</a:t>
             </a:fld>
             <a:endParaRPr lang="en-US"/>
           </a:p>
@@ -6746,7 +7104,7 @@
           <a:p>
             <a:fld id="{35BAD430-743E-4BD7-A57D-737DA1090A76}" type="datetimeFigureOut">
               <a:rPr lang="en-US" smtClean="0"/>
-              <a:t>6/3/2023</a:t>
+              <a:t>6/6/2023</a:t>
             </a:fld>
             <a:endParaRPr lang="en-US"/>
           </a:p>
@@ -7128,7 +7486,7 @@
           <a:p>
             <a:fld id="{35BAD430-743E-4BD7-A57D-737DA1090A76}" type="datetimeFigureOut">
               <a:rPr lang="en-US" smtClean="0"/>
-              <a:t>6/3/2023</a:t>
+              <a:t>6/6/2023</a:t>
             </a:fld>
             <a:endParaRPr lang="en-US"/>
           </a:p>
@@ -7415,7 +7773,7 @@
           <a:p>
             <a:fld id="{35BAD430-743E-4BD7-A57D-737DA1090A76}" type="datetimeFigureOut">
               <a:rPr lang="en-US" smtClean="0"/>
-              <a:t>6/3/2023</a:t>
+              <a:t>6/6/2023</a:t>
             </a:fld>
             <a:endParaRPr lang="en-US"/>
           </a:p>
@@ -8366,13 +8724,13 @@
   <p:clrMapOvr>
     <a:masterClrMapping/>
   </p:clrMapOvr>
-  <mc:AlternateContent xmlns:mc="http://schemas.openxmlformats.org/markup-compatibility/2006">
-    <mc:Choice xmlns:p14="http://schemas.microsoft.com/office/powerpoint/2010/main" Requires="p14">
+  <mc:AlternateContent xmlns:mc="http://schemas.openxmlformats.org/markup-compatibility/2006" xmlns:p14="http://schemas.microsoft.com/office/powerpoint/2010/main">
+    <mc:Choice Requires="p14">
       <p:transition spd="med" p14:dur="700">
         <p:fade/>
       </p:transition>
     </mc:Choice>
-    <mc:Fallback>
+    <mc:Fallback xmlns="">
       <p:transition spd="med">
         <p:fade/>
       </p:transition>
@@ -8382,6 +8740,1751 @@
 </file>
 
 <file path=ppt/slides/slide10.xml><?xml version="1.0" encoding="utf-8"?>
+<p:sld xmlns:a="http://schemas.openxmlformats.org/drawingml/2006/main" xmlns:r="http://schemas.openxmlformats.org/officeDocument/2006/relationships" xmlns:p="http://schemas.openxmlformats.org/presentationml/2006/main">
+  <p:cSld>
+    <p:spTree>
+      <p:nvGrpSpPr>
+        <p:cNvPr id="1" name=""/>
+        <p:cNvGrpSpPr/>
+        <p:nvPr/>
+      </p:nvGrpSpPr>
+      <p:grpSpPr>
+        <a:xfrm>
+          <a:off x="0" y="0"/>
+          <a:ext cx="0" cy="0"/>
+          <a:chOff x="0" y="0"/>
+          <a:chExt cx="0" cy="0"/>
+        </a:xfrm>
+      </p:grpSpPr>
+      <p:sp>
+        <p:nvSpPr>
+          <p:cNvPr id="2" name="Title 1">
+            <a:extLst>
+              <a:ext uri="{FF2B5EF4-FFF2-40B4-BE49-F238E27FC236}">
+                <a16:creationId xmlns:a16="http://schemas.microsoft.com/office/drawing/2014/main" id="{0384193D-59D8-B216-9030-0267F38A7268}"/>
+              </a:ext>
+            </a:extLst>
+          </p:cNvPr>
+          <p:cNvSpPr>
+            <a:spLocks noGrp="1"/>
+          </p:cNvSpPr>
+          <p:nvPr>
+            <p:ph type="title"/>
+          </p:nvPr>
+        </p:nvSpPr>
+        <p:spPr/>
+        <p:txBody>
+          <a:bodyPr/>
+          <a:lstStyle/>
+          <a:p>
+            <a:r>
+              <a:rPr lang="en-US" dirty="0">
+                <a:latin typeface="Roboto" panose="02000000000000000000" pitchFamily="2" charset="0"/>
+                <a:ea typeface="Roboto" panose="02000000000000000000" pitchFamily="2" charset="0"/>
+                <a:cs typeface="Roboto" panose="02000000000000000000" pitchFamily="2" charset="0"/>
+              </a:rPr>
+              <a:t>3.Ưu </a:t>
+            </a:r>
+            <a:r>
+              <a:rPr lang="en-US" dirty="0" err="1">
+                <a:latin typeface="Roboto" panose="02000000000000000000" pitchFamily="2" charset="0"/>
+                <a:ea typeface="Roboto" panose="02000000000000000000" pitchFamily="2" charset="0"/>
+                <a:cs typeface="Roboto" panose="02000000000000000000" pitchFamily="2" charset="0"/>
+              </a:rPr>
+              <a:t>điểm</a:t>
+            </a:r>
+            <a:r>
+              <a:rPr lang="en-US" dirty="0">
+                <a:latin typeface="Roboto" panose="02000000000000000000" pitchFamily="2" charset="0"/>
+                <a:ea typeface="Roboto" panose="02000000000000000000" pitchFamily="2" charset="0"/>
+                <a:cs typeface="Roboto" panose="02000000000000000000" pitchFamily="2" charset="0"/>
+              </a:rPr>
+              <a:t> </a:t>
+            </a:r>
+            <a:r>
+              <a:rPr lang="en-US" dirty="0" err="1">
+                <a:latin typeface="Roboto" panose="02000000000000000000" pitchFamily="2" charset="0"/>
+                <a:ea typeface="Roboto" panose="02000000000000000000" pitchFamily="2" charset="0"/>
+                <a:cs typeface="Roboto" panose="02000000000000000000" pitchFamily="2" charset="0"/>
+              </a:rPr>
+              <a:t>và</a:t>
+            </a:r>
+            <a:r>
+              <a:rPr lang="en-US" dirty="0">
+                <a:latin typeface="Roboto" panose="02000000000000000000" pitchFamily="2" charset="0"/>
+                <a:ea typeface="Roboto" panose="02000000000000000000" pitchFamily="2" charset="0"/>
+                <a:cs typeface="Roboto" panose="02000000000000000000" pitchFamily="2" charset="0"/>
+              </a:rPr>
+              <a:t> </a:t>
+            </a:r>
+            <a:r>
+              <a:rPr lang="en-US" dirty="0" err="1">
+                <a:latin typeface="Roboto" panose="02000000000000000000" pitchFamily="2" charset="0"/>
+                <a:ea typeface="Roboto" panose="02000000000000000000" pitchFamily="2" charset="0"/>
+                <a:cs typeface="Roboto" panose="02000000000000000000" pitchFamily="2" charset="0"/>
+              </a:rPr>
+              <a:t>nhược</a:t>
+            </a:r>
+            <a:r>
+              <a:rPr lang="en-US" dirty="0">
+                <a:latin typeface="Roboto" panose="02000000000000000000" pitchFamily="2" charset="0"/>
+                <a:ea typeface="Roboto" panose="02000000000000000000" pitchFamily="2" charset="0"/>
+                <a:cs typeface="Roboto" panose="02000000000000000000" pitchFamily="2" charset="0"/>
+              </a:rPr>
+              <a:t> </a:t>
+            </a:r>
+            <a:r>
+              <a:rPr lang="en-US" dirty="0" err="1">
+                <a:latin typeface="Roboto" panose="02000000000000000000" pitchFamily="2" charset="0"/>
+                <a:ea typeface="Roboto" panose="02000000000000000000" pitchFamily="2" charset="0"/>
+                <a:cs typeface="Roboto" panose="02000000000000000000" pitchFamily="2" charset="0"/>
+              </a:rPr>
+              <a:t>điểm</a:t>
+            </a:r>
+            <a:endParaRPr lang="en-US" dirty="0">
+              <a:latin typeface="Roboto" panose="02000000000000000000" pitchFamily="2" charset="0"/>
+              <a:ea typeface="Roboto" panose="02000000000000000000" pitchFamily="2" charset="0"/>
+              <a:cs typeface="Roboto" panose="02000000000000000000" pitchFamily="2" charset="0"/>
+            </a:endParaRPr>
+          </a:p>
+        </p:txBody>
+      </p:sp>
+      <p:sp>
+        <p:nvSpPr>
+          <p:cNvPr id="4" name="Rectangle 3">
+            <a:extLst>
+              <a:ext uri="{FF2B5EF4-FFF2-40B4-BE49-F238E27FC236}">
+                <a16:creationId xmlns:a16="http://schemas.microsoft.com/office/drawing/2014/main" id="{51DADBE4-6535-51E6-114E-567BF6B7FAE6}"/>
+              </a:ext>
+            </a:extLst>
+          </p:cNvPr>
+          <p:cNvSpPr/>
+          <p:nvPr/>
+        </p:nvSpPr>
+        <p:spPr>
+          <a:xfrm>
+            <a:off x="947532" y="1895059"/>
+            <a:ext cx="4018723" cy="4108173"/>
+          </a:xfrm>
+          <a:prstGeom prst="rect">
+            <a:avLst/>
+          </a:prstGeom>
+          <a:noFill/>
+          <a:ln w="190500" cap="rnd">
+            <a:solidFill>
+              <a:schemeClr val="accent6"/>
+            </a:solidFill>
+            <a:bevel/>
+          </a:ln>
+        </p:spPr>
+        <p:style>
+          <a:lnRef idx="2">
+            <a:schemeClr val="accent1">
+              <a:shade val="50000"/>
+            </a:schemeClr>
+          </a:lnRef>
+          <a:fillRef idx="1">
+            <a:schemeClr val="accent1"/>
+          </a:fillRef>
+          <a:effectRef idx="0">
+            <a:schemeClr val="accent1"/>
+          </a:effectRef>
+          <a:fontRef idx="minor">
+            <a:schemeClr val="lt1"/>
+          </a:fontRef>
+        </p:style>
+        <p:txBody>
+          <a:bodyPr rtlCol="0" anchor="ctr"/>
+          <a:lstStyle/>
+          <a:p>
+            <a:pPr algn="just"/>
+            <a:r>
+              <a:rPr lang="en-US" sz="2400" b="1" dirty="0" err="1">
+                <a:solidFill>
+                  <a:schemeClr val="tx1"/>
+                </a:solidFill>
+                <a:latin typeface="Roboto" panose="02000000000000000000" pitchFamily="2" charset="0"/>
+                <a:ea typeface="Roboto" panose="02000000000000000000" pitchFamily="2" charset="0"/>
+                <a:cs typeface="Roboto" panose="02000000000000000000" pitchFamily="2" charset="0"/>
+              </a:rPr>
+              <a:t>Ưu</a:t>
+            </a:r>
+            <a:r>
+              <a:rPr lang="en-US" sz="2400" b="1" dirty="0">
+                <a:solidFill>
+                  <a:schemeClr val="tx1"/>
+                </a:solidFill>
+                <a:latin typeface="Roboto" panose="02000000000000000000" pitchFamily="2" charset="0"/>
+                <a:ea typeface="Roboto" panose="02000000000000000000" pitchFamily="2" charset="0"/>
+                <a:cs typeface="Roboto" panose="02000000000000000000" pitchFamily="2" charset="0"/>
+              </a:rPr>
+              <a:t> </a:t>
+            </a:r>
+            <a:r>
+              <a:rPr lang="en-US" sz="2400" b="1" dirty="0" err="1">
+                <a:solidFill>
+                  <a:schemeClr val="tx1"/>
+                </a:solidFill>
+                <a:latin typeface="Roboto" panose="02000000000000000000" pitchFamily="2" charset="0"/>
+                <a:ea typeface="Roboto" panose="02000000000000000000" pitchFamily="2" charset="0"/>
+                <a:cs typeface="Roboto" panose="02000000000000000000" pitchFamily="2" charset="0"/>
+              </a:rPr>
+              <a:t>điểm</a:t>
+            </a:r>
+            <a:endParaRPr lang="en-US" sz="2400" b="1" dirty="0">
+              <a:solidFill>
+                <a:schemeClr val="tx1"/>
+              </a:solidFill>
+              <a:latin typeface="Roboto" panose="02000000000000000000" pitchFamily="2" charset="0"/>
+              <a:ea typeface="Roboto" panose="02000000000000000000" pitchFamily="2" charset="0"/>
+              <a:cs typeface="Roboto" panose="02000000000000000000" pitchFamily="2" charset="0"/>
+            </a:endParaRPr>
+          </a:p>
+          <a:p>
+            <a:pPr algn="just"/>
+            <a:r>
+              <a:rPr lang="en-US" sz="2400" dirty="0" err="1">
+                <a:solidFill>
+                  <a:schemeClr val="tx1"/>
+                </a:solidFill>
+                <a:latin typeface="Roboto" panose="02000000000000000000" pitchFamily="2" charset="0"/>
+                <a:ea typeface="Roboto" panose="02000000000000000000" pitchFamily="2" charset="0"/>
+                <a:cs typeface="Roboto" panose="02000000000000000000" pitchFamily="2" charset="0"/>
+              </a:rPr>
+              <a:t>Đặt</a:t>
+            </a:r>
+            <a:r>
+              <a:rPr lang="en-US" sz="2400" dirty="0">
+                <a:solidFill>
+                  <a:schemeClr val="tx1"/>
+                </a:solidFill>
+                <a:latin typeface="Roboto" panose="02000000000000000000" pitchFamily="2" charset="0"/>
+                <a:ea typeface="Roboto" panose="02000000000000000000" pitchFamily="2" charset="0"/>
+                <a:cs typeface="Roboto" panose="02000000000000000000" pitchFamily="2" charset="0"/>
+              </a:rPr>
+              <a:t> </a:t>
+            </a:r>
+            <a:r>
+              <a:rPr lang="en-US" sz="2400" dirty="0" err="1">
+                <a:solidFill>
+                  <a:schemeClr val="tx1"/>
+                </a:solidFill>
+                <a:latin typeface="Roboto" panose="02000000000000000000" pitchFamily="2" charset="0"/>
+                <a:ea typeface="Roboto" panose="02000000000000000000" pitchFamily="2" charset="0"/>
+                <a:cs typeface="Roboto" panose="02000000000000000000" pitchFamily="2" charset="0"/>
+              </a:rPr>
+              <a:t>nền</a:t>
+            </a:r>
+            <a:r>
+              <a:rPr lang="en-US" sz="2400" dirty="0">
+                <a:solidFill>
+                  <a:schemeClr val="tx1"/>
+                </a:solidFill>
+                <a:latin typeface="Roboto" panose="02000000000000000000" pitchFamily="2" charset="0"/>
+                <a:ea typeface="Roboto" panose="02000000000000000000" pitchFamily="2" charset="0"/>
+                <a:cs typeface="Roboto" panose="02000000000000000000" pitchFamily="2" charset="0"/>
+              </a:rPr>
+              <a:t> </a:t>
+            </a:r>
+            <a:r>
+              <a:rPr lang="en-US" sz="2400" dirty="0" err="1">
+                <a:solidFill>
+                  <a:schemeClr val="tx1"/>
+                </a:solidFill>
+                <a:latin typeface="Roboto" panose="02000000000000000000" pitchFamily="2" charset="0"/>
+                <a:ea typeface="Roboto" panose="02000000000000000000" pitchFamily="2" charset="0"/>
+                <a:cs typeface="Roboto" panose="02000000000000000000" pitchFamily="2" charset="0"/>
+              </a:rPr>
+              <a:t>tảng</a:t>
+            </a:r>
+            <a:r>
+              <a:rPr lang="en-US" sz="2400" dirty="0">
+                <a:solidFill>
+                  <a:schemeClr val="tx1"/>
+                </a:solidFill>
+                <a:latin typeface="Roboto" panose="02000000000000000000" pitchFamily="2" charset="0"/>
+                <a:ea typeface="Roboto" panose="02000000000000000000" pitchFamily="2" charset="0"/>
+                <a:cs typeface="Roboto" panose="02000000000000000000" pitchFamily="2" charset="0"/>
+              </a:rPr>
+              <a:t> UX </a:t>
+            </a:r>
+            <a:r>
+              <a:rPr lang="en-US" sz="2400" dirty="0" err="1">
+                <a:solidFill>
+                  <a:schemeClr val="tx1"/>
+                </a:solidFill>
+                <a:latin typeface="Roboto" panose="02000000000000000000" pitchFamily="2" charset="0"/>
+                <a:ea typeface="Roboto" panose="02000000000000000000" pitchFamily="2" charset="0"/>
+                <a:cs typeface="Roboto" panose="02000000000000000000" pitchFamily="2" charset="0"/>
+              </a:rPr>
+              <a:t>lên</a:t>
+            </a:r>
+            <a:r>
+              <a:rPr lang="en-US" sz="2400" dirty="0">
+                <a:solidFill>
+                  <a:schemeClr val="tx1"/>
+                </a:solidFill>
+                <a:latin typeface="Roboto" panose="02000000000000000000" pitchFamily="2" charset="0"/>
+                <a:ea typeface="Roboto" panose="02000000000000000000" pitchFamily="2" charset="0"/>
+                <a:cs typeface="Roboto" panose="02000000000000000000" pitchFamily="2" charset="0"/>
+              </a:rPr>
+              <a:t> </a:t>
+            </a:r>
+            <a:r>
+              <a:rPr lang="en-US" sz="2400" dirty="0" err="1">
+                <a:solidFill>
+                  <a:schemeClr val="tx1"/>
+                </a:solidFill>
+                <a:latin typeface="Roboto" panose="02000000000000000000" pitchFamily="2" charset="0"/>
+                <a:ea typeface="Roboto" panose="02000000000000000000" pitchFamily="2" charset="0"/>
+                <a:cs typeface="Roboto" panose="02000000000000000000" pitchFamily="2" charset="0"/>
+              </a:rPr>
+              <a:t>trước</a:t>
+            </a:r>
+            <a:r>
+              <a:rPr lang="en-US" sz="2400" dirty="0">
+                <a:solidFill>
+                  <a:schemeClr val="tx1"/>
+                </a:solidFill>
+                <a:latin typeface="Roboto" panose="02000000000000000000" pitchFamily="2" charset="0"/>
+                <a:ea typeface="Roboto" panose="02000000000000000000" pitchFamily="2" charset="0"/>
+                <a:cs typeface="Roboto" panose="02000000000000000000" pitchFamily="2" charset="0"/>
+              </a:rPr>
+              <a:t>.</a:t>
+            </a:r>
+          </a:p>
+          <a:p>
+            <a:pPr algn="just"/>
+            <a:r>
+              <a:rPr lang="en-US" sz="2400" dirty="0" err="1">
+                <a:solidFill>
+                  <a:schemeClr val="tx1"/>
+                </a:solidFill>
+                <a:latin typeface="Roboto" panose="02000000000000000000" pitchFamily="2" charset="0"/>
+                <a:ea typeface="Roboto" panose="02000000000000000000" pitchFamily="2" charset="0"/>
+                <a:cs typeface="Roboto" panose="02000000000000000000" pitchFamily="2" charset="0"/>
+              </a:rPr>
+              <a:t>Giảm</a:t>
+            </a:r>
+            <a:r>
+              <a:rPr lang="en-US" sz="2400" dirty="0">
+                <a:solidFill>
+                  <a:schemeClr val="tx1"/>
+                </a:solidFill>
+                <a:latin typeface="Roboto" panose="02000000000000000000" pitchFamily="2" charset="0"/>
+                <a:ea typeface="Roboto" panose="02000000000000000000" pitchFamily="2" charset="0"/>
+                <a:cs typeface="Roboto" panose="02000000000000000000" pitchFamily="2" charset="0"/>
+              </a:rPr>
+              <a:t> </a:t>
+            </a:r>
+            <a:r>
+              <a:rPr lang="en-US" sz="2400" dirty="0" err="1">
+                <a:solidFill>
+                  <a:schemeClr val="tx1"/>
+                </a:solidFill>
+                <a:latin typeface="Roboto" panose="02000000000000000000" pitchFamily="2" charset="0"/>
+                <a:ea typeface="Roboto" panose="02000000000000000000" pitchFamily="2" charset="0"/>
+                <a:cs typeface="Roboto" panose="02000000000000000000" pitchFamily="2" charset="0"/>
+              </a:rPr>
+              <a:t>thiểu</a:t>
+            </a:r>
+            <a:r>
+              <a:rPr lang="en-US" sz="2400" dirty="0">
+                <a:solidFill>
+                  <a:schemeClr val="tx1"/>
+                </a:solidFill>
+                <a:latin typeface="Roboto" panose="02000000000000000000" pitchFamily="2" charset="0"/>
+                <a:ea typeface="Roboto" panose="02000000000000000000" pitchFamily="2" charset="0"/>
+                <a:cs typeface="Roboto" panose="02000000000000000000" pitchFamily="2" charset="0"/>
+              </a:rPr>
+              <a:t> </a:t>
+            </a:r>
+            <a:r>
+              <a:rPr lang="en-US" sz="2400" dirty="0" err="1">
+                <a:solidFill>
+                  <a:schemeClr val="tx1"/>
+                </a:solidFill>
+                <a:latin typeface="Roboto" panose="02000000000000000000" pitchFamily="2" charset="0"/>
+                <a:ea typeface="Roboto" panose="02000000000000000000" pitchFamily="2" charset="0"/>
+                <a:cs typeface="Roboto" panose="02000000000000000000" pitchFamily="2" charset="0"/>
+              </a:rPr>
+              <a:t>tương</a:t>
+            </a:r>
+            <a:r>
+              <a:rPr lang="en-US" sz="2400" dirty="0">
+                <a:solidFill>
+                  <a:schemeClr val="tx1"/>
+                </a:solidFill>
+                <a:latin typeface="Roboto" panose="02000000000000000000" pitchFamily="2" charset="0"/>
+                <a:ea typeface="Roboto" panose="02000000000000000000" pitchFamily="2" charset="0"/>
+                <a:cs typeface="Roboto" panose="02000000000000000000" pitchFamily="2" charset="0"/>
+              </a:rPr>
+              <a:t> </a:t>
+            </a:r>
+            <a:r>
+              <a:rPr lang="en-US" sz="2400" dirty="0" err="1">
+                <a:solidFill>
+                  <a:schemeClr val="tx1"/>
+                </a:solidFill>
+                <a:latin typeface="Roboto" panose="02000000000000000000" pitchFamily="2" charset="0"/>
+                <a:ea typeface="Roboto" panose="02000000000000000000" pitchFamily="2" charset="0"/>
+                <a:cs typeface="Roboto" panose="02000000000000000000" pitchFamily="2" charset="0"/>
+              </a:rPr>
+              <a:t>tác</a:t>
+            </a:r>
+            <a:r>
+              <a:rPr lang="en-US" sz="2400" dirty="0">
+                <a:solidFill>
+                  <a:schemeClr val="tx1"/>
+                </a:solidFill>
+                <a:latin typeface="Roboto" panose="02000000000000000000" pitchFamily="2" charset="0"/>
+                <a:ea typeface="Roboto" panose="02000000000000000000" pitchFamily="2" charset="0"/>
+                <a:cs typeface="Roboto" panose="02000000000000000000" pitchFamily="2" charset="0"/>
+              </a:rPr>
+              <a:t> </a:t>
+            </a:r>
+            <a:r>
+              <a:rPr lang="en-US" sz="2400" dirty="0" err="1">
+                <a:solidFill>
+                  <a:schemeClr val="tx1"/>
+                </a:solidFill>
+                <a:latin typeface="Roboto" panose="02000000000000000000" pitchFamily="2" charset="0"/>
+                <a:ea typeface="Roboto" panose="02000000000000000000" pitchFamily="2" charset="0"/>
+                <a:cs typeface="Roboto" panose="02000000000000000000" pitchFamily="2" charset="0"/>
+              </a:rPr>
+              <a:t>với</a:t>
+            </a:r>
+            <a:r>
+              <a:rPr lang="en-US" sz="2400" dirty="0">
+                <a:solidFill>
+                  <a:schemeClr val="tx1"/>
+                </a:solidFill>
+                <a:latin typeface="Roboto" panose="02000000000000000000" pitchFamily="2" charset="0"/>
+                <a:ea typeface="Roboto" panose="02000000000000000000" pitchFamily="2" charset="0"/>
+                <a:cs typeface="Roboto" panose="02000000000000000000" pitchFamily="2" charset="0"/>
+              </a:rPr>
+              <a:t> Server, </a:t>
+            </a:r>
+            <a:r>
+              <a:rPr lang="en-US" sz="2400" dirty="0" err="1">
+                <a:solidFill>
+                  <a:schemeClr val="tx1"/>
+                </a:solidFill>
+                <a:latin typeface="Roboto" panose="02000000000000000000" pitchFamily="2" charset="0"/>
+                <a:ea typeface="Roboto" panose="02000000000000000000" pitchFamily="2" charset="0"/>
+                <a:cs typeface="Roboto" panose="02000000000000000000" pitchFamily="2" charset="0"/>
+              </a:rPr>
+              <a:t>để</a:t>
+            </a:r>
+            <a:r>
+              <a:rPr lang="en-US" sz="2400" dirty="0">
+                <a:solidFill>
+                  <a:schemeClr val="tx1"/>
+                </a:solidFill>
+                <a:latin typeface="Roboto" panose="02000000000000000000" pitchFamily="2" charset="0"/>
+                <a:ea typeface="Roboto" panose="02000000000000000000" pitchFamily="2" charset="0"/>
+                <a:cs typeface="Roboto" panose="02000000000000000000" pitchFamily="2" charset="0"/>
+              </a:rPr>
+              <a:t> </a:t>
+            </a:r>
+            <a:r>
+              <a:rPr lang="en-US" sz="2400" dirty="0" err="1">
+                <a:solidFill>
+                  <a:schemeClr val="tx1"/>
+                </a:solidFill>
+                <a:latin typeface="Roboto" panose="02000000000000000000" pitchFamily="2" charset="0"/>
+                <a:ea typeface="Roboto" panose="02000000000000000000" pitchFamily="2" charset="0"/>
+                <a:cs typeface="Roboto" panose="02000000000000000000" pitchFamily="2" charset="0"/>
+              </a:rPr>
+              <a:t>không</a:t>
+            </a:r>
+            <a:r>
+              <a:rPr lang="en-US" sz="2400" dirty="0">
+                <a:solidFill>
+                  <a:schemeClr val="tx1"/>
+                </a:solidFill>
+                <a:latin typeface="Roboto" panose="02000000000000000000" pitchFamily="2" charset="0"/>
+                <a:ea typeface="Roboto" panose="02000000000000000000" pitchFamily="2" charset="0"/>
+                <a:cs typeface="Roboto" panose="02000000000000000000" pitchFamily="2" charset="0"/>
+              </a:rPr>
+              <a:t> </a:t>
+            </a:r>
+            <a:r>
+              <a:rPr lang="en-US" sz="2400" dirty="0" err="1">
+                <a:solidFill>
+                  <a:schemeClr val="tx1"/>
+                </a:solidFill>
+                <a:latin typeface="Roboto" panose="02000000000000000000" pitchFamily="2" charset="0"/>
+                <a:ea typeface="Roboto" panose="02000000000000000000" pitchFamily="2" charset="0"/>
+                <a:cs typeface="Roboto" panose="02000000000000000000" pitchFamily="2" charset="0"/>
+              </a:rPr>
+              <a:t>quá</a:t>
+            </a:r>
+            <a:r>
+              <a:rPr lang="en-US" sz="2400" dirty="0">
+                <a:solidFill>
+                  <a:schemeClr val="tx1"/>
+                </a:solidFill>
+                <a:latin typeface="Roboto" panose="02000000000000000000" pitchFamily="2" charset="0"/>
+                <a:ea typeface="Roboto" panose="02000000000000000000" pitchFamily="2" charset="0"/>
+                <a:cs typeface="Roboto" panose="02000000000000000000" pitchFamily="2" charset="0"/>
+              </a:rPr>
+              <a:t> </a:t>
+            </a:r>
+            <a:r>
+              <a:rPr lang="en-US" sz="2400" dirty="0" err="1">
+                <a:solidFill>
+                  <a:schemeClr val="tx1"/>
+                </a:solidFill>
+                <a:latin typeface="Roboto" panose="02000000000000000000" pitchFamily="2" charset="0"/>
+                <a:ea typeface="Roboto" panose="02000000000000000000" pitchFamily="2" charset="0"/>
+                <a:cs typeface="Roboto" panose="02000000000000000000" pitchFamily="2" charset="0"/>
+              </a:rPr>
+              <a:t>phụ</a:t>
+            </a:r>
+            <a:r>
+              <a:rPr lang="en-US" sz="2400" dirty="0">
+                <a:solidFill>
+                  <a:schemeClr val="tx1"/>
+                </a:solidFill>
+                <a:latin typeface="Roboto" panose="02000000000000000000" pitchFamily="2" charset="0"/>
+                <a:ea typeface="Roboto" panose="02000000000000000000" pitchFamily="2" charset="0"/>
+                <a:cs typeface="Roboto" panose="02000000000000000000" pitchFamily="2" charset="0"/>
+              </a:rPr>
+              <a:t> </a:t>
+            </a:r>
+            <a:r>
+              <a:rPr lang="en-US" sz="2400" dirty="0" err="1">
+                <a:solidFill>
+                  <a:schemeClr val="tx1"/>
+                </a:solidFill>
+                <a:latin typeface="Roboto" panose="02000000000000000000" pitchFamily="2" charset="0"/>
+                <a:ea typeface="Roboto" panose="02000000000000000000" pitchFamily="2" charset="0"/>
+                <a:cs typeface="Roboto" panose="02000000000000000000" pitchFamily="2" charset="0"/>
+              </a:rPr>
+              <a:t>thuộc</a:t>
+            </a:r>
+            <a:r>
+              <a:rPr lang="en-US" sz="2400" dirty="0">
+                <a:solidFill>
+                  <a:schemeClr val="tx1"/>
+                </a:solidFill>
+                <a:latin typeface="Roboto" panose="02000000000000000000" pitchFamily="2" charset="0"/>
+                <a:ea typeface="Roboto" panose="02000000000000000000" pitchFamily="2" charset="0"/>
+                <a:cs typeface="Roboto" panose="02000000000000000000" pitchFamily="2" charset="0"/>
+              </a:rPr>
+              <a:t>.</a:t>
+            </a:r>
+          </a:p>
+          <a:p>
+            <a:pPr algn="just"/>
+            <a:r>
+              <a:rPr lang="en-US" sz="2400" dirty="0" err="1">
+                <a:solidFill>
+                  <a:schemeClr val="tx1"/>
+                </a:solidFill>
+                <a:latin typeface="Roboto" panose="02000000000000000000" pitchFamily="2" charset="0"/>
+                <a:ea typeface="Roboto" panose="02000000000000000000" pitchFamily="2" charset="0"/>
+                <a:cs typeface="Roboto" panose="02000000000000000000" pitchFamily="2" charset="0"/>
+              </a:rPr>
+              <a:t>Đặt</a:t>
+            </a:r>
+            <a:r>
+              <a:rPr lang="en-US" sz="2400" dirty="0">
+                <a:solidFill>
+                  <a:schemeClr val="tx1"/>
+                </a:solidFill>
+                <a:latin typeface="Roboto" panose="02000000000000000000" pitchFamily="2" charset="0"/>
+                <a:ea typeface="Roboto" panose="02000000000000000000" pitchFamily="2" charset="0"/>
+                <a:cs typeface="Roboto" panose="02000000000000000000" pitchFamily="2" charset="0"/>
+              </a:rPr>
+              <a:t> </a:t>
+            </a:r>
+            <a:r>
+              <a:rPr lang="en-US" sz="2400" dirty="0" err="1">
+                <a:solidFill>
+                  <a:schemeClr val="tx1"/>
+                </a:solidFill>
+                <a:latin typeface="Roboto" panose="02000000000000000000" pitchFamily="2" charset="0"/>
+                <a:ea typeface="Roboto" panose="02000000000000000000" pitchFamily="2" charset="0"/>
+                <a:cs typeface="Roboto" panose="02000000000000000000" pitchFamily="2" charset="0"/>
+              </a:rPr>
+              <a:t>trên</a:t>
+            </a:r>
+            <a:r>
+              <a:rPr lang="en-US" sz="2400" dirty="0">
+                <a:solidFill>
+                  <a:schemeClr val="tx1"/>
+                </a:solidFill>
+                <a:latin typeface="Roboto" panose="02000000000000000000" pitchFamily="2" charset="0"/>
+                <a:ea typeface="Roboto" panose="02000000000000000000" pitchFamily="2" charset="0"/>
+                <a:cs typeface="Roboto" panose="02000000000000000000" pitchFamily="2" charset="0"/>
+              </a:rPr>
+              <a:t> </a:t>
+            </a:r>
+            <a:r>
+              <a:rPr lang="en-US" sz="2400" dirty="0" err="1">
+                <a:solidFill>
+                  <a:schemeClr val="tx1"/>
+                </a:solidFill>
+                <a:latin typeface="Roboto" panose="02000000000000000000" pitchFamily="2" charset="0"/>
+                <a:ea typeface="Roboto" panose="02000000000000000000" pitchFamily="2" charset="0"/>
+                <a:cs typeface="Roboto" panose="02000000000000000000" pitchFamily="2" charset="0"/>
+              </a:rPr>
+              <a:t>nền</a:t>
+            </a:r>
+            <a:r>
+              <a:rPr lang="en-US" sz="2400" dirty="0">
+                <a:solidFill>
+                  <a:schemeClr val="tx1"/>
+                </a:solidFill>
+                <a:latin typeface="Roboto" panose="02000000000000000000" pitchFamily="2" charset="0"/>
+                <a:ea typeface="Roboto" panose="02000000000000000000" pitchFamily="2" charset="0"/>
+                <a:cs typeface="Roboto" panose="02000000000000000000" pitchFamily="2" charset="0"/>
+              </a:rPr>
+              <a:t> </a:t>
+            </a:r>
+            <a:r>
+              <a:rPr lang="en-US" sz="2400" dirty="0" err="1">
+                <a:solidFill>
+                  <a:schemeClr val="tx1"/>
+                </a:solidFill>
+                <a:latin typeface="Roboto" panose="02000000000000000000" pitchFamily="2" charset="0"/>
+                <a:ea typeface="Roboto" panose="02000000000000000000" pitchFamily="2" charset="0"/>
+                <a:cs typeface="Roboto" panose="02000000000000000000" pitchFamily="2" charset="0"/>
+              </a:rPr>
+              <a:t>tảng</a:t>
+            </a:r>
+            <a:r>
+              <a:rPr lang="en-US" sz="2400" dirty="0">
+                <a:solidFill>
+                  <a:schemeClr val="tx1"/>
+                </a:solidFill>
+                <a:latin typeface="Roboto" panose="02000000000000000000" pitchFamily="2" charset="0"/>
+                <a:ea typeface="Roboto" panose="02000000000000000000" pitchFamily="2" charset="0"/>
+                <a:cs typeface="Roboto" panose="02000000000000000000" pitchFamily="2" charset="0"/>
+              </a:rPr>
+              <a:t> </a:t>
+            </a:r>
+            <a:r>
+              <a:rPr lang="en-US" sz="2400" dirty="0" err="1">
+                <a:solidFill>
+                  <a:schemeClr val="tx1"/>
+                </a:solidFill>
+                <a:latin typeface="Roboto" panose="02000000000000000000" pitchFamily="2" charset="0"/>
+                <a:ea typeface="Roboto" panose="02000000000000000000" pitchFamily="2" charset="0"/>
+                <a:cs typeface="Roboto" panose="02000000000000000000" pitchFamily="2" charset="0"/>
+              </a:rPr>
+              <a:t>của</a:t>
+            </a:r>
+            <a:r>
+              <a:rPr lang="en-US" sz="2400" dirty="0">
+                <a:solidFill>
+                  <a:schemeClr val="tx1"/>
+                </a:solidFill>
+                <a:latin typeface="Roboto" panose="02000000000000000000" pitchFamily="2" charset="0"/>
+                <a:ea typeface="Roboto" panose="02000000000000000000" pitchFamily="2" charset="0"/>
+                <a:cs typeface="Roboto" panose="02000000000000000000" pitchFamily="2" charset="0"/>
+              </a:rPr>
+              <a:t> HTML </a:t>
+            </a:r>
+            <a:r>
+              <a:rPr lang="en-US" sz="2400" dirty="0" err="1">
+                <a:solidFill>
+                  <a:schemeClr val="tx1"/>
+                </a:solidFill>
+                <a:latin typeface="Roboto" panose="02000000000000000000" pitchFamily="2" charset="0"/>
+                <a:ea typeface="Roboto" panose="02000000000000000000" pitchFamily="2" charset="0"/>
+                <a:cs typeface="Roboto" panose="02000000000000000000" pitchFamily="2" charset="0"/>
+              </a:rPr>
+              <a:t>nên</a:t>
+            </a:r>
+            <a:r>
+              <a:rPr lang="en-US" sz="2400" dirty="0">
+                <a:solidFill>
+                  <a:schemeClr val="tx1"/>
+                </a:solidFill>
+                <a:latin typeface="Roboto" panose="02000000000000000000" pitchFamily="2" charset="0"/>
+                <a:ea typeface="Roboto" panose="02000000000000000000" pitchFamily="2" charset="0"/>
+                <a:cs typeface="Roboto" panose="02000000000000000000" pitchFamily="2" charset="0"/>
+              </a:rPr>
+              <a:t> </a:t>
+            </a:r>
+            <a:r>
+              <a:rPr lang="en-US" sz="2400" dirty="0" err="1">
+                <a:solidFill>
+                  <a:schemeClr val="tx1"/>
+                </a:solidFill>
+                <a:latin typeface="Roboto" panose="02000000000000000000" pitchFamily="2" charset="0"/>
+                <a:ea typeface="Roboto" panose="02000000000000000000" pitchFamily="2" charset="0"/>
+                <a:cs typeface="Roboto" panose="02000000000000000000" pitchFamily="2" charset="0"/>
+              </a:rPr>
+              <a:t>chương</a:t>
+            </a:r>
+            <a:r>
+              <a:rPr lang="en-US" sz="2400" dirty="0">
+                <a:solidFill>
+                  <a:schemeClr val="tx1"/>
+                </a:solidFill>
+                <a:latin typeface="Roboto" panose="02000000000000000000" pitchFamily="2" charset="0"/>
+                <a:ea typeface="Roboto" panose="02000000000000000000" pitchFamily="2" charset="0"/>
+                <a:cs typeface="Roboto" panose="02000000000000000000" pitchFamily="2" charset="0"/>
+              </a:rPr>
+              <a:t> </a:t>
+            </a:r>
+            <a:r>
+              <a:rPr lang="en-US" sz="2400" dirty="0" err="1">
+                <a:solidFill>
+                  <a:schemeClr val="tx1"/>
+                </a:solidFill>
+                <a:latin typeface="Roboto" panose="02000000000000000000" pitchFamily="2" charset="0"/>
+                <a:ea typeface="Roboto" panose="02000000000000000000" pitchFamily="2" charset="0"/>
+                <a:cs typeface="Roboto" panose="02000000000000000000" pitchFamily="2" charset="0"/>
+              </a:rPr>
+              <a:t>trình</a:t>
+            </a:r>
+            <a:r>
+              <a:rPr lang="en-US" sz="2400" dirty="0">
+                <a:solidFill>
+                  <a:schemeClr val="tx1"/>
+                </a:solidFill>
+                <a:latin typeface="Roboto" panose="02000000000000000000" pitchFamily="2" charset="0"/>
+                <a:ea typeface="Roboto" panose="02000000000000000000" pitchFamily="2" charset="0"/>
+                <a:cs typeface="Roboto" panose="02000000000000000000" pitchFamily="2" charset="0"/>
+              </a:rPr>
+              <a:t> </a:t>
+            </a:r>
+            <a:r>
+              <a:rPr lang="en-US" sz="2400" dirty="0" err="1">
+                <a:solidFill>
+                  <a:schemeClr val="tx1"/>
+                </a:solidFill>
+                <a:latin typeface="Roboto" panose="02000000000000000000" pitchFamily="2" charset="0"/>
+                <a:ea typeface="Roboto" panose="02000000000000000000" pitchFamily="2" charset="0"/>
+                <a:cs typeface="Roboto" panose="02000000000000000000" pitchFamily="2" charset="0"/>
+              </a:rPr>
+              <a:t>có</a:t>
+            </a:r>
+            <a:r>
+              <a:rPr lang="en-US" sz="2400" dirty="0">
+                <a:solidFill>
+                  <a:schemeClr val="tx1"/>
+                </a:solidFill>
+                <a:latin typeface="Roboto" panose="02000000000000000000" pitchFamily="2" charset="0"/>
+                <a:ea typeface="Roboto" panose="02000000000000000000" pitchFamily="2" charset="0"/>
+                <a:cs typeface="Roboto" panose="02000000000000000000" pitchFamily="2" charset="0"/>
+              </a:rPr>
+              <a:t> </a:t>
+            </a:r>
+            <a:r>
+              <a:rPr lang="en-US" sz="2400" dirty="0" err="1">
+                <a:solidFill>
+                  <a:schemeClr val="tx1"/>
+                </a:solidFill>
+                <a:latin typeface="Roboto" panose="02000000000000000000" pitchFamily="2" charset="0"/>
+                <a:ea typeface="Roboto" panose="02000000000000000000" pitchFamily="2" charset="0"/>
+                <a:cs typeface="Roboto" panose="02000000000000000000" pitchFamily="2" charset="0"/>
+              </a:rPr>
+              <a:t>thể</a:t>
+            </a:r>
+            <a:r>
+              <a:rPr lang="en-US" sz="2400" dirty="0">
+                <a:solidFill>
+                  <a:schemeClr val="tx1"/>
+                </a:solidFill>
+                <a:latin typeface="Roboto" panose="02000000000000000000" pitchFamily="2" charset="0"/>
+                <a:ea typeface="Roboto" panose="02000000000000000000" pitchFamily="2" charset="0"/>
+                <a:cs typeface="Roboto" panose="02000000000000000000" pitchFamily="2" charset="0"/>
+              </a:rPr>
+              <a:t> </a:t>
+            </a:r>
+            <a:r>
+              <a:rPr lang="en-US" sz="2400" dirty="0" err="1">
+                <a:solidFill>
+                  <a:schemeClr val="tx1"/>
+                </a:solidFill>
+                <a:latin typeface="Roboto" panose="02000000000000000000" pitchFamily="2" charset="0"/>
+                <a:ea typeface="Roboto" panose="02000000000000000000" pitchFamily="2" charset="0"/>
+                <a:cs typeface="Roboto" panose="02000000000000000000" pitchFamily="2" charset="0"/>
+              </a:rPr>
+              <a:t>chạy</a:t>
+            </a:r>
+            <a:r>
+              <a:rPr lang="en-US" sz="2400" dirty="0">
+                <a:solidFill>
+                  <a:schemeClr val="tx1"/>
+                </a:solidFill>
+                <a:latin typeface="Roboto" panose="02000000000000000000" pitchFamily="2" charset="0"/>
+                <a:ea typeface="Roboto" panose="02000000000000000000" pitchFamily="2" charset="0"/>
+                <a:cs typeface="Roboto" panose="02000000000000000000" pitchFamily="2" charset="0"/>
+              </a:rPr>
+              <a:t> </a:t>
+            </a:r>
+            <a:r>
+              <a:rPr lang="en-US" sz="2400" dirty="0" err="1">
+                <a:solidFill>
+                  <a:schemeClr val="tx1"/>
+                </a:solidFill>
+                <a:latin typeface="Roboto" panose="02000000000000000000" pitchFamily="2" charset="0"/>
+                <a:ea typeface="Roboto" panose="02000000000000000000" pitchFamily="2" charset="0"/>
+                <a:cs typeface="Roboto" panose="02000000000000000000" pitchFamily="2" charset="0"/>
+              </a:rPr>
+              <a:t>mượt</a:t>
+            </a:r>
+            <a:r>
+              <a:rPr lang="en-US" sz="2400" dirty="0">
+                <a:solidFill>
+                  <a:schemeClr val="tx1"/>
+                </a:solidFill>
+                <a:latin typeface="Roboto" panose="02000000000000000000" pitchFamily="2" charset="0"/>
+                <a:ea typeface="Roboto" panose="02000000000000000000" pitchFamily="2" charset="0"/>
+                <a:cs typeface="Roboto" panose="02000000000000000000" pitchFamily="2" charset="0"/>
+              </a:rPr>
+              <a:t>.</a:t>
+            </a:r>
+          </a:p>
+        </p:txBody>
+      </p:sp>
+      <p:sp>
+        <p:nvSpPr>
+          <p:cNvPr id="6" name="Rectangle 5">
+            <a:extLst>
+              <a:ext uri="{FF2B5EF4-FFF2-40B4-BE49-F238E27FC236}">
+                <a16:creationId xmlns:a16="http://schemas.microsoft.com/office/drawing/2014/main" id="{7168A44A-58C9-CD27-F2A6-0A9B99C0A3F8}"/>
+              </a:ext>
+            </a:extLst>
+          </p:cNvPr>
+          <p:cNvSpPr/>
+          <p:nvPr/>
+        </p:nvSpPr>
+        <p:spPr>
+          <a:xfrm>
+            <a:off x="7335079" y="1895059"/>
+            <a:ext cx="3889512" cy="4108173"/>
+          </a:xfrm>
+          <a:prstGeom prst="rect">
+            <a:avLst/>
+          </a:prstGeom>
+          <a:noFill/>
+          <a:ln w="190500">
+            <a:solidFill>
+              <a:srgbClr val="FFFF00"/>
+            </a:solidFill>
+          </a:ln>
+        </p:spPr>
+        <p:style>
+          <a:lnRef idx="2">
+            <a:schemeClr val="accent1">
+              <a:shade val="50000"/>
+            </a:schemeClr>
+          </a:lnRef>
+          <a:fillRef idx="1">
+            <a:schemeClr val="accent1"/>
+          </a:fillRef>
+          <a:effectRef idx="0">
+            <a:schemeClr val="accent1"/>
+          </a:effectRef>
+          <a:fontRef idx="minor">
+            <a:schemeClr val="lt1"/>
+          </a:fontRef>
+        </p:style>
+        <p:txBody>
+          <a:bodyPr rtlCol="0" anchor="ctr"/>
+          <a:lstStyle/>
+          <a:p>
+            <a:pPr algn="just"/>
+            <a:r>
+              <a:rPr lang="en-US" sz="2400" b="1" dirty="0" err="1">
+                <a:solidFill>
+                  <a:schemeClr val="tx1"/>
+                </a:solidFill>
+                <a:latin typeface="Roboto" panose="02000000000000000000" pitchFamily="2" charset="0"/>
+                <a:ea typeface="Roboto" panose="02000000000000000000" pitchFamily="2" charset="0"/>
+                <a:cs typeface="Roboto" panose="02000000000000000000" pitchFamily="2" charset="0"/>
+              </a:rPr>
+              <a:t>Nhược</a:t>
+            </a:r>
+            <a:r>
+              <a:rPr lang="en-US" sz="2400" b="1" dirty="0">
+                <a:solidFill>
+                  <a:schemeClr val="tx1"/>
+                </a:solidFill>
+                <a:latin typeface="Roboto" panose="02000000000000000000" pitchFamily="2" charset="0"/>
+                <a:ea typeface="Roboto" panose="02000000000000000000" pitchFamily="2" charset="0"/>
+                <a:cs typeface="Roboto" panose="02000000000000000000" pitchFamily="2" charset="0"/>
+              </a:rPr>
+              <a:t> </a:t>
+            </a:r>
+            <a:r>
+              <a:rPr lang="en-US" sz="2400" b="1" dirty="0" err="1">
+                <a:solidFill>
+                  <a:schemeClr val="tx1"/>
+                </a:solidFill>
+                <a:latin typeface="Roboto" panose="02000000000000000000" pitchFamily="2" charset="0"/>
+                <a:ea typeface="Roboto" panose="02000000000000000000" pitchFamily="2" charset="0"/>
+                <a:cs typeface="Roboto" panose="02000000000000000000" pitchFamily="2" charset="0"/>
+              </a:rPr>
+              <a:t>điểm</a:t>
+            </a:r>
+            <a:endParaRPr lang="en-US" sz="2400" b="1" dirty="0">
+              <a:solidFill>
+                <a:schemeClr val="tx1"/>
+              </a:solidFill>
+              <a:latin typeface="Roboto" panose="02000000000000000000" pitchFamily="2" charset="0"/>
+              <a:ea typeface="Roboto" panose="02000000000000000000" pitchFamily="2" charset="0"/>
+              <a:cs typeface="Roboto" panose="02000000000000000000" pitchFamily="2" charset="0"/>
+            </a:endParaRPr>
+          </a:p>
+          <a:p>
+            <a:pPr algn="just"/>
+            <a:r>
+              <a:rPr lang="en-US" sz="2400" dirty="0" err="1">
+                <a:solidFill>
+                  <a:schemeClr val="tx1"/>
+                </a:solidFill>
+                <a:latin typeface="Roboto" panose="02000000000000000000" pitchFamily="2" charset="0"/>
+                <a:ea typeface="Roboto" panose="02000000000000000000" pitchFamily="2" charset="0"/>
+                <a:cs typeface="Roboto" panose="02000000000000000000" pitchFamily="2" charset="0"/>
+              </a:rPr>
+              <a:t>Tốt</a:t>
+            </a:r>
+            <a:r>
+              <a:rPr lang="en-US" sz="2400" dirty="0">
+                <a:solidFill>
+                  <a:schemeClr val="tx1"/>
+                </a:solidFill>
+                <a:latin typeface="Roboto" panose="02000000000000000000" pitchFamily="2" charset="0"/>
+                <a:ea typeface="Roboto" panose="02000000000000000000" pitchFamily="2" charset="0"/>
+                <a:cs typeface="Roboto" panose="02000000000000000000" pitchFamily="2" charset="0"/>
+              </a:rPr>
+              <a:t> </a:t>
+            </a:r>
+            <a:r>
+              <a:rPr lang="en-US" sz="2400" dirty="0" err="1">
+                <a:solidFill>
+                  <a:schemeClr val="tx1"/>
+                </a:solidFill>
+                <a:latin typeface="Roboto" panose="02000000000000000000" pitchFamily="2" charset="0"/>
+                <a:ea typeface="Roboto" panose="02000000000000000000" pitchFamily="2" charset="0"/>
+                <a:cs typeface="Roboto" panose="02000000000000000000" pitchFamily="2" charset="0"/>
+              </a:rPr>
+              <a:t>ưu</a:t>
+            </a:r>
+            <a:r>
+              <a:rPr lang="en-US" sz="2400" dirty="0">
+                <a:solidFill>
+                  <a:schemeClr val="tx1"/>
+                </a:solidFill>
+                <a:latin typeface="Roboto" panose="02000000000000000000" pitchFamily="2" charset="0"/>
+                <a:ea typeface="Roboto" panose="02000000000000000000" pitchFamily="2" charset="0"/>
+                <a:cs typeface="Roboto" panose="02000000000000000000" pitchFamily="2" charset="0"/>
+              </a:rPr>
+              <a:t> </a:t>
+            </a:r>
+            <a:r>
+              <a:rPr lang="en-US" sz="2400" dirty="0" err="1">
+                <a:solidFill>
+                  <a:schemeClr val="tx1"/>
+                </a:solidFill>
+                <a:latin typeface="Roboto" panose="02000000000000000000" pitchFamily="2" charset="0"/>
+                <a:ea typeface="Roboto" panose="02000000000000000000" pitchFamily="2" charset="0"/>
+                <a:cs typeface="Roboto" panose="02000000000000000000" pitchFamily="2" charset="0"/>
+              </a:rPr>
+              <a:t>vận</a:t>
+            </a:r>
+            <a:r>
+              <a:rPr lang="en-US" sz="2400" dirty="0">
+                <a:solidFill>
+                  <a:schemeClr val="tx1"/>
+                </a:solidFill>
+                <a:latin typeface="Roboto" panose="02000000000000000000" pitchFamily="2" charset="0"/>
+                <a:ea typeface="Roboto" panose="02000000000000000000" pitchFamily="2" charset="0"/>
+                <a:cs typeface="Roboto" panose="02000000000000000000" pitchFamily="2" charset="0"/>
+              </a:rPr>
+              <a:t> </a:t>
+            </a:r>
+            <a:r>
+              <a:rPr lang="en-US" sz="2400" dirty="0" err="1">
+                <a:solidFill>
+                  <a:schemeClr val="tx1"/>
+                </a:solidFill>
+                <a:latin typeface="Roboto" panose="02000000000000000000" pitchFamily="2" charset="0"/>
+                <a:ea typeface="Roboto" panose="02000000000000000000" pitchFamily="2" charset="0"/>
+                <a:cs typeface="Roboto" panose="02000000000000000000" pitchFamily="2" charset="0"/>
+              </a:rPr>
+              <a:t>hành</a:t>
+            </a:r>
+            <a:r>
+              <a:rPr lang="en-US" sz="2400" dirty="0">
+                <a:solidFill>
+                  <a:schemeClr val="tx1"/>
+                </a:solidFill>
+                <a:latin typeface="Roboto" panose="02000000000000000000" pitchFamily="2" charset="0"/>
+                <a:ea typeface="Roboto" panose="02000000000000000000" pitchFamily="2" charset="0"/>
+                <a:cs typeface="Roboto" panose="02000000000000000000" pitchFamily="2" charset="0"/>
+              </a:rPr>
+              <a:t> </a:t>
+            </a:r>
+            <a:r>
+              <a:rPr lang="en-US" sz="2400" dirty="0" err="1">
+                <a:solidFill>
+                  <a:schemeClr val="tx1"/>
+                </a:solidFill>
+                <a:latin typeface="Roboto" panose="02000000000000000000" pitchFamily="2" charset="0"/>
+                <a:ea typeface="Roboto" panose="02000000000000000000" pitchFamily="2" charset="0"/>
+                <a:cs typeface="Roboto" panose="02000000000000000000" pitchFamily="2" charset="0"/>
+              </a:rPr>
+              <a:t>chưa</a:t>
+            </a:r>
+            <a:r>
+              <a:rPr lang="en-US" sz="2400" dirty="0">
+                <a:solidFill>
+                  <a:schemeClr val="tx1"/>
+                </a:solidFill>
+                <a:latin typeface="Roboto" panose="02000000000000000000" pitchFamily="2" charset="0"/>
+                <a:ea typeface="Roboto" panose="02000000000000000000" pitchFamily="2" charset="0"/>
+                <a:cs typeface="Roboto" panose="02000000000000000000" pitchFamily="2" charset="0"/>
+              </a:rPr>
+              <a:t> </a:t>
+            </a:r>
+            <a:r>
+              <a:rPr lang="en-US" sz="2400" dirty="0" err="1">
+                <a:solidFill>
+                  <a:schemeClr val="tx1"/>
+                </a:solidFill>
+                <a:latin typeface="Roboto" panose="02000000000000000000" pitchFamily="2" charset="0"/>
+                <a:ea typeface="Roboto" panose="02000000000000000000" pitchFamily="2" charset="0"/>
+                <a:cs typeface="Roboto" panose="02000000000000000000" pitchFamily="2" charset="0"/>
+              </a:rPr>
+              <a:t>tốt</a:t>
+            </a:r>
+            <a:r>
+              <a:rPr lang="en-US" sz="2400" dirty="0">
+                <a:solidFill>
+                  <a:schemeClr val="tx1"/>
+                </a:solidFill>
+                <a:latin typeface="Roboto" panose="02000000000000000000" pitchFamily="2" charset="0"/>
+                <a:ea typeface="Roboto" panose="02000000000000000000" pitchFamily="2" charset="0"/>
+                <a:cs typeface="Roboto" panose="02000000000000000000" pitchFamily="2" charset="0"/>
+              </a:rPr>
+              <a:t>.</a:t>
+            </a:r>
+          </a:p>
+          <a:p>
+            <a:pPr algn="just"/>
+            <a:r>
+              <a:rPr lang="en-US" sz="2400" dirty="0" err="1">
+                <a:solidFill>
+                  <a:schemeClr val="tx1"/>
+                </a:solidFill>
+                <a:latin typeface="Roboto" panose="02000000000000000000" pitchFamily="2" charset="0"/>
+                <a:ea typeface="Roboto" panose="02000000000000000000" pitchFamily="2" charset="0"/>
+                <a:cs typeface="Roboto" panose="02000000000000000000" pitchFamily="2" charset="0"/>
+              </a:rPr>
+              <a:t>Để</a:t>
+            </a:r>
+            <a:r>
+              <a:rPr lang="en-US" sz="2400" dirty="0">
+                <a:solidFill>
+                  <a:schemeClr val="tx1"/>
+                </a:solidFill>
+                <a:latin typeface="Roboto" panose="02000000000000000000" pitchFamily="2" charset="0"/>
+                <a:ea typeface="Roboto" panose="02000000000000000000" pitchFamily="2" charset="0"/>
+                <a:cs typeface="Roboto" panose="02000000000000000000" pitchFamily="2" charset="0"/>
+              </a:rPr>
+              <a:t> </a:t>
+            </a:r>
+            <a:r>
+              <a:rPr lang="en-US" sz="2400" dirty="0" err="1">
+                <a:solidFill>
+                  <a:schemeClr val="tx1"/>
+                </a:solidFill>
+                <a:latin typeface="Roboto" panose="02000000000000000000" pitchFamily="2" charset="0"/>
+                <a:ea typeface="Roboto" panose="02000000000000000000" pitchFamily="2" charset="0"/>
+                <a:cs typeface="Roboto" panose="02000000000000000000" pitchFamily="2" charset="0"/>
+              </a:rPr>
+              <a:t>vận</a:t>
+            </a:r>
+            <a:r>
+              <a:rPr lang="en-US" sz="2400" dirty="0">
+                <a:solidFill>
+                  <a:schemeClr val="tx1"/>
+                </a:solidFill>
+                <a:latin typeface="Roboto" panose="02000000000000000000" pitchFamily="2" charset="0"/>
+                <a:ea typeface="Roboto" panose="02000000000000000000" pitchFamily="2" charset="0"/>
+                <a:cs typeface="Roboto" panose="02000000000000000000" pitchFamily="2" charset="0"/>
+              </a:rPr>
+              <a:t> </a:t>
+            </a:r>
+            <a:r>
+              <a:rPr lang="en-US" sz="2400" dirty="0" err="1">
+                <a:solidFill>
+                  <a:schemeClr val="tx1"/>
+                </a:solidFill>
+                <a:latin typeface="Roboto" panose="02000000000000000000" pitchFamily="2" charset="0"/>
+                <a:ea typeface="Roboto" panose="02000000000000000000" pitchFamily="2" charset="0"/>
+                <a:cs typeface="Roboto" panose="02000000000000000000" pitchFamily="2" charset="0"/>
+              </a:rPr>
+              <a:t>hành</a:t>
+            </a:r>
+            <a:r>
+              <a:rPr lang="en-US" sz="2400" dirty="0">
+                <a:solidFill>
+                  <a:schemeClr val="tx1"/>
+                </a:solidFill>
+                <a:latin typeface="Roboto" panose="02000000000000000000" pitchFamily="2" charset="0"/>
+                <a:ea typeface="Roboto" panose="02000000000000000000" pitchFamily="2" charset="0"/>
+                <a:cs typeface="Roboto" panose="02000000000000000000" pitchFamily="2" charset="0"/>
+              </a:rPr>
+              <a:t> </a:t>
+            </a:r>
+            <a:r>
+              <a:rPr lang="en-US" sz="2400" dirty="0" err="1">
+                <a:solidFill>
+                  <a:schemeClr val="tx1"/>
+                </a:solidFill>
+                <a:latin typeface="Roboto" panose="02000000000000000000" pitchFamily="2" charset="0"/>
+                <a:ea typeface="Roboto" panose="02000000000000000000" pitchFamily="2" charset="0"/>
+                <a:cs typeface="Roboto" panose="02000000000000000000" pitchFamily="2" charset="0"/>
+              </a:rPr>
+              <a:t>được</a:t>
+            </a:r>
+            <a:r>
+              <a:rPr lang="en-US" sz="2400" dirty="0">
+                <a:solidFill>
+                  <a:schemeClr val="tx1"/>
+                </a:solidFill>
+                <a:latin typeface="Roboto" panose="02000000000000000000" pitchFamily="2" charset="0"/>
+                <a:ea typeface="Roboto" panose="02000000000000000000" pitchFamily="2" charset="0"/>
+                <a:cs typeface="Roboto" panose="02000000000000000000" pitchFamily="2" charset="0"/>
+              </a:rPr>
+              <a:t> </a:t>
+            </a:r>
+            <a:r>
+              <a:rPr lang="en-US" sz="2400" dirty="0" err="1">
+                <a:solidFill>
+                  <a:schemeClr val="tx1"/>
+                </a:solidFill>
+                <a:latin typeface="Roboto" panose="02000000000000000000" pitchFamily="2" charset="0"/>
+                <a:ea typeface="Roboto" panose="02000000000000000000" pitchFamily="2" charset="0"/>
+                <a:cs typeface="Roboto" panose="02000000000000000000" pitchFamily="2" charset="0"/>
+              </a:rPr>
+              <a:t>chương</a:t>
+            </a:r>
+            <a:r>
+              <a:rPr lang="en-US" sz="2400" dirty="0">
+                <a:solidFill>
+                  <a:schemeClr val="tx1"/>
+                </a:solidFill>
+                <a:latin typeface="Roboto" panose="02000000000000000000" pitchFamily="2" charset="0"/>
+                <a:ea typeface="Roboto" panose="02000000000000000000" pitchFamily="2" charset="0"/>
+                <a:cs typeface="Roboto" panose="02000000000000000000" pitchFamily="2" charset="0"/>
+              </a:rPr>
+              <a:t> </a:t>
+            </a:r>
+            <a:r>
+              <a:rPr lang="en-US" sz="2400" dirty="0" err="1">
+                <a:solidFill>
+                  <a:schemeClr val="tx1"/>
+                </a:solidFill>
+                <a:latin typeface="Roboto" panose="02000000000000000000" pitchFamily="2" charset="0"/>
+                <a:ea typeface="Roboto" panose="02000000000000000000" pitchFamily="2" charset="0"/>
+                <a:cs typeface="Roboto" panose="02000000000000000000" pitchFamily="2" charset="0"/>
+              </a:rPr>
+              <a:t>trình</a:t>
+            </a:r>
+            <a:r>
+              <a:rPr lang="en-US" sz="2400" dirty="0">
+                <a:solidFill>
+                  <a:schemeClr val="tx1"/>
+                </a:solidFill>
+                <a:latin typeface="Roboto" panose="02000000000000000000" pitchFamily="2" charset="0"/>
+                <a:ea typeface="Roboto" panose="02000000000000000000" pitchFamily="2" charset="0"/>
+                <a:cs typeface="Roboto" panose="02000000000000000000" pitchFamily="2" charset="0"/>
+              </a:rPr>
+              <a:t> </a:t>
+            </a:r>
+            <a:r>
+              <a:rPr lang="en-US" sz="2400" dirty="0" err="1">
+                <a:solidFill>
+                  <a:schemeClr val="tx1"/>
+                </a:solidFill>
+                <a:latin typeface="Roboto" panose="02000000000000000000" pitchFamily="2" charset="0"/>
+                <a:ea typeface="Roboto" panose="02000000000000000000" pitchFamily="2" charset="0"/>
+                <a:cs typeface="Roboto" panose="02000000000000000000" pitchFamily="2" charset="0"/>
+              </a:rPr>
+              <a:t>phải</a:t>
+            </a:r>
+            <a:r>
+              <a:rPr lang="en-US" sz="2400" dirty="0">
+                <a:solidFill>
+                  <a:schemeClr val="tx1"/>
+                </a:solidFill>
+                <a:latin typeface="Roboto" panose="02000000000000000000" pitchFamily="2" charset="0"/>
+                <a:ea typeface="Roboto" panose="02000000000000000000" pitchFamily="2" charset="0"/>
+                <a:cs typeface="Roboto" panose="02000000000000000000" pitchFamily="2" charset="0"/>
+              </a:rPr>
+              <a:t> </a:t>
+            </a:r>
+            <a:r>
+              <a:rPr lang="en-US" sz="2400" dirty="0" err="1">
+                <a:solidFill>
+                  <a:schemeClr val="tx1"/>
+                </a:solidFill>
+                <a:latin typeface="Roboto" panose="02000000000000000000" pitchFamily="2" charset="0"/>
+                <a:ea typeface="Roboto" panose="02000000000000000000" pitchFamily="2" charset="0"/>
+                <a:cs typeface="Roboto" panose="02000000000000000000" pitchFamily="2" charset="0"/>
+              </a:rPr>
+              <a:t>được</a:t>
+            </a:r>
+            <a:r>
+              <a:rPr lang="en-US" sz="2400" dirty="0">
+                <a:solidFill>
+                  <a:schemeClr val="tx1"/>
+                </a:solidFill>
+                <a:latin typeface="Roboto" panose="02000000000000000000" pitchFamily="2" charset="0"/>
+                <a:ea typeface="Roboto" panose="02000000000000000000" pitchFamily="2" charset="0"/>
+                <a:cs typeface="Roboto" panose="02000000000000000000" pitchFamily="2" charset="0"/>
+              </a:rPr>
+              <a:t> </a:t>
+            </a:r>
+            <a:r>
+              <a:rPr lang="en-US" sz="2400" dirty="0" err="1">
+                <a:solidFill>
+                  <a:schemeClr val="tx1"/>
+                </a:solidFill>
+                <a:latin typeface="Roboto" panose="02000000000000000000" pitchFamily="2" charset="0"/>
+                <a:ea typeface="Roboto" panose="02000000000000000000" pitchFamily="2" charset="0"/>
+                <a:cs typeface="Roboto" panose="02000000000000000000" pitchFamily="2" charset="0"/>
+              </a:rPr>
+              <a:t>không</a:t>
+            </a:r>
+            <a:r>
+              <a:rPr lang="en-US" sz="2400" dirty="0">
+                <a:solidFill>
+                  <a:schemeClr val="tx1"/>
+                </a:solidFill>
+                <a:latin typeface="Roboto" panose="02000000000000000000" pitchFamily="2" charset="0"/>
+                <a:ea typeface="Roboto" panose="02000000000000000000" pitchFamily="2" charset="0"/>
+                <a:cs typeface="Roboto" panose="02000000000000000000" pitchFamily="2" charset="0"/>
+              </a:rPr>
+              <a:t> </a:t>
+            </a:r>
+            <a:r>
+              <a:rPr lang="en-US" sz="2400" dirty="0" err="1">
+                <a:solidFill>
+                  <a:schemeClr val="tx1"/>
+                </a:solidFill>
+                <a:latin typeface="Roboto" panose="02000000000000000000" pitchFamily="2" charset="0"/>
+                <a:ea typeface="Roboto" panose="02000000000000000000" pitchFamily="2" charset="0"/>
+                <a:cs typeface="Roboto" panose="02000000000000000000" pitchFamily="2" charset="0"/>
+              </a:rPr>
+              <a:t>chỉ</a:t>
+            </a:r>
+            <a:r>
+              <a:rPr lang="en-US" sz="2400" dirty="0">
+                <a:solidFill>
+                  <a:schemeClr val="tx1"/>
+                </a:solidFill>
+                <a:latin typeface="Roboto" panose="02000000000000000000" pitchFamily="2" charset="0"/>
+                <a:ea typeface="Roboto" panose="02000000000000000000" pitchFamily="2" charset="0"/>
+                <a:cs typeface="Roboto" panose="02000000000000000000" pitchFamily="2" charset="0"/>
+              </a:rPr>
+              <a:t> </a:t>
+            </a:r>
+            <a:r>
+              <a:rPr lang="en-US" sz="2400" dirty="0" err="1">
+                <a:solidFill>
+                  <a:schemeClr val="tx1"/>
+                </a:solidFill>
+                <a:latin typeface="Roboto" panose="02000000000000000000" pitchFamily="2" charset="0"/>
+                <a:ea typeface="Roboto" panose="02000000000000000000" pitchFamily="2" charset="0"/>
+                <a:cs typeface="Roboto" panose="02000000000000000000" pitchFamily="2" charset="0"/>
+              </a:rPr>
+              <a:t>cần</a:t>
+            </a:r>
+            <a:r>
+              <a:rPr lang="en-US" sz="2400" dirty="0">
+                <a:solidFill>
+                  <a:schemeClr val="tx1"/>
+                </a:solidFill>
+                <a:latin typeface="Roboto" panose="02000000000000000000" pitchFamily="2" charset="0"/>
+                <a:ea typeface="Roboto" panose="02000000000000000000" pitchFamily="2" charset="0"/>
+                <a:cs typeface="Roboto" panose="02000000000000000000" pitchFamily="2" charset="0"/>
+              </a:rPr>
+              <a:t> </a:t>
+            </a:r>
+            <a:r>
+              <a:rPr lang="en-US" sz="2400" dirty="0" err="1">
+                <a:solidFill>
+                  <a:schemeClr val="tx1"/>
+                </a:solidFill>
+                <a:latin typeface="Roboto" panose="02000000000000000000" pitchFamily="2" charset="0"/>
+                <a:ea typeface="Roboto" panose="02000000000000000000" pitchFamily="2" charset="0"/>
+                <a:cs typeface="Roboto" panose="02000000000000000000" pitchFamily="2" charset="0"/>
+              </a:rPr>
+              <a:t>phải</a:t>
+            </a:r>
+            <a:r>
+              <a:rPr lang="en-US" sz="2400" dirty="0">
+                <a:solidFill>
+                  <a:schemeClr val="tx1"/>
+                </a:solidFill>
+                <a:latin typeface="Roboto" panose="02000000000000000000" pitchFamily="2" charset="0"/>
+                <a:ea typeface="Roboto" panose="02000000000000000000" pitchFamily="2" charset="0"/>
+                <a:cs typeface="Roboto" panose="02000000000000000000" pitchFamily="2" charset="0"/>
+              </a:rPr>
+              <a:t> hosting.</a:t>
+            </a:r>
+          </a:p>
+          <a:p>
+            <a:pPr algn="just"/>
+            <a:r>
+              <a:rPr lang="en-US" sz="2400" dirty="0" err="1">
+                <a:solidFill>
+                  <a:schemeClr val="tx1"/>
+                </a:solidFill>
+                <a:latin typeface="Roboto" panose="02000000000000000000" pitchFamily="2" charset="0"/>
+                <a:ea typeface="Roboto" panose="02000000000000000000" pitchFamily="2" charset="0"/>
+                <a:cs typeface="Roboto" panose="02000000000000000000" pitchFamily="2" charset="0"/>
+              </a:rPr>
+              <a:t>Hiệu</a:t>
+            </a:r>
+            <a:r>
+              <a:rPr lang="en-US" sz="2400" dirty="0">
+                <a:solidFill>
+                  <a:schemeClr val="tx1"/>
+                </a:solidFill>
+                <a:latin typeface="Roboto" panose="02000000000000000000" pitchFamily="2" charset="0"/>
+                <a:ea typeface="Roboto" panose="02000000000000000000" pitchFamily="2" charset="0"/>
+                <a:cs typeface="Roboto" panose="02000000000000000000" pitchFamily="2" charset="0"/>
+              </a:rPr>
+              <a:t> </a:t>
+            </a:r>
+            <a:r>
+              <a:rPr lang="en-US" sz="2400" dirty="0" err="1">
+                <a:solidFill>
+                  <a:schemeClr val="tx1"/>
+                </a:solidFill>
+                <a:latin typeface="Roboto" panose="02000000000000000000" pitchFamily="2" charset="0"/>
+                <a:ea typeface="Roboto" panose="02000000000000000000" pitchFamily="2" charset="0"/>
+                <a:cs typeface="Roboto" panose="02000000000000000000" pitchFamily="2" charset="0"/>
+              </a:rPr>
+              <a:t>suất</a:t>
+            </a:r>
+            <a:r>
+              <a:rPr lang="en-US" sz="2400" dirty="0">
+                <a:solidFill>
+                  <a:schemeClr val="tx1"/>
+                </a:solidFill>
+                <a:latin typeface="Roboto" panose="02000000000000000000" pitchFamily="2" charset="0"/>
+                <a:ea typeface="Roboto" panose="02000000000000000000" pitchFamily="2" charset="0"/>
+                <a:cs typeface="Roboto" panose="02000000000000000000" pitchFamily="2" charset="0"/>
+              </a:rPr>
+              <a:t> </a:t>
+            </a:r>
+            <a:r>
+              <a:rPr lang="en-US" sz="2400" dirty="0" err="1">
+                <a:solidFill>
+                  <a:schemeClr val="tx1"/>
+                </a:solidFill>
+                <a:latin typeface="Roboto" panose="02000000000000000000" pitchFamily="2" charset="0"/>
+                <a:ea typeface="Roboto" panose="02000000000000000000" pitchFamily="2" charset="0"/>
+                <a:cs typeface="Roboto" panose="02000000000000000000" pitchFamily="2" charset="0"/>
+              </a:rPr>
+              <a:t>phụ</a:t>
+            </a:r>
+            <a:r>
+              <a:rPr lang="en-US" sz="2400" dirty="0">
+                <a:solidFill>
+                  <a:schemeClr val="tx1"/>
+                </a:solidFill>
+                <a:latin typeface="Roboto" panose="02000000000000000000" pitchFamily="2" charset="0"/>
+                <a:ea typeface="Roboto" panose="02000000000000000000" pitchFamily="2" charset="0"/>
+                <a:cs typeface="Roboto" panose="02000000000000000000" pitchFamily="2" charset="0"/>
+              </a:rPr>
+              <a:t> </a:t>
+            </a:r>
+            <a:r>
+              <a:rPr lang="en-US" sz="2400" dirty="0" err="1">
+                <a:solidFill>
+                  <a:schemeClr val="tx1"/>
+                </a:solidFill>
+                <a:latin typeface="Roboto" panose="02000000000000000000" pitchFamily="2" charset="0"/>
+                <a:ea typeface="Roboto" panose="02000000000000000000" pitchFamily="2" charset="0"/>
+                <a:cs typeface="Roboto" panose="02000000000000000000" pitchFamily="2" charset="0"/>
+              </a:rPr>
+              <a:t>thuộc</a:t>
+            </a:r>
+            <a:r>
+              <a:rPr lang="en-US" sz="2400" dirty="0">
+                <a:solidFill>
+                  <a:schemeClr val="tx1"/>
+                </a:solidFill>
+                <a:latin typeface="Roboto" panose="02000000000000000000" pitchFamily="2" charset="0"/>
+                <a:ea typeface="Roboto" panose="02000000000000000000" pitchFamily="2" charset="0"/>
+                <a:cs typeface="Roboto" panose="02000000000000000000" pitchFamily="2" charset="0"/>
+              </a:rPr>
+              <a:t> </a:t>
+            </a:r>
+            <a:r>
+              <a:rPr lang="en-US" sz="2400" dirty="0" err="1">
+                <a:solidFill>
+                  <a:schemeClr val="tx1"/>
+                </a:solidFill>
+                <a:latin typeface="Roboto" panose="02000000000000000000" pitchFamily="2" charset="0"/>
+                <a:ea typeface="Roboto" panose="02000000000000000000" pitchFamily="2" charset="0"/>
+                <a:cs typeface="Roboto" panose="02000000000000000000" pitchFamily="2" charset="0"/>
+              </a:rPr>
+              <a:t>vào</a:t>
+            </a:r>
+            <a:r>
+              <a:rPr lang="en-US" sz="2400" dirty="0">
+                <a:solidFill>
+                  <a:schemeClr val="tx1"/>
+                </a:solidFill>
+                <a:latin typeface="Roboto" panose="02000000000000000000" pitchFamily="2" charset="0"/>
+                <a:ea typeface="Roboto" panose="02000000000000000000" pitchFamily="2" charset="0"/>
+                <a:cs typeface="Roboto" panose="02000000000000000000" pitchFamily="2" charset="0"/>
+              </a:rPr>
+              <a:t> </a:t>
+            </a:r>
+            <a:r>
+              <a:rPr lang="en-US" sz="2400" dirty="0" err="1">
+                <a:solidFill>
+                  <a:schemeClr val="tx1"/>
+                </a:solidFill>
+                <a:latin typeface="Roboto" panose="02000000000000000000" pitchFamily="2" charset="0"/>
+                <a:ea typeface="Roboto" panose="02000000000000000000" pitchFamily="2" charset="0"/>
+                <a:cs typeface="Roboto" panose="02000000000000000000" pitchFamily="2" charset="0"/>
+              </a:rPr>
+              <a:t>máy</a:t>
+            </a:r>
+            <a:r>
+              <a:rPr lang="en-US" sz="2400" dirty="0">
+                <a:solidFill>
+                  <a:schemeClr val="tx1"/>
+                </a:solidFill>
+                <a:latin typeface="Roboto" panose="02000000000000000000" pitchFamily="2" charset="0"/>
+                <a:ea typeface="Roboto" panose="02000000000000000000" pitchFamily="2" charset="0"/>
+                <a:cs typeface="Roboto" panose="02000000000000000000" pitchFamily="2" charset="0"/>
+              </a:rPr>
+              <a:t> server.</a:t>
+            </a:r>
+          </a:p>
+          <a:p>
+            <a:pPr algn="just"/>
+            <a:r>
+              <a:rPr lang="en-US" sz="2400" dirty="0" err="1">
+                <a:solidFill>
+                  <a:schemeClr val="tx1"/>
+                </a:solidFill>
+                <a:latin typeface="Roboto" panose="02000000000000000000" pitchFamily="2" charset="0"/>
+                <a:ea typeface="Roboto" panose="02000000000000000000" pitchFamily="2" charset="0"/>
+                <a:cs typeface="Roboto" panose="02000000000000000000" pitchFamily="2" charset="0"/>
+              </a:rPr>
+              <a:t>Chưa</a:t>
+            </a:r>
+            <a:r>
+              <a:rPr lang="en-US" sz="2400" dirty="0">
+                <a:solidFill>
+                  <a:schemeClr val="tx1"/>
+                </a:solidFill>
+                <a:latin typeface="Roboto" panose="02000000000000000000" pitchFamily="2" charset="0"/>
+                <a:ea typeface="Roboto" panose="02000000000000000000" pitchFamily="2" charset="0"/>
+                <a:cs typeface="Roboto" panose="02000000000000000000" pitchFamily="2" charset="0"/>
+              </a:rPr>
+              <a:t> </a:t>
+            </a:r>
+            <a:r>
+              <a:rPr lang="en-US" sz="2400" dirty="0" err="1">
+                <a:solidFill>
+                  <a:schemeClr val="tx1"/>
+                </a:solidFill>
+                <a:latin typeface="Roboto" panose="02000000000000000000" pitchFamily="2" charset="0"/>
+                <a:ea typeface="Roboto" panose="02000000000000000000" pitchFamily="2" charset="0"/>
+                <a:cs typeface="Roboto" panose="02000000000000000000" pitchFamily="2" charset="0"/>
+              </a:rPr>
+              <a:t>lưu</a:t>
+            </a:r>
+            <a:r>
+              <a:rPr lang="en-US" sz="2400" dirty="0">
+                <a:solidFill>
+                  <a:schemeClr val="tx1"/>
+                </a:solidFill>
+                <a:latin typeface="Roboto" panose="02000000000000000000" pitchFamily="2" charset="0"/>
+                <a:ea typeface="Roboto" panose="02000000000000000000" pitchFamily="2" charset="0"/>
+                <a:cs typeface="Roboto" panose="02000000000000000000" pitchFamily="2" charset="0"/>
+              </a:rPr>
+              <a:t> </a:t>
+            </a:r>
+            <a:r>
+              <a:rPr lang="en-US" sz="2400" dirty="0" err="1">
+                <a:solidFill>
+                  <a:schemeClr val="tx1"/>
+                </a:solidFill>
+                <a:latin typeface="Roboto" panose="02000000000000000000" pitchFamily="2" charset="0"/>
+                <a:ea typeface="Roboto" panose="02000000000000000000" pitchFamily="2" charset="0"/>
+                <a:cs typeface="Roboto" panose="02000000000000000000" pitchFamily="2" charset="0"/>
+              </a:rPr>
+              <a:t>được</a:t>
+            </a:r>
+            <a:r>
+              <a:rPr lang="en-US" sz="2400" dirty="0">
+                <a:solidFill>
+                  <a:schemeClr val="tx1"/>
+                </a:solidFill>
+                <a:latin typeface="Roboto" panose="02000000000000000000" pitchFamily="2" charset="0"/>
+                <a:ea typeface="Roboto" panose="02000000000000000000" pitchFamily="2" charset="0"/>
+                <a:cs typeface="Roboto" panose="02000000000000000000" pitchFamily="2" charset="0"/>
+              </a:rPr>
+              <a:t> </a:t>
+            </a:r>
+            <a:r>
+              <a:rPr lang="en-US" sz="2400" dirty="0" err="1">
+                <a:solidFill>
+                  <a:schemeClr val="tx1"/>
+                </a:solidFill>
+                <a:latin typeface="Roboto" panose="02000000000000000000" pitchFamily="2" charset="0"/>
+                <a:ea typeface="Roboto" panose="02000000000000000000" pitchFamily="2" charset="0"/>
+                <a:cs typeface="Roboto" panose="02000000000000000000" pitchFamily="2" charset="0"/>
+              </a:rPr>
+              <a:t>quá</a:t>
+            </a:r>
+            <a:r>
+              <a:rPr lang="en-US" sz="2400" dirty="0">
+                <a:solidFill>
+                  <a:schemeClr val="tx1"/>
+                </a:solidFill>
+                <a:latin typeface="Roboto" panose="02000000000000000000" pitchFamily="2" charset="0"/>
+                <a:ea typeface="Roboto" panose="02000000000000000000" pitchFamily="2" charset="0"/>
+                <a:cs typeface="Roboto" panose="02000000000000000000" pitchFamily="2" charset="0"/>
+              </a:rPr>
+              <a:t> </a:t>
+            </a:r>
+            <a:r>
+              <a:rPr lang="en-US" sz="2400" dirty="0" err="1">
+                <a:solidFill>
+                  <a:schemeClr val="tx1"/>
+                </a:solidFill>
+                <a:latin typeface="Roboto" panose="02000000000000000000" pitchFamily="2" charset="0"/>
+                <a:ea typeface="Roboto" panose="02000000000000000000" pitchFamily="2" charset="0"/>
+                <a:cs typeface="Roboto" panose="02000000000000000000" pitchFamily="2" charset="0"/>
+              </a:rPr>
+              <a:t>trình</a:t>
+            </a:r>
+            <a:r>
+              <a:rPr lang="en-US" sz="2400" dirty="0">
+                <a:solidFill>
+                  <a:schemeClr val="tx1"/>
+                </a:solidFill>
+                <a:latin typeface="Roboto" panose="02000000000000000000" pitchFamily="2" charset="0"/>
+                <a:ea typeface="Roboto" panose="02000000000000000000" pitchFamily="2" charset="0"/>
+                <a:cs typeface="Roboto" panose="02000000000000000000" pitchFamily="2" charset="0"/>
+              </a:rPr>
+              <a:t> </a:t>
+            </a:r>
+            <a:r>
+              <a:rPr lang="en-US" sz="2400" dirty="0" err="1">
+                <a:solidFill>
+                  <a:schemeClr val="tx1"/>
+                </a:solidFill>
+                <a:latin typeface="Roboto" panose="02000000000000000000" pitchFamily="2" charset="0"/>
+                <a:ea typeface="Roboto" panose="02000000000000000000" pitchFamily="2" charset="0"/>
+                <a:cs typeface="Roboto" panose="02000000000000000000" pitchFamily="2" charset="0"/>
+              </a:rPr>
+              <a:t>thực</a:t>
+            </a:r>
+            <a:r>
+              <a:rPr lang="en-US" sz="2400" dirty="0">
+                <a:solidFill>
+                  <a:schemeClr val="tx1"/>
+                </a:solidFill>
+                <a:latin typeface="Roboto" panose="02000000000000000000" pitchFamily="2" charset="0"/>
+                <a:ea typeface="Roboto" panose="02000000000000000000" pitchFamily="2" charset="0"/>
+                <a:cs typeface="Roboto" panose="02000000000000000000" pitchFamily="2" charset="0"/>
+              </a:rPr>
+              <a:t> </a:t>
+            </a:r>
+            <a:r>
+              <a:rPr lang="en-US" sz="2400" dirty="0" err="1">
+                <a:solidFill>
+                  <a:schemeClr val="tx1"/>
+                </a:solidFill>
+                <a:latin typeface="Roboto" panose="02000000000000000000" pitchFamily="2" charset="0"/>
+                <a:ea typeface="Roboto" panose="02000000000000000000" pitchFamily="2" charset="0"/>
+                <a:cs typeface="Roboto" panose="02000000000000000000" pitchFamily="2" charset="0"/>
+              </a:rPr>
+              <a:t>hiện</a:t>
+            </a:r>
+            <a:r>
+              <a:rPr lang="en-US" sz="2400" dirty="0">
+                <a:solidFill>
+                  <a:schemeClr val="tx1"/>
+                </a:solidFill>
+                <a:latin typeface="Roboto" panose="02000000000000000000" pitchFamily="2" charset="0"/>
+                <a:ea typeface="Roboto" panose="02000000000000000000" pitchFamily="2" charset="0"/>
+                <a:cs typeface="Roboto" panose="02000000000000000000" pitchFamily="2" charset="0"/>
+              </a:rPr>
+              <a:t> </a:t>
+            </a:r>
+            <a:r>
+              <a:rPr lang="en-US" sz="2400" dirty="0" err="1">
+                <a:solidFill>
+                  <a:schemeClr val="tx1"/>
+                </a:solidFill>
+                <a:latin typeface="Roboto" panose="02000000000000000000" pitchFamily="2" charset="0"/>
+                <a:ea typeface="Roboto" panose="02000000000000000000" pitchFamily="2" charset="0"/>
+                <a:cs typeface="Roboto" panose="02000000000000000000" pitchFamily="2" charset="0"/>
+              </a:rPr>
+              <a:t>của</a:t>
+            </a:r>
+            <a:r>
+              <a:rPr lang="en-US" sz="2400" dirty="0">
+                <a:solidFill>
+                  <a:schemeClr val="tx1"/>
+                </a:solidFill>
+                <a:latin typeface="Roboto" panose="02000000000000000000" pitchFamily="2" charset="0"/>
+                <a:ea typeface="Roboto" panose="02000000000000000000" pitchFamily="2" charset="0"/>
+                <a:cs typeface="Roboto" panose="02000000000000000000" pitchFamily="2" charset="0"/>
+              </a:rPr>
+              <a:t> </a:t>
+            </a:r>
+            <a:r>
+              <a:rPr lang="en-US" sz="2400" dirty="0" err="1">
+                <a:solidFill>
+                  <a:schemeClr val="tx1"/>
+                </a:solidFill>
+                <a:latin typeface="Roboto" panose="02000000000000000000" pitchFamily="2" charset="0"/>
+                <a:ea typeface="Roboto" panose="02000000000000000000" pitchFamily="2" charset="0"/>
+                <a:cs typeface="Roboto" panose="02000000000000000000" pitchFamily="2" charset="0"/>
+              </a:rPr>
+              <a:t>người</a:t>
+            </a:r>
+            <a:r>
+              <a:rPr lang="en-US" sz="2400" dirty="0">
+                <a:solidFill>
+                  <a:schemeClr val="tx1"/>
+                </a:solidFill>
+                <a:latin typeface="Roboto" panose="02000000000000000000" pitchFamily="2" charset="0"/>
+                <a:ea typeface="Roboto" panose="02000000000000000000" pitchFamily="2" charset="0"/>
+                <a:cs typeface="Roboto" panose="02000000000000000000" pitchFamily="2" charset="0"/>
+              </a:rPr>
+              <a:t> </a:t>
+            </a:r>
+            <a:r>
+              <a:rPr lang="en-US" sz="2400" dirty="0" err="1">
+                <a:solidFill>
+                  <a:schemeClr val="tx1"/>
+                </a:solidFill>
+                <a:latin typeface="Roboto" panose="02000000000000000000" pitchFamily="2" charset="0"/>
+                <a:ea typeface="Roboto" panose="02000000000000000000" pitchFamily="2" charset="0"/>
+                <a:cs typeface="Roboto" panose="02000000000000000000" pitchFamily="2" charset="0"/>
+              </a:rPr>
+              <a:t>dùng</a:t>
+            </a:r>
+            <a:endParaRPr lang="en-US" sz="2400" dirty="0">
+              <a:solidFill>
+                <a:schemeClr val="tx1"/>
+              </a:solidFill>
+              <a:latin typeface="Roboto" panose="02000000000000000000" pitchFamily="2" charset="0"/>
+              <a:ea typeface="Roboto" panose="02000000000000000000" pitchFamily="2" charset="0"/>
+              <a:cs typeface="Roboto" panose="02000000000000000000" pitchFamily="2" charset="0"/>
+            </a:endParaRPr>
+          </a:p>
+        </p:txBody>
+      </p:sp>
+      <p:cxnSp>
+        <p:nvCxnSpPr>
+          <p:cNvPr id="9" name="Straight Arrow Connector 8">
+            <a:extLst>
+              <a:ext uri="{FF2B5EF4-FFF2-40B4-BE49-F238E27FC236}">
+                <a16:creationId xmlns:a16="http://schemas.microsoft.com/office/drawing/2014/main" id="{62309D95-6182-D6A7-46E4-4D6F63F96352}"/>
+              </a:ext>
+            </a:extLst>
+          </p:cNvPr>
+          <p:cNvCxnSpPr/>
+          <p:nvPr/>
+        </p:nvCxnSpPr>
+        <p:spPr>
+          <a:xfrm>
+            <a:off x="5274365" y="3853069"/>
+            <a:ext cx="1643269" cy="0"/>
+          </a:xfrm>
+          <a:prstGeom prst="straightConnector1">
+            <a:avLst/>
+          </a:prstGeom>
+          <a:ln w="152400">
+            <a:gradFill>
+              <a:gsLst>
+                <a:gs pos="0">
+                  <a:srgbClr val="FFC000"/>
+                </a:gs>
+                <a:gs pos="67000">
+                  <a:schemeClr val="accent6">
+                    <a:lumMod val="60000"/>
+                    <a:lumOff val="40000"/>
+                  </a:schemeClr>
+                </a:gs>
+                <a:gs pos="26000">
+                  <a:schemeClr val="accent4">
+                    <a:lumMod val="60000"/>
+                    <a:lumOff val="40000"/>
+                  </a:schemeClr>
+                </a:gs>
+                <a:gs pos="100000">
+                  <a:schemeClr val="accent6">
+                    <a:lumMod val="75000"/>
+                  </a:schemeClr>
+                </a:gs>
+              </a:gsLst>
+              <a:lin ang="0" scaled="0"/>
+            </a:gradFill>
+            <a:headEnd type="triangle"/>
+            <a:tailEnd type="triangle"/>
+          </a:ln>
+        </p:spPr>
+        <p:style>
+          <a:lnRef idx="1">
+            <a:schemeClr val="accent1"/>
+          </a:lnRef>
+          <a:fillRef idx="0">
+            <a:schemeClr val="accent1"/>
+          </a:fillRef>
+          <a:effectRef idx="0">
+            <a:schemeClr val="accent1"/>
+          </a:effectRef>
+          <a:fontRef idx="minor">
+            <a:schemeClr val="tx1"/>
+          </a:fontRef>
+        </p:style>
+      </p:cxnSp>
+    </p:spTree>
+    <p:extLst>
+      <p:ext uri="{BB962C8B-B14F-4D97-AF65-F5344CB8AC3E}">
+        <p14:creationId xmlns:p14="http://schemas.microsoft.com/office/powerpoint/2010/main" val="3408746827"/>
+      </p:ext>
+    </p:extLst>
+  </p:cSld>
+  <p:clrMapOvr>
+    <a:masterClrMapping/>
+  </p:clrMapOvr>
+  <mc:AlternateContent xmlns:mc="http://schemas.openxmlformats.org/markup-compatibility/2006" xmlns:p14="http://schemas.microsoft.com/office/powerpoint/2010/main">
+    <mc:Choice Requires="p14">
+      <p:transition spd="med" p14:dur="700">
+        <p:fade/>
+      </p:transition>
+    </mc:Choice>
+    <mc:Fallback xmlns="">
+      <p:transition spd="med">
+        <p:fade/>
+      </p:transition>
+    </mc:Fallback>
+  </mc:AlternateContent>
+</p:sld>
+</file>
+
+<file path=ppt/slides/slide11.xml><?xml version="1.0" encoding="utf-8"?>
 <p:sld xmlns:a="http://schemas.openxmlformats.org/drawingml/2006/main" xmlns:r="http://schemas.openxmlformats.org/officeDocument/2006/relationships" xmlns:p="http://schemas.openxmlformats.org/presentationml/2006/main">
   <p:cSld>
     <p:bg>
@@ -8659,13 +10762,13 @@
   <p:clrMapOvr>
     <a:masterClrMapping/>
   </p:clrMapOvr>
-  <mc:AlternateContent xmlns:mc="http://schemas.openxmlformats.org/markup-compatibility/2006">
-    <mc:Choice xmlns:p14="http://schemas.microsoft.com/office/powerpoint/2010/main" Requires="p14">
+  <mc:AlternateContent xmlns:mc="http://schemas.openxmlformats.org/markup-compatibility/2006" xmlns:p14="http://schemas.microsoft.com/office/powerpoint/2010/main">
+    <mc:Choice Requires="p14">
       <p:transition spd="med" p14:dur="700">
         <p:fade/>
       </p:transition>
     </mc:Choice>
-    <mc:Fallback>
+    <mc:Fallback xmlns="">
       <p:transition spd="med">
         <p:fade/>
       </p:transition>
@@ -8674,7 +10777,7 @@
 </p:sld>
 </file>
 
-<file path=ppt/slides/slide11.xml><?xml version="1.0" encoding="utf-8"?>
+<file path=ppt/slides/slide12.xml><?xml version="1.0" encoding="utf-8"?>
 <p:sld xmlns:a="http://schemas.openxmlformats.org/drawingml/2006/main" xmlns:r="http://schemas.openxmlformats.org/officeDocument/2006/relationships" xmlns:p="http://schemas.openxmlformats.org/presentationml/2006/main">
   <p:cSld>
     <p:bg>
@@ -9192,7 +11295,7 @@
 </p:sld>
 </file>
 
-<file path=ppt/slides/slide12.xml><?xml version="1.0" encoding="utf-8"?>
+<file path=ppt/slides/slide13.xml><?xml version="1.0" encoding="utf-8"?>
 <p:sld xmlns:a="http://schemas.openxmlformats.org/drawingml/2006/main" xmlns:r="http://schemas.openxmlformats.org/officeDocument/2006/relationships" xmlns:p="http://schemas.openxmlformats.org/presentationml/2006/main">
   <p:cSld>
     <p:spTree>
@@ -14240,13 +16343,13 @@
   <p:clrMapOvr>
     <a:masterClrMapping/>
   </p:clrMapOvr>
-  <mc:AlternateContent xmlns:mc="http://schemas.openxmlformats.org/markup-compatibility/2006">
-    <mc:Choice xmlns:p14="http://schemas.microsoft.com/office/powerpoint/2010/main" Requires="p14">
+  <mc:AlternateContent xmlns:mc="http://schemas.openxmlformats.org/markup-compatibility/2006" xmlns:p14="http://schemas.microsoft.com/office/powerpoint/2010/main">
+    <mc:Choice Requires="p14">
       <p:transition spd="med" p14:dur="700">
         <p:fade/>
       </p:transition>
     </mc:Choice>
-    <mc:Fallback>
+    <mc:Fallback xmlns="">
       <p:transition spd="med">
         <p:fade/>
       </p:transition>
@@ -15349,13 +17452,13 @@
   <p:clrMapOvr>
     <a:masterClrMapping/>
   </p:clrMapOvr>
-  <mc:AlternateContent xmlns:mc="http://schemas.openxmlformats.org/markup-compatibility/2006">
-    <mc:Choice xmlns:p14="http://schemas.microsoft.com/office/powerpoint/2010/main" Requires="p14">
+  <mc:AlternateContent xmlns:mc="http://schemas.openxmlformats.org/markup-compatibility/2006" xmlns:p14="http://schemas.microsoft.com/office/powerpoint/2010/main">
+    <mc:Choice Requires="p14">
       <p:transition spd="med" p14:dur="700">
         <p:fade/>
       </p:transition>
     </mc:Choice>
-    <mc:Fallback>
+    <mc:Fallback xmlns="">
       <p:transition spd="med">
         <p:fade/>
       </p:transition>
@@ -16497,13 +18600,13 @@
   <p:clrMapOvr>
     <a:masterClrMapping/>
   </p:clrMapOvr>
-  <mc:AlternateContent xmlns:mc="http://schemas.openxmlformats.org/markup-compatibility/2006">
-    <mc:Choice xmlns:p14="http://schemas.microsoft.com/office/powerpoint/2010/main" Requires="p14">
+  <mc:AlternateContent xmlns:mc="http://schemas.openxmlformats.org/markup-compatibility/2006" xmlns:p14="http://schemas.microsoft.com/office/powerpoint/2010/main">
+    <mc:Choice Requires="p14">
       <p:transition spd="med" p14:dur="700">
         <p:fade/>
       </p:transition>
     </mc:Choice>
-    <mc:Fallback>
+    <mc:Fallback xmlns="">
       <p:transition spd="med">
         <p:fade/>
       </p:transition>
@@ -17909,13 +20012,13 @@
   <p:clrMapOvr>
     <a:masterClrMapping/>
   </p:clrMapOvr>
-  <mc:AlternateContent xmlns:mc="http://schemas.openxmlformats.org/markup-compatibility/2006">
-    <mc:Choice xmlns:p14="http://schemas.microsoft.com/office/powerpoint/2010/main" Requires="p14">
+  <mc:AlternateContent xmlns:mc="http://schemas.openxmlformats.org/markup-compatibility/2006" xmlns:p14="http://schemas.microsoft.com/office/powerpoint/2010/main">
+    <mc:Choice Requires="p14">
       <p:transition spd="med" p14:dur="700">
         <p:fade/>
       </p:transition>
     </mc:Choice>
-    <mc:Fallback>
+    <mc:Fallback xmlns="">
       <p:transition spd="med">
         <p:fade/>
       </p:transition>
@@ -18281,13 +20384,13 @@
   <p:clrMapOvr>
     <a:masterClrMapping/>
   </p:clrMapOvr>
-  <mc:AlternateContent xmlns:mc="http://schemas.openxmlformats.org/markup-compatibility/2006">
-    <mc:Choice xmlns:p14="http://schemas.microsoft.com/office/powerpoint/2010/main" Requires="p14">
+  <mc:AlternateContent xmlns:mc="http://schemas.openxmlformats.org/markup-compatibility/2006" xmlns:p14="http://schemas.microsoft.com/office/powerpoint/2010/main">
+    <mc:Choice Requires="p14">
       <p:transition spd="med" p14:dur="700">
         <p:fade/>
       </p:transition>
     </mc:Choice>
-    <mc:Fallback>
+    <mc:Fallback xmlns="">
       <p:transition spd="med">
         <p:fade/>
       </p:transition>
@@ -18433,6 +20536,705 @@
 </file>
 
 <file path=ppt/slides/slide8.xml><?xml version="1.0" encoding="utf-8"?>
+<p:sld xmlns:a="http://schemas.openxmlformats.org/drawingml/2006/main" xmlns:r="http://schemas.openxmlformats.org/officeDocument/2006/relationships" xmlns:p="http://schemas.openxmlformats.org/presentationml/2006/main">
+  <p:cSld>
+    <p:spTree>
+      <p:nvGrpSpPr>
+        <p:cNvPr id="1" name=""/>
+        <p:cNvGrpSpPr/>
+        <p:nvPr/>
+      </p:nvGrpSpPr>
+      <p:grpSpPr>
+        <a:xfrm>
+          <a:off x="0" y="0"/>
+          <a:ext cx="0" cy="0"/>
+          <a:chOff x="0" y="0"/>
+          <a:chExt cx="0" cy="0"/>
+        </a:xfrm>
+      </p:grpSpPr>
+      <p:sp>
+        <p:nvSpPr>
+          <p:cNvPr id="2" name="Title 1">
+            <a:extLst>
+              <a:ext uri="{FF2B5EF4-FFF2-40B4-BE49-F238E27FC236}">
+                <a16:creationId xmlns:a16="http://schemas.microsoft.com/office/drawing/2014/main" id="{235602F8-C12C-6910-7019-E1233B91274A}"/>
+              </a:ext>
+            </a:extLst>
+          </p:cNvPr>
+          <p:cNvSpPr>
+            <a:spLocks noGrp="1"/>
+          </p:cNvSpPr>
+          <p:nvPr>
+            <p:ph type="title"/>
+          </p:nvPr>
+        </p:nvSpPr>
+        <p:spPr/>
+        <p:txBody>
+          <a:bodyPr/>
+          <a:lstStyle/>
+          <a:p>
+            <a:r>
+              <a:rPr lang="en-US" dirty="0">
+                <a:latin typeface="Roboto" panose="02000000000000000000" pitchFamily="2" charset="0"/>
+                <a:ea typeface="Roboto" panose="02000000000000000000" pitchFamily="2" charset="0"/>
+                <a:cs typeface="Roboto" panose="02000000000000000000" pitchFamily="2" charset="0"/>
+              </a:rPr>
+              <a:t>1. Lý do </a:t>
+            </a:r>
+            <a:r>
+              <a:rPr lang="en-US" dirty="0" err="1">
+                <a:latin typeface="Roboto" panose="02000000000000000000" pitchFamily="2" charset="0"/>
+                <a:ea typeface="Roboto" panose="02000000000000000000" pitchFamily="2" charset="0"/>
+                <a:cs typeface="Roboto" panose="02000000000000000000" pitchFamily="2" charset="0"/>
+              </a:rPr>
+              <a:t>chọn</a:t>
+            </a:r>
+            <a:r>
+              <a:rPr lang="en-US" dirty="0">
+                <a:latin typeface="Roboto" panose="02000000000000000000" pitchFamily="2" charset="0"/>
+                <a:ea typeface="Roboto" panose="02000000000000000000" pitchFamily="2" charset="0"/>
+                <a:cs typeface="Roboto" panose="02000000000000000000" pitchFamily="2" charset="0"/>
+              </a:rPr>
+              <a:t> </a:t>
+            </a:r>
+            <a:r>
+              <a:rPr lang="en-US" dirty="0" err="1">
+                <a:latin typeface="Roboto" panose="02000000000000000000" pitchFamily="2" charset="0"/>
+                <a:ea typeface="Roboto" panose="02000000000000000000" pitchFamily="2" charset="0"/>
+                <a:cs typeface="Roboto" panose="02000000000000000000" pitchFamily="2" charset="0"/>
+              </a:rPr>
+              <a:t>đề</a:t>
+            </a:r>
+            <a:r>
+              <a:rPr lang="en-US" dirty="0">
+                <a:latin typeface="Roboto" panose="02000000000000000000" pitchFamily="2" charset="0"/>
+                <a:ea typeface="Roboto" panose="02000000000000000000" pitchFamily="2" charset="0"/>
+                <a:cs typeface="Roboto" panose="02000000000000000000" pitchFamily="2" charset="0"/>
+              </a:rPr>
+              <a:t> </a:t>
+            </a:r>
+            <a:r>
+              <a:rPr lang="en-US" dirty="0" err="1">
+                <a:latin typeface="Roboto" panose="02000000000000000000" pitchFamily="2" charset="0"/>
+                <a:ea typeface="Roboto" panose="02000000000000000000" pitchFamily="2" charset="0"/>
+                <a:cs typeface="Roboto" panose="02000000000000000000" pitchFamily="2" charset="0"/>
+              </a:rPr>
+              <a:t>tài</a:t>
+            </a:r>
+            <a:endParaRPr lang="en-US" dirty="0">
+              <a:latin typeface="Roboto" panose="02000000000000000000" pitchFamily="2" charset="0"/>
+              <a:ea typeface="Roboto" panose="02000000000000000000" pitchFamily="2" charset="0"/>
+              <a:cs typeface="Roboto" panose="02000000000000000000" pitchFamily="2" charset="0"/>
+            </a:endParaRPr>
+          </a:p>
+        </p:txBody>
+      </p:sp>
+      <p:sp>
+        <p:nvSpPr>
+          <p:cNvPr id="7" name="TextBox 6">
+            <a:extLst>
+              <a:ext uri="{FF2B5EF4-FFF2-40B4-BE49-F238E27FC236}">
+                <a16:creationId xmlns:a16="http://schemas.microsoft.com/office/drawing/2014/main" id="{DD6249B4-341A-6ECA-4657-27D76F7AB5C8}"/>
+              </a:ext>
+            </a:extLst>
+          </p:cNvPr>
+          <p:cNvSpPr txBox="1"/>
+          <p:nvPr/>
+        </p:nvSpPr>
+        <p:spPr>
+          <a:xfrm>
+            <a:off x="1209423" y="2092405"/>
+            <a:ext cx="4794562" cy="2308324"/>
+          </a:xfrm>
+          <a:prstGeom prst="rect">
+            <a:avLst/>
+          </a:prstGeom>
+          <a:noFill/>
+        </p:spPr>
+        <p:txBody>
+          <a:bodyPr wrap="square" rtlCol="0">
+            <a:spAutoFit/>
+          </a:bodyPr>
+          <a:lstStyle/>
+          <a:p>
+            <a:pPr marL="342900" indent="-342900">
+              <a:buFont typeface="Arial" panose="020B0604020202020204" pitchFamily="34" charset="0"/>
+              <a:buChar char="•"/>
+            </a:pPr>
+            <a:r>
+              <a:rPr lang="en-US" dirty="0" err="1">
+                <a:latin typeface="Roboto" panose="02000000000000000000" pitchFamily="2" charset="0"/>
+                <a:ea typeface="Roboto" panose="02000000000000000000" pitchFamily="2" charset="0"/>
+                <a:cs typeface="Roboto" panose="02000000000000000000" pitchFamily="2" charset="0"/>
+              </a:rPr>
+              <a:t>Chạy</a:t>
+            </a:r>
+            <a:r>
+              <a:rPr lang="en-US" dirty="0">
+                <a:latin typeface="Roboto" panose="02000000000000000000" pitchFamily="2" charset="0"/>
+                <a:ea typeface="Roboto" panose="02000000000000000000" pitchFamily="2" charset="0"/>
+                <a:cs typeface="Roboto" panose="02000000000000000000" pitchFamily="2" charset="0"/>
+              </a:rPr>
+              <a:t> </a:t>
+            </a:r>
+            <a:r>
+              <a:rPr lang="en-US" dirty="0" err="1">
+                <a:latin typeface="Roboto" panose="02000000000000000000" pitchFamily="2" charset="0"/>
+                <a:ea typeface="Roboto" panose="02000000000000000000" pitchFamily="2" charset="0"/>
+                <a:cs typeface="Roboto" panose="02000000000000000000" pitchFamily="2" charset="0"/>
+              </a:rPr>
+              <a:t>theo</a:t>
+            </a:r>
+            <a:r>
+              <a:rPr lang="en-US" dirty="0">
+                <a:latin typeface="Roboto" panose="02000000000000000000" pitchFamily="2" charset="0"/>
+                <a:ea typeface="Roboto" panose="02000000000000000000" pitchFamily="2" charset="0"/>
+                <a:cs typeface="Roboto" panose="02000000000000000000" pitchFamily="2" charset="0"/>
+              </a:rPr>
+              <a:t> xu </a:t>
+            </a:r>
+            <a:r>
+              <a:rPr lang="en-US" dirty="0" err="1">
+                <a:latin typeface="Roboto" panose="02000000000000000000" pitchFamily="2" charset="0"/>
+                <a:ea typeface="Roboto" panose="02000000000000000000" pitchFamily="2" charset="0"/>
+                <a:cs typeface="Roboto" panose="02000000000000000000" pitchFamily="2" charset="0"/>
+              </a:rPr>
+              <a:t>hướng</a:t>
+            </a:r>
+            <a:r>
+              <a:rPr lang="en-US" dirty="0">
+                <a:latin typeface="Roboto" panose="02000000000000000000" pitchFamily="2" charset="0"/>
+                <a:ea typeface="Roboto" panose="02000000000000000000" pitchFamily="2" charset="0"/>
+                <a:cs typeface="Roboto" panose="02000000000000000000" pitchFamily="2" charset="0"/>
+              </a:rPr>
+              <a:t> </a:t>
+            </a:r>
+            <a:r>
+              <a:rPr lang="en-US" dirty="0" err="1">
+                <a:latin typeface="Roboto" panose="02000000000000000000" pitchFamily="2" charset="0"/>
+                <a:ea typeface="Roboto" panose="02000000000000000000" pitchFamily="2" charset="0"/>
+                <a:cs typeface="Roboto" panose="02000000000000000000" pitchFamily="2" charset="0"/>
+              </a:rPr>
+              <a:t>chung</a:t>
+            </a:r>
+            <a:endParaRPr lang="en-US" dirty="0">
+              <a:latin typeface="Roboto" panose="02000000000000000000" pitchFamily="2" charset="0"/>
+              <a:ea typeface="Roboto" panose="02000000000000000000" pitchFamily="2" charset="0"/>
+              <a:cs typeface="Roboto" panose="02000000000000000000" pitchFamily="2" charset="0"/>
+            </a:endParaRPr>
+          </a:p>
+          <a:p>
+            <a:pPr marL="285750" indent="-285750">
+              <a:buFont typeface="Arial" panose="020B0604020202020204" pitchFamily="34" charset="0"/>
+              <a:buChar char="•"/>
+            </a:pPr>
+            <a:endParaRPr lang="en-US" dirty="0">
+              <a:latin typeface="Roboto" panose="02000000000000000000" pitchFamily="2" charset="0"/>
+              <a:ea typeface="Roboto" panose="02000000000000000000" pitchFamily="2" charset="0"/>
+              <a:cs typeface="Roboto" panose="02000000000000000000" pitchFamily="2" charset="0"/>
+            </a:endParaRPr>
+          </a:p>
+          <a:p>
+            <a:pPr marL="285750" indent="-285750">
+              <a:buFont typeface="Arial" panose="020B0604020202020204" pitchFamily="34" charset="0"/>
+              <a:buChar char="•"/>
+            </a:pPr>
+            <a:r>
+              <a:rPr lang="en-US" dirty="0" err="1">
+                <a:latin typeface="Roboto" panose="02000000000000000000" pitchFamily="2" charset="0"/>
+                <a:ea typeface="Roboto" panose="02000000000000000000" pitchFamily="2" charset="0"/>
+                <a:cs typeface="Roboto" panose="02000000000000000000" pitchFamily="2" charset="0"/>
+              </a:rPr>
+              <a:t>Cố</a:t>
+            </a:r>
+            <a:r>
+              <a:rPr lang="en-US" dirty="0">
+                <a:latin typeface="Roboto" panose="02000000000000000000" pitchFamily="2" charset="0"/>
+                <a:ea typeface="Roboto" panose="02000000000000000000" pitchFamily="2" charset="0"/>
+                <a:cs typeface="Roboto" panose="02000000000000000000" pitchFamily="2" charset="0"/>
+              </a:rPr>
+              <a:t> </a:t>
+            </a:r>
+            <a:r>
+              <a:rPr lang="en-US" dirty="0" err="1">
+                <a:latin typeface="Roboto" panose="02000000000000000000" pitchFamily="2" charset="0"/>
+                <a:ea typeface="Roboto" panose="02000000000000000000" pitchFamily="2" charset="0"/>
+                <a:cs typeface="Roboto" panose="02000000000000000000" pitchFamily="2" charset="0"/>
+              </a:rPr>
+              <a:t>gắng</a:t>
+            </a:r>
+            <a:r>
+              <a:rPr lang="en-US" dirty="0">
+                <a:latin typeface="Roboto" panose="02000000000000000000" pitchFamily="2" charset="0"/>
+                <a:ea typeface="Roboto" panose="02000000000000000000" pitchFamily="2" charset="0"/>
+                <a:cs typeface="Roboto" panose="02000000000000000000" pitchFamily="2" charset="0"/>
+              </a:rPr>
+              <a:t> bao </a:t>
+            </a:r>
+            <a:r>
+              <a:rPr lang="en-US" dirty="0" err="1">
+                <a:latin typeface="Roboto" panose="02000000000000000000" pitchFamily="2" charset="0"/>
+                <a:ea typeface="Roboto" panose="02000000000000000000" pitchFamily="2" charset="0"/>
+                <a:cs typeface="Roboto" panose="02000000000000000000" pitchFamily="2" charset="0"/>
+              </a:rPr>
+              <a:t>quá</a:t>
+            </a:r>
+            <a:r>
+              <a:rPr lang="en-US" dirty="0">
+                <a:latin typeface="Roboto" panose="02000000000000000000" pitchFamily="2" charset="0"/>
+                <a:ea typeface="Roboto" panose="02000000000000000000" pitchFamily="2" charset="0"/>
+                <a:cs typeface="Roboto" panose="02000000000000000000" pitchFamily="2" charset="0"/>
+              </a:rPr>
+              <a:t> </a:t>
+            </a:r>
+            <a:r>
+              <a:rPr lang="en-US" dirty="0" err="1">
+                <a:latin typeface="Roboto" panose="02000000000000000000" pitchFamily="2" charset="0"/>
+                <a:ea typeface="Roboto" panose="02000000000000000000" pitchFamily="2" charset="0"/>
+                <a:cs typeface="Roboto" panose="02000000000000000000" pitchFamily="2" charset="0"/>
+              </a:rPr>
+              <a:t>hết</a:t>
+            </a:r>
+            <a:r>
+              <a:rPr lang="en-US" dirty="0">
+                <a:latin typeface="Roboto" panose="02000000000000000000" pitchFamily="2" charset="0"/>
+                <a:ea typeface="Roboto" panose="02000000000000000000" pitchFamily="2" charset="0"/>
+                <a:cs typeface="Roboto" panose="02000000000000000000" pitchFamily="2" charset="0"/>
+              </a:rPr>
+              <a:t> </a:t>
+            </a:r>
+            <a:r>
+              <a:rPr lang="en-US" dirty="0" err="1">
+                <a:latin typeface="Roboto" panose="02000000000000000000" pitchFamily="2" charset="0"/>
+                <a:ea typeface="Roboto" panose="02000000000000000000" pitchFamily="2" charset="0"/>
+                <a:cs typeface="Roboto" panose="02000000000000000000" pitchFamily="2" charset="0"/>
+              </a:rPr>
+              <a:t>các</a:t>
+            </a:r>
+            <a:r>
+              <a:rPr lang="en-US" dirty="0">
+                <a:latin typeface="Roboto" panose="02000000000000000000" pitchFamily="2" charset="0"/>
+                <a:ea typeface="Roboto" panose="02000000000000000000" pitchFamily="2" charset="0"/>
+                <a:cs typeface="Roboto" panose="02000000000000000000" pitchFamily="2" charset="0"/>
+              </a:rPr>
+              <a:t> </a:t>
+            </a:r>
+            <a:r>
+              <a:rPr lang="en-US" dirty="0" err="1">
+                <a:latin typeface="Roboto" panose="02000000000000000000" pitchFamily="2" charset="0"/>
+                <a:ea typeface="Roboto" panose="02000000000000000000" pitchFamily="2" charset="0"/>
+                <a:cs typeface="Roboto" panose="02000000000000000000" pitchFamily="2" charset="0"/>
+              </a:rPr>
+              <a:t>nhóm</a:t>
+            </a:r>
+            <a:r>
+              <a:rPr lang="en-US" dirty="0">
+                <a:latin typeface="Roboto" panose="02000000000000000000" pitchFamily="2" charset="0"/>
+                <a:ea typeface="Roboto" panose="02000000000000000000" pitchFamily="2" charset="0"/>
+                <a:cs typeface="Roboto" panose="02000000000000000000" pitchFamily="2" charset="0"/>
+              </a:rPr>
+              <a:t> </a:t>
+            </a:r>
+            <a:r>
+              <a:rPr lang="en-US" dirty="0" err="1">
+                <a:latin typeface="Roboto" panose="02000000000000000000" pitchFamily="2" charset="0"/>
+                <a:ea typeface="Roboto" panose="02000000000000000000" pitchFamily="2" charset="0"/>
+                <a:cs typeface="Roboto" panose="02000000000000000000" pitchFamily="2" charset="0"/>
+              </a:rPr>
+              <a:t>đối</a:t>
+            </a:r>
+            <a:r>
+              <a:rPr lang="en-US" dirty="0">
+                <a:latin typeface="Roboto" panose="02000000000000000000" pitchFamily="2" charset="0"/>
+                <a:ea typeface="Roboto" panose="02000000000000000000" pitchFamily="2" charset="0"/>
+                <a:cs typeface="Roboto" panose="02000000000000000000" pitchFamily="2" charset="0"/>
+              </a:rPr>
+              <a:t> </a:t>
+            </a:r>
+            <a:r>
+              <a:rPr lang="en-US" dirty="0" err="1">
+                <a:latin typeface="Roboto" panose="02000000000000000000" pitchFamily="2" charset="0"/>
+                <a:ea typeface="Roboto" panose="02000000000000000000" pitchFamily="2" charset="0"/>
+                <a:cs typeface="Roboto" panose="02000000000000000000" pitchFamily="2" charset="0"/>
+              </a:rPr>
+              <a:t>tượng</a:t>
+            </a:r>
+            <a:endParaRPr lang="en-US" dirty="0">
+              <a:latin typeface="Roboto" panose="02000000000000000000" pitchFamily="2" charset="0"/>
+              <a:ea typeface="Roboto" panose="02000000000000000000" pitchFamily="2" charset="0"/>
+              <a:cs typeface="Roboto" panose="02000000000000000000" pitchFamily="2" charset="0"/>
+            </a:endParaRPr>
+          </a:p>
+          <a:p>
+            <a:pPr marL="285750" indent="-285750">
+              <a:buFont typeface="Arial" panose="020B0604020202020204" pitchFamily="34" charset="0"/>
+              <a:buChar char="•"/>
+            </a:pPr>
+            <a:endParaRPr lang="en-US" dirty="0">
+              <a:latin typeface="Roboto" panose="02000000000000000000" pitchFamily="2" charset="0"/>
+              <a:ea typeface="Roboto" panose="02000000000000000000" pitchFamily="2" charset="0"/>
+              <a:cs typeface="Roboto" panose="02000000000000000000" pitchFamily="2" charset="0"/>
+            </a:endParaRPr>
+          </a:p>
+          <a:p>
+            <a:pPr marL="342900" indent="-342900">
+              <a:buFont typeface="Arial" panose="020B0604020202020204" pitchFamily="34" charset="0"/>
+              <a:buChar char="•"/>
+            </a:pPr>
+            <a:r>
+              <a:rPr lang="en-US" dirty="0" err="1">
+                <a:latin typeface="Roboto" panose="02000000000000000000" pitchFamily="2" charset="0"/>
+                <a:ea typeface="Roboto" panose="02000000000000000000" pitchFamily="2" charset="0"/>
+                <a:cs typeface="Roboto" panose="02000000000000000000" pitchFamily="2" charset="0"/>
+              </a:rPr>
+              <a:t>Tạo</a:t>
+            </a:r>
+            <a:r>
+              <a:rPr lang="en-US" dirty="0">
+                <a:latin typeface="Roboto" panose="02000000000000000000" pitchFamily="2" charset="0"/>
+                <a:ea typeface="Roboto" panose="02000000000000000000" pitchFamily="2" charset="0"/>
+                <a:cs typeface="Roboto" panose="02000000000000000000" pitchFamily="2" charset="0"/>
+              </a:rPr>
+              <a:t> </a:t>
+            </a:r>
+            <a:r>
+              <a:rPr lang="en-US" dirty="0" err="1">
+                <a:latin typeface="Roboto" panose="02000000000000000000" pitchFamily="2" charset="0"/>
+                <a:ea typeface="Roboto" panose="02000000000000000000" pitchFamily="2" charset="0"/>
+                <a:cs typeface="Roboto" panose="02000000000000000000" pitchFamily="2" charset="0"/>
+              </a:rPr>
+              <a:t>ra</a:t>
+            </a:r>
+            <a:r>
+              <a:rPr lang="en-US" dirty="0">
+                <a:latin typeface="Roboto" panose="02000000000000000000" pitchFamily="2" charset="0"/>
+                <a:ea typeface="Roboto" panose="02000000000000000000" pitchFamily="2" charset="0"/>
+                <a:cs typeface="Roboto" panose="02000000000000000000" pitchFamily="2" charset="0"/>
+              </a:rPr>
+              <a:t> </a:t>
+            </a:r>
+            <a:r>
+              <a:rPr lang="en-US" dirty="0" err="1">
+                <a:latin typeface="Roboto" panose="02000000000000000000" pitchFamily="2" charset="0"/>
+                <a:ea typeface="Roboto" panose="02000000000000000000" pitchFamily="2" charset="0"/>
+                <a:cs typeface="Roboto" panose="02000000000000000000" pitchFamily="2" charset="0"/>
+              </a:rPr>
+              <a:t>một</a:t>
+            </a:r>
+            <a:r>
+              <a:rPr lang="en-US" dirty="0">
+                <a:latin typeface="Roboto" panose="02000000000000000000" pitchFamily="2" charset="0"/>
+                <a:ea typeface="Roboto" panose="02000000000000000000" pitchFamily="2" charset="0"/>
+                <a:cs typeface="Roboto" panose="02000000000000000000" pitchFamily="2" charset="0"/>
+              </a:rPr>
+              <a:t> </a:t>
+            </a:r>
+            <a:r>
+              <a:rPr lang="en-US" dirty="0" err="1">
+                <a:latin typeface="Roboto" panose="02000000000000000000" pitchFamily="2" charset="0"/>
+                <a:ea typeface="Roboto" panose="02000000000000000000" pitchFamily="2" charset="0"/>
+                <a:cs typeface="Roboto" panose="02000000000000000000" pitchFamily="2" charset="0"/>
+              </a:rPr>
+              <a:t>dịch</a:t>
+            </a:r>
+            <a:r>
+              <a:rPr lang="en-US" dirty="0">
+                <a:latin typeface="Roboto" panose="02000000000000000000" pitchFamily="2" charset="0"/>
+                <a:ea typeface="Roboto" panose="02000000000000000000" pitchFamily="2" charset="0"/>
+                <a:cs typeface="Roboto" panose="02000000000000000000" pitchFamily="2" charset="0"/>
+              </a:rPr>
+              <a:t> </a:t>
+            </a:r>
+            <a:r>
+              <a:rPr lang="en-US" dirty="0" err="1">
+                <a:latin typeface="Roboto" panose="02000000000000000000" pitchFamily="2" charset="0"/>
+                <a:ea typeface="Roboto" panose="02000000000000000000" pitchFamily="2" charset="0"/>
+                <a:cs typeface="Roboto" panose="02000000000000000000" pitchFamily="2" charset="0"/>
+              </a:rPr>
+              <a:t>vụ</a:t>
+            </a:r>
+            <a:r>
+              <a:rPr lang="en-US" dirty="0">
+                <a:latin typeface="Roboto" panose="02000000000000000000" pitchFamily="2" charset="0"/>
+                <a:ea typeface="Roboto" panose="02000000000000000000" pitchFamily="2" charset="0"/>
+                <a:cs typeface="Roboto" panose="02000000000000000000" pitchFamily="2" charset="0"/>
+              </a:rPr>
+              <a:t> </a:t>
+            </a:r>
+            <a:r>
+              <a:rPr lang="en-US" dirty="0" err="1">
+                <a:latin typeface="Roboto" panose="02000000000000000000" pitchFamily="2" charset="0"/>
+                <a:ea typeface="Roboto" panose="02000000000000000000" pitchFamily="2" charset="0"/>
+                <a:cs typeface="Roboto" panose="02000000000000000000" pitchFamily="2" charset="0"/>
+              </a:rPr>
+              <a:t>để</a:t>
+            </a:r>
+            <a:r>
+              <a:rPr lang="en-US" dirty="0">
+                <a:latin typeface="Roboto" panose="02000000000000000000" pitchFamily="2" charset="0"/>
+                <a:ea typeface="Roboto" panose="02000000000000000000" pitchFamily="2" charset="0"/>
+                <a:cs typeface="Roboto" panose="02000000000000000000" pitchFamily="2" charset="0"/>
+              </a:rPr>
+              <a:t> </a:t>
+            </a:r>
+            <a:r>
+              <a:rPr lang="en-US" dirty="0" err="1">
+                <a:latin typeface="Roboto" panose="02000000000000000000" pitchFamily="2" charset="0"/>
+                <a:ea typeface="Roboto" panose="02000000000000000000" pitchFamily="2" charset="0"/>
+                <a:cs typeface="Roboto" panose="02000000000000000000" pitchFamily="2" charset="0"/>
+              </a:rPr>
+              <a:t>có</a:t>
+            </a:r>
+            <a:r>
+              <a:rPr lang="en-US" dirty="0">
+                <a:latin typeface="Roboto" panose="02000000000000000000" pitchFamily="2" charset="0"/>
+                <a:ea typeface="Roboto" panose="02000000000000000000" pitchFamily="2" charset="0"/>
+                <a:cs typeface="Roboto" panose="02000000000000000000" pitchFamily="2" charset="0"/>
+              </a:rPr>
+              <a:t> </a:t>
+            </a:r>
+            <a:r>
+              <a:rPr lang="en-US" dirty="0" err="1">
+                <a:latin typeface="Roboto" panose="02000000000000000000" pitchFamily="2" charset="0"/>
+                <a:ea typeface="Roboto" panose="02000000000000000000" pitchFamily="2" charset="0"/>
+                <a:cs typeface="Roboto" panose="02000000000000000000" pitchFamily="2" charset="0"/>
+              </a:rPr>
+              <a:t>thể</a:t>
+            </a:r>
+            <a:r>
+              <a:rPr lang="en-US" dirty="0">
+                <a:latin typeface="Roboto" panose="02000000000000000000" pitchFamily="2" charset="0"/>
+                <a:ea typeface="Roboto" panose="02000000000000000000" pitchFamily="2" charset="0"/>
+                <a:cs typeface="Roboto" panose="02000000000000000000" pitchFamily="2" charset="0"/>
+              </a:rPr>
+              <a:t> </a:t>
+            </a:r>
+            <a:r>
+              <a:rPr lang="en-US" dirty="0" err="1">
+                <a:latin typeface="Roboto" panose="02000000000000000000" pitchFamily="2" charset="0"/>
+                <a:ea typeface="Roboto" panose="02000000000000000000" pitchFamily="2" charset="0"/>
+                <a:cs typeface="Roboto" panose="02000000000000000000" pitchFamily="2" charset="0"/>
+              </a:rPr>
+              <a:t>đám</a:t>
+            </a:r>
+            <a:r>
+              <a:rPr lang="en-US" dirty="0">
+                <a:latin typeface="Roboto" panose="02000000000000000000" pitchFamily="2" charset="0"/>
+                <a:ea typeface="Roboto" panose="02000000000000000000" pitchFamily="2" charset="0"/>
+                <a:cs typeface="Roboto" panose="02000000000000000000" pitchFamily="2" charset="0"/>
+              </a:rPr>
+              <a:t> </a:t>
+            </a:r>
+            <a:r>
+              <a:rPr lang="en-US" dirty="0" err="1">
+                <a:latin typeface="Roboto" panose="02000000000000000000" pitchFamily="2" charset="0"/>
+                <a:ea typeface="Roboto" panose="02000000000000000000" pitchFamily="2" charset="0"/>
+                <a:cs typeface="Roboto" panose="02000000000000000000" pitchFamily="2" charset="0"/>
+              </a:rPr>
+              <a:t>ứng</a:t>
+            </a:r>
+            <a:r>
+              <a:rPr lang="en-US" dirty="0">
+                <a:latin typeface="Roboto" panose="02000000000000000000" pitchFamily="2" charset="0"/>
+                <a:ea typeface="Roboto" panose="02000000000000000000" pitchFamily="2" charset="0"/>
+                <a:cs typeface="Roboto" panose="02000000000000000000" pitchFamily="2" charset="0"/>
+              </a:rPr>
+              <a:t> </a:t>
+            </a:r>
+            <a:r>
+              <a:rPr lang="en-US" dirty="0" err="1">
+                <a:latin typeface="Roboto" panose="02000000000000000000" pitchFamily="2" charset="0"/>
+                <a:ea typeface="Roboto" panose="02000000000000000000" pitchFamily="2" charset="0"/>
+                <a:cs typeface="Roboto" panose="02000000000000000000" pitchFamily="2" charset="0"/>
+              </a:rPr>
+              <a:t>được</a:t>
+            </a:r>
+            <a:r>
+              <a:rPr lang="en-US" dirty="0">
+                <a:latin typeface="Roboto" panose="02000000000000000000" pitchFamily="2" charset="0"/>
+                <a:ea typeface="Roboto" panose="02000000000000000000" pitchFamily="2" charset="0"/>
+                <a:cs typeface="Roboto" panose="02000000000000000000" pitchFamily="2" charset="0"/>
+              </a:rPr>
+              <a:t> </a:t>
+            </a:r>
+            <a:r>
+              <a:rPr lang="en-US" dirty="0" err="1">
+                <a:latin typeface="Roboto" panose="02000000000000000000" pitchFamily="2" charset="0"/>
+                <a:ea typeface="Roboto" panose="02000000000000000000" pitchFamily="2" charset="0"/>
+                <a:cs typeface="Roboto" panose="02000000000000000000" pitchFamily="2" charset="0"/>
+              </a:rPr>
+              <a:t>nhóm</a:t>
+            </a:r>
+            <a:r>
+              <a:rPr lang="en-US" dirty="0">
+                <a:latin typeface="Roboto" panose="02000000000000000000" pitchFamily="2" charset="0"/>
+                <a:ea typeface="Roboto" panose="02000000000000000000" pitchFamily="2" charset="0"/>
+                <a:cs typeface="Roboto" panose="02000000000000000000" pitchFamily="2" charset="0"/>
+              </a:rPr>
+              <a:t> </a:t>
+            </a:r>
+            <a:r>
+              <a:rPr lang="en-US" dirty="0" err="1">
+                <a:latin typeface="Roboto" panose="02000000000000000000" pitchFamily="2" charset="0"/>
+                <a:ea typeface="Roboto" panose="02000000000000000000" pitchFamily="2" charset="0"/>
+                <a:cs typeface="Roboto" panose="02000000000000000000" pitchFamily="2" charset="0"/>
+              </a:rPr>
+              <a:t>đối</a:t>
+            </a:r>
+            <a:r>
+              <a:rPr lang="en-US" dirty="0">
+                <a:latin typeface="Roboto" panose="02000000000000000000" pitchFamily="2" charset="0"/>
+                <a:ea typeface="Roboto" panose="02000000000000000000" pitchFamily="2" charset="0"/>
+                <a:cs typeface="Roboto" panose="02000000000000000000" pitchFamily="2" charset="0"/>
+              </a:rPr>
+              <a:t> </a:t>
+            </a:r>
+            <a:r>
+              <a:rPr lang="en-US" dirty="0" err="1">
+                <a:latin typeface="Roboto" panose="02000000000000000000" pitchFamily="2" charset="0"/>
+                <a:ea typeface="Roboto" panose="02000000000000000000" pitchFamily="2" charset="0"/>
+                <a:cs typeface="Roboto" panose="02000000000000000000" pitchFamily="2" charset="0"/>
+              </a:rPr>
+              <a:t>tượng</a:t>
+            </a:r>
+            <a:r>
+              <a:rPr lang="en-US" dirty="0">
+                <a:latin typeface="Roboto" panose="02000000000000000000" pitchFamily="2" charset="0"/>
+                <a:ea typeface="Roboto" panose="02000000000000000000" pitchFamily="2" charset="0"/>
+                <a:cs typeface="Roboto" panose="02000000000000000000" pitchFamily="2" charset="0"/>
+              </a:rPr>
+              <a:t> </a:t>
+            </a:r>
+            <a:r>
+              <a:rPr lang="en-US" dirty="0" err="1">
+                <a:latin typeface="Roboto" panose="02000000000000000000" pitchFamily="2" charset="0"/>
+                <a:ea typeface="Roboto" panose="02000000000000000000" pitchFamily="2" charset="0"/>
+                <a:cs typeface="Roboto" panose="02000000000000000000" pitchFamily="2" charset="0"/>
+              </a:rPr>
+              <a:t>muốn</a:t>
+            </a:r>
+            <a:r>
+              <a:rPr lang="en-US" dirty="0">
+                <a:latin typeface="Roboto" panose="02000000000000000000" pitchFamily="2" charset="0"/>
+                <a:ea typeface="Roboto" panose="02000000000000000000" pitchFamily="2" charset="0"/>
+                <a:cs typeface="Roboto" panose="02000000000000000000" pitchFamily="2" charset="0"/>
+              </a:rPr>
+              <a:t> </a:t>
+            </a:r>
+            <a:r>
+              <a:rPr lang="en-US" dirty="0" err="1">
+                <a:latin typeface="Roboto" panose="02000000000000000000" pitchFamily="2" charset="0"/>
+                <a:ea typeface="Roboto" panose="02000000000000000000" pitchFamily="2" charset="0"/>
+                <a:cs typeface="Roboto" panose="02000000000000000000" pitchFamily="2" charset="0"/>
+              </a:rPr>
+              <a:t>làm</a:t>
+            </a:r>
+            <a:r>
+              <a:rPr lang="en-US" dirty="0">
+                <a:latin typeface="Roboto" panose="02000000000000000000" pitchFamily="2" charset="0"/>
+                <a:ea typeface="Roboto" panose="02000000000000000000" pitchFamily="2" charset="0"/>
+                <a:cs typeface="Roboto" panose="02000000000000000000" pitchFamily="2" charset="0"/>
+              </a:rPr>
+              <a:t> video</a:t>
+            </a:r>
+          </a:p>
+          <a:p>
+            <a:pPr marL="285750" indent="-285750">
+              <a:buFont typeface="Arial" panose="020B0604020202020204" pitchFamily="34" charset="0"/>
+              <a:buChar char="•"/>
+            </a:pPr>
+            <a:endParaRPr lang="en-US" dirty="0">
+              <a:latin typeface="Roboto" panose="02000000000000000000" pitchFamily="2" charset="0"/>
+              <a:ea typeface="Roboto" panose="02000000000000000000" pitchFamily="2" charset="0"/>
+              <a:cs typeface="Roboto" panose="02000000000000000000" pitchFamily="2" charset="0"/>
+            </a:endParaRPr>
+          </a:p>
+          <a:p>
+            <a:pPr marL="285750" indent="-285750">
+              <a:buFont typeface="Arial" panose="020B0604020202020204" pitchFamily="34" charset="0"/>
+              <a:buChar char="•"/>
+            </a:pPr>
+            <a:endParaRPr lang="en-US" dirty="0">
+              <a:latin typeface="Roboto" panose="02000000000000000000" pitchFamily="2" charset="0"/>
+              <a:ea typeface="Roboto" panose="02000000000000000000" pitchFamily="2" charset="0"/>
+              <a:cs typeface="Roboto" panose="02000000000000000000" pitchFamily="2" charset="0"/>
+            </a:endParaRPr>
+          </a:p>
+        </p:txBody>
+      </p:sp>
+      <p:sp>
+        <p:nvSpPr>
+          <p:cNvPr id="8" name="TextBox 7">
+            <a:extLst>
+              <a:ext uri="{FF2B5EF4-FFF2-40B4-BE49-F238E27FC236}">
+                <a16:creationId xmlns:a16="http://schemas.microsoft.com/office/drawing/2014/main" id="{B389F04D-6D81-7ABA-A743-3BE5F5994D25}"/>
+              </a:ext>
+            </a:extLst>
+          </p:cNvPr>
+          <p:cNvSpPr txBox="1"/>
+          <p:nvPr/>
+        </p:nvSpPr>
+        <p:spPr>
+          <a:xfrm>
+            <a:off x="6698221" y="2461737"/>
+            <a:ext cx="4733988" cy="1938992"/>
+          </a:xfrm>
+          <a:prstGeom prst="rect">
+            <a:avLst/>
+          </a:prstGeom>
+          <a:noFill/>
+        </p:spPr>
+        <p:txBody>
+          <a:bodyPr wrap="none" rtlCol="0">
+            <a:spAutoFit/>
+          </a:bodyPr>
+          <a:lstStyle/>
+          <a:p>
+            <a:r>
+              <a:rPr lang="en-US" sz="4000" dirty="0">
+                <a:latin typeface="Roboto" panose="02000000000000000000" pitchFamily="2" charset="0"/>
+                <a:ea typeface="Roboto" panose="02000000000000000000" pitchFamily="2" charset="0"/>
+                <a:cs typeface="Roboto" panose="02000000000000000000" pitchFamily="2" charset="0"/>
+              </a:rPr>
+              <a:t>WEB APPLICATION </a:t>
+            </a:r>
+          </a:p>
+          <a:p>
+            <a:r>
+              <a:rPr lang="en-US" sz="4000" dirty="0">
+                <a:latin typeface="Roboto" panose="02000000000000000000" pitchFamily="2" charset="0"/>
+                <a:ea typeface="Roboto" panose="02000000000000000000" pitchFamily="2" charset="0"/>
+                <a:cs typeface="Roboto" panose="02000000000000000000" pitchFamily="2" charset="0"/>
+              </a:rPr>
+              <a:t>CHỈNH SỬA VIDEO</a:t>
+            </a:r>
+          </a:p>
+          <a:p>
+            <a:r>
+              <a:rPr lang="en-US" sz="4000" dirty="0">
+                <a:latin typeface="Roboto" panose="02000000000000000000" pitchFamily="2" charset="0"/>
+                <a:ea typeface="Roboto" panose="02000000000000000000" pitchFamily="2" charset="0"/>
+                <a:cs typeface="Roboto" panose="02000000000000000000" pitchFamily="2" charset="0"/>
+              </a:rPr>
+              <a:t>BẰNG ANGULAR</a:t>
+            </a:r>
+          </a:p>
+        </p:txBody>
+      </p:sp>
+    </p:spTree>
+    <p:extLst>
+      <p:ext uri="{BB962C8B-B14F-4D97-AF65-F5344CB8AC3E}">
+        <p14:creationId xmlns:p14="http://schemas.microsoft.com/office/powerpoint/2010/main" val="3460495270"/>
+      </p:ext>
+    </p:extLst>
+  </p:cSld>
+  <p:clrMapOvr>
+    <a:masterClrMapping/>
+  </p:clrMapOvr>
+</p:sld>
+</file>
+
+<file path=ppt/slides/slide9.xml><?xml version="1.0" encoding="utf-8"?>
 <p:sld xmlns:a="http://schemas.openxmlformats.org/drawingml/2006/main" xmlns:r="http://schemas.openxmlformats.org/officeDocument/2006/relationships" xmlns:p="http://schemas.openxmlformats.org/presentationml/2006/main">
   <p:cSld>
     <p:bg>
@@ -18937,1758 +21739,13 @@
   <p:clrMapOvr>
     <a:masterClrMapping/>
   </p:clrMapOvr>
-  <mc:AlternateContent xmlns:mc="http://schemas.openxmlformats.org/markup-compatibility/2006">
-    <mc:Choice xmlns:p14="http://schemas.microsoft.com/office/powerpoint/2010/main" Requires="p14">
+  <mc:AlternateContent xmlns:mc="http://schemas.openxmlformats.org/markup-compatibility/2006" xmlns:p14="http://schemas.microsoft.com/office/powerpoint/2010/main">
+    <mc:Choice Requires="p14">
       <p:transition spd="med" p14:dur="700">
         <p:fade/>
       </p:transition>
     </mc:Choice>
-    <mc:Fallback>
-      <p:transition spd="med">
-        <p:fade/>
-      </p:transition>
-    </mc:Fallback>
-  </mc:AlternateContent>
-</p:sld>
-</file>
-
-<file path=ppt/slides/slide9.xml><?xml version="1.0" encoding="utf-8"?>
-<p:sld xmlns:a="http://schemas.openxmlformats.org/drawingml/2006/main" xmlns:r="http://schemas.openxmlformats.org/officeDocument/2006/relationships" xmlns:p="http://schemas.openxmlformats.org/presentationml/2006/main">
-  <p:cSld>
-    <p:spTree>
-      <p:nvGrpSpPr>
-        <p:cNvPr id="1" name=""/>
-        <p:cNvGrpSpPr/>
-        <p:nvPr/>
-      </p:nvGrpSpPr>
-      <p:grpSpPr>
-        <a:xfrm>
-          <a:off x="0" y="0"/>
-          <a:ext cx="0" cy="0"/>
-          <a:chOff x="0" y="0"/>
-          <a:chExt cx="0" cy="0"/>
-        </a:xfrm>
-      </p:grpSpPr>
-      <p:sp>
-        <p:nvSpPr>
-          <p:cNvPr id="2" name="Title 1">
-            <a:extLst>
-              <a:ext uri="{FF2B5EF4-FFF2-40B4-BE49-F238E27FC236}">
-                <a16:creationId xmlns:a16="http://schemas.microsoft.com/office/drawing/2014/main" id="{0384193D-59D8-B216-9030-0267F38A7268}"/>
-              </a:ext>
-            </a:extLst>
-          </p:cNvPr>
-          <p:cNvSpPr>
-            <a:spLocks noGrp="1"/>
-          </p:cNvSpPr>
-          <p:nvPr>
-            <p:ph type="title"/>
-          </p:nvPr>
-        </p:nvSpPr>
-        <p:spPr/>
-        <p:txBody>
-          <a:bodyPr/>
-          <a:lstStyle/>
-          <a:p>
-            <a:r>
-              <a:rPr lang="en-US" dirty="0">
-                <a:latin typeface="Roboto" panose="02000000000000000000" pitchFamily="2" charset="0"/>
-                <a:ea typeface="Roboto" panose="02000000000000000000" pitchFamily="2" charset="0"/>
-                <a:cs typeface="Roboto" panose="02000000000000000000" pitchFamily="2" charset="0"/>
-              </a:rPr>
-              <a:t>3.Ưu </a:t>
-            </a:r>
-            <a:r>
-              <a:rPr lang="en-US" dirty="0" err="1">
-                <a:latin typeface="Roboto" panose="02000000000000000000" pitchFamily="2" charset="0"/>
-                <a:ea typeface="Roboto" panose="02000000000000000000" pitchFamily="2" charset="0"/>
-                <a:cs typeface="Roboto" panose="02000000000000000000" pitchFamily="2" charset="0"/>
-              </a:rPr>
-              <a:t>điểm</a:t>
-            </a:r>
-            <a:r>
-              <a:rPr lang="en-US" dirty="0">
-                <a:latin typeface="Roboto" panose="02000000000000000000" pitchFamily="2" charset="0"/>
-                <a:ea typeface="Roboto" panose="02000000000000000000" pitchFamily="2" charset="0"/>
-                <a:cs typeface="Roboto" panose="02000000000000000000" pitchFamily="2" charset="0"/>
-              </a:rPr>
-              <a:t> </a:t>
-            </a:r>
-            <a:r>
-              <a:rPr lang="en-US" dirty="0" err="1">
-                <a:latin typeface="Roboto" panose="02000000000000000000" pitchFamily="2" charset="0"/>
-                <a:ea typeface="Roboto" panose="02000000000000000000" pitchFamily="2" charset="0"/>
-                <a:cs typeface="Roboto" panose="02000000000000000000" pitchFamily="2" charset="0"/>
-              </a:rPr>
-              <a:t>và</a:t>
-            </a:r>
-            <a:r>
-              <a:rPr lang="en-US" dirty="0">
-                <a:latin typeface="Roboto" panose="02000000000000000000" pitchFamily="2" charset="0"/>
-                <a:ea typeface="Roboto" panose="02000000000000000000" pitchFamily="2" charset="0"/>
-                <a:cs typeface="Roboto" panose="02000000000000000000" pitchFamily="2" charset="0"/>
-              </a:rPr>
-              <a:t> </a:t>
-            </a:r>
-            <a:r>
-              <a:rPr lang="en-US" dirty="0" err="1">
-                <a:latin typeface="Roboto" panose="02000000000000000000" pitchFamily="2" charset="0"/>
-                <a:ea typeface="Roboto" panose="02000000000000000000" pitchFamily="2" charset="0"/>
-                <a:cs typeface="Roboto" panose="02000000000000000000" pitchFamily="2" charset="0"/>
-              </a:rPr>
-              <a:t>nhược</a:t>
-            </a:r>
-            <a:r>
-              <a:rPr lang="en-US" dirty="0">
-                <a:latin typeface="Roboto" panose="02000000000000000000" pitchFamily="2" charset="0"/>
-                <a:ea typeface="Roboto" panose="02000000000000000000" pitchFamily="2" charset="0"/>
-                <a:cs typeface="Roboto" panose="02000000000000000000" pitchFamily="2" charset="0"/>
-              </a:rPr>
-              <a:t> </a:t>
-            </a:r>
-            <a:r>
-              <a:rPr lang="en-US" dirty="0" err="1">
-                <a:latin typeface="Roboto" panose="02000000000000000000" pitchFamily="2" charset="0"/>
-                <a:ea typeface="Roboto" panose="02000000000000000000" pitchFamily="2" charset="0"/>
-                <a:cs typeface="Roboto" panose="02000000000000000000" pitchFamily="2" charset="0"/>
-              </a:rPr>
-              <a:t>điểm</a:t>
-            </a:r>
-            <a:endParaRPr lang="en-US" dirty="0">
-              <a:latin typeface="Roboto" panose="02000000000000000000" pitchFamily="2" charset="0"/>
-              <a:ea typeface="Roboto" panose="02000000000000000000" pitchFamily="2" charset="0"/>
-              <a:cs typeface="Roboto" panose="02000000000000000000" pitchFamily="2" charset="0"/>
-            </a:endParaRPr>
-          </a:p>
-        </p:txBody>
-      </p:sp>
-      <p:sp>
-        <p:nvSpPr>
-          <p:cNvPr id="4" name="Rectangle 3">
-            <a:extLst>
-              <a:ext uri="{FF2B5EF4-FFF2-40B4-BE49-F238E27FC236}">
-                <a16:creationId xmlns:a16="http://schemas.microsoft.com/office/drawing/2014/main" id="{51DADBE4-6535-51E6-114E-567BF6B7FAE6}"/>
-              </a:ext>
-            </a:extLst>
-          </p:cNvPr>
-          <p:cNvSpPr/>
-          <p:nvPr/>
-        </p:nvSpPr>
-        <p:spPr>
-          <a:xfrm>
-            <a:off x="947532" y="1895059"/>
-            <a:ext cx="4018723" cy="4108173"/>
-          </a:xfrm>
-          <a:prstGeom prst="rect">
-            <a:avLst/>
-          </a:prstGeom>
-          <a:noFill/>
-          <a:ln w="190500" cap="rnd">
-            <a:solidFill>
-              <a:schemeClr val="accent6"/>
-            </a:solidFill>
-            <a:bevel/>
-          </a:ln>
-        </p:spPr>
-        <p:style>
-          <a:lnRef idx="2">
-            <a:schemeClr val="accent1">
-              <a:shade val="50000"/>
-            </a:schemeClr>
-          </a:lnRef>
-          <a:fillRef idx="1">
-            <a:schemeClr val="accent1"/>
-          </a:fillRef>
-          <a:effectRef idx="0">
-            <a:schemeClr val="accent1"/>
-          </a:effectRef>
-          <a:fontRef idx="minor">
-            <a:schemeClr val="lt1"/>
-          </a:fontRef>
-        </p:style>
-        <p:txBody>
-          <a:bodyPr rtlCol="0" anchor="ctr"/>
-          <a:lstStyle/>
-          <a:p>
-            <a:pPr algn="just"/>
-            <a:r>
-              <a:rPr lang="en-US" sz="2400" b="1" dirty="0" err="1">
-                <a:solidFill>
-                  <a:schemeClr val="tx1"/>
-                </a:solidFill>
-                <a:latin typeface="Roboto" panose="02000000000000000000" pitchFamily="2" charset="0"/>
-                <a:ea typeface="Roboto" panose="02000000000000000000" pitchFamily="2" charset="0"/>
-                <a:cs typeface="Roboto" panose="02000000000000000000" pitchFamily="2" charset="0"/>
-              </a:rPr>
-              <a:t>Ưu</a:t>
-            </a:r>
-            <a:r>
-              <a:rPr lang="en-US" sz="2400" b="1" dirty="0">
-                <a:solidFill>
-                  <a:schemeClr val="tx1"/>
-                </a:solidFill>
-                <a:latin typeface="Roboto" panose="02000000000000000000" pitchFamily="2" charset="0"/>
-                <a:ea typeface="Roboto" panose="02000000000000000000" pitchFamily="2" charset="0"/>
-                <a:cs typeface="Roboto" panose="02000000000000000000" pitchFamily="2" charset="0"/>
-              </a:rPr>
-              <a:t> </a:t>
-            </a:r>
-            <a:r>
-              <a:rPr lang="en-US" sz="2400" b="1" dirty="0" err="1">
-                <a:solidFill>
-                  <a:schemeClr val="tx1"/>
-                </a:solidFill>
-                <a:latin typeface="Roboto" panose="02000000000000000000" pitchFamily="2" charset="0"/>
-                <a:ea typeface="Roboto" panose="02000000000000000000" pitchFamily="2" charset="0"/>
-                <a:cs typeface="Roboto" panose="02000000000000000000" pitchFamily="2" charset="0"/>
-              </a:rPr>
-              <a:t>điểm</a:t>
-            </a:r>
-            <a:endParaRPr lang="en-US" sz="2400" b="1" dirty="0">
-              <a:solidFill>
-                <a:schemeClr val="tx1"/>
-              </a:solidFill>
-              <a:latin typeface="Roboto" panose="02000000000000000000" pitchFamily="2" charset="0"/>
-              <a:ea typeface="Roboto" panose="02000000000000000000" pitchFamily="2" charset="0"/>
-              <a:cs typeface="Roboto" panose="02000000000000000000" pitchFamily="2" charset="0"/>
-            </a:endParaRPr>
-          </a:p>
-          <a:p>
-            <a:pPr algn="just"/>
-            <a:r>
-              <a:rPr lang="en-US" sz="2400" dirty="0" err="1">
-                <a:solidFill>
-                  <a:schemeClr val="tx1"/>
-                </a:solidFill>
-                <a:latin typeface="Roboto" panose="02000000000000000000" pitchFamily="2" charset="0"/>
-                <a:ea typeface="Roboto" panose="02000000000000000000" pitchFamily="2" charset="0"/>
-                <a:cs typeface="Roboto" panose="02000000000000000000" pitchFamily="2" charset="0"/>
-              </a:rPr>
-              <a:t>Đặt</a:t>
-            </a:r>
-            <a:r>
-              <a:rPr lang="en-US" sz="2400" dirty="0">
-                <a:solidFill>
-                  <a:schemeClr val="tx1"/>
-                </a:solidFill>
-                <a:latin typeface="Roboto" panose="02000000000000000000" pitchFamily="2" charset="0"/>
-                <a:ea typeface="Roboto" panose="02000000000000000000" pitchFamily="2" charset="0"/>
-                <a:cs typeface="Roboto" panose="02000000000000000000" pitchFamily="2" charset="0"/>
-              </a:rPr>
-              <a:t> </a:t>
-            </a:r>
-            <a:r>
-              <a:rPr lang="en-US" sz="2400" dirty="0" err="1">
-                <a:solidFill>
-                  <a:schemeClr val="tx1"/>
-                </a:solidFill>
-                <a:latin typeface="Roboto" panose="02000000000000000000" pitchFamily="2" charset="0"/>
-                <a:ea typeface="Roboto" panose="02000000000000000000" pitchFamily="2" charset="0"/>
-                <a:cs typeface="Roboto" panose="02000000000000000000" pitchFamily="2" charset="0"/>
-              </a:rPr>
-              <a:t>nền</a:t>
-            </a:r>
-            <a:r>
-              <a:rPr lang="en-US" sz="2400" dirty="0">
-                <a:solidFill>
-                  <a:schemeClr val="tx1"/>
-                </a:solidFill>
-                <a:latin typeface="Roboto" panose="02000000000000000000" pitchFamily="2" charset="0"/>
-                <a:ea typeface="Roboto" panose="02000000000000000000" pitchFamily="2" charset="0"/>
-                <a:cs typeface="Roboto" panose="02000000000000000000" pitchFamily="2" charset="0"/>
-              </a:rPr>
-              <a:t> </a:t>
-            </a:r>
-            <a:r>
-              <a:rPr lang="en-US" sz="2400" dirty="0" err="1">
-                <a:solidFill>
-                  <a:schemeClr val="tx1"/>
-                </a:solidFill>
-                <a:latin typeface="Roboto" panose="02000000000000000000" pitchFamily="2" charset="0"/>
-                <a:ea typeface="Roboto" panose="02000000000000000000" pitchFamily="2" charset="0"/>
-                <a:cs typeface="Roboto" panose="02000000000000000000" pitchFamily="2" charset="0"/>
-              </a:rPr>
-              <a:t>tảng</a:t>
-            </a:r>
-            <a:r>
-              <a:rPr lang="en-US" sz="2400" dirty="0">
-                <a:solidFill>
-                  <a:schemeClr val="tx1"/>
-                </a:solidFill>
-                <a:latin typeface="Roboto" panose="02000000000000000000" pitchFamily="2" charset="0"/>
-                <a:ea typeface="Roboto" panose="02000000000000000000" pitchFamily="2" charset="0"/>
-                <a:cs typeface="Roboto" panose="02000000000000000000" pitchFamily="2" charset="0"/>
-              </a:rPr>
-              <a:t> UX </a:t>
-            </a:r>
-            <a:r>
-              <a:rPr lang="en-US" sz="2400" dirty="0" err="1">
-                <a:solidFill>
-                  <a:schemeClr val="tx1"/>
-                </a:solidFill>
-                <a:latin typeface="Roboto" panose="02000000000000000000" pitchFamily="2" charset="0"/>
-                <a:ea typeface="Roboto" panose="02000000000000000000" pitchFamily="2" charset="0"/>
-                <a:cs typeface="Roboto" panose="02000000000000000000" pitchFamily="2" charset="0"/>
-              </a:rPr>
-              <a:t>lên</a:t>
-            </a:r>
-            <a:r>
-              <a:rPr lang="en-US" sz="2400" dirty="0">
-                <a:solidFill>
-                  <a:schemeClr val="tx1"/>
-                </a:solidFill>
-                <a:latin typeface="Roboto" panose="02000000000000000000" pitchFamily="2" charset="0"/>
-                <a:ea typeface="Roboto" panose="02000000000000000000" pitchFamily="2" charset="0"/>
-                <a:cs typeface="Roboto" panose="02000000000000000000" pitchFamily="2" charset="0"/>
-              </a:rPr>
-              <a:t> </a:t>
-            </a:r>
-            <a:r>
-              <a:rPr lang="en-US" sz="2400" dirty="0" err="1">
-                <a:solidFill>
-                  <a:schemeClr val="tx1"/>
-                </a:solidFill>
-                <a:latin typeface="Roboto" panose="02000000000000000000" pitchFamily="2" charset="0"/>
-                <a:ea typeface="Roboto" panose="02000000000000000000" pitchFamily="2" charset="0"/>
-                <a:cs typeface="Roboto" panose="02000000000000000000" pitchFamily="2" charset="0"/>
-              </a:rPr>
-              <a:t>trước</a:t>
-            </a:r>
-            <a:r>
-              <a:rPr lang="en-US" sz="2400" dirty="0">
-                <a:solidFill>
-                  <a:schemeClr val="tx1"/>
-                </a:solidFill>
-                <a:latin typeface="Roboto" panose="02000000000000000000" pitchFamily="2" charset="0"/>
-                <a:ea typeface="Roboto" panose="02000000000000000000" pitchFamily="2" charset="0"/>
-                <a:cs typeface="Roboto" panose="02000000000000000000" pitchFamily="2" charset="0"/>
-              </a:rPr>
-              <a:t>.</a:t>
-            </a:r>
-          </a:p>
-          <a:p>
-            <a:pPr algn="just"/>
-            <a:r>
-              <a:rPr lang="en-US" sz="2400" dirty="0" err="1">
-                <a:solidFill>
-                  <a:schemeClr val="tx1"/>
-                </a:solidFill>
-                <a:latin typeface="Roboto" panose="02000000000000000000" pitchFamily="2" charset="0"/>
-                <a:ea typeface="Roboto" panose="02000000000000000000" pitchFamily="2" charset="0"/>
-                <a:cs typeface="Roboto" panose="02000000000000000000" pitchFamily="2" charset="0"/>
-              </a:rPr>
-              <a:t>Giảm</a:t>
-            </a:r>
-            <a:r>
-              <a:rPr lang="en-US" sz="2400" dirty="0">
-                <a:solidFill>
-                  <a:schemeClr val="tx1"/>
-                </a:solidFill>
-                <a:latin typeface="Roboto" panose="02000000000000000000" pitchFamily="2" charset="0"/>
-                <a:ea typeface="Roboto" panose="02000000000000000000" pitchFamily="2" charset="0"/>
-                <a:cs typeface="Roboto" panose="02000000000000000000" pitchFamily="2" charset="0"/>
-              </a:rPr>
-              <a:t> </a:t>
-            </a:r>
-            <a:r>
-              <a:rPr lang="en-US" sz="2400" dirty="0" err="1">
-                <a:solidFill>
-                  <a:schemeClr val="tx1"/>
-                </a:solidFill>
-                <a:latin typeface="Roboto" panose="02000000000000000000" pitchFamily="2" charset="0"/>
-                <a:ea typeface="Roboto" panose="02000000000000000000" pitchFamily="2" charset="0"/>
-                <a:cs typeface="Roboto" panose="02000000000000000000" pitchFamily="2" charset="0"/>
-              </a:rPr>
-              <a:t>thiểu</a:t>
-            </a:r>
-            <a:r>
-              <a:rPr lang="en-US" sz="2400" dirty="0">
-                <a:solidFill>
-                  <a:schemeClr val="tx1"/>
-                </a:solidFill>
-                <a:latin typeface="Roboto" panose="02000000000000000000" pitchFamily="2" charset="0"/>
-                <a:ea typeface="Roboto" panose="02000000000000000000" pitchFamily="2" charset="0"/>
-                <a:cs typeface="Roboto" panose="02000000000000000000" pitchFamily="2" charset="0"/>
-              </a:rPr>
-              <a:t> </a:t>
-            </a:r>
-            <a:r>
-              <a:rPr lang="en-US" sz="2400" dirty="0" err="1">
-                <a:solidFill>
-                  <a:schemeClr val="tx1"/>
-                </a:solidFill>
-                <a:latin typeface="Roboto" panose="02000000000000000000" pitchFamily="2" charset="0"/>
-                <a:ea typeface="Roboto" panose="02000000000000000000" pitchFamily="2" charset="0"/>
-                <a:cs typeface="Roboto" panose="02000000000000000000" pitchFamily="2" charset="0"/>
-              </a:rPr>
-              <a:t>tương</a:t>
-            </a:r>
-            <a:r>
-              <a:rPr lang="en-US" sz="2400" dirty="0">
-                <a:solidFill>
-                  <a:schemeClr val="tx1"/>
-                </a:solidFill>
-                <a:latin typeface="Roboto" panose="02000000000000000000" pitchFamily="2" charset="0"/>
-                <a:ea typeface="Roboto" panose="02000000000000000000" pitchFamily="2" charset="0"/>
-                <a:cs typeface="Roboto" panose="02000000000000000000" pitchFamily="2" charset="0"/>
-              </a:rPr>
-              <a:t> </a:t>
-            </a:r>
-            <a:r>
-              <a:rPr lang="en-US" sz="2400" dirty="0" err="1">
-                <a:solidFill>
-                  <a:schemeClr val="tx1"/>
-                </a:solidFill>
-                <a:latin typeface="Roboto" panose="02000000000000000000" pitchFamily="2" charset="0"/>
-                <a:ea typeface="Roboto" panose="02000000000000000000" pitchFamily="2" charset="0"/>
-                <a:cs typeface="Roboto" panose="02000000000000000000" pitchFamily="2" charset="0"/>
-              </a:rPr>
-              <a:t>tác</a:t>
-            </a:r>
-            <a:r>
-              <a:rPr lang="en-US" sz="2400" dirty="0">
-                <a:solidFill>
-                  <a:schemeClr val="tx1"/>
-                </a:solidFill>
-                <a:latin typeface="Roboto" panose="02000000000000000000" pitchFamily="2" charset="0"/>
-                <a:ea typeface="Roboto" panose="02000000000000000000" pitchFamily="2" charset="0"/>
-                <a:cs typeface="Roboto" panose="02000000000000000000" pitchFamily="2" charset="0"/>
-              </a:rPr>
-              <a:t> </a:t>
-            </a:r>
-            <a:r>
-              <a:rPr lang="en-US" sz="2400" dirty="0" err="1">
-                <a:solidFill>
-                  <a:schemeClr val="tx1"/>
-                </a:solidFill>
-                <a:latin typeface="Roboto" panose="02000000000000000000" pitchFamily="2" charset="0"/>
-                <a:ea typeface="Roboto" panose="02000000000000000000" pitchFamily="2" charset="0"/>
-                <a:cs typeface="Roboto" panose="02000000000000000000" pitchFamily="2" charset="0"/>
-              </a:rPr>
-              <a:t>với</a:t>
-            </a:r>
-            <a:r>
-              <a:rPr lang="en-US" sz="2400" dirty="0">
-                <a:solidFill>
-                  <a:schemeClr val="tx1"/>
-                </a:solidFill>
-                <a:latin typeface="Roboto" panose="02000000000000000000" pitchFamily="2" charset="0"/>
-                <a:ea typeface="Roboto" panose="02000000000000000000" pitchFamily="2" charset="0"/>
-                <a:cs typeface="Roboto" panose="02000000000000000000" pitchFamily="2" charset="0"/>
-              </a:rPr>
-              <a:t> Server, </a:t>
-            </a:r>
-            <a:r>
-              <a:rPr lang="en-US" sz="2400" dirty="0" err="1">
-                <a:solidFill>
-                  <a:schemeClr val="tx1"/>
-                </a:solidFill>
-                <a:latin typeface="Roboto" panose="02000000000000000000" pitchFamily="2" charset="0"/>
-                <a:ea typeface="Roboto" panose="02000000000000000000" pitchFamily="2" charset="0"/>
-                <a:cs typeface="Roboto" panose="02000000000000000000" pitchFamily="2" charset="0"/>
-              </a:rPr>
-              <a:t>để</a:t>
-            </a:r>
-            <a:r>
-              <a:rPr lang="en-US" sz="2400" dirty="0">
-                <a:solidFill>
-                  <a:schemeClr val="tx1"/>
-                </a:solidFill>
-                <a:latin typeface="Roboto" panose="02000000000000000000" pitchFamily="2" charset="0"/>
-                <a:ea typeface="Roboto" panose="02000000000000000000" pitchFamily="2" charset="0"/>
-                <a:cs typeface="Roboto" panose="02000000000000000000" pitchFamily="2" charset="0"/>
-              </a:rPr>
-              <a:t> </a:t>
-            </a:r>
-            <a:r>
-              <a:rPr lang="en-US" sz="2400" dirty="0" err="1">
-                <a:solidFill>
-                  <a:schemeClr val="tx1"/>
-                </a:solidFill>
-                <a:latin typeface="Roboto" panose="02000000000000000000" pitchFamily="2" charset="0"/>
-                <a:ea typeface="Roboto" panose="02000000000000000000" pitchFamily="2" charset="0"/>
-                <a:cs typeface="Roboto" panose="02000000000000000000" pitchFamily="2" charset="0"/>
-              </a:rPr>
-              <a:t>không</a:t>
-            </a:r>
-            <a:r>
-              <a:rPr lang="en-US" sz="2400" dirty="0">
-                <a:solidFill>
-                  <a:schemeClr val="tx1"/>
-                </a:solidFill>
-                <a:latin typeface="Roboto" panose="02000000000000000000" pitchFamily="2" charset="0"/>
-                <a:ea typeface="Roboto" panose="02000000000000000000" pitchFamily="2" charset="0"/>
-                <a:cs typeface="Roboto" panose="02000000000000000000" pitchFamily="2" charset="0"/>
-              </a:rPr>
-              <a:t> </a:t>
-            </a:r>
-            <a:r>
-              <a:rPr lang="en-US" sz="2400" dirty="0" err="1">
-                <a:solidFill>
-                  <a:schemeClr val="tx1"/>
-                </a:solidFill>
-                <a:latin typeface="Roboto" panose="02000000000000000000" pitchFamily="2" charset="0"/>
-                <a:ea typeface="Roboto" panose="02000000000000000000" pitchFamily="2" charset="0"/>
-                <a:cs typeface="Roboto" panose="02000000000000000000" pitchFamily="2" charset="0"/>
-              </a:rPr>
-              <a:t>quá</a:t>
-            </a:r>
-            <a:r>
-              <a:rPr lang="en-US" sz="2400" dirty="0">
-                <a:solidFill>
-                  <a:schemeClr val="tx1"/>
-                </a:solidFill>
-                <a:latin typeface="Roboto" panose="02000000000000000000" pitchFamily="2" charset="0"/>
-                <a:ea typeface="Roboto" panose="02000000000000000000" pitchFamily="2" charset="0"/>
-                <a:cs typeface="Roboto" panose="02000000000000000000" pitchFamily="2" charset="0"/>
-              </a:rPr>
-              <a:t> </a:t>
-            </a:r>
-            <a:r>
-              <a:rPr lang="en-US" sz="2400" dirty="0" err="1">
-                <a:solidFill>
-                  <a:schemeClr val="tx1"/>
-                </a:solidFill>
-                <a:latin typeface="Roboto" panose="02000000000000000000" pitchFamily="2" charset="0"/>
-                <a:ea typeface="Roboto" panose="02000000000000000000" pitchFamily="2" charset="0"/>
-                <a:cs typeface="Roboto" panose="02000000000000000000" pitchFamily="2" charset="0"/>
-              </a:rPr>
-              <a:t>phụ</a:t>
-            </a:r>
-            <a:r>
-              <a:rPr lang="en-US" sz="2400" dirty="0">
-                <a:solidFill>
-                  <a:schemeClr val="tx1"/>
-                </a:solidFill>
-                <a:latin typeface="Roboto" panose="02000000000000000000" pitchFamily="2" charset="0"/>
-                <a:ea typeface="Roboto" panose="02000000000000000000" pitchFamily="2" charset="0"/>
-                <a:cs typeface="Roboto" panose="02000000000000000000" pitchFamily="2" charset="0"/>
-              </a:rPr>
-              <a:t> </a:t>
-            </a:r>
-            <a:r>
-              <a:rPr lang="en-US" sz="2400" dirty="0" err="1">
-                <a:solidFill>
-                  <a:schemeClr val="tx1"/>
-                </a:solidFill>
-                <a:latin typeface="Roboto" panose="02000000000000000000" pitchFamily="2" charset="0"/>
-                <a:ea typeface="Roboto" panose="02000000000000000000" pitchFamily="2" charset="0"/>
-                <a:cs typeface="Roboto" panose="02000000000000000000" pitchFamily="2" charset="0"/>
-              </a:rPr>
-              <a:t>thuộc</a:t>
-            </a:r>
-            <a:r>
-              <a:rPr lang="en-US" sz="2400" dirty="0">
-                <a:solidFill>
-                  <a:schemeClr val="tx1"/>
-                </a:solidFill>
-                <a:latin typeface="Roboto" panose="02000000000000000000" pitchFamily="2" charset="0"/>
-                <a:ea typeface="Roboto" panose="02000000000000000000" pitchFamily="2" charset="0"/>
-                <a:cs typeface="Roboto" panose="02000000000000000000" pitchFamily="2" charset="0"/>
-              </a:rPr>
-              <a:t>.</a:t>
-            </a:r>
-          </a:p>
-          <a:p>
-            <a:pPr algn="just"/>
-            <a:r>
-              <a:rPr lang="en-US" sz="2400" dirty="0" err="1">
-                <a:solidFill>
-                  <a:schemeClr val="tx1"/>
-                </a:solidFill>
-                <a:latin typeface="Roboto" panose="02000000000000000000" pitchFamily="2" charset="0"/>
-                <a:ea typeface="Roboto" panose="02000000000000000000" pitchFamily="2" charset="0"/>
-                <a:cs typeface="Roboto" panose="02000000000000000000" pitchFamily="2" charset="0"/>
-              </a:rPr>
-              <a:t>Đặt</a:t>
-            </a:r>
-            <a:r>
-              <a:rPr lang="en-US" sz="2400" dirty="0">
-                <a:solidFill>
-                  <a:schemeClr val="tx1"/>
-                </a:solidFill>
-                <a:latin typeface="Roboto" panose="02000000000000000000" pitchFamily="2" charset="0"/>
-                <a:ea typeface="Roboto" panose="02000000000000000000" pitchFamily="2" charset="0"/>
-                <a:cs typeface="Roboto" panose="02000000000000000000" pitchFamily="2" charset="0"/>
-              </a:rPr>
-              <a:t> </a:t>
-            </a:r>
-            <a:r>
-              <a:rPr lang="en-US" sz="2400" dirty="0" err="1">
-                <a:solidFill>
-                  <a:schemeClr val="tx1"/>
-                </a:solidFill>
-                <a:latin typeface="Roboto" panose="02000000000000000000" pitchFamily="2" charset="0"/>
-                <a:ea typeface="Roboto" panose="02000000000000000000" pitchFamily="2" charset="0"/>
-                <a:cs typeface="Roboto" panose="02000000000000000000" pitchFamily="2" charset="0"/>
-              </a:rPr>
-              <a:t>trên</a:t>
-            </a:r>
-            <a:r>
-              <a:rPr lang="en-US" sz="2400" dirty="0">
-                <a:solidFill>
-                  <a:schemeClr val="tx1"/>
-                </a:solidFill>
-                <a:latin typeface="Roboto" panose="02000000000000000000" pitchFamily="2" charset="0"/>
-                <a:ea typeface="Roboto" panose="02000000000000000000" pitchFamily="2" charset="0"/>
-                <a:cs typeface="Roboto" panose="02000000000000000000" pitchFamily="2" charset="0"/>
-              </a:rPr>
-              <a:t> </a:t>
-            </a:r>
-            <a:r>
-              <a:rPr lang="en-US" sz="2400" dirty="0" err="1">
-                <a:solidFill>
-                  <a:schemeClr val="tx1"/>
-                </a:solidFill>
-                <a:latin typeface="Roboto" panose="02000000000000000000" pitchFamily="2" charset="0"/>
-                <a:ea typeface="Roboto" panose="02000000000000000000" pitchFamily="2" charset="0"/>
-                <a:cs typeface="Roboto" panose="02000000000000000000" pitchFamily="2" charset="0"/>
-              </a:rPr>
-              <a:t>nền</a:t>
-            </a:r>
-            <a:r>
-              <a:rPr lang="en-US" sz="2400" dirty="0">
-                <a:solidFill>
-                  <a:schemeClr val="tx1"/>
-                </a:solidFill>
-                <a:latin typeface="Roboto" panose="02000000000000000000" pitchFamily="2" charset="0"/>
-                <a:ea typeface="Roboto" panose="02000000000000000000" pitchFamily="2" charset="0"/>
-                <a:cs typeface="Roboto" panose="02000000000000000000" pitchFamily="2" charset="0"/>
-              </a:rPr>
-              <a:t> </a:t>
-            </a:r>
-            <a:r>
-              <a:rPr lang="en-US" sz="2400" dirty="0" err="1">
-                <a:solidFill>
-                  <a:schemeClr val="tx1"/>
-                </a:solidFill>
-                <a:latin typeface="Roboto" panose="02000000000000000000" pitchFamily="2" charset="0"/>
-                <a:ea typeface="Roboto" panose="02000000000000000000" pitchFamily="2" charset="0"/>
-                <a:cs typeface="Roboto" panose="02000000000000000000" pitchFamily="2" charset="0"/>
-              </a:rPr>
-              <a:t>tảng</a:t>
-            </a:r>
-            <a:r>
-              <a:rPr lang="en-US" sz="2400" dirty="0">
-                <a:solidFill>
-                  <a:schemeClr val="tx1"/>
-                </a:solidFill>
-                <a:latin typeface="Roboto" panose="02000000000000000000" pitchFamily="2" charset="0"/>
-                <a:ea typeface="Roboto" panose="02000000000000000000" pitchFamily="2" charset="0"/>
-                <a:cs typeface="Roboto" panose="02000000000000000000" pitchFamily="2" charset="0"/>
-              </a:rPr>
-              <a:t> </a:t>
-            </a:r>
-            <a:r>
-              <a:rPr lang="en-US" sz="2400" dirty="0" err="1">
-                <a:solidFill>
-                  <a:schemeClr val="tx1"/>
-                </a:solidFill>
-                <a:latin typeface="Roboto" panose="02000000000000000000" pitchFamily="2" charset="0"/>
-                <a:ea typeface="Roboto" panose="02000000000000000000" pitchFamily="2" charset="0"/>
-                <a:cs typeface="Roboto" panose="02000000000000000000" pitchFamily="2" charset="0"/>
-              </a:rPr>
-              <a:t>của</a:t>
-            </a:r>
-            <a:r>
-              <a:rPr lang="en-US" sz="2400" dirty="0">
-                <a:solidFill>
-                  <a:schemeClr val="tx1"/>
-                </a:solidFill>
-                <a:latin typeface="Roboto" panose="02000000000000000000" pitchFamily="2" charset="0"/>
-                <a:ea typeface="Roboto" panose="02000000000000000000" pitchFamily="2" charset="0"/>
-                <a:cs typeface="Roboto" panose="02000000000000000000" pitchFamily="2" charset="0"/>
-              </a:rPr>
-              <a:t> HTML </a:t>
-            </a:r>
-            <a:r>
-              <a:rPr lang="en-US" sz="2400" dirty="0" err="1">
-                <a:solidFill>
-                  <a:schemeClr val="tx1"/>
-                </a:solidFill>
-                <a:latin typeface="Roboto" panose="02000000000000000000" pitchFamily="2" charset="0"/>
-                <a:ea typeface="Roboto" panose="02000000000000000000" pitchFamily="2" charset="0"/>
-                <a:cs typeface="Roboto" panose="02000000000000000000" pitchFamily="2" charset="0"/>
-              </a:rPr>
-              <a:t>nên</a:t>
-            </a:r>
-            <a:r>
-              <a:rPr lang="en-US" sz="2400" dirty="0">
-                <a:solidFill>
-                  <a:schemeClr val="tx1"/>
-                </a:solidFill>
-                <a:latin typeface="Roboto" panose="02000000000000000000" pitchFamily="2" charset="0"/>
-                <a:ea typeface="Roboto" panose="02000000000000000000" pitchFamily="2" charset="0"/>
-                <a:cs typeface="Roboto" panose="02000000000000000000" pitchFamily="2" charset="0"/>
-              </a:rPr>
-              <a:t> </a:t>
-            </a:r>
-            <a:r>
-              <a:rPr lang="en-US" sz="2400" dirty="0" err="1">
-                <a:solidFill>
-                  <a:schemeClr val="tx1"/>
-                </a:solidFill>
-                <a:latin typeface="Roboto" panose="02000000000000000000" pitchFamily="2" charset="0"/>
-                <a:ea typeface="Roboto" panose="02000000000000000000" pitchFamily="2" charset="0"/>
-                <a:cs typeface="Roboto" panose="02000000000000000000" pitchFamily="2" charset="0"/>
-              </a:rPr>
-              <a:t>chương</a:t>
-            </a:r>
-            <a:r>
-              <a:rPr lang="en-US" sz="2400" dirty="0">
-                <a:solidFill>
-                  <a:schemeClr val="tx1"/>
-                </a:solidFill>
-                <a:latin typeface="Roboto" panose="02000000000000000000" pitchFamily="2" charset="0"/>
-                <a:ea typeface="Roboto" panose="02000000000000000000" pitchFamily="2" charset="0"/>
-                <a:cs typeface="Roboto" panose="02000000000000000000" pitchFamily="2" charset="0"/>
-              </a:rPr>
-              <a:t> </a:t>
-            </a:r>
-            <a:r>
-              <a:rPr lang="en-US" sz="2400" dirty="0" err="1">
-                <a:solidFill>
-                  <a:schemeClr val="tx1"/>
-                </a:solidFill>
-                <a:latin typeface="Roboto" panose="02000000000000000000" pitchFamily="2" charset="0"/>
-                <a:ea typeface="Roboto" panose="02000000000000000000" pitchFamily="2" charset="0"/>
-                <a:cs typeface="Roboto" panose="02000000000000000000" pitchFamily="2" charset="0"/>
-              </a:rPr>
-              <a:t>trình</a:t>
-            </a:r>
-            <a:r>
-              <a:rPr lang="en-US" sz="2400" dirty="0">
-                <a:solidFill>
-                  <a:schemeClr val="tx1"/>
-                </a:solidFill>
-                <a:latin typeface="Roboto" panose="02000000000000000000" pitchFamily="2" charset="0"/>
-                <a:ea typeface="Roboto" panose="02000000000000000000" pitchFamily="2" charset="0"/>
-                <a:cs typeface="Roboto" panose="02000000000000000000" pitchFamily="2" charset="0"/>
-              </a:rPr>
-              <a:t> </a:t>
-            </a:r>
-            <a:r>
-              <a:rPr lang="en-US" sz="2400" dirty="0" err="1">
-                <a:solidFill>
-                  <a:schemeClr val="tx1"/>
-                </a:solidFill>
-                <a:latin typeface="Roboto" panose="02000000000000000000" pitchFamily="2" charset="0"/>
-                <a:ea typeface="Roboto" panose="02000000000000000000" pitchFamily="2" charset="0"/>
-                <a:cs typeface="Roboto" panose="02000000000000000000" pitchFamily="2" charset="0"/>
-              </a:rPr>
-              <a:t>có</a:t>
-            </a:r>
-            <a:r>
-              <a:rPr lang="en-US" sz="2400" dirty="0">
-                <a:solidFill>
-                  <a:schemeClr val="tx1"/>
-                </a:solidFill>
-                <a:latin typeface="Roboto" panose="02000000000000000000" pitchFamily="2" charset="0"/>
-                <a:ea typeface="Roboto" panose="02000000000000000000" pitchFamily="2" charset="0"/>
-                <a:cs typeface="Roboto" panose="02000000000000000000" pitchFamily="2" charset="0"/>
-              </a:rPr>
-              <a:t> </a:t>
-            </a:r>
-            <a:r>
-              <a:rPr lang="en-US" sz="2400" dirty="0" err="1">
-                <a:solidFill>
-                  <a:schemeClr val="tx1"/>
-                </a:solidFill>
-                <a:latin typeface="Roboto" panose="02000000000000000000" pitchFamily="2" charset="0"/>
-                <a:ea typeface="Roboto" panose="02000000000000000000" pitchFamily="2" charset="0"/>
-                <a:cs typeface="Roboto" panose="02000000000000000000" pitchFamily="2" charset="0"/>
-              </a:rPr>
-              <a:t>thể</a:t>
-            </a:r>
-            <a:r>
-              <a:rPr lang="en-US" sz="2400" dirty="0">
-                <a:solidFill>
-                  <a:schemeClr val="tx1"/>
-                </a:solidFill>
-                <a:latin typeface="Roboto" panose="02000000000000000000" pitchFamily="2" charset="0"/>
-                <a:ea typeface="Roboto" panose="02000000000000000000" pitchFamily="2" charset="0"/>
-                <a:cs typeface="Roboto" panose="02000000000000000000" pitchFamily="2" charset="0"/>
-              </a:rPr>
-              <a:t> </a:t>
-            </a:r>
-            <a:r>
-              <a:rPr lang="en-US" sz="2400" dirty="0" err="1">
-                <a:solidFill>
-                  <a:schemeClr val="tx1"/>
-                </a:solidFill>
-                <a:latin typeface="Roboto" panose="02000000000000000000" pitchFamily="2" charset="0"/>
-                <a:ea typeface="Roboto" panose="02000000000000000000" pitchFamily="2" charset="0"/>
-                <a:cs typeface="Roboto" panose="02000000000000000000" pitchFamily="2" charset="0"/>
-              </a:rPr>
-              <a:t>chạy</a:t>
-            </a:r>
-            <a:r>
-              <a:rPr lang="en-US" sz="2400" dirty="0">
-                <a:solidFill>
-                  <a:schemeClr val="tx1"/>
-                </a:solidFill>
-                <a:latin typeface="Roboto" panose="02000000000000000000" pitchFamily="2" charset="0"/>
-                <a:ea typeface="Roboto" panose="02000000000000000000" pitchFamily="2" charset="0"/>
-                <a:cs typeface="Roboto" panose="02000000000000000000" pitchFamily="2" charset="0"/>
-              </a:rPr>
-              <a:t> </a:t>
-            </a:r>
-            <a:r>
-              <a:rPr lang="en-US" sz="2400" dirty="0" err="1">
-                <a:solidFill>
-                  <a:schemeClr val="tx1"/>
-                </a:solidFill>
-                <a:latin typeface="Roboto" panose="02000000000000000000" pitchFamily="2" charset="0"/>
-                <a:ea typeface="Roboto" panose="02000000000000000000" pitchFamily="2" charset="0"/>
-                <a:cs typeface="Roboto" panose="02000000000000000000" pitchFamily="2" charset="0"/>
-              </a:rPr>
-              <a:t>mượt</a:t>
-            </a:r>
-            <a:r>
-              <a:rPr lang="en-US" sz="2400" dirty="0">
-                <a:solidFill>
-                  <a:schemeClr val="tx1"/>
-                </a:solidFill>
-                <a:latin typeface="Roboto" panose="02000000000000000000" pitchFamily="2" charset="0"/>
-                <a:ea typeface="Roboto" panose="02000000000000000000" pitchFamily="2" charset="0"/>
-                <a:cs typeface="Roboto" panose="02000000000000000000" pitchFamily="2" charset="0"/>
-              </a:rPr>
-              <a:t>.</a:t>
-            </a:r>
-          </a:p>
-        </p:txBody>
-      </p:sp>
-      <p:sp>
-        <p:nvSpPr>
-          <p:cNvPr id="6" name="Rectangle 5">
-            <a:extLst>
-              <a:ext uri="{FF2B5EF4-FFF2-40B4-BE49-F238E27FC236}">
-                <a16:creationId xmlns:a16="http://schemas.microsoft.com/office/drawing/2014/main" id="{7168A44A-58C9-CD27-F2A6-0A9B99C0A3F8}"/>
-              </a:ext>
-            </a:extLst>
-          </p:cNvPr>
-          <p:cNvSpPr/>
-          <p:nvPr/>
-        </p:nvSpPr>
-        <p:spPr>
-          <a:xfrm>
-            <a:off x="7335079" y="1895059"/>
-            <a:ext cx="3889512" cy="4108173"/>
-          </a:xfrm>
-          <a:prstGeom prst="rect">
-            <a:avLst/>
-          </a:prstGeom>
-          <a:noFill/>
-          <a:ln w="190500">
-            <a:solidFill>
-              <a:srgbClr val="FFFF00"/>
-            </a:solidFill>
-          </a:ln>
-        </p:spPr>
-        <p:style>
-          <a:lnRef idx="2">
-            <a:schemeClr val="accent1">
-              <a:shade val="50000"/>
-            </a:schemeClr>
-          </a:lnRef>
-          <a:fillRef idx="1">
-            <a:schemeClr val="accent1"/>
-          </a:fillRef>
-          <a:effectRef idx="0">
-            <a:schemeClr val="accent1"/>
-          </a:effectRef>
-          <a:fontRef idx="minor">
-            <a:schemeClr val="lt1"/>
-          </a:fontRef>
-        </p:style>
-        <p:txBody>
-          <a:bodyPr rtlCol="0" anchor="ctr"/>
-          <a:lstStyle/>
-          <a:p>
-            <a:pPr algn="just"/>
-            <a:r>
-              <a:rPr lang="en-US" sz="2400" b="1" dirty="0" err="1">
-                <a:solidFill>
-                  <a:schemeClr val="tx1"/>
-                </a:solidFill>
-                <a:latin typeface="Roboto" panose="02000000000000000000" pitchFamily="2" charset="0"/>
-                <a:ea typeface="Roboto" panose="02000000000000000000" pitchFamily="2" charset="0"/>
-                <a:cs typeface="Roboto" panose="02000000000000000000" pitchFamily="2" charset="0"/>
-              </a:rPr>
-              <a:t>Nhược</a:t>
-            </a:r>
-            <a:r>
-              <a:rPr lang="en-US" sz="2400" b="1" dirty="0">
-                <a:solidFill>
-                  <a:schemeClr val="tx1"/>
-                </a:solidFill>
-                <a:latin typeface="Roboto" panose="02000000000000000000" pitchFamily="2" charset="0"/>
-                <a:ea typeface="Roboto" panose="02000000000000000000" pitchFamily="2" charset="0"/>
-                <a:cs typeface="Roboto" panose="02000000000000000000" pitchFamily="2" charset="0"/>
-              </a:rPr>
-              <a:t> </a:t>
-            </a:r>
-            <a:r>
-              <a:rPr lang="en-US" sz="2400" b="1" dirty="0" err="1">
-                <a:solidFill>
-                  <a:schemeClr val="tx1"/>
-                </a:solidFill>
-                <a:latin typeface="Roboto" panose="02000000000000000000" pitchFamily="2" charset="0"/>
-                <a:ea typeface="Roboto" panose="02000000000000000000" pitchFamily="2" charset="0"/>
-                <a:cs typeface="Roboto" panose="02000000000000000000" pitchFamily="2" charset="0"/>
-              </a:rPr>
-              <a:t>điểm</a:t>
-            </a:r>
-            <a:endParaRPr lang="en-US" sz="2400" b="1" dirty="0">
-              <a:solidFill>
-                <a:schemeClr val="tx1"/>
-              </a:solidFill>
-              <a:latin typeface="Roboto" panose="02000000000000000000" pitchFamily="2" charset="0"/>
-              <a:ea typeface="Roboto" panose="02000000000000000000" pitchFamily="2" charset="0"/>
-              <a:cs typeface="Roboto" panose="02000000000000000000" pitchFamily="2" charset="0"/>
-            </a:endParaRPr>
-          </a:p>
-          <a:p>
-            <a:pPr algn="just"/>
-            <a:r>
-              <a:rPr lang="en-US" sz="2400" dirty="0" err="1">
-                <a:solidFill>
-                  <a:schemeClr val="tx1"/>
-                </a:solidFill>
-                <a:latin typeface="Roboto" panose="02000000000000000000" pitchFamily="2" charset="0"/>
-                <a:ea typeface="Roboto" panose="02000000000000000000" pitchFamily="2" charset="0"/>
-                <a:cs typeface="Roboto" panose="02000000000000000000" pitchFamily="2" charset="0"/>
-              </a:rPr>
-              <a:t>Tốt</a:t>
-            </a:r>
-            <a:r>
-              <a:rPr lang="en-US" sz="2400" dirty="0">
-                <a:solidFill>
-                  <a:schemeClr val="tx1"/>
-                </a:solidFill>
-                <a:latin typeface="Roboto" panose="02000000000000000000" pitchFamily="2" charset="0"/>
-                <a:ea typeface="Roboto" panose="02000000000000000000" pitchFamily="2" charset="0"/>
-                <a:cs typeface="Roboto" panose="02000000000000000000" pitchFamily="2" charset="0"/>
-              </a:rPr>
-              <a:t> </a:t>
-            </a:r>
-            <a:r>
-              <a:rPr lang="en-US" sz="2400" dirty="0" err="1">
-                <a:solidFill>
-                  <a:schemeClr val="tx1"/>
-                </a:solidFill>
-                <a:latin typeface="Roboto" panose="02000000000000000000" pitchFamily="2" charset="0"/>
-                <a:ea typeface="Roboto" panose="02000000000000000000" pitchFamily="2" charset="0"/>
-                <a:cs typeface="Roboto" panose="02000000000000000000" pitchFamily="2" charset="0"/>
-              </a:rPr>
-              <a:t>ưu</a:t>
-            </a:r>
-            <a:r>
-              <a:rPr lang="en-US" sz="2400" dirty="0">
-                <a:solidFill>
-                  <a:schemeClr val="tx1"/>
-                </a:solidFill>
-                <a:latin typeface="Roboto" panose="02000000000000000000" pitchFamily="2" charset="0"/>
-                <a:ea typeface="Roboto" panose="02000000000000000000" pitchFamily="2" charset="0"/>
-                <a:cs typeface="Roboto" panose="02000000000000000000" pitchFamily="2" charset="0"/>
-              </a:rPr>
-              <a:t> </a:t>
-            </a:r>
-            <a:r>
-              <a:rPr lang="en-US" sz="2400" dirty="0" err="1">
-                <a:solidFill>
-                  <a:schemeClr val="tx1"/>
-                </a:solidFill>
-                <a:latin typeface="Roboto" panose="02000000000000000000" pitchFamily="2" charset="0"/>
-                <a:ea typeface="Roboto" panose="02000000000000000000" pitchFamily="2" charset="0"/>
-                <a:cs typeface="Roboto" panose="02000000000000000000" pitchFamily="2" charset="0"/>
-              </a:rPr>
-              <a:t>vận</a:t>
-            </a:r>
-            <a:r>
-              <a:rPr lang="en-US" sz="2400" dirty="0">
-                <a:solidFill>
-                  <a:schemeClr val="tx1"/>
-                </a:solidFill>
-                <a:latin typeface="Roboto" panose="02000000000000000000" pitchFamily="2" charset="0"/>
-                <a:ea typeface="Roboto" panose="02000000000000000000" pitchFamily="2" charset="0"/>
-                <a:cs typeface="Roboto" panose="02000000000000000000" pitchFamily="2" charset="0"/>
-              </a:rPr>
-              <a:t> </a:t>
-            </a:r>
-            <a:r>
-              <a:rPr lang="en-US" sz="2400" dirty="0" err="1">
-                <a:solidFill>
-                  <a:schemeClr val="tx1"/>
-                </a:solidFill>
-                <a:latin typeface="Roboto" panose="02000000000000000000" pitchFamily="2" charset="0"/>
-                <a:ea typeface="Roboto" panose="02000000000000000000" pitchFamily="2" charset="0"/>
-                <a:cs typeface="Roboto" panose="02000000000000000000" pitchFamily="2" charset="0"/>
-              </a:rPr>
-              <a:t>hành</a:t>
-            </a:r>
-            <a:r>
-              <a:rPr lang="en-US" sz="2400" dirty="0">
-                <a:solidFill>
-                  <a:schemeClr val="tx1"/>
-                </a:solidFill>
-                <a:latin typeface="Roboto" panose="02000000000000000000" pitchFamily="2" charset="0"/>
-                <a:ea typeface="Roboto" panose="02000000000000000000" pitchFamily="2" charset="0"/>
-                <a:cs typeface="Roboto" panose="02000000000000000000" pitchFamily="2" charset="0"/>
-              </a:rPr>
-              <a:t> </a:t>
-            </a:r>
-            <a:r>
-              <a:rPr lang="en-US" sz="2400" dirty="0" err="1">
-                <a:solidFill>
-                  <a:schemeClr val="tx1"/>
-                </a:solidFill>
-                <a:latin typeface="Roboto" panose="02000000000000000000" pitchFamily="2" charset="0"/>
-                <a:ea typeface="Roboto" panose="02000000000000000000" pitchFamily="2" charset="0"/>
-                <a:cs typeface="Roboto" panose="02000000000000000000" pitchFamily="2" charset="0"/>
-              </a:rPr>
-              <a:t>chưa</a:t>
-            </a:r>
-            <a:r>
-              <a:rPr lang="en-US" sz="2400" dirty="0">
-                <a:solidFill>
-                  <a:schemeClr val="tx1"/>
-                </a:solidFill>
-                <a:latin typeface="Roboto" panose="02000000000000000000" pitchFamily="2" charset="0"/>
-                <a:ea typeface="Roboto" panose="02000000000000000000" pitchFamily="2" charset="0"/>
-                <a:cs typeface="Roboto" panose="02000000000000000000" pitchFamily="2" charset="0"/>
-              </a:rPr>
-              <a:t> </a:t>
-            </a:r>
-            <a:r>
-              <a:rPr lang="en-US" sz="2400" dirty="0" err="1">
-                <a:solidFill>
-                  <a:schemeClr val="tx1"/>
-                </a:solidFill>
-                <a:latin typeface="Roboto" panose="02000000000000000000" pitchFamily="2" charset="0"/>
-                <a:ea typeface="Roboto" panose="02000000000000000000" pitchFamily="2" charset="0"/>
-                <a:cs typeface="Roboto" panose="02000000000000000000" pitchFamily="2" charset="0"/>
-              </a:rPr>
-              <a:t>tốt</a:t>
-            </a:r>
-            <a:r>
-              <a:rPr lang="en-US" sz="2400" dirty="0">
-                <a:solidFill>
-                  <a:schemeClr val="tx1"/>
-                </a:solidFill>
-                <a:latin typeface="Roboto" panose="02000000000000000000" pitchFamily="2" charset="0"/>
-                <a:ea typeface="Roboto" panose="02000000000000000000" pitchFamily="2" charset="0"/>
-                <a:cs typeface="Roboto" panose="02000000000000000000" pitchFamily="2" charset="0"/>
-              </a:rPr>
-              <a:t>.</a:t>
-            </a:r>
-          </a:p>
-          <a:p>
-            <a:pPr algn="just"/>
-            <a:r>
-              <a:rPr lang="en-US" sz="2400" dirty="0" err="1">
-                <a:solidFill>
-                  <a:schemeClr val="tx1"/>
-                </a:solidFill>
-                <a:latin typeface="Roboto" panose="02000000000000000000" pitchFamily="2" charset="0"/>
-                <a:ea typeface="Roboto" panose="02000000000000000000" pitchFamily="2" charset="0"/>
-                <a:cs typeface="Roboto" panose="02000000000000000000" pitchFamily="2" charset="0"/>
-              </a:rPr>
-              <a:t>Để</a:t>
-            </a:r>
-            <a:r>
-              <a:rPr lang="en-US" sz="2400" dirty="0">
-                <a:solidFill>
-                  <a:schemeClr val="tx1"/>
-                </a:solidFill>
-                <a:latin typeface="Roboto" panose="02000000000000000000" pitchFamily="2" charset="0"/>
-                <a:ea typeface="Roboto" panose="02000000000000000000" pitchFamily="2" charset="0"/>
-                <a:cs typeface="Roboto" panose="02000000000000000000" pitchFamily="2" charset="0"/>
-              </a:rPr>
-              <a:t> </a:t>
-            </a:r>
-            <a:r>
-              <a:rPr lang="en-US" sz="2400" dirty="0" err="1">
-                <a:solidFill>
-                  <a:schemeClr val="tx1"/>
-                </a:solidFill>
-                <a:latin typeface="Roboto" panose="02000000000000000000" pitchFamily="2" charset="0"/>
-                <a:ea typeface="Roboto" panose="02000000000000000000" pitchFamily="2" charset="0"/>
-                <a:cs typeface="Roboto" panose="02000000000000000000" pitchFamily="2" charset="0"/>
-              </a:rPr>
-              <a:t>vận</a:t>
-            </a:r>
-            <a:r>
-              <a:rPr lang="en-US" sz="2400" dirty="0">
-                <a:solidFill>
-                  <a:schemeClr val="tx1"/>
-                </a:solidFill>
-                <a:latin typeface="Roboto" panose="02000000000000000000" pitchFamily="2" charset="0"/>
-                <a:ea typeface="Roboto" panose="02000000000000000000" pitchFamily="2" charset="0"/>
-                <a:cs typeface="Roboto" panose="02000000000000000000" pitchFamily="2" charset="0"/>
-              </a:rPr>
-              <a:t> </a:t>
-            </a:r>
-            <a:r>
-              <a:rPr lang="en-US" sz="2400" dirty="0" err="1">
-                <a:solidFill>
-                  <a:schemeClr val="tx1"/>
-                </a:solidFill>
-                <a:latin typeface="Roboto" panose="02000000000000000000" pitchFamily="2" charset="0"/>
-                <a:ea typeface="Roboto" panose="02000000000000000000" pitchFamily="2" charset="0"/>
-                <a:cs typeface="Roboto" panose="02000000000000000000" pitchFamily="2" charset="0"/>
-              </a:rPr>
-              <a:t>hành</a:t>
-            </a:r>
-            <a:r>
-              <a:rPr lang="en-US" sz="2400" dirty="0">
-                <a:solidFill>
-                  <a:schemeClr val="tx1"/>
-                </a:solidFill>
-                <a:latin typeface="Roboto" panose="02000000000000000000" pitchFamily="2" charset="0"/>
-                <a:ea typeface="Roboto" panose="02000000000000000000" pitchFamily="2" charset="0"/>
-                <a:cs typeface="Roboto" panose="02000000000000000000" pitchFamily="2" charset="0"/>
-              </a:rPr>
-              <a:t> </a:t>
-            </a:r>
-            <a:r>
-              <a:rPr lang="en-US" sz="2400" dirty="0" err="1">
-                <a:solidFill>
-                  <a:schemeClr val="tx1"/>
-                </a:solidFill>
-                <a:latin typeface="Roboto" panose="02000000000000000000" pitchFamily="2" charset="0"/>
-                <a:ea typeface="Roboto" panose="02000000000000000000" pitchFamily="2" charset="0"/>
-                <a:cs typeface="Roboto" panose="02000000000000000000" pitchFamily="2" charset="0"/>
-              </a:rPr>
-              <a:t>được</a:t>
-            </a:r>
-            <a:r>
-              <a:rPr lang="en-US" sz="2400" dirty="0">
-                <a:solidFill>
-                  <a:schemeClr val="tx1"/>
-                </a:solidFill>
-                <a:latin typeface="Roboto" panose="02000000000000000000" pitchFamily="2" charset="0"/>
-                <a:ea typeface="Roboto" panose="02000000000000000000" pitchFamily="2" charset="0"/>
-                <a:cs typeface="Roboto" panose="02000000000000000000" pitchFamily="2" charset="0"/>
-              </a:rPr>
-              <a:t> </a:t>
-            </a:r>
-            <a:r>
-              <a:rPr lang="en-US" sz="2400" dirty="0" err="1">
-                <a:solidFill>
-                  <a:schemeClr val="tx1"/>
-                </a:solidFill>
-                <a:latin typeface="Roboto" panose="02000000000000000000" pitchFamily="2" charset="0"/>
-                <a:ea typeface="Roboto" panose="02000000000000000000" pitchFamily="2" charset="0"/>
-                <a:cs typeface="Roboto" panose="02000000000000000000" pitchFamily="2" charset="0"/>
-              </a:rPr>
-              <a:t>chương</a:t>
-            </a:r>
-            <a:r>
-              <a:rPr lang="en-US" sz="2400" dirty="0">
-                <a:solidFill>
-                  <a:schemeClr val="tx1"/>
-                </a:solidFill>
-                <a:latin typeface="Roboto" panose="02000000000000000000" pitchFamily="2" charset="0"/>
-                <a:ea typeface="Roboto" panose="02000000000000000000" pitchFamily="2" charset="0"/>
-                <a:cs typeface="Roboto" panose="02000000000000000000" pitchFamily="2" charset="0"/>
-              </a:rPr>
-              <a:t> </a:t>
-            </a:r>
-            <a:r>
-              <a:rPr lang="en-US" sz="2400" dirty="0" err="1">
-                <a:solidFill>
-                  <a:schemeClr val="tx1"/>
-                </a:solidFill>
-                <a:latin typeface="Roboto" panose="02000000000000000000" pitchFamily="2" charset="0"/>
-                <a:ea typeface="Roboto" panose="02000000000000000000" pitchFamily="2" charset="0"/>
-                <a:cs typeface="Roboto" panose="02000000000000000000" pitchFamily="2" charset="0"/>
-              </a:rPr>
-              <a:t>trình</a:t>
-            </a:r>
-            <a:r>
-              <a:rPr lang="en-US" sz="2400" dirty="0">
-                <a:solidFill>
-                  <a:schemeClr val="tx1"/>
-                </a:solidFill>
-                <a:latin typeface="Roboto" panose="02000000000000000000" pitchFamily="2" charset="0"/>
-                <a:ea typeface="Roboto" panose="02000000000000000000" pitchFamily="2" charset="0"/>
-                <a:cs typeface="Roboto" panose="02000000000000000000" pitchFamily="2" charset="0"/>
-              </a:rPr>
-              <a:t> </a:t>
-            </a:r>
-            <a:r>
-              <a:rPr lang="en-US" sz="2400" dirty="0" err="1">
-                <a:solidFill>
-                  <a:schemeClr val="tx1"/>
-                </a:solidFill>
-                <a:latin typeface="Roboto" panose="02000000000000000000" pitchFamily="2" charset="0"/>
-                <a:ea typeface="Roboto" panose="02000000000000000000" pitchFamily="2" charset="0"/>
-                <a:cs typeface="Roboto" panose="02000000000000000000" pitchFamily="2" charset="0"/>
-              </a:rPr>
-              <a:t>phải</a:t>
-            </a:r>
-            <a:r>
-              <a:rPr lang="en-US" sz="2400" dirty="0">
-                <a:solidFill>
-                  <a:schemeClr val="tx1"/>
-                </a:solidFill>
-                <a:latin typeface="Roboto" panose="02000000000000000000" pitchFamily="2" charset="0"/>
-                <a:ea typeface="Roboto" panose="02000000000000000000" pitchFamily="2" charset="0"/>
-                <a:cs typeface="Roboto" panose="02000000000000000000" pitchFamily="2" charset="0"/>
-              </a:rPr>
-              <a:t> </a:t>
-            </a:r>
-            <a:r>
-              <a:rPr lang="en-US" sz="2400" dirty="0" err="1">
-                <a:solidFill>
-                  <a:schemeClr val="tx1"/>
-                </a:solidFill>
-                <a:latin typeface="Roboto" panose="02000000000000000000" pitchFamily="2" charset="0"/>
-                <a:ea typeface="Roboto" panose="02000000000000000000" pitchFamily="2" charset="0"/>
-                <a:cs typeface="Roboto" panose="02000000000000000000" pitchFamily="2" charset="0"/>
-              </a:rPr>
-              <a:t>được</a:t>
-            </a:r>
-            <a:r>
-              <a:rPr lang="en-US" sz="2400" dirty="0">
-                <a:solidFill>
-                  <a:schemeClr val="tx1"/>
-                </a:solidFill>
-                <a:latin typeface="Roboto" panose="02000000000000000000" pitchFamily="2" charset="0"/>
-                <a:ea typeface="Roboto" panose="02000000000000000000" pitchFamily="2" charset="0"/>
-                <a:cs typeface="Roboto" panose="02000000000000000000" pitchFamily="2" charset="0"/>
-              </a:rPr>
-              <a:t> </a:t>
-            </a:r>
-            <a:r>
-              <a:rPr lang="en-US" sz="2400" dirty="0" err="1">
-                <a:solidFill>
-                  <a:schemeClr val="tx1"/>
-                </a:solidFill>
-                <a:latin typeface="Roboto" panose="02000000000000000000" pitchFamily="2" charset="0"/>
-                <a:ea typeface="Roboto" panose="02000000000000000000" pitchFamily="2" charset="0"/>
-                <a:cs typeface="Roboto" panose="02000000000000000000" pitchFamily="2" charset="0"/>
-              </a:rPr>
-              <a:t>không</a:t>
-            </a:r>
-            <a:r>
-              <a:rPr lang="en-US" sz="2400" dirty="0">
-                <a:solidFill>
-                  <a:schemeClr val="tx1"/>
-                </a:solidFill>
-                <a:latin typeface="Roboto" panose="02000000000000000000" pitchFamily="2" charset="0"/>
-                <a:ea typeface="Roboto" panose="02000000000000000000" pitchFamily="2" charset="0"/>
-                <a:cs typeface="Roboto" panose="02000000000000000000" pitchFamily="2" charset="0"/>
-              </a:rPr>
-              <a:t> </a:t>
-            </a:r>
-            <a:r>
-              <a:rPr lang="en-US" sz="2400" dirty="0" err="1">
-                <a:solidFill>
-                  <a:schemeClr val="tx1"/>
-                </a:solidFill>
-                <a:latin typeface="Roboto" panose="02000000000000000000" pitchFamily="2" charset="0"/>
-                <a:ea typeface="Roboto" panose="02000000000000000000" pitchFamily="2" charset="0"/>
-                <a:cs typeface="Roboto" panose="02000000000000000000" pitchFamily="2" charset="0"/>
-              </a:rPr>
-              <a:t>chỉ</a:t>
-            </a:r>
-            <a:r>
-              <a:rPr lang="en-US" sz="2400" dirty="0">
-                <a:solidFill>
-                  <a:schemeClr val="tx1"/>
-                </a:solidFill>
-                <a:latin typeface="Roboto" panose="02000000000000000000" pitchFamily="2" charset="0"/>
-                <a:ea typeface="Roboto" panose="02000000000000000000" pitchFamily="2" charset="0"/>
-                <a:cs typeface="Roboto" panose="02000000000000000000" pitchFamily="2" charset="0"/>
-              </a:rPr>
-              <a:t> </a:t>
-            </a:r>
-            <a:r>
-              <a:rPr lang="en-US" sz="2400" dirty="0" err="1">
-                <a:solidFill>
-                  <a:schemeClr val="tx1"/>
-                </a:solidFill>
-                <a:latin typeface="Roboto" panose="02000000000000000000" pitchFamily="2" charset="0"/>
-                <a:ea typeface="Roboto" panose="02000000000000000000" pitchFamily="2" charset="0"/>
-                <a:cs typeface="Roboto" panose="02000000000000000000" pitchFamily="2" charset="0"/>
-              </a:rPr>
-              <a:t>cần</a:t>
-            </a:r>
-            <a:r>
-              <a:rPr lang="en-US" sz="2400" dirty="0">
-                <a:solidFill>
-                  <a:schemeClr val="tx1"/>
-                </a:solidFill>
-                <a:latin typeface="Roboto" panose="02000000000000000000" pitchFamily="2" charset="0"/>
-                <a:ea typeface="Roboto" panose="02000000000000000000" pitchFamily="2" charset="0"/>
-                <a:cs typeface="Roboto" panose="02000000000000000000" pitchFamily="2" charset="0"/>
-              </a:rPr>
-              <a:t> </a:t>
-            </a:r>
-            <a:r>
-              <a:rPr lang="en-US" sz="2400" dirty="0" err="1">
-                <a:solidFill>
-                  <a:schemeClr val="tx1"/>
-                </a:solidFill>
-                <a:latin typeface="Roboto" panose="02000000000000000000" pitchFamily="2" charset="0"/>
-                <a:ea typeface="Roboto" panose="02000000000000000000" pitchFamily="2" charset="0"/>
-                <a:cs typeface="Roboto" panose="02000000000000000000" pitchFamily="2" charset="0"/>
-              </a:rPr>
-              <a:t>phải</a:t>
-            </a:r>
-            <a:r>
-              <a:rPr lang="en-US" sz="2400" dirty="0">
-                <a:solidFill>
-                  <a:schemeClr val="tx1"/>
-                </a:solidFill>
-                <a:latin typeface="Roboto" panose="02000000000000000000" pitchFamily="2" charset="0"/>
-                <a:ea typeface="Roboto" panose="02000000000000000000" pitchFamily="2" charset="0"/>
-                <a:cs typeface="Roboto" panose="02000000000000000000" pitchFamily="2" charset="0"/>
-              </a:rPr>
-              <a:t> hosting.</a:t>
-            </a:r>
-          </a:p>
-          <a:p>
-            <a:pPr algn="just"/>
-            <a:r>
-              <a:rPr lang="en-US" sz="2400" dirty="0" err="1">
-                <a:solidFill>
-                  <a:schemeClr val="tx1"/>
-                </a:solidFill>
-                <a:latin typeface="Roboto" panose="02000000000000000000" pitchFamily="2" charset="0"/>
-                <a:ea typeface="Roboto" panose="02000000000000000000" pitchFamily="2" charset="0"/>
-                <a:cs typeface="Roboto" panose="02000000000000000000" pitchFamily="2" charset="0"/>
-              </a:rPr>
-              <a:t>Hiệu</a:t>
-            </a:r>
-            <a:r>
-              <a:rPr lang="en-US" sz="2400" dirty="0">
-                <a:solidFill>
-                  <a:schemeClr val="tx1"/>
-                </a:solidFill>
-                <a:latin typeface="Roboto" panose="02000000000000000000" pitchFamily="2" charset="0"/>
-                <a:ea typeface="Roboto" panose="02000000000000000000" pitchFamily="2" charset="0"/>
-                <a:cs typeface="Roboto" panose="02000000000000000000" pitchFamily="2" charset="0"/>
-              </a:rPr>
-              <a:t> </a:t>
-            </a:r>
-            <a:r>
-              <a:rPr lang="en-US" sz="2400" dirty="0" err="1">
-                <a:solidFill>
-                  <a:schemeClr val="tx1"/>
-                </a:solidFill>
-                <a:latin typeface="Roboto" panose="02000000000000000000" pitchFamily="2" charset="0"/>
-                <a:ea typeface="Roboto" panose="02000000000000000000" pitchFamily="2" charset="0"/>
-                <a:cs typeface="Roboto" panose="02000000000000000000" pitchFamily="2" charset="0"/>
-              </a:rPr>
-              <a:t>suất</a:t>
-            </a:r>
-            <a:r>
-              <a:rPr lang="en-US" sz="2400" dirty="0">
-                <a:solidFill>
-                  <a:schemeClr val="tx1"/>
-                </a:solidFill>
-                <a:latin typeface="Roboto" panose="02000000000000000000" pitchFamily="2" charset="0"/>
-                <a:ea typeface="Roboto" panose="02000000000000000000" pitchFamily="2" charset="0"/>
-                <a:cs typeface="Roboto" panose="02000000000000000000" pitchFamily="2" charset="0"/>
-              </a:rPr>
-              <a:t> </a:t>
-            </a:r>
-            <a:r>
-              <a:rPr lang="en-US" sz="2400" dirty="0" err="1">
-                <a:solidFill>
-                  <a:schemeClr val="tx1"/>
-                </a:solidFill>
-                <a:latin typeface="Roboto" panose="02000000000000000000" pitchFamily="2" charset="0"/>
-                <a:ea typeface="Roboto" panose="02000000000000000000" pitchFamily="2" charset="0"/>
-                <a:cs typeface="Roboto" panose="02000000000000000000" pitchFamily="2" charset="0"/>
-              </a:rPr>
-              <a:t>phụ</a:t>
-            </a:r>
-            <a:r>
-              <a:rPr lang="en-US" sz="2400" dirty="0">
-                <a:solidFill>
-                  <a:schemeClr val="tx1"/>
-                </a:solidFill>
-                <a:latin typeface="Roboto" panose="02000000000000000000" pitchFamily="2" charset="0"/>
-                <a:ea typeface="Roboto" panose="02000000000000000000" pitchFamily="2" charset="0"/>
-                <a:cs typeface="Roboto" panose="02000000000000000000" pitchFamily="2" charset="0"/>
-              </a:rPr>
-              <a:t> </a:t>
-            </a:r>
-            <a:r>
-              <a:rPr lang="en-US" sz="2400" dirty="0" err="1">
-                <a:solidFill>
-                  <a:schemeClr val="tx1"/>
-                </a:solidFill>
-                <a:latin typeface="Roboto" panose="02000000000000000000" pitchFamily="2" charset="0"/>
-                <a:ea typeface="Roboto" panose="02000000000000000000" pitchFamily="2" charset="0"/>
-                <a:cs typeface="Roboto" panose="02000000000000000000" pitchFamily="2" charset="0"/>
-              </a:rPr>
-              <a:t>thuộc</a:t>
-            </a:r>
-            <a:r>
-              <a:rPr lang="en-US" sz="2400" dirty="0">
-                <a:solidFill>
-                  <a:schemeClr val="tx1"/>
-                </a:solidFill>
-                <a:latin typeface="Roboto" panose="02000000000000000000" pitchFamily="2" charset="0"/>
-                <a:ea typeface="Roboto" panose="02000000000000000000" pitchFamily="2" charset="0"/>
-                <a:cs typeface="Roboto" panose="02000000000000000000" pitchFamily="2" charset="0"/>
-              </a:rPr>
-              <a:t> </a:t>
-            </a:r>
-            <a:r>
-              <a:rPr lang="en-US" sz="2400" dirty="0" err="1">
-                <a:solidFill>
-                  <a:schemeClr val="tx1"/>
-                </a:solidFill>
-                <a:latin typeface="Roboto" panose="02000000000000000000" pitchFamily="2" charset="0"/>
-                <a:ea typeface="Roboto" panose="02000000000000000000" pitchFamily="2" charset="0"/>
-                <a:cs typeface="Roboto" panose="02000000000000000000" pitchFamily="2" charset="0"/>
-              </a:rPr>
-              <a:t>vào</a:t>
-            </a:r>
-            <a:r>
-              <a:rPr lang="en-US" sz="2400" dirty="0">
-                <a:solidFill>
-                  <a:schemeClr val="tx1"/>
-                </a:solidFill>
-                <a:latin typeface="Roboto" panose="02000000000000000000" pitchFamily="2" charset="0"/>
-                <a:ea typeface="Roboto" panose="02000000000000000000" pitchFamily="2" charset="0"/>
-                <a:cs typeface="Roboto" panose="02000000000000000000" pitchFamily="2" charset="0"/>
-              </a:rPr>
-              <a:t> </a:t>
-            </a:r>
-            <a:r>
-              <a:rPr lang="en-US" sz="2400" dirty="0" err="1">
-                <a:solidFill>
-                  <a:schemeClr val="tx1"/>
-                </a:solidFill>
-                <a:latin typeface="Roboto" panose="02000000000000000000" pitchFamily="2" charset="0"/>
-                <a:ea typeface="Roboto" panose="02000000000000000000" pitchFamily="2" charset="0"/>
-                <a:cs typeface="Roboto" panose="02000000000000000000" pitchFamily="2" charset="0"/>
-              </a:rPr>
-              <a:t>máy</a:t>
-            </a:r>
-            <a:r>
-              <a:rPr lang="en-US" sz="2400" dirty="0">
-                <a:solidFill>
-                  <a:schemeClr val="tx1"/>
-                </a:solidFill>
-                <a:latin typeface="Roboto" panose="02000000000000000000" pitchFamily="2" charset="0"/>
-                <a:ea typeface="Roboto" panose="02000000000000000000" pitchFamily="2" charset="0"/>
-                <a:cs typeface="Roboto" panose="02000000000000000000" pitchFamily="2" charset="0"/>
-              </a:rPr>
-              <a:t> server.</a:t>
-            </a:r>
-          </a:p>
-          <a:p>
-            <a:pPr algn="just"/>
-            <a:r>
-              <a:rPr lang="en-US" sz="2400" dirty="0" err="1">
-                <a:solidFill>
-                  <a:schemeClr val="tx1"/>
-                </a:solidFill>
-                <a:latin typeface="Roboto" panose="02000000000000000000" pitchFamily="2" charset="0"/>
-                <a:ea typeface="Roboto" panose="02000000000000000000" pitchFamily="2" charset="0"/>
-                <a:cs typeface="Roboto" panose="02000000000000000000" pitchFamily="2" charset="0"/>
-              </a:rPr>
-              <a:t>Chưa</a:t>
-            </a:r>
-            <a:r>
-              <a:rPr lang="en-US" sz="2400" dirty="0">
-                <a:solidFill>
-                  <a:schemeClr val="tx1"/>
-                </a:solidFill>
-                <a:latin typeface="Roboto" panose="02000000000000000000" pitchFamily="2" charset="0"/>
-                <a:ea typeface="Roboto" panose="02000000000000000000" pitchFamily="2" charset="0"/>
-                <a:cs typeface="Roboto" panose="02000000000000000000" pitchFamily="2" charset="0"/>
-              </a:rPr>
-              <a:t> </a:t>
-            </a:r>
-            <a:r>
-              <a:rPr lang="en-US" sz="2400" dirty="0" err="1">
-                <a:solidFill>
-                  <a:schemeClr val="tx1"/>
-                </a:solidFill>
-                <a:latin typeface="Roboto" panose="02000000000000000000" pitchFamily="2" charset="0"/>
-                <a:ea typeface="Roboto" panose="02000000000000000000" pitchFamily="2" charset="0"/>
-                <a:cs typeface="Roboto" panose="02000000000000000000" pitchFamily="2" charset="0"/>
-              </a:rPr>
-              <a:t>lưu</a:t>
-            </a:r>
-            <a:r>
-              <a:rPr lang="en-US" sz="2400" dirty="0">
-                <a:solidFill>
-                  <a:schemeClr val="tx1"/>
-                </a:solidFill>
-                <a:latin typeface="Roboto" panose="02000000000000000000" pitchFamily="2" charset="0"/>
-                <a:ea typeface="Roboto" panose="02000000000000000000" pitchFamily="2" charset="0"/>
-                <a:cs typeface="Roboto" panose="02000000000000000000" pitchFamily="2" charset="0"/>
-              </a:rPr>
-              <a:t> </a:t>
-            </a:r>
-            <a:r>
-              <a:rPr lang="en-US" sz="2400" dirty="0" err="1">
-                <a:solidFill>
-                  <a:schemeClr val="tx1"/>
-                </a:solidFill>
-                <a:latin typeface="Roboto" panose="02000000000000000000" pitchFamily="2" charset="0"/>
-                <a:ea typeface="Roboto" panose="02000000000000000000" pitchFamily="2" charset="0"/>
-                <a:cs typeface="Roboto" panose="02000000000000000000" pitchFamily="2" charset="0"/>
-              </a:rPr>
-              <a:t>được</a:t>
-            </a:r>
-            <a:r>
-              <a:rPr lang="en-US" sz="2400" dirty="0">
-                <a:solidFill>
-                  <a:schemeClr val="tx1"/>
-                </a:solidFill>
-                <a:latin typeface="Roboto" panose="02000000000000000000" pitchFamily="2" charset="0"/>
-                <a:ea typeface="Roboto" panose="02000000000000000000" pitchFamily="2" charset="0"/>
-                <a:cs typeface="Roboto" panose="02000000000000000000" pitchFamily="2" charset="0"/>
-              </a:rPr>
-              <a:t> </a:t>
-            </a:r>
-            <a:r>
-              <a:rPr lang="en-US" sz="2400" dirty="0" err="1">
-                <a:solidFill>
-                  <a:schemeClr val="tx1"/>
-                </a:solidFill>
-                <a:latin typeface="Roboto" panose="02000000000000000000" pitchFamily="2" charset="0"/>
-                <a:ea typeface="Roboto" panose="02000000000000000000" pitchFamily="2" charset="0"/>
-                <a:cs typeface="Roboto" panose="02000000000000000000" pitchFamily="2" charset="0"/>
-              </a:rPr>
-              <a:t>quá</a:t>
-            </a:r>
-            <a:r>
-              <a:rPr lang="en-US" sz="2400" dirty="0">
-                <a:solidFill>
-                  <a:schemeClr val="tx1"/>
-                </a:solidFill>
-                <a:latin typeface="Roboto" panose="02000000000000000000" pitchFamily="2" charset="0"/>
-                <a:ea typeface="Roboto" panose="02000000000000000000" pitchFamily="2" charset="0"/>
-                <a:cs typeface="Roboto" panose="02000000000000000000" pitchFamily="2" charset="0"/>
-              </a:rPr>
-              <a:t> </a:t>
-            </a:r>
-            <a:r>
-              <a:rPr lang="en-US" sz="2400" dirty="0" err="1">
-                <a:solidFill>
-                  <a:schemeClr val="tx1"/>
-                </a:solidFill>
-                <a:latin typeface="Roboto" panose="02000000000000000000" pitchFamily="2" charset="0"/>
-                <a:ea typeface="Roboto" panose="02000000000000000000" pitchFamily="2" charset="0"/>
-                <a:cs typeface="Roboto" panose="02000000000000000000" pitchFamily="2" charset="0"/>
-              </a:rPr>
-              <a:t>trình</a:t>
-            </a:r>
-            <a:r>
-              <a:rPr lang="en-US" sz="2400" dirty="0">
-                <a:solidFill>
-                  <a:schemeClr val="tx1"/>
-                </a:solidFill>
-                <a:latin typeface="Roboto" panose="02000000000000000000" pitchFamily="2" charset="0"/>
-                <a:ea typeface="Roboto" panose="02000000000000000000" pitchFamily="2" charset="0"/>
-                <a:cs typeface="Roboto" panose="02000000000000000000" pitchFamily="2" charset="0"/>
-              </a:rPr>
-              <a:t> </a:t>
-            </a:r>
-            <a:r>
-              <a:rPr lang="en-US" sz="2400" dirty="0" err="1">
-                <a:solidFill>
-                  <a:schemeClr val="tx1"/>
-                </a:solidFill>
-                <a:latin typeface="Roboto" panose="02000000000000000000" pitchFamily="2" charset="0"/>
-                <a:ea typeface="Roboto" panose="02000000000000000000" pitchFamily="2" charset="0"/>
-                <a:cs typeface="Roboto" panose="02000000000000000000" pitchFamily="2" charset="0"/>
-              </a:rPr>
-              <a:t>thực</a:t>
-            </a:r>
-            <a:r>
-              <a:rPr lang="en-US" sz="2400" dirty="0">
-                <a:solidFill>
-                  <a:schemeClr val="tx1"/>
-                </a:solidFill>
-                <a:latin typeface="Roboto" panose="02000000000000000000" pitchFamily="2" charset="0"/>
-                <a:ea typeface="Roboto" panose="02000000000000000000" pitchFamily="2" charset="0"/>
-                <a:cs typeface="Roboto" panose="02000000000000000000" pitchFamily="2" charset="0"/>
-              </a:rPr>
-              <a:t> </a:t>
-            </a:r>
-            <a:r>
-              <a:rPr lang="en-US" sz="2400" dirty="0" err="1">
-                <a:solidFill>
-                  <a:schemeClr val="tx1"/>
-                </a:solidFill>
-                <a:latin typeface="Roboto" panose="02000000000000000000" pitchFamily="2" charset="0"/>
-                <a:ea typeface="Roboto" panose="02000000000000000000" pitchFamily="2" charset="0"/>
-                <a:cs typeface="Roboto" panose="02000000000000000000" pitchFamily="2" charset="0"/>
-              </a:rPr>
-              <a:t>hiện</a:t>
-            </a:r>
-            <a:r>
-              <a:rPr lang="en-US" sz="2400" dirty="0">
-                <a:solidFill>
-                  <a:schemeClr val="tx1"/>
-                </a:solidFill>
-                <a:latin typeface="Roboto" panose="02000000000000000000" pitchFamily="2" charset="0"/>
-                <a:ea typeface="Roboto" panose="02000000000000000000" pitchFamily="2" charset="0"/>
-                <a:cs typeface="Roboto" panose="02000000000000000000" pitchFamily="2" charset="0"/>
-              </a:rPr>
-              <a:t> </a:t>
-            </a:r>
-            <a:r>
-              <a:rPr lang="en-US" sz="2400" dirty="0" err="1">
-                <a:solidFill>
-                  <a:schemeClr val="tx1"/>
-                </a:solidFill>
-                <a:latin typeface="Roboto" panose="02000000000000000000" pitchFamily="2" charset="0"/>
-                <a:ea typeface="Roboto" panose="02000000000000000000" pitchFamily="2" charset="0"/>
-                <a:cs typeface="Roboto" panose="02000000000000000000" pitchFamily="2" charset="0"/>
-              </a:rPr>
-              <a:t>của</a:t>
-            </a:r>
-            <a:r>
-              <a:rPr lang="en-US" sz="2400" dirty="0">
-                <a:solidFill>
-                  <a:schemeClr val="tx1"/>
-                </a:solidFill>
-                <a:latin typeface="Roboto" panose="02000000000000000000" pitchFamily="2" charset="0"/>
-                <a:ea typeface="Roboto" panose="02000000000000000000" pitchFamily="2" charset="0"/>
-                <a:cs typeface="Roboto" panose="02000000000000000000" pitchFamily="2" charset="0"/>
-              </a:rPr>
-              <a:t> </a:t>
-            </a:r>
-            <a:r>
-              <a:rPr lang="en-US" sz="2400" dirty="0" err="1">
-                <a:solidFill>
-                  <a:schemeClr val="tx1"/>
-                </a:solidFill>
-                <a:latin typeface="Roboto" panose="02000000000000000000" pitchFamily="2" charset="0"/>
-                <a:ea typeface="Roboto" panose="02000000000000000000" pitchFamily="2" charset="0"/>
-                <a:cs typeface="Roboto" panose="02000000000000000000" pitchFamily="2" charset="0"/>
-              </a:rPr>
-              <a:t>người</a:t>
-            </a:r>
-            <a:r>
-              <a:rPr lang="en-US" sz="2400" dirty="0">
-                <a:solidFill>
-                  <a:schemeClr val="tx1"/>
-                </a:solidFill>
-                <a:latin typeface="Roboto" panose="02000000000000000000" pitchFamily="2" charset="0"/>
-                <a:ea typeface="Roboto" panose="02000000000000000000" pitchFamily="2" charset="0"/>
-                <a:cs typeface="Roboto" panose="02000000000000000000" pitchFamily="2" charset="0"/>
-              </a:rPr>
-              <a:t> </a:t>
-            </a:r>
-            <a:r>
-              <a:rPr lang="en-US" sz="2400" dirty="0" err="1">
-                <a:solidFill>
-                  <a:schemeClr val="tx1"/>
-                </a:solidFill>
-                <a:latin typeface="Roboto" panose="02000000000000000000" pitchFamily="2" charset="0"/>
-                <a:ea typeface="Roboto" panose="02000000000000000000" pitchFamily="2" charset="0"/>
-                <a:cs typeface="Roboto" panose="02000000000000000000" pitchFamily="2" charset="0"/>
-              </a:rPr>
-              <a:t>dùng</a:t>
-            </a:r>
-            <a:endParaRPr lang="en-US" sz="2400" dirty="0">
-              <a:solidFill>
-                <a:schemeClr val="tx1"/>
-              </a:solidFill>
-              <a:latin typeface="Roboto" panose="02000000000000000000" pitchFamily="2" charset="0"/>
-              <a:ea typeface="Roboto" panose="02000000000000000000" pitchFamily="2" charset="0"/>
-              <a:cs typeface="Roboto" panose="02000000000000000000" pitchFamily="2" charset="0"/>
-            </a:endParaRPr>
-          </a:p>
-        </p:txBody>
-      </p:sp>
-      <p:cxnSp>
-        <p:nvCxnSpPr>
-          <p:cNvPr id="9" name="Straight Arrow Connector 8">
-            <a:extLst>
-              <a:ext uri="{FF2B5EF4-FFF2-40B4-BE49-F238E27FC236}">
-                <a16:creationId xmlns:a16="http://schemas.microsoft.com/office/drawing/2014/main" id="{62309D95-6182-D6A7-46E4-4D6F63F96352}"/>
-              </a:ext>
-            </a:extLst>
-          </p:cNvPr>
-          <p:cNvCxnSpPr/>
-          <p:nvPr/>
-        </p:nvCxnSpPr>
-        <p:spPr>
-          <a:xfrm>
-            <a:off x="5274365" y="3853069"/>
-            <a:ext cx="1643269" cy="0"/>
-          </a:xfrm>
-          <a:prstGeom prst="straightConnector1">
-            <a:avLst/>
-          </a:prstGeom>
-          <a:ln w="152400">
-            <a:gradFill>
-              <a:gsLst>
-                <a:gs pos="0">
-                  <a:srgbClr val="FFC000"/>
-                </a:gs>
-                <a:gs pos="67000">
-                  <a:schemeClr val="accent6">
-                    <a:lumMod val="60000"/>
-                    <a:lumOff val="40000"/>
-                  </a:schemeClr>
-                </a:gs>
-                <a:gs pos="26000">
-                  <a:schemeClr val="accent4">
-                    <a:lumMod val="60000"/>
-                    <a:lumOff val="40000"/>
-                  </a:schemeClr>
-                </a:gs>
-                <a:gs pos="100000">
-                  <a:schemeClr val="accent6">
-                    <a:lumMod val="75000"/>
-                  </a:schemeClr>
-                </a:gs>
-              </a:gsLst>
-              <a:lin ang="0" scaled="0"/>
-            </a:gradFill>
-            <a:headEnd type="triangle"/>
-            <a:tailEnd type="triangle"/>
-          </a:ln>
-        </p:spPr>
-        <p:style>
-          <a:lnRef idx="1">
-            <a:schemeClr val="accent1"/>
-          </a:lnRef>
-          <a:fillRef idx="0">
-            <a:schemeClr val="accent1"/>
-          </a:fillRef>
-          <a:effectRef idx="0">
-            <a:schemeClr val="accent1"/>
-          </a:effectRef>
-          <a:fontRef idx="minor">
-            <a:schemeClr val="tx1"/>
-          </a:fontRef>
-        </p:style>
-      </p:cxnSp>
-    </p:spTree>
-    <p:extLst>
-      <p:ext uri="{BB962C8B-B14F-4D97-AF65-F5344CB8AC3E}">
-        <p14:creationId xmlns:p14="http://schemas.microsoft.com/office/powerpoint/2010/main" val="3408746827"/>
-      </p:ext>
-    </p:extLst>
-  </p:cSld>
-  <p:clrMapOvr>
-    <a:masterClrMapping/>
-  </p:clrMapOvr>
-  <mc:AlternateContent xmlns:mc="http://schemas.openxmlformats.org/markup-compatibility/2006">
-    <mc:Choice xmlns:p14="http://schemas.microsoft.com/office/powerpoint/2010/main" Requires="p14">
-      <p:transition spd="med" p14:dur="700">
-        <p:fade/>
-      </p:transition>
-    </mc:Choice>
-    <mc:Fallback>
+    <mc:Fallback xmlns="">
       <p:transition spd="med">
         <p:fade/>
       </p:transition>
@@ -20978,4 +22035,299 @@
     </a:ext>
   </a:extLst>
 </a:theme>
+</file>
+
+<file path=ppt/theme/theme2.xml><?xml version="1.0" encoding="utf-8"?>
+<a:theme xmlns:a="http://schemas.openxmlformats.org/drawingml/2006/main" name="Office Theme">
+  <a:themeElements>
+    <a:clrScheme name="Office">
+      <a:dk1>
+        <a:sysClr val="windowText" lastClr="000000"/>
+      </a:dk1>
+      <a:lt1>
+        <a:sysClr val="window" lastClr="FFFFFF"/>
+      </a:lt1>
+      <a:dk2>
+        <a:srgbClr val="44546A"/>
+      </a:dk2>
+      <a:lt2>
+        <a:srgbClr val="E7E6E6"/>
+      </a:lt2>
+      <a:accent1>
+        <a:srgbClr val="4472C4"/>
+      </a:accent1>
+      <a:accent2>
+        <a:srgbClr val="ED7D31"/>
+      </a:accent2>
+      <a:accent3>
+        <a:srgbClr val="A5A5A5"/>
+      </a:accent3>
+      <a:accent4>
+        <a:srgbClr val="FFC000"/>
+      </a:accent4>
+      <a:accent5>
+        <a:srgbClr val="5B9BD5"/>
+      </a:accent5>
+      <a:accent6>
+        <a:srgbClr val="70AD47"/>
+      </a:accent6>
+      <a:hlink>
+        <a:srgbClr val="0563C1"/>
+      </a:hlink>
+      <a:folHlink>
+        <a:srgbClr val="954F72"/>
+      </a:folHlink>
+    </a:clrScheme>
+    <a:fontScheme name="Office">
+      <a:majorFont>
+        <a:latin typeface="Calibri Light" panose="020F0302020204030204"/>
+        <a:ea typeface=""/>
+        <a:cs typeface=""/>
+        <a:font script="Jpan" typeface="游ゴシック Light"/>
+        <a:font script="Hang" typeface="맑은 고딕"/>
+        <a:font script="Hans" typeface="等线 Light"/>
+        <a:font script="Hant" typeface="新細明體"/>
+        <a:font script="Arab" typeface="Times New Roman"/>
+        <a:font script="Hebr" typeface="Times New Roman"/>
+        <a:font script="Thai" typeface="Angsana New"/>
+        <a:font script="Ethi" typeface="Nyala"/>
+        <a:font script="Beng" typeface="Vrinda"/>
+        <a:font script="Gujr" typeface="Shruti"/>
+        <a:font script="Khmr" typeface="MoolBoran"/>
+        <a:font script="Knda" typeface="Tunga"/>
+        <a:font script="Guru" typeface="Raavi"/>
+        <a:font script="Cans" typeface="Euphemia"/>
+        <a:font script="Cher" typeface="Plantagenet Cherokee"/>
+        <a:font script="Yiii" typeface="Microsoft Yi Baiti"/>
+        <a:font script="Tibt" typeface="Microsoft Himalaya"/>
+        <a:font script="Thaa" typeface="MV Boli"/>
+        <a:font script="Deva" typeface="Mangal"/>
+        <a:font script="Telu" typeface="Gautami"/>
+        <a:font script="Taml" typeface="Latha"/>
+        <a:font script="Syrc" typeface="Estrangelo Edessa"/>
+        <a:font script="Orya" typeface="Kalinga"/>
+        <a:font script="Mlym" typeface="Kartika"/>
+        <a:font script="Laoo" typeface="DokChampa"/>
+        <a:font script="Sinh" typeface="Iskoola Pota"/>
+        <a:font script="Mong" typeface="Mongolian Baiti"/>
+        <a:font script="Viet" typeface="Times New Roman"/>
+        <a:font script="Uigh" typeface="Microsoft Uighur"/>
+        <a:font script="Geor" typeface="Sylfaen"/>
+        <a:font script="Armn" typeface="Arial"/>
+        <a:font script="Bugi" typeface="Leelawadee UI"/>
+        <a:font script="Bopo" typeface="Microsoft JhengHei"/>
+        <a:font script="Java" typeface="Javanese Text"/>
+        <a:font script="Lisu" typeface="Segoe UI"/>
+        <a:font script="Mymr" typeface="Myanmar Text"/>
+        <a:font script="Nkoo" typeface="Ebrima"/>
+        <a:font script="Olck" typeface="Nirmala UI"/>
+        <a:font script="Osma" typeface="Ebrima"/>
+        <a:font script="Phag" typeface="Phagspa"/>
+        <a:font script="Syrn" typeface="Estrangelo Edessa"/>
+        <a:font script="Syrj" typeface="Estrangelo Edessa"/>
+        <a:font script="Syre" typeface="Estrangelo Edessa"/>
+        <a:font script="Sora" typeface="Nirmala UI"/>
+        <a:font script="Tale" typeface="Microsoft Tai Le"/>
+        <a:font script="Talu" typeface="Microsoft New Tai Lue"/>
+        <a:font script="Tfng" typeface="Ebrima"/>
+      </a:majorFont>
+      <a:minorFont>
+        <a:latin typeface="Calibri" panose="020F0502020204030204"/>
+        <a:ea typeface=""/>
+        <a:cs typeface=""/>
+        <a:font script="Jpan" typeface="游ゴシック"/>
+        <a:font script="Hang" typeface="맑은 고딕"/>
+        <a:font script="Hans" typeface="等线"/>
+        <a:font script="Hant" typeface="新細明體"/>
+        <a:font script="Arab" typeface="Arial"/>
+        <a:font script="Hebr" typeface="Arial"/>
+        <a:font script="Thai" typeface="Cordia New"/>
+        <a:font script="Ethi" typeface="Nyala"/>
+        <a:font script="Beng" typeface="Vrinda"/>
+        <a:font script="Gujr" typeface="Shruti"/>
+        <a:font script="Khmr" typeface="DaunPenh"/>
+        <a:font script="Knda" typeface="Tunga"/>
+        <a:font script="Guru" typeface="Raavi"/>
+        <a:font script="Cans" typeface="Euphemia"/>
+        <a:font script="Cher" typeface="Plantagenet Cherokee"/>
+        <a:font script="Yiii" typeface="Microsoft Yi Baiti"/>
+        <a:font script="Tibt" typeface="Microsoft Himalaya"/>
+        <a:font script="Thaa" typeface="MV Boli"/>
+        <a:font script="Deva" typeface="Mangal"/>
+        <a:font script="Telu" typeface="Gautami"/>
+        <a:font script="Taml" typeface="Latha"/>
+        <a:font script="Syrc" typeface="Estrangelo Edessa"/>
+        <a:font script="Orya" typeface="Kalinga"/>
+        <a:font script="Mlym" typeface="Kartika"/>
+        <a:font script="Laoo" typeface="DokChampa"/>
+        <a:font script="Sinh" typeface="Iskoola Pota"/>
+        <a:font script="Mong" typeface="Mongolian Baiti"/>
+        <a:font script="Viet" typeface="Arial"/>
+        <a:font script="Uigh" typeface="Microsoft Uighur"/>
+        <a:font script="Geor" typeface="Sylfaen"/>
+        <a:font script="Armn" typeface="Arial"/>
+        <a:font script="Bugi" typeface="Leelawadee UI"/>
+        <a:font script="Bopo" typeface="Microsoft JhengHei"/>
+        <a:font script="Java" typeface="Javanese Text"/>
+        <a:font script="Lisu" typeface="Segoe UI"/>
+        <a:font script="Mymr" typeface="Myanmar Text"/>
+        <a:font script="Nkoo" typeface="Ebrima"/>
+        <a:font script="Olck" typeface="Nirmala UI"/>
+        <a:font script="Osma" typeface="Ebrima"/>
+        <a:font script="Phag" typeface="Phagspa"/>
+        <a:font script="Syrn" typeface="Estrangelo Edessa"/>
+        <a:font script="Syrj" typeface="Estrangelo Edessa"/>
+        <a:font script="Syre" typeface="Estrangelo Edessa"/>
+        <a:font script="Sora" typeface="Nirmala UI"/>
+        <a:font script="Tale" typeface="Microsoft Tai Le"/>
+        <a:font script="Talu" typeface="Microsoft New Tai Lue"/>
+        <a:font script="Tfng" typeface="Ebrima"/>
+      </a:minorFont>
+    </a:fontScheme>
+    <a:fmtScheme name="Office">
+      <a:fillStyleLst>
+        <a:solidFill>
+          <a:schemeClr val="phClr"/>
+        </a:solidFill>
+        <a:gradFill rotWithShape="1">
+          <a:gsLst>
+            <a:gs pos="0">
+              <a:schemeClr val="phClr">
+                <a:lumMod val="110000"/>
+                <a:satMod val="105000"/>
+                <a:tint val="67000"/>
+              </a:schemeClr>
+            </a:gs>
+            <a:gs pos="50000">
+              <a:schemeClr val="phClr">
+                <a:lumMod val="105000"/>
+                <a:satMod val="103000"/>
+                <a:tint val="73000"/>
+              </a:schemeClr>
+            </a:gs>
+            <a:gs pos="100000">
+              <a:schemeClr val="phClr">
+                <a:lumMod val="105000"/>
+                <a:satMod val="109000"/>
+                <a:tint val="81000"/>
+              </a:schemeClr>
+            </a:gs>
+          </a:gsLst>
+          <a:lin ang="5400000" scaled="0"/>
+        </a:gradFill>
+        <a:gradFill rotWithShape="1">
+          <a:gsLst>
+            <a:gs pos="0">
+              <a:schemeClr val="phClr">
+                <a:satMod val="103000"/>
+                <a:lumMod val="102000"/>
+                <a:tint val="94000"/>
+              </a:schemeClr>
+            </a:gs>
+            <a:gs pos="50000">
+              <a:schemeClr val="phClr">
+                <a:satMod val="110000"/>
+                <a:lumMod val="100000"/>
+                <a:shade val="100000"/>
+              </a:schemeClr>
+            </a:gs>
+            <a:gs pos="100000">
+              <a:schemeClr val="phClr">
+                <a:lumMod val="99000"/>
+                <a:satMod val="120000"/>
+                <a:shade val="78000"/>
+              </a:schemeClr>
+            </a:gs>
+          </a:gsLst>
+          <a:lin ang="5400000" scaled="0"/>
+        </a:gradFill>
+      </a:fillStyleLst>
+      <a:lnStyleLst>
+        <a:ln w="6350" cap="flat" cmpd="sng" algn="ctr">
+          <a:solidFill>
+            <a:schemeClr val="phClr"/>
+          </a:solidFill>
+          <a:prstDash val="solid"/>
+          <a:miter lim="800000"/>
+        </a:ln>
+        <a:ln w="12700" cap="flat" cmpd="sng" algn="ctr">
+          <a:solidFill>
+            <a:schemeClr val="phClr"/>
+          </a:solidFill>
+          <a:prstDash val="solid"/>
+          <a:miter lim="800000"/>
+        </a:ln>
+        <a:ln w="19050" cap="flat" cmpd="sng" algn="ctr">
+          <a:solidFill>
+            <a:schemeClr val="phClr"/>
+          </a:solidFill>
+          <a:prstDash val="solid"/>
+          <a:miter lim="800000"/>
+        </a:ln>
+      </a:lnStyleLst>
+      <a:effectStyleLst>
+        <a:effectStyle>
+          <a:effectLst/>
+        </a:effectStyle>
+        <a:effectStyle>
+          <a:effectLst/>
+        </a:effectStyle>
+        <a:effectStyle>
+          <a:effectLst>
+            <a:outerShdw blurRad="57150" dist="19050" dir="5400000" algn="ctr" rotWithShape="0">
+              <a:srgbClr val="000000">
+                <a:alpha val="63000"/>
+              </a:srgbClr>
+            </a:outerShdw>
+          </a:effectLst>
+        </a:effectStyle>
+      </a:effectStyleLst>
+      <a:bgFillStyleLst>
+        <a:solidFill>
+          <a:schemeClr val="phClr"/>
+        </a:solidFill>
+        <a:solidFill>
+          <a:schemeClr val="phClr">
+            <a:tint val="95000"/>
+            <a:satMod val="170000"/>
+          </a:schemeClr>
+        </a:solidFill>
+        <a:gradFill rotWithShape="1">
+          <a:gsLst>
+            <a:gs pos="0">
+              <a:schemeClr val="phClr">
+                <a:tint val="93000"/>
+                <a:satMod val="150000"/>
+                <a:shade val="98000"/>
+                <a:lumMod val="102000"/>
+              </a:schemeClr>
+            </a:gs>
+            <a:gs pos="50000">
+              <a:schemeClr val="phClr">
+                <a:tint val="98000"/>
+                <a:satMod val="130000"/>
+                <a:shade val="90000"/>
+                <a:lumMod val="103000"/>
+              </a:schemeClr>
+            </a:gs>
+            <a:gs pos="100000">
+              <a:schemeClr val="phClr">
+                <a:shade val="63000"/>
+                <a:satMod val="120000"/>
+              </a:schemeClr>
+            </a:gs>
+          </a:gsLst>
+          <a:lin ang="5400000" scaled="0"/>
+        </a:gradFill>
+      </a:bgFillStyleLst>
+    </a:fmtScheme>
+  </a:themeElements>
+  <a:objectDefaults/>
+  <a:extraClrSchemeLst/>
+  <a:extLst>
+    <a:ext uri="{05A4C25C-085E-4340-85A3-A5531E510DB2}">
+      <thm15:themeFamily xmlns:thm15="http://schemas.microsoft.com/office/thememl/2012/main" name="Office Theme" id="{62F939B6-93AF-4DB8-9C6B-D6C7DFDC589F}" vid="{4A3C46E8-61CC-4603-A589-7422A47A8E4A}"/>
+    </a:ext>
+  </a:extLst>
+</a:theme>
 </file>
--- a/THIẾT KẾ VÀ XÂY DỰNG.pptx
+++ b/THIẾT KẾ VÀ XÂY DỰNG.pptx
@@ -5,7 +5,7 @@
     <p:sldMasterId id="2147483660" r:id="rId1"/>
   </p:sldMasterIdLst>
   <p:notesMasterIdLst>
-    <p:notesMasterId r:id="rId15"/>
+    <p:notesMasterId r:id="rId19"/>
   </p:notesMasterIdLst>
   <p:sldIdLst>
     <p:sldId id="256" r:id="rId2"/>
@@ -13,14 +13,18 @@
     <p:sldId id="258" r:id="rId4"/>
     <p:sldId id="259" r:id="rId5"/>
     <p:sldId id="267" r:id="rId6"/>
-    <p:sldId id="260" r:id="rId7"/>
-    <p:sldId id="261" r:id="rId8"/>
-    <p:sldId id="268" r:id="rId9"/>
-    <p:sldId id="262" r:id="rId10"/>
-    <p:sldId id="263" r:id="rId11"/>
-    <p:sldId id="264" r:id="rId12"/>
-    <p:sldId id="265" r:id="rId13"/>
-    <p:sldId id="266" r:id="rId14"/>
+    <p:sldId id="269" r:id="rId7"/>
+    <p:sldId id="260" r:id="rId8"/>
+    <p:sldId id="261" r:id="rId9"/>
+    <p:sldId id="268" r:id="rId10"/>
+    <p:sldId id="270" r:id="rId11"/>
+    <p:sldId id="271" r:id="rId12"/>
+    <p:sldId id="272" r:id="rId13"/>
+    <p:sldId id="262" r:id="rId14"/>
+    <p:sldId id="263" r:id="rId15"/>
+    <p:sldId id="264" r:id="rId16"/>
+    <p:sldId id="265" r:id="rId17"/>
+    <p:sldId id="266" r:id="rId18"/>
   </p:sldIdLst>
   <p:sldSz cx="12192000" cy="6858000"/>
   <p:notesSz cx="6858000" cy="9144000"/>
@@ -4333,7 +4337,7 @@
           <a:p>
             <a:fld id="{21E92E64-0F1F-4264-A6A9-AE47E7C61E35}" type="datetimeFigureOut">
               <a:rPr lang="en-US" smtClean="0"/>
-              <a:t>6/6/2023</a:t>
+              <a:t>6/7/2023</a:t>
             </a:fld>
             <a:endParaRPr lang="en-US"/>
           </a:p>
@@ -4826,7 +4830,7 @@
           <a:p>
             <a:fld id="{35BAD430-743E-4BD7-A57D-737DA1090A76}" type="datetimeFigureOut">
               <a:rPr lang="en-US" smtClean="0"/>
-              <a:t>6/6/2023</a:t>
+              <a:t>6/7/2023</a:t>
             </a:fld>
             <a:endParaRPr lang="en-US"/>
           </a:p>
@@ -5034,7 +5038,7 @@
           <a:p>
             <a:fld id="{35BAD430-743E-4BD7-A57D-737DA1090A76}" type="datetimeFigureOut">
               <a:rPr lang="en-US" smtClean="0"/>
-              <a:t>6/6/2023</a:t>
+              <a:t>6/7/2023</a:t>
             </a:fld>
             <a:endParaRPr lang="en-US"/>
           </a:p>
@@ -5290,7 +5294,7 @@
           <a:p>
             <a:fld id="{35BAD430-743E-4BD7-A57D-737DA1090A76}" type="datetimeFigureOut">
               <a:rPr lang="en-US" smtClean="0"/>
-              <a:t>6/6/2023</a:t>
+              <a:t>6/7/2023</a:t>
             </a:fld>
             <a:endParaRPr lang="en-US"/>
           </a:p>
@@ -5464,7 +5468,7 @@
           <a:p>
             <a:fld id="{35BAD430-743E-4BD7-A57D-737DA1090A76}" type="datetimeFigureOut">
               <a:rPr lang="en-US" smtClean="0"/>
-              <a:t>6/6/2023</a:t>
+              <a:t>6/7/2023</a:t>
             </a:fld>
             <a:endParaRPr lang="en-US"/>
           </a:p>
@@ -5807,7 +5811,7 @@
           <a:p>
             <a:fld id="{35BAD430-743E-4BD7-A57D-737DA1090A76}" type="datetimeFigureOut">
               <a:rPr lang="en-US" smtClean="0"/>
-              <a:t>6/6/2023</a:t>
+              <a:t>6/7/2023</a:t>
             </a:fld>
             <a:endParaRPr lang="en-US"/>
           </a:p>
@@ -6082,7 +6086,7 @@
           <a:p>
             <a:fld id="{35BAD430-743E-4BD7-A57D-737DA1090A76}" type="datetimeFigureOut">
               <a:rPr lang="en-US" smtClean="0"/>
-              <a:t>6/6/2023</a:t>
+              <a:t>6/7/2023</a:t>
             </a:fld>
             <a:endParaRPr lang="en-US"/>
           </a:p>
@@ -6461,7 +6465,7 @@
           <a:p>
             <a:fld id="{35BAD430-743E-4BD7-A57D-737DA1090A76}" type="datetimeFigureOut">
               <a:rPr lang="en-US" smtClean="0"/>
-              <a:t>6/6/2023</a:t>
+              <a:t>6/7/2023</a:t>
             </a:fld>
             <a:endParaRPr lang="en-US"/>
           </a:p>
@@ -6579,7 +6583,7 @@
           <a:p>
             <a:fld id="{35BAD430-743E-4BD7-A57D-737DA1090A76}" type="datetimeFigureOut">
               <a:rPr lang="en-US" smtClean="0"/>
-              <a:t>6/6/2023</a:t>
+              <a:t>6/7/2023</a:t>
             </a:fld>
             <a:endParaRPr lang="en-US"/>
           </a:p>
@@ -6750,7 +6754,7 @@
           <a:p>
             <a:fld id="{35BAD430-743E-4BD7-A57D-737DA1090A76}" type="datetimeFigureOut">
               <a:rPr lang="en-US" smtClean="0"/>
-              <a:t>6/6/2023</a:t>
+              <a:t>6/7/2023</a:t>
             </a:fld>
             <a:endParaRPr lang="en-US"/>
           </a:p>
@@ -7104,7 +7108,7 @@
           <a:p>
             <a:fld id="{35BAD430-743E-4BD7-A57D-737DA1090A76}" type="datetimeFigureOut">
               <a:rPr lang="en-US" smtClean="0"/>
-              <a:t>6/6/2023</a:t>
+              <a:t>6/7/2023</a:t>
             </a:fld>
             <a:endParaRPr lang="en-US"/>
           </a:p>
@@ -7486,7 +7490,7 @@
           <a:p>
             <a:fld id="{35BAD430-743E-4BD7-A57D-737DA1090A76}" type="datetimeFigureOut">
               <a:rPr lang="en-US" smtClean="0"/>
-              <a:t>6/6/2023</a:t>
+              <a:t>6/7/2023</a:t>
             </a:fld>
             <a:endParaRPr lang="en-US"/>
           </a:p>
@@ -7773,7 +7777,7 @@
           <a:p>
             <a:fld id="{35BAD430-743E-4BD7-A57D-737DA1090A76}" type="datetimeFigureOut">
               <a:rPr lang="en-US" smtClean="0"/>
-              <a:t>6/6/2023</a:t>
+              <a:t>6/7/2023</a:t>
             </a:fld>
             <a:endParaRPr lang="en-US"/>
           </a:p>
@@ -8724,13 +8728,13 @@
   <p:clrMapOvr>
     <a:masterClrMapping/>
   </p:clrMapOvr>
-  <mc:AlternateContent xmlns:mc="http://schemas.openxmlformats.org/markup-compatibility/2006" xmlns:p14="http://schemas.microsoft.com/office/powerpoint/2010/main">
-    <mc:Choice Requires="p14">
+  <mc:AlternateContent xmlns:mc="http://schemas.openxmlformats.org/markup-compatibility/2006">
+    <mc:Choice xmlns:p14="http://schemas.microsoft.com/office/powerpoint/2010/main" Requires="p14">
       <p:transition spd="med" p14:dur="700">
         <p:fade/>
       </p:transition>
     </mc:Choice>
-    <mc:Fallback xmlns="">
+    <mc:Fallback>
       <p:transition spd="med">
         <p:fade/>
       </p:transition>
@@ -8740,6 +8744,3052 @@
 </file>
 
 <file path=ppt/slides/slide10.xml><?xml version="1.0" encoding="utf-8"?>
+<p:sld xmlns:a="http://schemas.openxmlformats.org/drawingml/2006/main" xmlns:r="http://schemas.openxmlformats.org/officeDocument/2006/relationships" xmlns:p="http://schemas.openxmlformats.org/presentationml/2006/main">
+  <p:cSld>
+    <p:bg>
+      <p:bgPr>
+        <a:solidFill>
+          <a:schemeClr val="bg1"/>
+        </a:solidFill>
+        <a:effectLst/>
+      </p:bgPr>
+    </p:bg>
+    <p:spTree>
+      <p:nvGrpSpPr>
+        <p:cNvPr id="1" name=""/>
+        <p:cNvGrpSpPr/>
+        <p:nvPr/>
+      </p:nvGrpSpPr>
+      <p:grpSpPr>
+        <a:xfrm>
+          <a:off x="0" y="0"/>
+          <a:ext cx="0" cy="0"/>
+          <a:chOff x="0" y="0"/>
+          <a:chExt cx="0" cy="0"/>
+        </a:xfrm>
+      </p:grpSpPr>
+      <p:sp useBgFill="1">
+        <p:nvSpPr>
+          <p:cNvPr id="12" name="Rectangle 11">
+            <a:extLst>
+              <a:ext uri="{FF2B5EF4-FFF2-40B4-BE49-F238E27FC236}">
+                <a16:creationId xmlns:a16="http://schemas.microsoft.com/office/drawing/2014/main" id="{44CC594A-A820-450F-B363-C19201FCFEC6}"/>
+              </a:ext>
+              <a:ext uri="{C183D7F6-B498-43B3-948B-1728B52AA6E4}">
+                <adec:decorative xmlns:adec="http://schemas.microsoft.com/office/drawing/2017/decorative" val="1"/>
+              </a:ext>
+            </a:extLst>
+          </p:cNvPr>
+          <p:cNvSpPr>
+            <a:spLocks noGrp="1" noRot="1" noChangeAspect="1" noMove="1" noResize="1" noEditPoints="1" noAdjustHandles="1" noChangeArrowheads="1" noChangeShapeType="1" noTextEdit="1"/>
+          </p:cNvSpPr>
+          <p:nvPr>
+            <p:extLst>
+              <p:ext uri="{386F3935-93C4-4BCD-93E2-E3B085C9AB24}">
+                <p16:designElem xmlns:p16="http://schemas.microsoft.com/office/powerpoint/2015/main" val="1"/>
+              </p:ext>
+            </p:extLst>
+          </p:nvPr>
+        </p:nvSpPr>
+        <p:spPr>
+          <a:xfrm>
+            <a:off x="0" y="0"/>
+            <a:ext cx="12186315" cy="6858000"/>
+          </a:xfrm>
+          <a:prstGeom prst="rect">
+            <a:avLst/>
+          </a:prstGeom>
+          <a:ln>
+            <a:noFill/>
+          </a:ln>
+        </p:spPr>
+        <p:style>
+          <a:lnRef idx="2">
+            <a:schemeClr val="accent6">
+              <a:shade val="50000"/>
+            </a:schemeClr>
+          </a:lnRef>
+          <a:fillRef idx="1001">
+            <a:schemeClr val="lt1"/>
+          </a:fillRef>
+          <a:effectRef idx="0">
+            <a:schemeClr val="accent6"/>
+          </a:effectRef>
+          <a:fontRef idx="minor">
+            <a:schemeClr val="lt1"/>
+          </a:fontRef>
+        </p:style>
+        <p:txBody>
+          <a:bodyPr rtlCol="0" anchor="ctr"/>
+          <a:lstStyle/>
+          <a:p>
+            <a:pPr algn="ctr"/>
+            <a:endParaRPr lang="en-US"/>
+          </a:p>
+        </p:txBody>
+      </p:sp>
+      <p:sp>
+        <p:nvSpPr>
+          <p:cNvPr id="14" name="Rectangle 13">
+            <a:extLst>
+              <a:ext uri="{FF2B5EF4-FFF2-40B4-BE49-F238E27FC236}">
+                <a16:creationId xmlns:a16="http://schemas.microsoft.com/office/drawing/2014/main" id="{59FAB3DA-E9ED-4574-ABCC-378BC0FF1BBC}"/>
+              </a:ext>
+              <a:ext uri="{C183D7F6-B498-43B3-948B-1728B52AA6E4}">
+                <adec:decorative xmlns:adec="http://schemas.microsoft.com/office/drawing/2017/decorative" val="1"/>
+              </a:ext>
+            </a:extLst>
+          </p:cNvPr>
+          <p:cNvSpPr>
+            <a:spLocks noGrp="1" noRot="1" noChangeAspect="1" noMove="1" noResize="1" noEditPoints="1" noAdjustHandles="1" noChangeArrowheads="1" noChangeShapeType="1" noTextEdit="1"/>
+          </p:cNvSpPr>
+          <p:nvPr>
+            <p:extLst>
+              <p:ext uri="{386F3935-93C4-4BCD-93E2-E3B085C9AB24}">
+                <p16:designElem xmlns:p16="http://schemas.microsoft.com/office/powerpoint/2015/main" val="1"/>
+              </p:ext>
+            </p:extLst>
+          </p:nvPr>
+        </p:nvSpPr>
+        <p:spPr>
+          <a:xfrm>
+            <a:off x="16" y="0"/>
+            <a:ext cx="4050791" cy="6858000"/>
+          </a:xfrm>
+          <a:prstGeom prst="rect">
+            <a:avLst/>
+          </a:prstGeom>
+          <a:solidFill>
+            <a:schemeClr val="accent2"/>
+          </a:solidFill>
+          <a:ln>
+            <a:noFill/>
+          </a:ln>
+        </p:spPr>
+        <p:style>
+          <a:lnRef idx="2">
+            <a:schemeClr val="accent1">
+              <a:shade val="50000"/>
+            </a:schemeClr>
+          </a:lnRef>
+          <a:fillRef idx="1">
+            <a:schemeClr val="accent1"/>
+          </a:fillRef>
+          <a:effectRef idx="0">
+            <a:schemeClr val="accent1"/>
+          </a:effectRef>
+          <a:fontRef idx="minor">
+            <a:schemeClr val="lt1"/>
+          </a:fontRef>
+        </p:style>
+      </p:sp>
+      <p:sp>
+        <p:nvSpPr>
+          <p:cNvPr id="2" name="Title 1">
+            <a:extLst>
+              <a:ext uri="{FF2B5EF4-FFF2-40B4-BE49-F238E27FC236}">
+                <a16:creationId xmlns:a16="http://schemas.microsoft.com/office/drawing/2014/main" id="{F170B34A-40A9-5809-79D4-30ECD0E2B971}"/>
+              </a:ext>
+            </a:extLst>
+          </p:cNvPr>
+          <p:cNvSpPr>
+            <a:spLocks noGrp="1"/>
+          </p:cNvSpPr>
+          <p:nvPr>
+            <p:ph type="title"/>
+          </p:nvPr>
+        </p:nvSpPr>
+        <p:spPr>
+          <a:xfrm>
+            <a:off x="492370" y="516835"/>
+            <a:ext cx="3084844" cy="2103875"/>
+          </a:xfrm>
+        </p:spPr>
+        <p:txBody>
+          <a:bodyPr>
+            <a:normAutofit/>
+          </a:bodyPr>
+          <a:lstStyle/>
+          <a:p>
+            <a:r>
+              <a:rPr lang="en-US" sz="3600" dirty="0">
+                <a:solidFill>
+                  <a:srgbClr val="FFFFFF"/>
+                </a:solidFill>
+                <a:latin typeface="Roboto" panose="02000000000000000000" pitchFamily="2" charset="0"/>
+                <a:ea typeface="Roboto" panose="02000000000000000000" pitchFamily="2" charset="0"/>
+                <a:cs typeface="Roboto" panose="02000000000000000000" pitchFamily="2" charset="0"/>
+              </a:rPr>
+              <a:t>2. </a:t>
+            </a:r>
+            <a:r>
+              <a:rPr lang="en-US" sz="3600" dirty="0" err="1">
+                <a:solidFill>
+                  <a:srgbClr val="FFFFFF"/>
+                </a:solidFill>
+                <a:latin typeface="Roboto" panose="02000000000000000000" pitchFamily="2" charset="0"/>
+                <a:ea typeface="Roboto" panose="02000000000000000000" pitchFamily="2" charset="0"/>
+                <a:cs typeface="Roboto" panose="02000000000000000000" pitchFamily="2" charset="0"/>
+              </a:rPr>
+              <a:t>Phân</a:t>
+            </a:r>
+            <a:r>
+              <a:rPr lang="en-US" sz="3600" dirty="0">
+                <a:solidFill>
+                  <a:srgbClr val="FFFFFF"/>
+                </a:solidFill>
+                <a:latin typeface="Roboto" panose="02000000000000000000" pitchFamily="2" charset="0"/>
+                <a:ea typeface="Roboto" panose="02000000000000000000" pitchFamily="2" charset="0"/>
+                <a:cs typeface="Roboto" panose="02000000000000000000" pitchFamily="2" charset="0"/>
+              </a:rPr>
+              <a:t> </a:t>
+            </a:r>
+            <a:r>
+              <a:rPr lang="en-US" sz="3600" dirty="0" err="1">
+                <a:solidFill>
+                  <a:srgbClr val="FFFFFF"/>
+                </a:solidFill>
+                <a:latin typeface="Roboto" panose="02000000000000000000" pitchFamily="2" charset="0"/>
+                <a:ea typeface="Roboto" panose="02000000000000000000" pitchFamily="2" charset="0"/>
+                <a:cs typeface="Roboto" panose="02000000000000000000" pitchFamily="2" charset="0"/>
+              </a:rPr>
+              <a:t>tích</a:t>
+            </a:r>
+            <a:r>
+              <a:rPr lang="en-US" sz="3600" dirty="0">
+                <a:solidFill>
+                  <a:srgbClr val="FFFFFF"/>
+                </a:solidFill>
+                <a:latin typeface="Roboto" panose="02000000000000000000" pitchFamily="2" charset="0"/>
+                <a:ea typeface="Roboto" panose="02000000000000000000" pitchFamily="2" charset="0"/>
+                <a:cs typeface="Roboto" panose="02000000000000000000" pitchFamily="2" charset="0"/>
+              </a:rPr>
+              <a:t> </a:t>
+            </a:r>
+            <a:r>
+              <a:rPr lang="en-US" sz="3600" dirty="0" err="1">
+                <a:solidFill>
+                  <a:srgbClr val="FFFFFF"/>
+                </a:solidFill>
+                <a:latin typeface="Roboto" panose="02000000000000000000" pitchFamily="2" charset="0"/>
+                <a:ea typeface="Roboto" panose="02000000000000000000" pitchFamily="2" charset="0"/>
+                <a:cs typeface="Roboto" panose="02000000000000000000" pitchFamily="2" charset="0"/>
+              </a:rPr>
+              <a:t>và</a:t>
+            </a:r>
+            <a:r>
+              <a:rPr lang="en-US" sz="3600" dirty="0">
+                <a:solidFill>
+                  <a:srgbClr val="FFFFFF"/>
+                </a:solidFill>
+                <a:latin typeface="Roboto" panose="02000000000000000000" pitchFamily="2" charset="0"/>
+                <a:ea typeface="Roboto" panose="02000000000000000000" pitchFamily="2" charset="0"/>
+                <a:cs typeface="Roboto" panose="02000000000000000000" pitchFamily="2" charset="0"/>
+              </a:rPr>
+              <a:t> </a:t>
+            </a:r>
+            <a:r>
+              <a:rPr lang="en-US" sz="3600" dirty="0" err="1">
+                <a:solidFill>
+                  <a:srgbClr val="FFFFFF"/>
+                </a:solidFill>
+                <a:latin typeface="Roboto" panose="02000000000000000000" pitchFamily="2" charset="0"/>
+                <a:ea typeface="Roboto" panose="02000000000000000000" pitchFamily="2" charset="0"/>
+                <a:cs typeface="Roboto" panose="02000000000000000000" pitchFamily="2" charset="0"/>
+              </a:rPr>
+              <a:t>thiết</a:t>
+            </a:r>
+            <a:r>
+              <a:rPr lang="en-US" sz="3600" dirty="0">
+                <a:solidFill>
+                  <a:srgbClr val="FFFFFF"/>
+                </a:solidFill>
+                <a:latin typeface="Roboto" panose="02000000000000000000" pitchFamily="2" charset="0"/>
+                <a:ea typeface="Roboto" panose="02000000000000000000" pitchFamily="2" charset="0"/>
+                <a:cs typeface="Roboto" panose="02000000000000000000" pitchFamily="2" charset="0"/>
+              </a:rPr>
+              <a:t> </a:t>
+            </a:r>
+            <a:r>
+              <a:rPr lang="en-US" sz="3600" dirty="0" err="1">
+                <a:solidFill>
+                  <a:srgbClr val="FFFFFF"/>
+                </a:solidFill>
+                <a:latin typeface="Roboto" panose="02000000000000000000" pitchFamily="2" charset="0"/>
+                <a:ea typeface="Roboto" panose="02000000000000000000" pitchFamily="2" charset="0"/>
+                <a:cs typeface="Roboto" panose="02000000000000000000" pitchFamily="2" charset="0"/>
+              </a:rPr>
+              <a:t>kế</a:t>
+            </a:r>
+            <a:endParaRPr lang="en-US" sz="3600" dirty="0">
+              <a:solidFill>
+                <a:srgbClr val="FFFFFF"/>
+              </a:solidFill>
+              <a:latin typeface="Roboto" panose="02000000000000000000" pitchFamily="2" charset="0"/>
+              <a:ea typeface="Roboto" panose="02000000000000000000" pitchFamily="2" charset="0"/>
+              <a:cs typeface="Roboto" panose="02000000000000000000" pitchFamily="2" charset="0"/>
+            </a:endParaRPr>
+          </a:p>
+        </p:txBody>
+      </p:sp>
+      <p:sp>
+        <p:nvSpPr>
+          <p:cNvPr id="9" name="Content Placeholder 8">
+            <a:extLst>
+              <a:ext uri="{FF2B5EF4-FFF2-40B4-BE49-F238E27FC236}">
+                <a16:creationId xmlns:a16="http://schemas.microsoft.com/office/drawing/2014/main" id="{1C7AA76A-1E0A-698C-1232-6B3B86C3A031}"/>
+              </a:ext>
+            </a:extLst>
+          </p:cNvPr>
+          <p:cNvSpPr>
+            <a:spLocks noGrp="1"/>
+          </p:cNvSpPr>
+          <p:nvPr>
+            <p:ph idx="1"/>
+          </p:nvPr>
+        </p:nvSpPr>
+        <p:spPr>
+          <a:xfrm>
+            <a:off x="492371" y="2653800"/>
+            <a:ext cx="3084844" cy="3335519"/>
+          </a:xfrm>
+        </p:spPr>
+        <p:txBody>
+          <a:bodyPr>
+            <a:normAutofit/>
+          </a:bodyPr>
+          <a:lstStyle/>
+          <a:p>
+            <a:endParaRPr lang="en-US" sz="1500">
+              <a:solidFill>
+                <a:srgbClr val="FFFFFF"/>
+              </a:solidFill>
+              <a:latin typeface="Roboto" panose="02000000000000000000" pitchFamily="2" charset="0"/>
+              <a:ea typeface="Roboto" panose="02000000000000000000" pitchFamily="2" charset="0"/>
+              <a:cs typeface="Roboto" panose="02000000000000000000" pitchFamily="2" charset="0"/>
+            </a:endParaRPr>
+          </a:p>
+        </p:txBody>
+      </p:sp>
+      <p:sp>
+        <p:nvSpPr>
+          <p:cNvPr id="16" name="Rectangle 15">
+            <a:extLst>
+              <a:ext uri="{FF2B5EF4-FFF2-40B4-BE49-F238E27FC236}">
+                <a16:creationId xmlns:a16="http://schemas.microsoft.com/office/drawing/2014/main" id="{53B8D6B0-55D6-48DC-86D8-FD95D5F118AB}"/>
+              </a:ext>
+              <a:ext uri="{C183D7F6-B498-43B3-948B-1728B52AA6E4}">
+                <adec:decorative xmlns:adec="http://schemas.microsoft.com/office/drawing/2017/decorative" val="1"/>
+              </a:ext>
+            </a:extLst>
+          </p:cNvPr>
+          <p:cNvSpPr>
+            <a:spLocks noGrp="1" noRot="1" noChangeAspect="1" noMove="1" noResize="1" noEditPoints="1" noAdjustHandles="1" noChangeArrowheads="1" noChangeShapeType="1" noTextEdit="1"/>
+          </p:cNvSpPr>
+          <p:nvPr>
+            <p:extLst>
+              <p:ext uri="{386F3935-93C4-4BCD-93E2-E3B085C9AB24}">
+                <p16:designElem xmlns:p16="http://schemas.microsoft.com/office/powerpoint/2015/main" val="1"/>
+              </p:ext>
+            </p:extLst>
+          </p:nvPr>
+        </p:nvSpPr>
+        <p:spPr>
+          <a:xfrm>
+            <a:off x="4040071" y="0"/>
+            <a:ext cx="64008" cy="6858000"/>
+          </a:xfrm>
+          <a:prstGeom prst="rect">
+            <a:avLst/>
+          </a:prstGeom>
+          <a:solidFill>
+            <a:schemeClr val="accent1"/>
+          </a:solidFill>
+          <a:ln>
+            <a:noFill/>
+          </a:ln>
+        </p:spPr>
+        <p:style>
+          <a:lnRef idx="2">
+            <a:schemeClr val="accent1">
+              <a:shade val="50000"/>
+            </a:schemeClr>
+          </a:lnRef>
+          <a:fillRef idx="1">
+            <a:schemeClr val="accent1"/>
+          </a:fillRef>
+          <a:effectRef idx="0">
+            <a:schemeClr val="accent1"/>
+          </a:effectRef>
+          <a:fontRef idx="minor">
+            <a:schemeClr val="lt1"/>
+          </a:fontRef>
+        </p:style>
+      </p:sp>
+      <p:pic>
+        <p:nvPicPr>
+          <p:cNvPr id="5" name="Content Placeholder 4" descr="A screenshot of a computer program&#10;&#10;Description automatically generated with medium confidence">
+            <a:extLst>
+              <a:ext uri="{FF2B5EF4-FFF2-40B4-BE49-F238E27FC236}">
+                <a16:creationId xmlns:a16="http://schemas.microsoft.com/office/drawing/2014/main" id="{7E8143A9-E5D8-F8A3-D009-EF3CBF7186DA}"/>
+              </a:ext>
+            </a:extLst>
+          </p:cNvPr>
+          <p:cNvPicPr>
+            <a:picLocks noChangeAspect="1"/>
+          </p:cNvPicPr>
+          <p:nvPr/>
+        </p:nvPicPr>
+        <p:blipFill>
+          <a:blip r:embed="rId2">
+            <a:extLst>
+              <a:ext uri="{28A0092B-C50C-407E-A947-70E740481C1C}">
+                <a14:useLocalDpi xmlns:a14="http://schemas.microsoft.com/office/drawing/2010/main" val="0"/>
+              </a:ext>
+            </a:extLst>
+          </a:blip>
+          <a:stretch>
+            <a:fillRect/>
+          </a:stretch>
+        </p:blipFill>
+        <p:spPr>
+          <a:xfrm>
+            <a:off x="4355619" y="1107884"/>
+            <a:ext cx="7579155" cy="4642232"/>
+          </a:xfrm>
+          <a:prstGeom prst="rect">
+            <a:avLst/>
+          </a:prstGeom>
+        </p:spPr>
+      </p:pic>
+    </p:spTree>
+    <p:extLst>
+      <p:ext uri="{BB962C8B-B14F-4D97-AF65-F5344CB8AC3E}">
+        <p14:creationId xmlns:p14="http://schemas.microsoft.com/office/powerpoint/2010/main" val="2220683492"/>
+      </p:ext>
+    </p:extLst>
+  </p:cSld>
+  <p:clrMapOvr>
+    <a:masterClrMapping/>
+  </p:clrMapOvr>
+  <mc:AlternateContent xmlns:mc="http://schemas.openxmlformats.org/markup-compatibility/2006">
+    <mc:Choice xmlns:p14="http://schemas.microsoft.com/office/powerpoint/2010/main" Requires="p14">
+      <p:transition spd="med" p14:dur="700">
+        <p:fade/>
+      </p:transition>
+    </mc:Choice>
+    <mc:Fallback>
+      <p:transition spd="med">
+        <p:fade/>
+      </p:transition>
+    </mc:Fallback>
+  </mc:AlternateContent>
+</p:sld>
+</file>
+
+<file path=ppt/slides/slide11.xml><?xml version="1.0" encoding="utf-8"?>
+<p:sld xmlns:a="http://schemas.openxmlformats.org/drawingml/2006/main" xmlns:r="http://schemas.openxmlformats.org/officeDocument/2006/relationships" xmlns:p="http://schemas.openxmlformats.org/presentationml/2006/main">
+  <p:cSld>
+    <p:bg>
+      <p:bgPr>
+        <a:solidFill>
+          <a:schemeClr val="bg1"/>
+        </a:solidFill>
+        <a:effectLst/>
+      </p:bgPr>
+    </p:bg>
+    <p:spTree>
+      <p:nvGrpSpPr>
+        <p:cNvPr id="1" name=""/>
+        <p:cNvGrpSpPr/>
+        <p:nvPr/>
+      </p:nvGrpSpPr>
+      <p:grpSpPr>
+        <a:xfrm>
+          <a:off x="0" y="0"/>
+          <a:ext cx="0" cy="0"/>
+          <a:chOff x="0" y="0"/>
+          <a:chExt cx="0" cy="0"/>
+        </a:xfrm>
+      </p:grpSpPr>
+      <p:sp useBgFill="1">
+        <p:nvSpPr>
+          <p:cNvPr id="14" name="Rectangle 13">
+            <a:extLst>
+              <a:ext uri="{FF2B5EF4-FFF2-40B4-BE49-F238E27FC236}">
+                <a16:creationId xmlns:a16="http://schemas.microsoft.com/office/drawing/2014/main" id="{44CC594A-A820-450F-B363-C19201FCFEC6}"/>
+              </a:ext>
+              <a:ext uri="{C183D7F6-B498-43B3-948B-1728B52AA6E4}">
+                <adec:decorative xmlns:adec="http://schemas.microsoft.com/office/drawing/2017/decorative" val="1"/>
+              </a:ext>
+            </a:extLst>
+          </p:cNvPr>
+          <p:cNvSpPr>
+            <a:spLocks noGrp="1" noRot="1" noChangeAspect="1" noMove="1" noResize="1" noEditPoints="1" noAdjustHandles="1" noChangeArrowheads="1" noChangeShapeType="1" noTextEdit="1"/>
+          </p:cNvSpPr>
+          <p:nvPr>
+            <p:extLst>
+              <p:ext uri="{386F3935-93C4-4BCD-93E2-E3B085C9AB24}">
+                <p16:designElem xmlns:p16="http://schemas.microsoft.com/office/powerpoint/2015/main" val="1"/>
+              </p:ext>
+            </p:extLst>
+          </p:nvPr>
+        </p:nvSpPr>
+        <p:spPr>
+          <a:xfrm>
+            <a:off x="0" y="0"/>
+            <a:ext cx="12186315" cy="6858000"/>
+          </a:xfrm>
+          <a:prstGeom prst="rect">
+            <a:avLst/>
+          </a:prstGeom>
+          <a:ln>
+            <a:noFill/>
+          </a:ln>
+        </p:spPr>
+        <p:style>
+          <a:lnRef idx="2">
+            <a:schemeClr val="accent6">
+              <a:shade val="50000"/>
+            </a:schemeClr>
+          </a:lnRef>
+          <a:fillRef idx="1001">
+            <a:schemeClr val="lt1"/>
+          </a:fillRef>
+          <a:effectRef idx="0">
+            <a:schemeClr val="accent6"/>
+          </a:effectRef>
+          <a:fontRef idx="minor">
+            <a:schemeClr val="lt1"/>
+          </a:fontRef>
+        </p:style>
+        <p:txBody>
+          <a:bodyPr rtlCol="0" anchor="ctr"/>
+          <a:lstStyle/>
+          <a:p>
+            <a:pPr algn="ctr"/>
+            <a:endParaRPr lang="en-US"/>
+          </a:p>
+        </p:txBody>
+      </p:sp>
+      <p:sp>
+        <p:nvSpPr>
+          <p:cNvPr id="16" name="Rectangle 15">
+            <a:extLst>
+              <a:ext uri="{FF2B5EF4-FFF2-40B4-BE49-F238E27FC236}">
+                <a16:creationId xmlns:a16="http://schemas.microsoft.com/office/drawing/2014/main" id="{59FAB3DA-E9ED-4574-ABCC-378BC0FF1BBC}"/>
+              </a:ext>
+              <a:ext uri="{C183D7F6-B498-43B3-948B-1728B52AA6E4}">
+                <adec:decorative xmlns:adec="http://schemas.microsoft.com/office/drawing/2017/decorative" val="1"/>
+              </a:ext>
+            </a:extLst>
+          </p:cNvPr>
+          <p:cNvSpPr>
+            <a:spLocks noGrp="1" noRot="1" noChangeAspect="1" noMove="1" noResize="1" noEditPoints="1" noAdjustHandles="1" noChangeArrowheads="1" noChangeShapeType="1" noTextEdit="1"/>
+          </p:cNvSpPr>
+          <p:nvPr>
+            <p:extLst>
+              <p:ext uri="{386F3935-93C4-4BCD-93E2-E3B085C9AB24}">
+                <p16:designElem xmlns:p16="http://schemas.microsoft.com/office/powerpoint/2015/main" val="1"/>
+              </p:ext>
+            </p:extLst>
+          </p:nvPr>
+        </p:nvSpPr>
+        <p:spPr>
+          <a:xfrm>
+            <a:off x="16" y="0"/>
+            <a:ext cx="4050791" cy="6858000"/>
+          </a:xfrm>
+          <a:prstGeom prst="rect">
+            <a:avLst/>
+          </a:prstGeom>
+          <a:solidFill>
+            <a:schemeClr val="accent2"/>
+          </a:solidFill>
+          <a:ln>
+            <a:noFill/>
+          </a:ln>
+        </p:spPr>
+        <p:style>
+          <a:lnRef idx="2">
+            <a:schemeClr val="accent1">
+              <a:shade val="50000"/>
+            </a:schemeClr>
+          </a:lnRef>
+          <a:fillRef idx="1">
+            <a:schemeClr val="accent1"/>
+          </a:fillRef>
+          <a:effectRef idx="0">
+            <a:schemeClr val="accent1"/>
+          </a:effectRef>
+          <a:fontRef idx="minor">
+            <a:schemeClr val="lt1"/>
+          </a:fontRef>
+        </p:style>
+      </p:sp>
+      <p:sp>
+        <p:nvSpPr>
+          <p:cNvPr id="2" name="Title 1">
+            <a:extLst>
+              <a:ext uri="{FF2B5EF4-FFF2-40B4-BE49-F238E27FC236}">
+                <a16:creationId xmlns:a16="http://schemas.microsoft.com/office/drawing/2014/main" id="{F170B34A-40A9-5809-79D4-30ECD0E2B971}"/>
+              </a:ext>
+            </a:extLst>
+          </p:cNvPr>
+          <p:cNvSpPr>
+            <a:spLocks noGrp="1"/>
+          </p:cNvSpPr>
+          <p:nvPr>
+            <p:ph type="title"/>
+          </p:nvPr>
+        </p:nvSpPr>
+        <p:spPr>
+          <a:xfrm>
+            <a:off x="492370" y="516835"/>
+            <a:ext cx="3084844" cy="2103875"/>
+          </a:xfrm>
+        </p:spPr>
+        <p:txBody>
+          <a:bodyPr>
+            <a:normAutofit/>
+          </a:bodyPr>
+          <a:lstStyle/>
+          <a:p>
+            <a:r>
+              <a:rPr lang="en-US" sz="3600" dirty="0">
+                <a:solidFill>
+                  <a:srgbClr val="FFFFFF"/>
+                </a:solidFill>
+                <a:latin typeface="Roboto" panose="02000000000000000000" pitchFamily="2" charset="0"/>
+                <a:ea typeface="Roboto" panose="02000000000000000000" pitchFamily="2" charset="0"/>
+                <a:cs typeface="Roboto" panose="02000000000000000000" pitchFamily="2" charset="0"/>
+              </a:rPr>
+              <a:t>2. </a:t>
+            </a:r>
+            <a:r>
+              <a:rPr lang="en-US" sz="3600" dirty="0" err="1">
+                <a:solidFill>
+                  <a:srgbClr val="FFFFFF"/>
+                </a:solidFill>
+                <a:latin typeface="Roboto" panose="02000000000000000000" pitchFamily="2" charset="0"/>
+                <a:ea typeface="Roboto" panose="02000000000000000000" pitchFamily="2" charset="0"/>
+                <a:cs typeface="Roboto" panose="02000000000000000000" pitchFamily="2" charset="0"/>
+              </a:rPr>
+              <a:t>Phân</a:t>
+            </a:r>
+            <a:r>
+              <a:rPr lang="en-US" sz="3600" dirty="0">
+                <a:solidFill>
+                  <a:srgbClr val="FFFFFF"/>
+                </a:solidFill>
+                <a:latin typeface="Roboto" panose="02000000000000000000" pitchFamily="2" charset="0"/>
+                <a:ea typeface="Roboto" panose="02000000000000000000" pitchFamily="2" charset="0"/>
+                <a:cs typeface="Roboto" panose="02000000000000000000" pitchFamily="2" charset="0"/>
+              </a:rPr>
+              <a:t> </a:t>
+            </a:r>
+            <a:r>
+              <a:rPr lang="en-US" sz="3600" dirty="0" err="1">
+                <a:solidFill>
+                  <a:srgbClr val="FFFFFF"/>
+                </a:solidFill>
+                <a:latin typeface="Roboto" panose="02000000000000000000" pitchFamily="2" charset="0"/>
+                <a:ea typeface="Roboto" panose="02000000000000000000" pitchFamily="2" charset="0"/>
+                <a:cs typeface="Roboto" panose="02000000000000000000" pitchFamily="2" charset="0"/>
+              </a:rPr>
+              <a:t>tích</a:t>
+            </a:r>
+            <a:r>
+              <a:rPr lang="en-US" sz="3600" dirty="0">
+                <a:solidFill>
+                  <a:srgbClr val="FFFFFF"/>
+                </a:solidFill>
+                <a:latin typeface="Roboto" panose="02000000000000000000" pitchFamily="2" charset="0"/>
+                <a:ea typeface="Roboto" panose="02000000000000000000" pitchFamily="2" charset="0"/>
+                <a:cs typeface="Roboto" panose="02000000000000000000" pitchFamily="2" charset="0"/>
+              </a:rPr>
+              <a:t> </a:t>
+            </a:r>
+            <a:r>
+              <a:rPr lang="en-US" sz="3600" dirty="0" err="1">
+                <a:solidFill>
+                  <a:srgbClr val="FFFFFF"/>
+                </a:solidFill>
+                <a:latin typeface="Roboto" panose="02000000000000000000" pitchFamily="2" charset="0"/>
+                <a:ea typeface="Roboto" panose="02000000000000000000" pitchFamily="2" charset="0"/>
+                <a:cs typeface="Roboto" panose="02000000000000000000" pitchFamily="2" charset="0"/>
+              </a:rPr>
+              <a:t>và</a:t>
+            </a:r>
+            <a:r>
+              <a:rPr lang="en-US" sz="3600" dirty="0">
+                <a:solidFill>
+                  <a:srgbClr val="FFFFFF"/>
+                </a:solidFill>
+                <a:latin typeface="Roboto" panose="02000000000000000000" pitchFamily="2" charset="0"/>
+                <a:ea typeface="Roboto" panose="02000000000000000000" pitchFamily="2" charset="0"/>
+                <a:cs typeface="Roboto" panose="02000000000000000000" pitchFamily="2" charset="0"/>
+              </a:rPr>
+              <a:t> </a:t>
+            </a:r>
+            <a:r>
+              <a:rPr lang="en-US" sz="3600" dirty="0" err="1">
+                <a:solidFill>
+                  <a:srgbClr val="FFFFFF"/>
+                </a:solidFill>
+                <a:latin typeface="Roboto" panose="02000000000000000000" pitchFamily="2" charset="0"/>
+                <a:ea typeface="Roboto" panose="02000000000000000000" pitchFamily="2" charset="0"/>
+                <a:cs typeface="Roboto" panose="02000000000000000000" pitchFamily="2" charset="0"/>
+              </a:rPr>
+              <a:t>thiết</a:t>
+            </a:r>
+            <a:r>
+              <a:rPr lang="en-US" sz="3600" dirty="0">
+                <a:solidFill>
+                  <a:srgbClr val="FFFFFF"/>
+                </a:solidFill>
+                <a:latin typeface="Roboto" panose="02000000000000000000" pitchFamily="2" charset="0"/>
+                <a:ea typeface="Roboto" panose="02000000000000000000" pitchFamily="2" charset="0"/>
+                <a:cs typeface="Roboto" panose="02000000000000000000" pitchFamily="2" charset="0"/>
+              </a:rPr>
+              <a:t> </a:t>
+            </a:r>
+            <a:r>
+              <a:rPr lang="en-US" sz="3600" dirty="0" err="1">
+                <a:solidFill>
+                  <a:srgbClr val="FFFFFF"/>
+                </a:solidFill>
+                <a:latin typeface="Roboto" panose="02000000000000000000" pitchFamily="2" charset="0"/>
+                <a:ea typeface="Roboto" panose="02000000000000000000" pitchFamily="2" charset="0"/>
+                <a:cs typeface="Roboto" panose="02000000000000000000" pitchFamily="2" charset="0"/>
+              </a:rPr>
+              <a:t>kế</a:t>
+            </a:r>
+            <a:endParaRPr lang="en-US" sz="3600" dirty="0">
+              <a:solidFill>
+                <a:srgbClr val="FFFFFF"/>
+              </a:solidFill>
+              <a:latin typeface="Roboto" panose="02000000000000000000" pitchFamily="2" charset="0"/>
+              <a:ea typeface="Roboto" panose="02000000000000000000" pitchFamily="2" charset="0"/>
+              <a:cs typeface="Roboto" panose="02000000000000000000" pitchFamily="2" charset="0"/>
+            </a:endParaRPr>
+          </a:p>
+        </p:txBody>
+      </p:sp>
+      <p:pic>
+        <p:nvPicPr>
+          <p:cNvPr id="4" name="Content Placeholder 3" descr="A diagram of a server&#10;&#10;Description automatically generated with low confidence">
+            <a:extLst>
+              <a:ext uri="{FF2B5EF4-FFF2-40B4-BE49-F238E27FC236}">
+                <a16:creationId xmlns:a16="http://schemas.microsoft.com/office/drawing/2014/main" id="{AE556D92-7040-F8D1-2E25-61828028314B}"/>
+              </a:ext>
+            </a:extLst>
+          </p:cNvPr>
+          <p:cNvPicPr>
+            <a:picLocks noGrp="1" noChangeAspect="1"/>
+          </p:cNvPicPr>
+          <p:nvPr>
+            <p:ph idx="1"/>
+          </p:nvPr>
+        </p:nvPicPr>
+        <p:blipFill>
+          <a:blip r:embed="rId2">
+            <a:extLst>
+              <a:ext uri="{28A0092B-C50C-407E-A947-70E740481C1C}">
+                <a14:useLocalDpi xmlns:a14="http://schemas.microsoft.com/office/drawing/2010/main" val="0"/>
+              </a:ext>
+            </a:extLst>
+          </a:blip>
+          <a:stretch>
+            <a:fillRect/>
+          </a:stretch>
+        </p:blipFill>
+        <p:spPr>
+          <a:xfrm>
+            <a:off x="4469726" y="516835"/>
+            <a:ext cx="7348815" cy="2282926"/>
+          </a:xfrm>
+        </p:spPr>
+      </p:pic>
+      <p:sp>
+        <p:nvSpPr>
+          <p:cNvPr id="18" name="Rectangle 17">
+            <a:extLst>
+              <a:ext uri="{FF2B5EF4-FFF2-40B4-BE49-F238E27FC236}">
+                <a16:creationId xmlns:a16="http://schemas.microsoft.com/office/drawing/2014/main" id="{53B8D6B0-55D6-48DC-86D8-FD95D5F118AB}"/>
+              </a:ext>
+              <a:ext uri="{C183D7F6-B498-43B3-948B-1728B52AA6E4}">
+                <adec:decorative xmlns:adec="http://schemas.microsoft.com/office/drawing/2017/decorative" val="1"/>
+              </a:ext>
+            </a:extLst>
+          </p:cNvPr>
+          <p:cNvSpPr>
+            <a:spLocks noGrp="1" noRot="1" noChangeAspect="1" noMove="1" noResize="1" noEditPoints="1" noAdjustHandles="1" noChangeArrowheads="1" noChangeShapeType="1" noTextEdit="1"/>
+          </p:cNvSpPr>
+          <p:nvPr>
+            <p:extLst>
+              <p:ext uri="{386F3935-93C4-4BCD-93E2-E3B085C9AB24}">
+                <p16:designElem xmlns:p16="http://schemas.microsoft.com/office/powerpoint/2015/main" val="1"/>
+              </p:ext>
+            </p:extLst>
+          </p:nvPr>
+        </p:nvSpPr>
+        <p:spPr>
+          <a:xfrm>
+            <a:off x="4040071" y="0"/>
+            <a:ext cx="64008" cy="6858000"/>
+          </a:xfrm>
+          <a:prstGeom prst="rect">
+            <a:avLst/>
+          </a:prstGeom>
+          <a:solidFill>
+            <a:schemeClr val="accent1"/>
+          </a:solidFill>
+          <a:ln>
+            <a:noFill/>
+          </a:ln>
+        </p:spPr>
+        <p:style>
+          <a:lnRef idx="2">
+            <a:schemeClr val="accent1">
+              <a:shade val="50000"/>
+            </a:schemeClr>
+          </a:lnRef>
+          <a:fillRef idx="1">
+            <a:schemeClr val="accent1"/>
+          </a:fillRef>
+          <a:effectRef idx="0">
+            <a:schemeClr val="accent1"/>
+          </a:effectRef>
+          <a:fontRef idx="minor">
+            <a:schemeClr val="lt1"/>
+          </a:fontRef>
+        </p:style>
+      </p:sp>
+      <p:sp>
+        <p:nvSpPr>
+          <p:cNvPr id="6" name="TextBox 5">
+            <a:extLst>
+              <a:ext uri="{FF2B5EF4-FFF2-40B4-BE49-F238E27FC236}">
+                <a16:creationId xmlns:a16="http://schemas.microsoft.com/office/drawing/2014/main" id="{1A96DC81-FA09-8F8D-22D2-199CEBE00C54}"/>
+              </a:ext>
+            </a:extLst>
+          </p:cNvPr>
+          <p:cNvSpPr txBox="1"/>
+          <p:nvPr/>
+        </p:nvSpPr>
+        <p:spPr>
+          <a:xfrm>
+            <a:off x="4445519" y="3316596"/>
+            <a:ext cx="7284807" cy="1938992"/>
+          </a:xfrm>
+          <a:prstGeom prst="rect">
+            <a:avLst/>
+          </a:prstGeom>
+          <a:noFill/>
+        </p:spPr>
+        <p:txBody>
+          <a:bodyPr wrap="square" rtlCol="0">
+            <a:spAutoFit/>
+          </a:bodyPr>
+          <a:lstStyle/>
+          <a:p>
+            <a:pPr marL="342900" indent="-342900">
+              <a:buFont typeface="+mj-lt"/>
+              <a:buAutoNum type="arabicPeriod"/>
+            </a:pPr>
+            <a:r>
+              <a:rPr lang="en-US" sz="2400" dirty="0">
+                <a:latin typeface="Roboto" panose="02000000000000000000" pitchFamily="2" charset="0"/>
+                <a:ea typeface="Roboto" panose="02000000000000000000" pitchFamily="2" charset="0"/>
+                <a:cs typeface="Roboto" panose="02000000000000000000" pitchFamily="2" charset="0"/>
+              </a:rPr>
+              <a:t>Angular (front-end): </a:t>
+            </a:r>
+            <a:r>
+              <a:rPr lang="en-US" sz="2400" dirty="0" err="1">
+                <a:latin typeface="Roboto" panose="02000000000000000000" pitchFamily="2" charset="0"/>
+                <a:ea typeface="Roboto" panose="02000000000000000000" pitchFamily="2" charset="0"/>
+                <a:cs typeface="Roboto" panose="02000000000000000000" pitchFamily="2" charset="0"/>
+              </a:rPr>
+              <a:t>Vì</a:t>
+            </a:r>
+            <a:r>
+              <a:rPr lang="en-US" sz="2400" dirty="0">
+                <a:latin typeface="Roboto" panose="02000000000000000000" pitchFamily="2" charset="0"/>
+                <a:ea typeface="Roboto" panose="02000000000000000000" pitchFamily="2" charset="0"/>
+                <a:cs typeface="Roboto" panose="02000000000000000000" pitchFamily="2" charset="0"/>
+              </a:rPr>
+              <a:t> </a:t>
+            </a:r>
+            <a:r>
+              <a:rPr lang="en-US" sz="2400" dirty="0" err="1">
+                <a:latin typeface="Roboto" panose="02000000000000000000" pitchFamily="2" charset="0"/>
+                <a:ea typeface="Roboto" panose="02000000000000000000" pitchFamily="2" charset="0"/>
+                <a:cs typeface="Roboto" panose="02000000000000000000" pitchFamily="2" charset="0"/>
+              </a:rPr>
+              <a:t>là</a:t>
+            </a:r>
+            <a:r>
+              <a:rPr lang="en-US" sz="2400" dirty="0">
+                <a:latin typeface="Roboto" panose="02000000000000000000" pitchFamily="2" charset="0"/>
+                <a:ea typeface="Roboto" panose="02000000000000000000" pitchFamily="2" charset="0"/>
+                <a:cs typeface="Roboto" panose="02000000000000000000" pitchFamily="2" charset="0"/>
+              </a:rPr>
+              <a:t> </a:t>
+            </a:r>
+            <a:r>
+              <a:rPr lang="en-US" sz="2400" dirty="0" err="1">
+                <a:latin typeface="Roboto" panose="02000000000000000000" pitchFamily="2" charset="0"/>
+                <a:ea typeface="Roboto" panose="02000000000000000000" pitchFamily="2" charset="0"/>
+                <a:cs typeface="Roboto" panose="02000000000000000000" pitchFamily="2" charset="0"/>
+              </a:rPr>
+              <a:t>một</a:t>
+            </a:r>
+            <a:r>
+              <a:rPr lang="en-US" sz="2400" dirty="0">
+                <a:latin typeface="Roboto" panose="02000000000000000000" pitchFamily="2" charset="0"/>
+                <a:ea typeface="Roboto" panose="02000000000000000000" pitchFamily="2" charset="0"/>
+                <a:cs typeface="Roboto" panose="02000000000000000000" pitchFamily="2" charset="0"/>
+              </a:rPr>
+              <a:t> framework front-end </a:t>
+            </a:r>
+            <a:r>
+              <a:rPr lang="en-US" sz="2400" dirty="0" err="1">
+                <a:latin typeface="Roboto" panose="02000000000000000000" pitchFamily="2" charset="0"/>
+                <a:ea typeface="Roboto" panose="02000000000000000000" pitchFamily="2" charset="0"/>
+                <a:cs typeface="Roboto" panose="02000000000000000000" pitchFamily="2" charset="0"/>
+              </a:rPr>
+              <a:t>hoàn</a:t>
+            </a:r>
+            <a:r>
+              <a:rPr lang="en-US" sz="2400" dirty="0">
+                <a:latin typeface="Roboto" panose="02000000000000000000" pitchFamily="2" charset="0"/>
+                <a:ea typeface="Roboto" panose="02000000000000000000" pitchFamily="2" charset="0"/>
+                <a:cs typeface="Roboto" panose="02000000000000000000" pitchFamily="2" charset="0"/>
+              </a:rPr>
+              <a:t> </a:t>
+            </a:r>
+            <a:r>
+              <a:rPr lang="en-US" sz="2400" dirty="0" err="1">
+                <a:latin typeface="Roboto" panose="02000000000000000000" pitchFamily="2" charset="0"/>
+                <a:ea typeface="Roboto" panose="02000000000000000000" pitchFamily="2" charset="0"/>
+                <a:cs typeface="Roboto" panose="02000000000000000000" pitchFamily="2" charset="0"/>
+              </a:rPr>
+              <a:t>chỉnh</a:t>
+            </a:r>
+            <a:endParaRPr lang="en-US" sz="2400" dirty="0">
+              <a:latin typeface="Roboto" panose="02000000000000000000" pitchFamily="2" charset="0"/>
+              <a:ea typeface="Roboto" panose="02000000000000000000" pitchFamily="2" charset="0"/>
+              <a:cs typeface="Roboto" panose="02000000000000000000" pitchFamily="2" charset="0"/>
+            </a:endParaRPr>
+          </a:p>
+          <a:p>
+            <a:pPr marL="342900" indent="-342900">
+              <a:buFont typeface="+mj-lt"/>
+              <a:buAutoNum type="arabicPeriod"/>
+            </a:pPr>
+            <a:r>
+              <a:rPr lang="en-US" sz="2400" dirty="0" err="1">
+                <a:latin typeface="Roboto" panose="02000000000000000000" pitchFamily="2" charset="0"/>
+                <a:ea typeface="Roboto" panose="02000000000000000000" pitchFamily="2" charset="0"/>
+                <a:cs typeface="Roboto" panose="02000000000000000000" pitchFamily="2" charset="0"/>
+              </a:rPr>
+              <a:t>nodeJS</a:t>
+            </a:r>
+            <a:r>
+              <a:rPr lang="en-US" sz="2400" dirty="0">
+                <a:latin typeface="Roboto" panose="02000000000000000000" pitchFamily="2" charset="0"/>
+                <a:ea typeface="Roboto" panose="02000000000000000000" pitchFamily="2" charset="0"/>
+                <a:cs typeface="Roboto" panose="02000000000000000000" pitchFamily="2" charset="0"/>
+              </a:rPr>
+              <a:t> (back-end): </a:t>
+            </a:r>
+            <a:r>
+              <a:rPr lang="en-US" sz="2400" dirty="0" err="1">
+                <a:latin typeface="Roboto" panose="02000000000000000000" pitchFamily="2" charset="0"/>
+                <a:ea typeface="Roboto" panose="02000000000000000000" pitchFamily="2" charset="0"/>
+                <a:cs typeface="Roboto" panose="02000000000000000000" pitchFamily="2" charset="0"/>
+              </a:rPr>
+              <a:t>Vì</a:t>
+            </a:r>
+            <a:r>
+              <a:rPr lang="en-US" sz="2400" dirty="0">
+                <a:latin typeface="Roboto" panose="02000000000000000000" pitchFamily="2" charset="0"/>
+                <a:ea typeface="Roboto" panose="02000000000000000000" pitchFamily="2" charset="0"/>
+                <a:cs typeface="Roboto" panose="02000000000000000000" pitchFamily="2" charset="0"/>
+              </a:rPr>
+              <a:t> </a:t>
+            </a:r>
+            <a:r>
+              <a:rPr lang="en-US" sz="2400" dirty="0" err="1">
+                <a:latin typeface="Roboto" panose="02000000000000000000" pitchFamily="2" charset="0"/>
+                <a:ea typeface="Roboto" panose="02000000000000000000" pitchFamily="2" charset="0"/>
+                <a:cs typeface="Roboto" panose="02000000000000000000" pitchFamily="2" charset="0"/>
+              </a:rPr>
+              <a:t>nhẹ</a:t>
+            </a:r>
+            <a:r>
+              <a:rPr lang="en-US" sz="2400" dirty="0">
+                <a:latin typeface="Roboto" panose="02000000000000000000" pitchFamily="2" charset="0"/>
+                <a:ea typeface="Roboto" panose="02000000000000000000" pitchFamily="2" charset="0"/>
+                <a:cs typeface="Roboto" panose="02000000000000000000" pitchFamily="2" charset="0"/>
+              </a:rPr>
+              <a:t>, </a:t>
+            </a:r>
+            <a:r>
+              <a:rPr lang="en-US" sz="2400" dirty="0" err="1">
+                <a:latin typeface="Roboto" panose="02000000000000000000" pitchFamily="2" charset="0"/>
+                <a:ea typeface="Roboto" panose="02000000000000000000" pitchFamily="2" charset="0"/>
+                <a:cs typeface="Roboto" panose="02000000000000000000" pitchFamily="2" charset="0"/>
+              </a:rPr>
+              <a:t>nhiều</a:t>
+            </a:r>
+            <a:r>
+              <a:rPr lang="en-US" sz="2400" dirty="0">
+                <a:latin typeface="Roboto" panose="02000000000000000000" pitchFamily="2" charset="0"/>
+                <a:ea typeface="Roboto" panose="02000000000000000000" pitchFamily="2" charset="0"/>
+                <a:cs typeface="Roboto" panose="02000000000000000000" pitchFamily="2" charset="0"/>
+              </a:rPr>
+              <a:t> </a:t>
+            </a:r>
+            <a:r>
+              <a:rPr lang="en-US" sz="2400" dirty="0" err="1">
+                <a:latin typeface="Roboto" panose="02000000000000000000" pitchFamily="2" charset="0"/>
+                <a:ea typeface="Roboto" panose="02000000000000000000" pitchFamily="2" charset="0"/>
+                <a:cs typeface="Roboto" panose="02000000000000000000" pitchFamily="2" charset="0"/>
+              </a:rPr>
+              <a:t>thư</a:t>
+            </a:r>
+            <a:r>
+              <a:rPr lang="en-US" sz="2400" dirty="0">
+                <a:latin typeface="Roboto" panose="02000000000000000000" pitchFamily="2" charset="0"/>
+                <a:ea typeface="Roboto" panose="02000000000000000000" pitchFamily="2" charset="0"/>
+                <a:cs typeface="Roboto" panose="02000000000000000000" pitchFamily="2" charset="0"/>
+              </a:rPr>
+              <a:t> </a:t>
+            </a:r>
+            <a:r>
+              <a:rPr lang="en-US" sz="2400" dirty="0" err="1">
+                <a:latin typeface="Roboto" panose="02000000000000000000" pitchFamily="2" charset="0"/>
+                <a:ea typeface="Roboto" panose="02000000000000000000" pitchFamily="2" charset="0"/>
+                <a:cs typeface="Roboto" panose="02000000000000000000" pitchFamily="2" charset="0"/>
+              </a:rPr>
+              <a:t>viện</a:t>
+            </a:r>
+            <a:r>
+              <a:rPr lang="en-US" sz="2400" dirty="0">
+                <a:latin typeface="Roboto" panose="02000000000000000000" pitchFamily="2" charset="0"/>
+                <a:ea typeface="Roboto" panose="02000000000000000000" pitchFamily="2" charset="0"/>
+                <a:cs typeface="Roboto" panose="02000000000000000000" pitchFamily="2" charset="0"/>
+              </a:rPr>
+              <a:t>.</a:t>
+            </a:r>
+          </a:p>
+          <a:p>
+            <a:pPr marL="342900" indent="-342900">
+              <a:buFont typeface="+mj-lt"/>
+              <a:buAutoNum type="arabicPeriod"/>
+            </a:pPr>
+            <a:r>
+              <a:rPr lang="en-US" sz="2400" dirty="0" err="1">
+                <a:latin typeface="Roboto" panose="02000000000000000000" pitchFamily="2" charset="0"/>
+                <a:ea typeface="Roboto" panose="02000000000000000000" pitchFamily="2" charset="0"/>
+                <a:cs typeface="Roboto" panose="02000000000000000000" pitchFamily="2" charset="0"/>
+              </a:rPr>
+              <a:t>FFMpeg</a:t>
+            </a:r>
+            <a:r>
+              <a:rPr lang="en-US" sz="2400" dirty="0">
+                <a:latin typeface="Roboto" panose="02000000000000000000" pitchFamily="2" charset="0"/>
+                <a:ea typeface="Roboto" panose="02000000000000000000" pitchFamily="2" charset="0"/>
+                <a:cs typeface="Roboto" panose="02000000000000000000" pitchFamily="2" charset="0"/>
+              </a:rPr>
+              <a:t>: </a:t>
+            </a:r>
+            <a:r>
+              <a:rPr lang="en-US" sz="2400" dirty="0" err="1">
+                <a:latin typeface="Roboto" panose="02000000000000000000" pitchFamily="2" charset="0"/>
+                <a:ea typeface="Roboto" panose="02000000000000000000" pitchFamily="2" charset="0"/>
+                <a:cs typeface="Roboto" panose="02000000000000000000" pitchFamily="2" charset="0"/>
+              </a:rPr>
+              <a:t>là</a:t>
+            </a:r>
+            <a:r>
+              <a:rPr lang="en-US" sz="2400" dirty="0">
+                <a:latin typeface="Roboto" panose="02000000000000000000" pitchFamily="2" charset="0"/>
+                <a:ea typeface="Roboto" panose="02000000000000000000" pitchFamily="2" charset="0"/>
+                <a:cs typeface="Roboto" panose="02000000000000000000" pitchFamily="2" charset="0"/>
+              </a:rPr>
+              <a:t> </a:t>
+            </a:r>
+            <a:r>
+              <a:rPr lang="en-US" sz="2400" dirty="0" err="1">
+                <a:latin typeface="Roboto" panose="02000000000000000000" pitchFamily="2" charset="0"/>
+                <a:ea typeface="Roboto" panose="02000000000000000000" pitchFamily="2" charset="0"/>
+                <a:cs typeface="Roboto" panose="02000000000000000000" pitchFamily="2" charset="0"/>
+              </a:rPr>
+              <a:t>công</a:t>
+            </a:r>
+            <a:r>
+              <a:rPr lang="en-US" sz="2400" dirty="0">
+                <a:latin typeface="Roboto" panose="02000000000000000000" pitchFamily="2" charset="0"/>
+                <a:ea typeface="Roboto" panose="02000000000000000000" pitchFamily="2" charset="0"/>
+                <a:cs typeface="Roboto" panose="02000000000000000000" pitchFamily="2" charset="0"/>
+              </a:rPr>
+              <a:t> </a:t>
+            </a:r>
+            <a:r>
+              <a:rPr lang="en-US" sz="2400" dirty="0" err="1">
+                <a:latin typeface="Roboto" panose="02000000000000000000" pitchFamily="2" charset="0"/>
+                <a:ea typeface="Roboto" panose="02000000000000000000" pitchFamily="2" charset="0"/>
+                <a:cs typeface="Roboto" panose="02000000000000000000" pitchFamily="2" charset="0"/>
+              </a:rPr>
+              <a:t>cụ</a:t>
+            </a:r>
+            <a:r>
+              <a:rPr lang="en-US" sz="2400" dirty="0">
+                <a:latin typeface="Roboto" panose="02000000000000000000" pitchFamily="2" charset="0"/>
+                <a:ea typeface="Roboto" panose="02000000000000000000" pitchFamily="2" charset="0"/>
+                <a:cs typeface="Roboto" panose="02000000000000000000" pitchFamily="2" charset="0"/>
+              </a:rPr>
+              <a:t> </a:t>
+            </a:r>
+            <a:r>
+              <a:rPr lang="en-US" sz="2400" dirty="0" err="1">
+                <a:latin typeface="Roboto" panose="02000000000000000000" pitchFamily="2" charset="0"/>
+                <a:ea typeface="Roboto" panose="02000000000000000000" pitchFamily="2" charset="0"/>
+                <a:cs typeface="Roboto" panose="02000000000000000000" pitchFamily="2" charset="0"/>
+              </a:rPr>
+              <a:t>miễn</a:t>
+            </a:r>
+            <a:r>
+              <a:rPr lang="en-US" sz="2400" dirty="0">
+                <a:latin typeface="Roboto" panose="02000000000000000000" pitchFamily="2" charset="0"/>
+                <a:ea typeface="Roboto" panose="02000000000000000000" pitchFamily="2" charset="0"/>
+                <a:cs typeface="Roboto" panose="02000000000000000000" pitchFamily="2" charset="0"/>
+              </a:rPr>
+              <a:t> </a:t>
+            </a:r>
+            <a:r>
+              <a:rPr lang="en-US" sz="2400" dirty="0" err="1">
+                <a:latin typeface="Roboto" panose="02000000000000000000" pitchFamily="2" charset="0"/>
+                <a:ea typeface="Roboto" panose="02000000000000000000" pitchFamily="2" charset="0"/>
+                <a:cs typeface="Roboto" panose="02000000000000000000" pitchFamily="2" charset="0"/>
+              </a:rPr>
+              <a:t>phí</a:t>
+            </a:r>
+            <a:r>
+              <a:rPr lang="en-US" sz="2400" dirty="0">
+                <a:latin typeface="Roboto" panose="02000000000000000000" pitchFamily="2" charset="0"/>
+                <a:ea typeface="Roboto" panose="02000000000000000000" pitchFamily="2" charset="0"/>
+                <a:cs typeface="Roboto" panose="02000000000000000000" pitchFamily="2" charset="0"/>
+              </a:rPr>
+              <a:t>, </a:t>
+            </a:r>
+            <a:r>
+              <a:rPr lang="en-US" sz="2400" dirty="0" err="1">
+                <a:latin typeface="Roboto" panose="02000000000000000000" pitchFamily="2" charset="0"/>
+                <a:ea typeface="Roboto" panose="02000000000000000000" pitchFamily="2" charset="0"/>
+                <a:cs typeface="Roboto" panose="02000000000000000000" pitchFamily="2" charset="0"/>
+              </a:rPr>
+              <a:t>có</a:t>
+            </a:r>
+            <a:r>
+              <a:rPr lang="en-US" sz="2400" dirty="0">
+                <a:latin typeface="Roboto" panose="02000000000000000000" pitchFamily="2" charset="0"/>
+                <a:ea typeface="Roboto" panose="02000000000000000000" pitchFamily="2" charset="0"/>
+                <a:cs typeface="Roboto" panose="02000000000000000000" pitchFamily="2" charset="0"/>
+              </a:rPr>
+              <a:t> </a:t>
+            </a:r>
+            <a:r>
+              <a:rPr lang="en-US" sz="2400" dirty="0" err="1">
+                <a:latin typeface="Roboto" panose="02000000000000000000" pitchFamily="2" charset="0"/>
+                <a:ea typeface="Roboto" panose="02000000000000000000" pitchFamily="2" charset="0"/>
+                <a:cs typeface="Roboto" panose="02000000000000000000" pitchFamily="2" charset="0"/>
+              </a:rPr>
+              <a:t>cung</a:t>
+            </a:r>
+            <a:r>
+              <a:rPr lang="en-US" sz="2400" dirty="0">
+                <a:latin typeface="Roboto" panose="02000000000000000000" pitchFamily="2" charset="0"/>
+                <a:ea typeface="Roboto" panose="02000000000000000000" pitchFamily="2" charset="0"/>
+                <a:cs typeface="Roboto" panose="02000000000000000000" pitchFamily="2" charset="0"/>
+              </a:rPr>
+              <a:t> </a:t>
+            </a:r>
+            <a:r>
+              <a:rPr lang="en-US" sz="2400" dirty="0" err="1">
+                <a:latin typeface="Roboto" panose="02000000000000000000" pitchFamily="2" charset="0"/>
+                <a:ea typeface="Roboto" panose="02000000000000000000" pitchFamily="2" charset="0"/>
+                <a:cs typeface="Roboto" panose="02000000000000000000" pitchFamily="2" charset="0"/>
+              </a:rPr>
+              <a:t>cấp</a:t>
+            </a:r>
+            <a:r>
+              <a:rPr lang="en-US" sz="2400" dirty="0">
+                <a:latin typeface="Roboto" panose="02000000000000000000" pitchFamily="2" charset="0"/>
+                <a:ea typeface="Roboto" panose="02000000000000000000" pitchFamily="2" charset="0"/>
+                <a:cs typeface="Roboto" panose="02000000000000000000" pitchFamily="2" charset="0"/>
+              </a:rPr>
+              <a:t> </a:t>
+            </a:r>
+            <a:r>
+              <a:rPr lang="en-US" sz="2400" dirty="0" err="1">
+                <a:latin typeface="Roboto" panose="02000000000000000000" pitchFamily="2" charset="0"/>
+                <a:ea typeface="Roboto" panose="02000000000000000000" pitchFamily="2" charset="0"/>
+                <a:cs typeface="Roboto" panose="02000000000000000000" pitchFamily="2" charset="0"/>
+              </a:rPr>
+              <a:t>tài</a:t>
+            </a:r>
+            <a:r>
+              <a:rPr lang="en-US" sz="2400" dirty="0">
+                <a:latin typeface="Roboto" panose="02000000000000000000" pitchFamily="2" charset="0"/>
+                <a:ea typeface="Roboto" panose="02000000000000000000" pitchFamily="2" charset="0"/>
+                <a:cs typeface="Roboto" panose="02000000000000000000" pitchFamily="2" charset="0"/>
+              </a:rPr>
+              <a:t> </a:t>
+            </a:r>
+            <a:r>
+              <a:rPr lang="en-US" sz="2400" dirty="0" err="1">
+                <a:latin typeface="Roboto" panose="02000000000000000000" pitchFamily="2" charset="0"/>
+                <a:ea typeface="Roboto" panose="02000000000000000000" pitchFamily="2" charset="0"/>
+                <a:cs typeface="Roboto" panose="02000000000000000000" pitchFamily="2" charset="0"/>
+              </a:rPr>
+              <a:t>liệu</a:t>
+            </a:r>
+            <a:r>
+              <a:rPr lang="en-US" sz="2400" dirty="0">
+                <a:latin typeface="Roboto" panose="02000000000000000000" pitchFamily="2" charset="0"/>
+                <a:ea typeface="Roboto" panose="02000000000000000000" pitchFamily="2" charset="0"/>
+                <a:cs typeface="Roboto" panose="02000000000000000000" pitchFamily="2" charset="0"/>
+              </a:rPr>
+              <a:t> </a:t>
+            </a:r>
+            <a:r>
+              <a:rPr lang="en-US" sz="2400" dirty="0" err="1">
+                <a:latin typeface="Roboto" panose="02000000000000000000" pitchFamily="2" charset="0"/>
+                <a:ea typeface="Roboto" panose="02000000000000000000" pitchFamily="2" charset="0"/>
+                <a:cs typeface="Roboto" panose="02000000000000000000" pitchFamily="2" charset="0"/>
+              </a:rPr>
+              <a:t>khá</a:t>
+            </a:r>
+            <a:r>
+              <a:rPr lang="en-US" sz="2400" dirty="0">
+                <a:latin typeface="Roboto" panose="02000000000000000000" pitchFamily="2" charset="0"/>
+                <a:ea typeface="Roboto" panose="02000000000000000000" pitchFamily="2" charset="0"/>
+                <a:cs typeface="Roboto" panose="02000000000000000000" pitchFamily="2" charset="0"/>
+              </a:rPr>
+              <a:t> </a:t>
+            </a:r>
+            <a:r>
+              <a:rPr lang="en-US" sz="2400" dirty="0" err="1">
+                <a:latin typeface="Roboto" panose="02000000000000000000" pitchFamily="2" charset="0"/>
+                <a:ea typeface="Roboto" panose="02000000000000000000" pitchFamily="2" charset="0"/>
+                <a:cs typeface="Roboto" panose="02000000000000000000" pitchFamily="2" charset="0"/>
+              </a:rPr>
+              <a:t>đầy</a:t>
+            </a:r>
+            <a:r>
+              <a:rPr lang="en-US" sz="2400" dirty="0">
+                <a:latin typeface="Roboto" panose="02000000000000000000" pitchFamily="2" charset="0"/>
+                <a:ea typeface="Roboto" panose="02000000000000000000" pitchFamily="2" charset="0"/>
+                <a:cs typeface="Roboto" panose="02000000000000000000" pitchFamily="2" charset="0"/>
+              </a:rPr>
+              <a:t> </a:t>
+            </a:r>
+            <a:r>
+              <a:rPr lang="en-US" sz="2400" dirty="0" err="1">
+                <a:latin typeface="Roboto" panose="02000000000000000000" pitchFamily="2" charset="0"/>
+                <a:ea typeface="Roboto" panose="02000000000000000000" pitchFamily="2" charset="0"/>
+                <a:cs typeface="Roboto" panose="02000000000000000000" pitchFamily="2" charset="0"/>
+              </a:rPr>
+              <a:t>đủ</a:t>
+            </a:r>
+            <a:r>
+              <a:rPr lang="en-US" sz="2400" dirty="0">
+                <a:latin typeface="Roboto" panose="02000000000000000000" pitchFamily="2" charset="0"/>
+                <a:ea typeface="Roboto" panose="02000000000000000000" pitchFamily="2" charset="0"/>
+                <a:cs typeface="Roboto" panose="02000000000000000000" pitchFamily="2" charset="0"/>
+              </a:rPr>
+              <a:t>, </a:t>
+            </a:r>
+            <a:r>
+              <a:rPr lang="en-US" sz="2400" dirty="0" err="1">
+                <a:latin typeface="Roboto" panose="02000000000000000000" pitchFamily="2" charset="0"/>
+                <a:ea typeface="Roboto" panose="02000000000000000000" pitchFamily="2" charset="0"/>
+                <a:cs typeface="Roboto" panose="02000000000000000000" pitchFamily="2" charset="0"/>
+              </a:rPr>
+              <a:t>có</a:t>
+            </a:r>
+            <a:r>
+              <a:rPr lang="en-US" sz="2400" dirty="0">
+                <a:latin typeface="Roboto" panose="02000000000000000000" pitchFamily="2" charset="0"/>
+                <a:ea typeface="Roboto" panose="02000000000000000000" pitchFamily="2" charset="0"/>
+                <a:cs typeface="Roboto" panose="02000000000000000000" pitchFamily="2" charset="0"/>
+              </a:rPr>
+              <a:t> </a:t>
+            </a:r>
+            <a:r>
+              <a:rPr lang="en-US" sz="2400" dirty="0" err="1">
+                <a:latin typeface="Roboto" panose="02000000000000000000" pitchFamily="2" charset="0"/>
+                <a:ea typeface="Roboto" panose="02000000000000000000" pitchFamily="2" charset="0"/>
+                <a:cs typeface="Roboto" panose="02000000000000000000" pitchFamily="2" charset="0"/>
+              </a:rPr>
+              <a:t>được</a:t>
+            </a:r>
+            <a:r>
+              <a:rPr lang="en-US" sz="2400" dirty="0">
+                <a:latin typeface="Roboto" panose="02000000000000000000" pitchFamily="2" charset="0"/>
+                <a:ea typeface="Roboto" panose="02000000000000000000" pitchFamily="2" charset="0"/>
+                <a:cs typeface="Roboto" panose="02000000000000000000" pitchFamily="2" charset="0"/>
+              </a:rPr>
+              <a:t> </a:t>
+            </a:r>
+            <a:r>
+              <a:rPr lang="en-US" sz="2400" dirty="0" err="1">
+                <a:latin typeface="Roboto" panose="02000000000000000000" pitchFamily="2" charset="0"/>
+                <a:ea typeface="Roboto" panose="02000000000000000000" pitchFamily="2" charset="0"/>
+                <a:cs typeface="Roboto" panose="02000000000000000000" pitchFamily="2" charset="0"/>
+              </a:rPr>
+              <a:t>các</a:t>
+            </a:r>
+            <a:r>
+              <a:rPr lang="en-US" sz="2400" dirty="0">
+                <a:latin typeface="Roboto" panose="02000000000000000000" pitchFamily="2" charset="0"/>
+                <a:ea typeface="Roboto" panose="02000000000000000000" pitchFamily="2" charset="0"/>
+                <a:cs typeface="Roboto" panose="02000000000000000000" pitchFamily="2" charset="0"/>
+              </a:rPr>
+              <a:t> </a:t>
+            </a:r>
+            <a:r>
+              <a:rPr lang="en-US" sz="2400" dirty="0" err="1">
+                <a:latin typeface="Roboto" panose="02000000000000000000" pitchFamily="2" charset="0"/>
+                <a:ea typeface="Roboto" panose="02000000000000000000" pitchFamily="2" charset="0"/>
+                <a:cs typeface="Roboto" panose="02000000000000000000" pitchFamily="2" charset="0"/>
+              </a:rPr>
+              <a:t>bản</a:t>
+            </a:r>
+            <a:r>
+              <a:rPr lang="en-US" sz="2400" dirty="0">
+                <a:latin typeface="Roboto" panose="02000000000000000000" pitchFamily="2" charset="0"/>
+                <a:ea typeface="Roboto" panose="02000000000000000000" pitchFamily="2" charset="0"/>
+                <a:cs typeface="Roboto" panose="02000000000000000000" pitchFamily="2" charset="0"/>
+              </a:rPr>
+              <a:t> </a:t>
+            </a:r>
+            <a:r>
+              <a:rPr lang="en-US" sz="2400" dirty="0" err="1">
+                <a:latin typeface="Roboto" panose="02000000000000000000" pitchFamily="2" charset="0"/>
+                <a:ea typeface="Roboto" panose="02000000000000000000" pitchFamily="2" charset="0"/>
+                <a:cs typeface="Roboto" panose="02000000000000000000" pitchFamily="2" charset="0"/>
+              </a:rPr>
+              <a:t>cập</a:t>
+            </a:r>
+            <a:r>
+              <a:rPr lang="en-US" sz="2400" dirty="0">
+                <a:latin typeface="Roboto" panose="02000000000000000000" pitchFamily="2" charset="0"/>
+                <a:ea typeface="Roboto" panose="02000000000000000000" pitchFamily="2" charset="0"/>
+                <a:cs typeface="Roboto" panose="02000000000000000000" pitchFamily="2" charset="0"/>
+              </a:rPr>
+              <a:t> </a:t>
+            </a:r>
+            <a:r>
+              <a:rPr lang="en-US" sz="2400" dirty="0" err="1">
+                <a:latin typeface="Roboto" panose="02000000000000000000" pitchFamily="2" charset="0"/>
+                <a:ea typeface="Roboto" panose="02000000000000000000" pitchFamily="2" charset="0"/>
+                <a:cs typeface="Roboto" panose="02000000000000000000" pitchFamily="2" charset="0"/>
+              </a:rPr>
+              <a:t>nhật</a:t>
+            </a:r>
+            <a:endParaRPr lang="en-US" sz="2400" dirty="0">
+              <a:latin typeface="Roboto" panose="02000000000000000000" pitchFamily="2" charset="0"/>
+              <a:ea typeface="Roboto" panose="02000000000000000000" pitchFamily="2" charset="0"/>
+              <a:cs typeface="Roboto" panose="02000000000000000000" pitchFamily="2" charset="0"/>
+            </a:endParaRPr>
+          </a:p>
+        </p:txBody>
+      </p:sp>
+    </p:spTree>
+    <p:extLst>
+      <p:ext uri="{BB962C8B-B14F-4D97-AF65-F5344CB8AC3E}">
+        <p14:creationId xmlns:p14="http://schemas.microsoft.com/office/powerpoint/2010/main" val="1930167938"/>
+      </p:ext>
+    </p:extLst>
+  </p:cSld>
+  <p:clrMapOvr>
+    <a:masterClrMapping/>
+  </p:clrMapOvr>
+  <mc:AlternateContent xmlns:mc="http://schemas.openxmlformats.org/markup-compatibility/2006">
+    <mc:Choice xmlns:p14="http://schemas.microsoft.com/office/powerpoint/2010/main" Requires="p14">
+      <p:transition spd="med" p14:dur="700">
+        <p:fade/>
+      </p:transition>
+    </mc:Choice>
+    <mc:Fallback>
+      <p:transition spd="med">
+        <p:fade/>
+      </p:transition>
+    </mc:Fallback>
+  </mc:AlternateContent>
+  <p:timing>
+    <p:tnLst>
+      <p:par>
+        <p:cTn id="1" dur="indefinite" restart="never" nodeType="tmRoot">
+          <p:childTnLst>
+            <p:seq concurrent="1" nextAc="seek">
+              <p:cTn id="2" dur="indefinite" nodeType="mainSeq">
+                <p:childTnLst>
+                  <p:par>
+                    <p:cTn id="3" fill="hold">
+                      <p:stCondLst>
+                        <p:cond delay="indefinite"/>
+                      </p:stCondLst>
+                      <p:childTnLst>
+                        <p:par>
+                          <p:cTn id="4" fill="hold">
+                            <p:stCondLst>
+                              <p:cond delay="0"/>
+                            </p:stCondLst>
+                            <p:childTnLst>
+                              <p:par>
+                                <p:cTn id="5" presetID="10" presetClass="entr" presetSubtype="0" fill="hold" grpId="0" nodeType="clickEffect">
+                                  <p:stCondLst>
+                                    <p:cond delay="0"/>
+                                  </p:stCondLst>
+                                  <p:childTnLst>
+                                    <p:set>
+                                      <p:cBhvr>
+                                        <p:cTn id="6" dur="1" fill="hold">
+                                          <p:stCondLst>
+                                            <p:cond delay="0"/>
+                                          </p:stCondLst>
+                                        </p:cTn>
+                                        <p:tgtEl>
+                                          <p:spTgt spid="6">
+                                            <p:txEl>
+                                              <p:pRg st="0" end="0"/>
+                                            </p:txEl>
+                                          </p:spTgt>
+                                        </p:tgtEl>
+                                        <p:attrNameLst>
+                                          <p:attrName>style.visibility</p:attrName>
+                                        </p:attrNameLst>
+                                      </p:cBhvr>
+                                      <p:to>
+                                        <p:strVal val="visible"/>
+                                      </p:to>
+                                    </p:set>
+                                    <p:animEffect transition="in" filter="fade">
+                                      <p:cBhvr>
+                                        <p:cTn id="7" dur="500"/>
+                                        <p:tgtEl>
+                                          <p:spTgt spid="6">
+                                            <p:txEl>
+                                              <p:pRg st="0" end="0"/>
+                                            </p:txEl>
+                                          </p:spTgt>
+                                        </p:tgtEl>
+                                      </p:cBhvr>
+                                    </p:animEffect>
+                                  </p:childTnLst>
+                                </p:cTn>
+                              </p:par>
+                            </p:childTnLst>
+                          </p:cTn>
+                        </p:par>
+                      </p:childTnLst>
+                    </p:cTn>
+                  </p:par>
+                  <p:par>
+                    <p:cTn id="8" fill="hold">
+                      <p:stCondLst>
+                        <p:cond delay="indefinite"/>
+                      </p:stCondLst>
+                      <p:childTnLst>
+                        <p:par>
+                          <p:cTn id="9" fill="hold">
+                            <p:stCondLst>
+                              <p:cond delay="0"/>
+                            </p:stCondLst>
+                            <p:childTnLst>
+                              <p:par>
+                                <p:cTn id="10" presetID="10" presetClass="entr" presetSubtype="0" fill="hold" grpId="0" nodeType="clickEffect">
+                                  <p:stCondLst>
+                                    <p:cond delay="0"/>
+                                  </p:stCondLst>
+                                  <p:childTnLst>
+                                    <p:set>
+                                      <p:cBhvr>
+                                        <p:cTn id="11" dur="1" fill="hold">
+                                          <p:stCondLst>
+                                            <p:cond delay="0"/>
+                                          </p:stCondLst>
+                                        </p:cTn>
+                                        <p:tgtEl>
+                                          <p:spTgt spid="6">
+                                            <p:txEl>
+                                              <p:pRg st="1" end="1"/>
+                                            </p:txEl>
+                                          </p:spTgt>
+                                        </p:tgtEl>
+                                        <p:attrNameLst>
+                                          <p:attrName>style.visibility</p:attrName>
+                                        </p:attrNameLst>
+                                      </p:cBhvr>
+                                      <p:to>
+                                        <p:strVal val="visible"/>
+                                      </p:to>
+                                    </p:set>
+                                    <p:animEffect transition="in" filter="fade">
+                                      <p:cBhvr>
+                                        <p:cTn id="12" dur="500"/>
+                                        <p:tgtEl>
+                                          <p:spTgt spid="6">
+                                            <p:txEl>
+                                              <p:pRg st="1" end="1"/>
+                                            </p:txEl>
+                                          </p:spTgt>
+                                        </p:tgtEl>
+                                      </p:cBhvr>
+                                    </p:animEffect>
+                                  </p:childTnLst>
+                                </p:cTn>
+                              </p:par>
+                            </p:childTnLst>
+                          </p:cTn>
+                        </p:par>
+                      </p:childTnLst>
+                    </p:cTn>
+                  </p:par>
+                  <p:par>
+                    <p:cTn id="13" fill="hold">
+                      <p:stCondLst>
+                        <p:cond delay="indefinite"/>
+                      </p:stCondLst>
+                      <p:childTnLst>
+                        <p:par>
+                          <p:cTn id="14" fill="hold">
+                            <p:stCondLst>
+                              <p:cond delay="0"/>
+                            </p:stCondLst>
+                            <p:childTnLst>
+                              <p:par>
+                                <p:cTn id="15" presetID="10" presetClass="entr" presetSubtype="0" fill="hold" grpId="0" nodeType="clickEffect">
+                                  <p:stCondLst>
+                                    <p:cond delay="0"/>
+                                  </p:stCondLst>
+                                  <p:childTnLst>
+                                    <p:set>
+                                      <p:cBhvr>
+                                        <p:cTn id="16" dur="1" fill="hold">
+                                          <p:stCondLst>
+                                            <p:cond delay="0"/>
+                                          </p:stCondLst>
+                                        </p:cTn>
+                                        <p:tgtEl>
+                                          <p:spTgt spid="6">
+                                            <p:txEl>
+                                              <p:pRg st="2" end="2"/>
+                                            </p:txEl>
+                                          </p:spTgt>
+                                        </p:tgtEl>
+                                        <p:attrNameLst>
+                                          <p:attrName>style.visibility</p:attrName>
+                                        </p:attrNameLst>
+                                      </p:cBhvr>
+                                      <p:to>
+                                        <p:strVal val="visible"/>
+                                      </p:to>
+                                    </p:set>
+                                    <p:animEffect transition="in" filter="fade">
+                                      <p:cBhvr>
+                                        <p:cTn id="17" dur="500"/>
+                                        <p:tgtEl>
+                                          <p:spTgt spid="6">
+                                            <p:txEl>
+                                              <p:pRg st="2" end="2"/>
+                                            </p:txEl>
+                                          </p:spTgt>
+                                        </p:tgtEl>
+                                      </p:cBhvr>
+                                    </p:animEffect>
+                                  </p:childTnLst>
+                                </p:cTn>
+                              </p:par>
+                            </p:childTnLst>
+                          </p:cTn>
+                        </p:par>
+                      </p:childTnLst>
+                    </p:cTn>
+                  </p:par>
+                </p:childTnLst>
+              </p:cTn>
+              <p:prevCondLst>
+                <p:cond evt="onPrev" delay="0">
+                  <p:tgtEl>
+                    <p:sldTgt/>
+                  </p:tgtEl>
+                </p:cond>
+              </p:prevCondLst>
+              <p:nextCondLst>
+                <p:cond evt="onNext" delay="0">
+                  <p:tgtEl>
+                    <p:sldTgt/>
+                  </p:tgtEl>
+                </p:cond>
+              </p:nextCondLst>
+            </p:seq>
+          </p:childTnLst>
+        </p:cTn>
+      </p:par>
+    </p:tnLst>
+    <p:bldLst>
+      <p:bldP spid="6" grpId="0" build="p"/>
+    </p:bldLst>
+  </p:timing>
+</p:sld>
+</file>
+
+<file path=ppt/slides/slide12.xml><?xml version="1.0" encoding="utf-8"?>
+<p:sld xmlns:a="http://schemas.openxmlformats.org/drawingml/2006/main" xmlns:r="http://schemas.openxmlformats.org/officeDocument/2006/relationships" xmlns:p="http://schemas.openxmlformats.org/presentationml/2006/main">
+  <p:cSld>
+    <p:bg>
+      <p:bgPr>
+        <a:solidFill>
+          <a:schemeClr val="bg1"/>
+        </a:solidFill>
+        <a:effectLst/>
+      </p:bgPr>
+    </p:bg>
+    <p:spTree>
+      <p:nvGrpSpPr>
+        <p:cNvPr id="1" name=""/>
+        <p:cNvGrpSpPr/>
+        <p:nvPr/>
+      </p:nvGrpSpPr>
+      <p:grpSpPr>
+        <a:xfrm>
+          <a:off x="0" y="0"/>
+          <a:ext cx="0" cy="0"/>
+          <a:chOff x="0" y="0"/>
+          <a:chExt cx="0" cy="0"/>
+        </a:xfrm>
+      </p:grpSpPr>
+      <p:sp>
+        <p:nvSpPr>
+          <p:cNvPr id="17" name="Rectangle 16">
+            <a:extLst>
+              <a:ext uri="{FF2B5EF4-FFF2-40B4-BE49-F238E27FC236}">
+                <a16:creationId xmlns:a16="http://schemas.microsoft.com/office/drawing/2014/main" id="{3F87243A-F810-42AD-AA74-3FA38B1D8A8F}"/>
+              </a:ext>
+              <a:ext uri="{C183D7F6-B498-43B3-948B-1728B52AA6E4}">
+                <adec:decorative xmlns:adec="http://schemas.microsoft.com/office/drawing/2017/decorative" val="1"/>
+              </a:ext>
+            </a:extLst>
+          </p:cNvPr>
+          <p:cNvSpPr>
+            <a:spLocks noGrp="1" noRot="1" noChangeAspect="1" noMove="1" noResize="1" noEditPoints="1" noAdjustHandles="1" noChangeArrowheads="1" noChangeShapeType="1" noTextEdit="1"/>
+          </p:cNvSpPr>
+          <p:nvPr>
+            <p:extLst>
+              <p:ext uri="{386F3935-93C4-4BCD-93E2-E3B085C9AB24}">
+                <p16:designElem xmlns:p16="http://schemas.microsoft.com/office/powerpoint/2015/main" val="1"/>
+              </p:ext>
+            </p:extLst>
+          </p:nvPr>
+        </p:nvSpPr>
+        <p:spPr>
+          <a:xfrm>
+            <a:off x="3175" y="6400800"/>
+            <a:ext cx="12188825" cy="457200"/>
+          </a:xfrm>
+          <a:prstGeom prst="rect">
+            <a:avLst/>
+          </a:prstGeom>
+          <a:solidFill>
+            <a:schemeClr val="accent2"/>
+          </a:solidFill>
+          <a:ln>
+            <a:noFill/>
+          </a:ln>
+        </p:spPr>
+        <p:style>
+          <a:lnRef idx="2">
+            <a:schemeClr val="accent1">
+              <a:shade val="50000"/>
+            </a:schemeClr>
+          </a:lnRef>
+          <a:fillRef idx="1">
+            <a:schemeClr val="accent1"/>
+          </a:fillRef>
+          <a:effectRef idx="0">
+            <a:schemeClr val="accent1"/>
+          </a:effectRef>
+          <a:fontRef idx="minor">
+            <a:schemeClr val="lt1"/>
+          </a:fontRef>
+        </p:style>
+      </p:sp>
+      <p:sp>
+        <p:nvSpPr>
+          <p:cNvPr id="19" name="Rectangle 18">
+            <a:extLst>
+              <a:ext uri="{FF2B5EF4-FFF2-40B4-BE49-F238E27FC236}">
+                <a16:creationId xmlns:a16="http://schemas.microsoft.com/office/drawing/2014/main" id="{E4710C0A-057C-4274-BA2D-001F1025E83E}"/>
+              </a:ext>
+              <a:ext uri="{C183D7F6-B498-43B3-948B-1728B52AA6E4}">
+                <adec:decorative xmlns:adec="http://schemas.microsoft.com/office/drawing/2017/decorative" val="1"/>
+              </a:ext>
+            </a:extLst>
+          </p:cNvPr>
+          <p:cNvSpPr>
+            <a:spLocks noGrp="1" noRot="1" noChangeAspect="1" noMove="1" noResize="1" noEditPoints="1" noAdjustHandles="1" noChangeArrowheads="1" noChangeShapeType="1" noTextEdit="1"/>
+          </p:cNvSpPr>
+          <p:nvPr>
+            <p:extLst>
+              <p:ext uri="{386F3935-93C4-4BCD-93E2-E3B085C9AB24}">
+                <p16:designElem xmlns:p16="http://schemas.microsoft.com/office/powerpoint/2015/main" val="1"/>
+              </p:ext>
+            </p:extLst>
+          </p:nvPr>
+        </p:nvSpPr>
+        <p:spPr>
+          <a:xfrm>
+            <a:off x="15" y="6334316"/>
+            <a:ext cx="12188825" cy="64008"/>
+          </a:xfrm>
+          <a:prstGeom prst="rect">
+            <a:avLst/>
+          </a:prstGeom>
+          <a:solidFill>
+            <a:schemeClr val="accent1"/>
+          </a:solidFill>
+          <a:ln>
+            <a:noFill/>
+          </a:ln>
+        </p:spPr>
+        <p:style>
+          <a:lnRef idx="2">
+            <a:schemeClr val="accent1">
+              <a:shade val="50000"/>
+            </a:schemeClr>
+          </a:lnRef>
+          <a:fillRef idx="1">
+            <a:schemeClr val="accent1"/>
+          </a:fillRef>
+          <a:effectRef idx="0">
+            <a:schemeClr val="accent1"/>
+          </a:effectRef>
+          <a:fontRef idx="minor">
+            <a:schemeClr val="lt1"/>
+          </a:fontRef>
+        </p:style>
+      </p:sp>
+      <p:cxnSp>
+        <p:nvCxnSpPr>
+          <p:cNvPr id="21" name="Straight Connector 20">
+            <a:extLst>
+              <a:ext uri="{FF2B5EF4-FFF2-40B4-BE49-F238E27FC236}">
+                <a16:creationId xmlns:a16="http://schemas.microsoft.com/office/drawing/2014/main" id="{BEFAE2A0-B30D-40C7-BB2F-AE3D6D5D001F}"/>
+              </a:ext>
+              <a:ext uri="{C183D7F6-B498-43B3-948B-1728B52AA6E4}">
+                <adec:decorative xmlns:adec="http://schemas.microsoft.com/office/drawing/2017/decorative" val="1"/>
+              </a:ext>
+            </a:extLst>
+          </p:cNvPr>
+          <p:cNvCxnSpPr>
+            <a:cxnSpLocks noGrp="1" noRot="1" noChangeAspect="1" noMove="1" noResize="1" noEditPoints="1" noAdjustHandles="1" noChangeArrowheads="1" noChangeShapeType="1"/>
+          </p:cNvCxnSpPr>
+          <p:nvPr>
+            <p:extLst>
+              <p:ext uri="{386F3935-93C4-4BCD-93E2-E3B085C9AB24}">
+                <p16:designElem xmlns:p16="http://schemas.microsoft.com/office/powerpoint/2015/main" val="1"/>
+              </p:ext>
+            </p:extLst>
+          </p:nvPr>
+        </p:nvCxnSpPr>
+        <p:spPr>
+          <a:xfrm>
+            <a:off x="1207658" y="4343400"/>
+            <a:ext cx="9875520" cy="0"/>
+          </a:xfrm>
+          <a:prstGeom prst="line">
+            <a:avLst/>
+          </a:prstGeom>
+          <a:ln w="6350">
+            <a:solidFill>
+              <a:schemeClr val="tx1">
+                <a:lumMod val="50000"/>
+                <a:lumOff val="50000"/>
+              </a:schemeClr>
+            </a:solidFill>
+          </a:ln>
+        </p:spPr>
+        <p:style>
+          <a:lnRef idx="1">
+            <a:schemeClr val="accent1"/>
+          </a:lnRef>
+          <a:fillRef idx="0">
+            <a:schemeClr val="accent1"/>
+          </a:fillRef>
+          <a:effectRef idx="0">
+            <a:schemeClr val="accent1"/>
+          </a:effectRef>
+          <a:fontRef idx="minor">
+            <a:schemeClr val="tx1"/>
+          </a:fontRef>
+        </p:style>
+      </p:cxnSp>
+      <p:sp useBgFill="1">
+        <p:nvSpPr>
+          <p:cNvPr id="23" name="Rectangle 22">
+            <a:extLst>
+              <a:ext uri="{FF2B5EF4-FFF2-40B4-BE49-F238E27FC236}">
+                <a16:creationId xmlns:a16="http://schemas.microsoft.com/office/drawing/2014/main" id="{401AB748-B9E7-4AEC-AAB9-0EABDE63F84B}"/>
+              </a:ext>
+              <a:ext uri="{C183D7F6-B498-43B3-948B-1728B52AA6E4}">
+                <adec:decorative xmlns:adec="http://schemas.microsoft.com/office/drawing/2017/decorative" val="1"/>
+              </a:ext>
+            </a:extLst>
+          </p:cNvPr>
+          <p:cNvSpPr>
+            <a:spLocks noGrp="1" noRot="1" noChangeAspect="1" noMove="1" noResize="1" noEditPoints="1" noAdjustHandles="1" noChangeArrowheads="1" noChangeShapeType="1" noTextEdit="1"/>
+          </p:cNvSpPr>
+          <p:nvPr>
+            <p:extLst>
+              <p:ext uri="{386F3935-93C4-4BCD-93E2-E3B085C9AB24}">
+                <p16:designElem xmlns:p16="http://schemas.microsoft.com/office/powerpoint/2015/main" val="1"/>
+              </p:ext>
+            </p:extLst>
+          </p:nvPr>
+        </p:nvSpPr>
+        <p:spPr>
+          <a:xfrm>
+            <a:off x="0" y="0"/>
+            <a:ext cx="12192001" cy="6334316"/>
+          </a:xfrm>
+          <a:prstGeom prst="rect">
+            <a:avLst/>
+          </a:prstGeom>
+          <a:ln>
+            <a:noFill/>
+          </a:ln>
+        </p:spPr>
+        <p:style>
+          <a:lnRef idx="2">
+            <a:schemeClr val="accent1">
+              <a:shade val="50000"/>
+            </a:schemeClr>
+          </a:lnRef>
+          <a:fillRef idx="1">
+            <a:schemeClr val="accent1"/>
+          </a:fillRef>
+          <a:effectRef idx="0">
+            <a:schemeClr val="accent1"/>
+          </a:effectRef>
+          <a:fontRef idx="minor">
+            <a:schemeClr val="lt1"/>
+          </a:fontRef>
+        </p:style>
+        <p:txBody>
+          <a:bodyPr rtlCol="0" anchor="ctr"/>
+          <a:lstStyle/>
+          <a:p>
+            <a:pPr algn="ctr"/>
+            <a:endParaRPr lang="en-US"/>
+          </a:p>
+        </p:txBody>
+      </p:sp>
+      <p:sp>
+        <p:nvSpPr>
+          <p:cNvPr id="4" name="Title 1">
+            <a:extLst>
+              <a:ext uri="{FF2B5EF4-FFF2-40B4-BE49-F238E27FC236}">
+                <a16:creationId xmlns:a16="http://schemas.microsoft.com/office/drawing/2014/main" id="{C726CA38-B1EC-E2DC-FF2E-92A6F689109B}"/>
+              </a:ext>
+            </a:extLst>
+          </p:cNvPr>
+          <p:cNvSpPr>
+            <a:spLocks noGrp="1"/>
+          </p:cNvSpPr>
+          <p:nvPr>
+            <p:ph type="title"/>
+          </p:nvPr>
+        </p:nvSpPr>
+        <p:spPr>
+          <a:xfrm>
+            <a:off x="633999" y="4550229"/>
+            <a:ext cx="10909073" cy="1057655"/>
+          </a:xfrm>
+        </p:spPr>
+        <p:txBody>
+          <a:bodyPr vert="horz" lIns="91440" tIns="45720" rIns="91440" bIns="45720" rtlCol="0" anchor="b">
+            <a:normAutofit/>
+          </a:bodyPr>
+          <a:lstStyle/>
+          <a:p>
+            <a:r>
+              <a:rPr lang="en-US" sz="6000">
+                <a:solidFill>
+                  <a:schemeClr val="tx1">
+                    <a:lumMod val="85000"/>
+                    <a:lumOff val="15000"/>
+                  </a:schemeClr>
+                </a:solidFill>
+              </a:rPr>
+              <a:t>2. Phân tích và thiết kế</a:t>
+            </a:r>
+          </a:p>
+        </p:txBody>
+      </p:sp>
+      <p:pic>
+        <p:nvPicPr>
+          <p:cNvPr id="6" name="Picture 5">
+            <a:extLst>
+              <a:ext uri="{FF2B5EF4-FFF2-40B4-BE49-F238E27FC236}">
+                <a16:creationId xmlns:a16="http://schemas.microsoft.com/office/drawing/2014/main" id="{7548553E-67FF-8903-07E9-1AB9A5BBB197}"/>
+              </a:ext>
+            </a:extLst>
+          </p:cNvPr>
+          <p:cNvPicPr>
+            <a:picLocks noChangeAspect="1"/>
+          </p:cNvPicPr>
+          <p:nvPr/>
+        </p:nvPicPr>
+        <p:blipFill>
+          <a:blip r:embed="rId2">
+            <a:extLst>
+              <a:ext uri="{28A0092B-C50C-407E-A947-70E740481C1C}">
+                <a14:useLocalDpi xmlns:a14="http://schemas.microsoft.com/office/drawing/2010/main" val="0"/>
+              </a:ext>
+            </a:extLst>
+          </a:blip>
+          <a:stretch>
+            <a:fillRect/>
+          </a:stretch>
+        </p:blipFill>
+        <p:spPr bwMode="auto">
+          <a:xfrm>
+            <a:off x="4295405" y="408455"/>
+            <a:ext cx="3601189" cy="4139298"/>
+          </a:xfrm>
+          <a:prstGeom prst="rect">
+            <a:avLst/>
+          </a:prstGeom>
+          <a:noFill/>
+        </p:spPr>
+      </p:pic>
+      <p:sp>
+        <p:nvSpPr>
+          <p:cNvPr id="25" name="Rectangle 24">
+            <a:extLst>
+              <a:ext uri="{FF2B5EF4-FFF2-40B4-BE49-F238E27FC236}">
+                <a16:creationId xmlns:a16="http://schemas.microsoft.com/office/drawing/2014/main" id="{E0954B38-9C23-4C8B-AC5D-0E80CEA3BD48}"/>
+              </a:ext>
+              <a:ext uri="{C183D7F6-B498-43B3-948B-1728B52AA6E4}">
+                <adec:decorative xmlns:adec="http://schemas.microsoft.com/office/drawing/2017/decorative" val="1"/>
+              </a:ext>
+            </a:extLst>
+          </p:cNvPr>
+          <p:cNvSpPr>
+            <a:spLocks noGrp="1" noRot="1" noChangeAspect="1" noMove="1" noResize="1" noEditPoints="1" noAdjustHandles="1" noChangeArrowheads="1" noChangeShapeType="1" noTextEdit="1"/>
+          </p:cNvSpPr>
+          <p:nvPr>
+            <p:extLst>
+              <p:ext uri="{386F3935-93C4-4BCD-93E2-E3B085C9AB24}">
+                <p16:designElem xmlns:p16="http://schemas.microsoft.com/office/powerpoint/2015/main" val="1"/>
+              </p:ext>
+            </p:extLst>
+          </p:nvPr>
+        </p:nvSpPr>
+        <p:spPr>
+          <a:xfrm>
+            <a:off x="4158553" y="886968"/>
+            <a:ext cx="64008" cy="3108960"/>
+          </a:xfrm>
+          <a:prstGeom prst="rect">
+            <a:avLst/>
+          </a:prstGeom>
+          <a:ln>
+            <a:noFill/>
+          </a:ln>
+        </p:spPr>
+        <p:style>
+          <a:lnRef idx="2">
+            <a:schemeClr val="accent1">
+              <a:shade val="50000"/>
+            </a:schemeClr>
+          </a:lnRef>
+          <a:fillRef idx="1">
+            <a:schemeClr val="accent1"/>
+          </a:fillRef>
+          <a:effectRef idx="0">
+            <a:schemeClr val="accent1"/>
+          </a:effectRef>
+          <a:fontRef idx="minor">
+            <a:schemeClr val="lt1"/>
+          </a:fontRef>
+        </p:style>
+        <p:txBody>
+          <a:bodyPr rtlCol="0" anchor="ctr"/>
+          <a:lstStyle/>
+          <a:p>
+            <a:pPr algn="ctr"/>
+            <a:endParaRPr lang="en-US"/>
+          </a:p>
+        </p:txBody>
+      </p:sp>
+      <p:pic>
+        <p:nvPicPr>
+          <p:cNvPr id="7" name="Picture 6">
+            <a:extLst>
+              <a:ext uri="{FF2B5EF4-FFF2-40B4-BE49-F238E27FC236}">
+                <a16:creationId xmlns:a16="http://schemas.microsoft.com/office/drawing/2014/main" id="{67ED1826-8A76-2F63-DF03-37560CDA1D06}"/>
+              </a:ext>
+            </a:extLst>
+          </p:cNvPr>
+          <p:cNvPicPr>
+            <a:picLocks noChangeAspect="1"/>
+          </p:cNvPicPr>
+          <p:nvPr/>
+        </p:nvPicPr>
+        <p:blipFill>
+          <a:blip r:embed="rId3">
+            <a:extLst>
+              <a:ext uri="{28A0092B-C50C-407E-A947-70E740481C1C}">
+                <a14:useLocalDpi xmlns:a14="http://schemas.microsoft.com/office/drawing/2010/main" val="0"/>
+              </a:ext>
+            </a:extLst>
+          </a:blip>
+          <a:stretch>
+            <a:fillRect/>
+          </a:stretch>
+        </p:blipFill>
+        <p:spPr bwMode="auto">
+          <a:xfrm>
+            <a:off x="8079352" y="936337"/>
+            <a:ext cx="4029307" cy="2951468"/>
+          </a:xfrm>
+          <a:prstGeom prst="rect">
+            <a:avLst/>
+          </a:prstGeom>
+          <a:noFill/>
+        </p:spPr>
+      </p:pic>
+      <p:sp>
+        <p:nvSpPr>
+          <p:cNvPr id="27" name="Rectangle 26">
+            <a:extLst>
+              <a:ext uri="{FF2B5EF4-FFF2-40B4-BE49-F238E27FC236}">
+                <a16:creationId xmlns:a16="http://schemas.microsoft.com/office/drawing/2014/main" id="{791376A8-6B7C-49D5-B3B0-B1D81BC15C2C}"/>
+              </a:ext>
+              <a:ext uri="{C183D7F6-B498-43B3-948B-1728B52AA6E4}">
+                <adec:decorative xmlns:adec="http://schemas.microsoft.com/office/drawing/2017/decorative" val="1"/>
+              </a:ext>
+            </a:extLst>
+          </p:cNvPr>
+          <p:cNvSpPr>
+            <a:spLocks noGrp="1" noRot="1" noChangeAspect="1" noMove="1" noResize="1" noEditPoints="1" noAdjustHandles="1" noChangeArrowheads="1" noChangeShapeType="1" noTextEdit="1"/>
+          </p:cNvSpPr>
+          <p:nvPr>
+            <p:extLst>
+              <p:ext uri="{386F3935-93C4-4BCD-93E2-E3B085C9AB24}">
+                <p16:designElem xmlns:p16="http://schemas.microsoft.com/office/powerpoint/2015/main" val="1"/>
+              </p:ext>
+            </p:extLst>
+          </p:nvPr>
+        </p:nvSpPr>
+        <p:spPr>
+          <a:xfrm>
+            <a:off x="7955969" y="886968"/>
+            <a:ext cx="64008" cy="3108960"/>
+          </a:xfrm>
+          <a:prstGeom prst="rect">
+            <a:avLst/>
+          </a:prstGeom>
+          <a:ln>
+            <a:noFill/>
+          </a:ln>
+        </p:spPr>
+        <p:style>
+          <a:lnRef idx="2">
+            <a:schemeClr val="accent1">
+              <a:shade val="50000"/>
+            </a:schemeClr>
+          </a:lnRef>
+          <a:fillRef idx="1">
+            <a:schemeClr val="accent1"/>
+          </a:fillRef>
+          <a:effectRef idx="0">
+            <a:schemeClr val="accent1"/>
+          </a:effectRef>
+          <a:fontRef idx="minor">
+            <a:schemeClr val="lt1"/>
+          </a:fontRef>
+        </p:style>
+        <p:txBody>
+          <a:bodyPr rtlCol="0" anchor="ctr"/>
+          <a:lstStyle/>
+          <a:p>
+            <a:pPr algn="ctr"/>
+            <a:endParaRPr lang="en-US"/>
+          </a:p>
+        </p:txBody>
+      </p:sp>
+      <p:pic>
+        <p:nvPicPr>
+          <p:cNvPr id="5" name="Picture 4" descr="A diagram of a guest&#10;&#10;Description automatically generated with low confidence">
+            <a:extLst>
+              <a:ext uri="{FF2B5EF4-FFF2-40B4-BE49-F238E27FC236}">
+                <a16:creationId xmlns:a16="http://schemas.microsoft.com/office/drawing/2014/main" id="{2BF6F540-39AC-D467-074F-D786625AF91A}"/>
+              </a:ext>
+            </a:extLst>
+          </p:cNvPr>
+          <p:cNvPicPr>
+            <a:picLocks noChangeAspect="1"/>
+          </p:cNvPicPr>
+          <p:nvPr/>
+        </p:nvPicPr>
+        <p:blipFill>
+          <a:blip r:embed="rId4"/>
+          <a:stretch>
+            <a:fillRect/>
+          </a:stretch>
+        </p:blipFill>
+        <p:spPr>
+          <a:xfrm>
+            <a:off x="460107" y="716914"/>
+            <a:ext cx="3601189" cy="3376115"/>
+          </a:xfrm>
+          <a:prstGeom prst="rect">
+            <a:avLst/>
+          </a:prstGeom>
+        </p:spPr>
+      </p:pic>
+      <p:cxnSp>
+        <p:nvCxnSpPr>
+          <p:cNvPr id="29" name="Straight Connector 28">
+            <a:extLst>
+              <a:ext uri="{FF2B5EF4-FFF2-40B4-BE49-F238E27FC236}">
+                <a16:creationId xmlns:a16="http://schemas.microsoft.com/office/drawing/2014/main" id="{73A16B78-E8EF-4C99-BDA5-80142980AE93}"/>
+              </a:ext>
+              <a:ext uri="{C183D7F6-B498-43B3-948B-1728B52AA6E4}">
+                <adec:decorative xmlns:adec="http://schemas.microsoft.com/office/drawing/2017/decorative" val="1"/>
+              </a:ext>
+            </a:extLst>
+          </p:cNvPr>
+          <p:cNvCxnSpPr>
+            <a:cxnSpLocks noGrp="1" noRot="1" noChangeAspect="1" noMove="1" noResize="1" noEditPoints="1" noAdjustHandles="1" noChangeArrowheads="1" noChangeShapeType="1"/>
+          </p:cNvCxnSpPr>
+          <p:nvPr>
+            <p:extLst>
+              <p:ext uri="{386F3935-93C4-4BCD-93E2-E3B085C9AB24}">
+                <p16:designElem xmlns:p16="http://schemas.microsoft.com/office/powerpoint/2015/main" val="1"/>
+              </p:ext>
+            </p:extLst>
+          </p:nvPr>
+        </p:nvCxnSpPr>
+        <p:spPr>
+          <a:xfrm>
+            <a:off x="721086" y="5618770"/>
+            <a:ext cx="10515600" cy="0"/>
+          </a:xfrm>
+          <a:prstGeom prst="line">
+            <a:avLst/>
+          </a:prstGeom>
+          <a:ln w="6350">
+            <a:solidFill>
+              <a:schemeClr val="tx2">
+                <a:alpha val="90000"/>
+              </a:schemeClr>
+            </a:solidFill>
+          </a:ln>
+        </p:spPr>
+        <p:style>
+          <a:lnRef idx="1">
+            <a:schemeClr val="accent1"/>
+          </a:lnRef>
+          <a:fillRef idx="0">
+            <a:schemeClr val="accent1"/>
+          </a:fillRef>
+          <a:effectRef idx="0">
+            <a:schemeClr val="accent1"/>
+          </a:effectRef>
+          <a:fontRef idx="minor">
+            <a:schemeClr val="tx1"/>
+          </a:fontRef>
+        </p:style>
+      </p:cxnSp>
+      <p:sp>
+        <p:nvSpPr>
+          <p:cNvPr id="31" name="Rectangle 30">
+            <a:extLst>
+              <a:ext uri="{FF2B5EF4-FFF2-40B4-BE49-F238E27FC236}">
+                <a16:creationId xmlns:a16="http://schemas.microsoft.com/office/drawing/2014/main" id="{3B0D8F16-5F3B-465F-9D06-983E2E8267E5}"/>
+              </a:ext>
+              <a:ext uri="{C183D7F6-B498-43B3-948B-1728B52AA6E4}">
+                <adec:decorative xmlns:adec="http://schemas.microsoft.com/office/drawing/2017/decorative" val="1"/>
+              </a:ext>
+            </a:extLst>
+          </p:cNvPr>
+          <p:cNvSpPr>
+            <a:spLocks noGrp="1" noRot="1" noChangeAspect="1" noMove="1" noResize="1" noEditPoints="1" noAdjustHandles="1" noChangeArrowheads="1" noChangeShapeType="1" noTextEdit="1"/>
+          </p:cNvSpPr>
+          <p:nvPr>
+            <p:extLst>
+              <p:ext uri="{386F3935-93C4-4BCD-93E2-E3B085C9AB24}">
+                <p16:designElem xmlns:p16="http://schemas.microsoft.com/office/powerpoint/2015/main" val="1"/>
+              </p:ext>
+            </p:extLst>
+          </p:nvPr>
+        </p:nvSpPr>
+        <p:spPr>
+          <a:xfrm>
+            <a:off x="15" y="6334316"/>
+            <a:ext cx="12191985" cy="66484"/>
+          </a:xfrm>
+          <a:prstGeom prst="rect">
+            <a:avLst/>
+          </a:prstGeom>
+          <a:solidFill>
+            <a:schemeClr val="accent1"/>
+          </a:solidFill>
+          <a:ln>
+            <a:noFill/>
+          </a:ln>
+        </p:spPr>
+        <p:style>
+          <a:lnRef idx="2">
+            <a:schemeClr val="accent1">
+              <a:shade val="50000"/>
+            </a:schemeClr>
+          </a:lnRef>
+          <a:fillRef idx="1">
+            <a:schemeClr val="accent1"/>
+          </a:fillRef>
+          <a:effectRef idx="0">
+            <a:schemeClr val="accent1"/>
+          </a:effectRef>
+          <a:fontRef idx="minor">
+            <a:schemeClr val="lt1"/>
+          </a:fontRef>
+        </p:style>
+      </p:sp>
+      <p:sp>
+        <p:nvSpPr>
+          <p:cNvPr id="33" name="Rectangle 32">
+            <a:extLst>
+              <a:ext uri="{FF2B5EF4-FFF2-40B4-BE49-F238E27FC236}">
+                <a16:creationId xmlns:a16="http://schemas.microsoft.com/office/drawing/2014/main" id="{5DED356E-7923-4393-BAEA-0116D9D7635D}"/>
+              </a:ext>
+              <a:ext uri="{C183D7F6-B498-43B3-948B-1728B52AA6E4}">
+                <adec:decorative xmlns:adec="http://schemas.microsoft.com/office/drawing/2017/decorative" val="1"/>
+              </a:ext>
+            </a:extLst>
+          </p:cNvPr>
+          <p:cNvSpPr>
+            <a:spLocks noGrp="1" noRot="1" noChangeAspect="1" noMove="1" noResize="1" noEditPoints="1" noAdjustHandles="1" noChangeArrowheads="1" noChangeShapeType="1" noTextEdit="1"/>
+          </p:cNvSpPr>
+          <p:nvPr>
+            <p:extLst>
+              <p:ext uri="{386F3935-93C4-4BCD-93E2-E3B085C9AB24}">
+                <p16:designElem xmlns:p16="http://schemas.microsoft.com/office/powerpoint/2015/main" val="1"/>
+              </p:ext>
+            </p:extLst>
+          </p:nvPr>
+        </p:nvSpPr>
+        <p:spPr>
+          <a:xfrm>
+            <a:off x="1" y="6400800"/>
+            <a:ext cx="12192000" cy="457200"/>
+          </a:xfrm>
+          <a:prstGeom prst="rect">
+            <a:avLst/>
+          </a:prstGeom>
+          <a:solidFill>
+            <a:schemeClr val="accent2"/>
+          </a:solidFill>
+          <a:ln>
+            <a:noFill/>
+          </a:ln>
+        </p:spPr>
+        <p:style>
+          <a:lnRef idx="2">
+            <a:schemeClr val="accent1">
+              <a:shade val="50000"/>
+            </a:schemeClr>
+          </a:lnRef>
+          <a:fillRef idx="1">
+            <a:schemeClr val="accent1"/>
+          </a:fillRef>
+          <a:effectRef idx="0">
+            <a:schemeClr val="accent1"/>
+          </a:effectRef>
+          <a:fontRef idx="minor">
+            <a:schemeClr val="lt1"/>
+          </a:fontRef>
+        </p:style>
+      </p:sp>
+    </p:spTree>
+    <p:extLst>
+      <p:ext uri="{BB962C8B-B14F-4D97-AF65-F5344CB8AC3E}">
+        <p14:creationId xmlns:p14="http://schemas.microsoft.com/office/powerpoint/2010/main" val="1463537481"/>
+      </p:ext>
+    </p:extLst>
+  </p:cSld>
+  <p:clrMapOvr>
+    <a:masterClrMapping/>
+  </p:clrMapOvr>
+  <mc:AlternateContent xmlns:mc="http://schemas.openxmlformats.org/markup-compatibility/2006">
+    <mc:Choice xmlns:p14="http://schemas.microsoft.com/office/powerpoint/2010/main" Requires="p14">
+      <p:transition spd="med" p14:dur="700">
+        <p:fade/>
+      </p:transition>
+    </mc:Choice>
+    <mc:Fallback>
+      <p:transition spd="med">
+        <p:fade/>
+      </p:transition>
+    </mc:Fallback>
+  </mc:AlternateContent>
+  <p:timing>
+    <p:tnLst>
+      <p:par>
+        <p:cTn id="1" dur="indefinite" restart="never" nodeType="tmRoot">
+          <p:childTnLst>
+            <p:seq concurrent="1" nextAc="seek">
+              <p:cTn id="2" dur="indefinite" nodeType="mainSeq">
+                <p:childTnLst>
+                  <p:par>
+                    <p:cTn id="3" fill="hold">
+                      <p:stCondLst>
+                        <p:cond delay="indefinite"/>
+                      </p:stCondLst>
+                      <p:childTnLst>
+                        <p:par>
+                          <p:cTn id="4" fill="hold">
+                            <p:stCondLst>
+                              <p:cond delay="0"/>
+                            </p:stCondLst>
+                            <p:childTnLst>
+                              <p:par>
+                                <p:cTn id="5" presetID="10" presetClass="entr" presetSubtype="0" fill="hold" nodeType="clickEffect">
+                                  <p:stCondLst>
+                                    <p:cond delay="0"/>
+                                  </p:stCondLst>
+                                  <p:childTnLst>
+                                    <p:set>
+                                      <p:cBhvr>
+                                        <p:cTn id="6" dur="1" fill="hold">
+                                          <p:stCondLst>
+                                            <p:cond delay="0"/>
+                                          </p:stCondLst>
+                                        </p:cTn>
+                                        <p:tgtEl>
+                                          <p:spTgt spid="5"/>
+                                        </p:tgtEl>
+                                        <p:attrNameLst>
+                                          <p:attrName>style.visibility</p:attrName>
+                                        </p:attrNameLst>
+                                      </p:cBhvr>
+                                      <p:to>
+                                        <p:strVal val="visible"/>
+                                      </p:to>
+                                    </p:set>
+                                    <p:animEffect transition="in" filter="fade">
+                                      <p:cBhvr>
+                                        <p:cTn id="7" dur="500"/>
+                                        <p:tgtEl>
+                                          <p:spTgt spid="5"/>
+                                        </p:tgtEl>
+                                      </p:cBhvr>
+                                    </p:animEffect>
+                                  </p:childTnLst>
+                                </p:cTn>
+                              </p:par>
+                            </p:childTnLst>
+                          </p:cTn>
+                        </p:par>
+                        <p:par>
+                          <p:cTn id="8" fill="hold">
+                            <p:stCondLst>
+                              <p:cond delay="500"/>
+                            </p:stCondLst>
+                            <p:childTnLst>
+                              <p:par>
+                                <p:cTn id="9" presetID="10" presetClass="entr" presetSubtype="0" fill="hold" nodeType="afterEffect">
+                                  <p:stCondLst>
+                                    <p:cond delay="0"/>
+                                  </p:stCondLst>
+                                  <p:childTnLst>
+                                    <p:set>
+                                      <p:cBhvr>
+                                        <p:cTn id="10" dur="1" fill="hold">
+                                          <p:stCondLst>
+                                            <p:cond delay="0"/>
+                                          </p:stCondLst>
+                                        </p:cTn>
+                                        <p:tgtEl>
+                                          <p:spTgt spid="6"/>
+                                        </p:tgtEl>
+                                        <p:attrNameLst>
+                                          <p:attrName>style.visibility</p:attrName>
+                                        </p:attrNameLst>
+                                      </p:cBhvr>
+                                      <p:to>
+                                        <p:strVal val="visible"/>
+                                      </p:to>
+                                    </p:set>
+                                    <p:animEffect transition="in" filter="fade">
+                                      <p:cBhvr>
+                                        <p:cTn id="11" dur="500"/>
+                                        <p:tgtEl>
+                                          <p:spTgt spid="6"/>
+                                        </p:tgtEl>
+                                      </p:cBhvr>
+                                    </p:animEffect>
+                                  </p:childTnLst>
+                                </p:cTn>
+                              </p:par>
+                            </p:childTnLst>
+                          </p:cTn>
+                        </p:par>
+                        <p:par>
+                          <p:cTn id="12" fill="hold">
+                            <p:stCondLst>
+                              <p:cond delay="1000"/>
+                            </p:stCondLst>
+                            <p:childTnLst>
+                              <p:par>
+                                <p:cTn id="13" presetID="10" presetClass="entr" presetSubtype="0" fill="hold" nodeType="afterEffect">
+                                  <p:stCondLst>
+                                    <p:cond delay="0"/>
+                                  </p:stCondLst>
+                                  <p:childTnLst>
+                                    <p:set>
+                                      <p:cBhvr>
+                                        <p:cTn id="14" dur="1" fill="hold">
+                                          <p:stCondLst>
+                                            <p:cond delay="0"/>
+                                          </p:stCondLst>
+                                        </p:cTn>
+                                        <p:tgtEl>
+                                          <p:spTgt spid="7"/>
+                                        </p:tgtEl>
+                                        <p:attrNameLst>
+                                          <p:attrName>style.visibility</p:attrName>
+                                        </p:attrNameLst>
+                                      </p:cBhvr>
+                                      <p:to>
+                                        <p:strVal val="visible"/>
+                                      </p:to>
+                                    </p:set>
+                                    <p:animEffect transition="in" filter="fade">
+                                      <p:cBhvr>
+                                        <p:cTn id="15" dur="500"/>
+                                        <p:tgtEl>
+                                          <p:spTgt spid="7"/>
+                                        </p:tgtEl>
+                                      </p:cBhvr>
+                                    </p:animEffect>
+                                  </p:childTnLst>
+                                </p:cTn>
+                              </p:par>
+                            </p:childTnLst>
+                          </p:cTn>
+                        </p:par>
+                      </p:childTnLst>
+                    </p:cTn>
+                  </p:par>
+                </p:childTnLst>
+              </p:cTn>
+              <p:prevCondLst>
+                <p:cond evt="onPrev" delay="0">
+                  <p:tgtEl>
+                    <p:sldTgt/>
+                  </p:tgtEl>
+                </p:cond>
+              </p:prevCondLst>
+              <p:nextCondLst>
+                <p:cond evt="onNext" delay="0">
+                  <p:tgtEl>
+                    <p:sldTgt/>
+                  </p:tgtEl>
+                </p:cond>
+              </p:nextCondLst>
+            </p:seq>
+          </p:childTnLst>
+        </p:cTn>
+      </p:par>
+    </p:tnLst>
+  </p:timing>
+</p:sld>
+</file>
+
+<file path=ppt/slides/slide13.xml><?xml version="1.0" encoding="utf-8"?>
+<p:sld xmlns:a="http://schemas.openxmlformats.org/drawingml/2006/main" xmlns:r="http://schemas.openxmlformats.org/officeDocument/2006/relationships" xmlns:p="http://schemas.openxmlformats.org/presentationml/2006/main">
+  <p:cSld>
+    <p:bg>
+      <p:bgPr>
+        <a:solidFill>
+          <a:schemeClr val="bg1"/>
+        </a:solidFill>
+        <a:effectLst/>
+      </p:bgPr>
+    </p:bg>
+    <p:spTree>
+      <p:nvGrpSpPr>
+        <p:cNvPr id="1" name=""/>
+        <p:cNvGrpSpPr/>
+        <p:nvPr/>
+      </p:nvGrpSpPr>
+      <p:grpSpPr>
+        <a:xfrm>
+          <a:off x="0" y="0"/>
+          <a:ext cx="0" cy="0"/>
+          <a:chOff x="0" y="0"/>
+          <a:chExt cx="0" cy="0"/>
+        </a:xfrm>
+      </p:grpSpPr>
+      <p:sp>
+        <p:nvSpPr>
+          <p:cNvPr id="10" name="Rectangle 9">
+            <a:extLst>
+              <a:ext uri="{FF2B5EF4-FFF2-40B4-BE49-F238E27FC236}">
+                <a16:creationId xmlns:a16="http://schemas.microsoft.com/office/drawing/2014/main" id="{4E4490D0-3672-446A-AC12-B4830333BDDD}"/>
+              </a:ext>
+              <a:ext uri="{C183D7F6-B498-43B3-948B-1728B52AA6E4}">
+                <adec:decorative xmlns:adec="http://schemas.microsoft.com/office/drawing/2017/decorative" val="1"/>
+              </a:ext>
+            </a:extLst>
+          </p:cNvPr>
+          <p:cNvSpPr>
+            <a:spLocks noGrp="1" noRot="1" noChangeAspect="1" noMove="1" noResize="1" noEditPoints="1" noAdjustHandles="1" noChangeArrowheads="1" noChangeShapeType="1" noTextEdit="1"/>
+          </p:cNvSpPr>
+          <p:nvPr>
+            <p:extLst>
+              <p:ext uri="{386F3935-93C4-4BCD-93E2-E3B085C9AB24}">
+                <p16:designElem xmlns:p16="http://schemas.microsoft.com/office/powerpoint/2015/main" val="1"/>
+              </p:ext>
+            </p:extLst>
+          </p:nvPr>
+        </p:nvSpPr>
+        <p:spPr>
+          <a:xfrm>
+            <a:off x="3175" y="6400800"/>
+            <a:ext cx="12188825" cy="457200"/>
+          </a:xfrm>
+          <a:prstGeom prst="rect">
+            <a:avLst/>
+          </a:prstGeom>
+          <a:solidFill>
+            <a:schemeClr val="accent2"/>
+          </a:solidFill>
+          <a:ln>
+            <a:noFill/>
+          </a:ln>
+        </p:spPr>
+        <p:style>
+          <a:lnRef idx="2">
+            <a:schemeClr val="accent1">
+              <a:shade val="50000"/>
+            </a:schemeClr>
+          </a:lnRef>
+          <a:fillRef idx="1">
+            <a:schemeClr val="accent1"/>
+          </a:fillRef>
+          <a:effectRef idx="0">
+            <a:schemeClr val="accent1"/>
+          </a:effectRef>
+          <a:fontRef idx="minor">
+            <a:schemeClr val="lt1"/>
+          </a:fontRef>
+        </p:style>
+      </p:sp>
+      <p:sp>
+        <p:nvSpPr>
+          <p:cNvPr id="12" name="Rectangle 11">
+            <a:extLst>
+              <a:ext uri="{FF2B5EF4-FFF2-40B4-BE49-F238E27FC236}">
+                <a16:creationId xmlns:a16="http://schemas.microsoft.com/office/drawing/2014/main" id="{39CB82C2-DF65-4EC1-8280-F201D50F570B}"/>
+              </a:ext>
+              <a:ext uri="{C183D7F6-B498-43B3-948B-1728B52AA6E4}">
+                <adec:decorative xmlns:adec="http://schemas.microsoft.com/office/drawing/2017/decorative" val="1"/>
+              </a:ext>
+            </a:extLst>
+          </p:cNvPr>
+          <p:cNvSpPr>
+            <a:spLocks noGrp="1" noRot="1" noChangeAspect="1" noMove="1" noResize="1" noEditPoints="1" noAdjustHandles="1" noChangeArrowheads="1" noChangeShapeType="1" noTextEdit="1"/>
+          </p:cNvSpPr>
+          <p:nvPr>
+            <p:extLst>
+              <p:ext uri="{386F3935-93C4-4BCD-93E2-E3B085C9AB24}">
+                <p16:designElem xmlns:p16="http://schemas.microsoft.com/office/powerpoint/2015/main" val="1"/>
+              </p:ext>
+            </p:extLst>
+          </p:nvPr>
+        </p:nvSpPr>
+        <p:spPr>
+          <a:xfrm>
+            <a:off x="15" y="6334316"/>
+            <a:ext cx="12188825" cy="64008"/>
+          </a:xfrm>
+          <a:prstGeom prst="rect">
+            <a:avLst/>
+          </a:prstGeom>
+          <a:solidFill>
+            <a:schemeClr val="accent1"/>
+          </a:solidFill>
+          <a:ln>
+            <a:noFill/>
+          </a:ln>
+        </p:spPr>
+        <p:style>
+          <a:lnRef idx="2">
+            <a:schemeClr val="accent1">
+              <a:shade val="50000"/>
+            </a:schemeClr>
+          </a:lnRef>
+          <a:fillRef idx="1">
+            <a:schemeClr val="accent1"/>
+          </a:fillRef>
+          <a:effectRef idx="0">
+            <a:schemeClr val="accent1"/>
+          </a:effectRef>
+          <a:fontRef idx="minor">
+            <a:schemeClr val="lt1"/>
+          </a:fontRef>
+        </p:style>
+      </p:sp>
+      <p:cxnSp>
+        <p:nvCxnSpPr>
+          <p:cNvPr id="14" name="Straight Connector 13">
+            <a:extLst>
+              <a:ext uri="{FF2B5EF4-FFF2-40B4-BE49-F238E27FC236}">
+                <a16:creationId xmlns:a16="http://schemas.microsoft.com/office/drawing/2014/main" id="{7E1D4427-852B-4B37-8E76-0E9F1810BA2A}"/>
+              </a:ext>
+              <a:ext uri="{C183D7F6-B498-43B3-948B-1728B52AA6E4}">
+                <adec:decorative xmlns:adec="http://schemas.microsoft.com/office/drawing/2017/decorative" val="1"/>
+              </a:ext>
+            </a:extLst>
+          </p:cNvPr>
+          <p:cNvCxnSpPr>
+            <a:cxnSpLocks noGrp="1" noRot="1" noChangeAspect="1" noMove="1" noResize="1" noEditPoints="1" noAdjustHandles="1" noChangeArrowheads="1" noChangeShapeType="1"/>
+          </p:cNvCxnSpPr>
+          <p:nvPr>
+            <p:extLst>
+              <p:ext uri="{386F3935-93C4-4BCD-93E2-E3B085C9AB24}">
+                <p16:designElem xmlns:p16="http://schemas.microsoft.com/office/powerpoint/2015/main" val="1"/>
+              </p:ext>
+            </p:extLst>
+          </p:nvPr>
+        </p:nvCxnSpPr>
+        <p:spPr>
+          <a:xfrm>
+            <a:off x="1207658" y="4343400"/>
+            <a:ext cx="9875520" cy="0"/>
+          </a:xfrm>
+          <a:prstGeom prst="line">
+            <a:avLst/>
+          </a:prstGeom>
+          <a:ln w="6350">
+            <a:solidFill>
+              <a:schemeClr val="tx1">
+                <a:lumMod val="50000"/>
+                <a:lumOff val="50000"/>
+              </a:schemeClr>
+            </a:solidFill>
+          </a:ln>
+        </p:spPr>
+        <p:style>
+          <a:lnRef idx="1">
+            <a:schemeClr val="accent1"/>
+          </a:lnRef>
+          <a:fillRef idx="0">
+            <a:schemeClr val="accent1"/>
+          </a:fillRef>
+          <a:effectRef idx="0">
+            <a:schemeClr val="accent1"/>
+          </a:effectRef>
+          <a:fontRef idx="minor">
+            <a:schemeClr val="tx1"/>
+          </a:fontRef>
+        </p:style>
+      </p:cxnSp>
+      <p:sp useBgFill="1">
+        <p:nvSpPr>
+          <p:cNvPr id="16" name="Rectangle 15">
+            <a:extLst>
+              <a:ext uri="{FF2B5EF4-FFF2-40B4-BE49-F238E27FC236}">
+                <a16:creationId xmlns:a16="http://schemas.microsoft.com/office/drawing/2014/main" id="{EB1836F0-F9E0-4D93-9BDD-7EEC6EA05F7B}"/>
+              </a:ext>
+              <a:ext uri="{C183D7F6-B498-43B3-948B-1728B52AA6E4}">
+                <adec:decorative xmlns:adec="http://schemas.microsoft.com/office/drawing/2017/decorative" val="1"/>
+              </a:ext>
+            </a:extLst>
+          </p:cNvPr>
+          <p:cNvSpPr>
+            <a:spLocks noGrp="1" noRot="1" noChangeAspect="1" noMove="1" noResize="1" noEditPoints="1" noAdjustHandles="1" noChangeArrowheads="1" noChangeShapeType="1" noTextEdit="1"/>
+          </p:cNvSpPr>
+          <p:nvPr>
+            <p:extLst>
+              <p:ext uri="{386F3935-93C4-4BCD-93E2-E3B085C9AB24}">
+                <p16:designElem xmlns:p16="http://schemas.microsoft.com/office/powerpoint/2015/main" val="1"/>
+              </p:ext>
+            </p:extLst>
+          </p:nvPr>
+        </p:nvSpPr>
+        <p:spPr>
+          <a:xfrm>
+            <a:off x="0" y="0"/>
+            <a:ext cx="12192001" cy="6334316"/>
+          </a:xfrm>
+          <a:prstGeom prst="rect">
+            <a:avLst/>
+          </a:prstGeom>
+          <a:ln>
+            <a:noFill/>
+          </a:ln>
+        </p:spPr>
+        <p:style>
+          <a:lnRef idx="2">
+            <a:schemeClr val="accent1">
+              <a:shade val="50000"/>
+            </a:schemeClr>
+          </a:lnRef>
+          <a:fillRef idx="1">
+            <a:schemeClr val="accent1"/>
+          </a:fillRef>
+          <a:effectRef idx="0">
+            <a:schemeClr val="accent1"/>
+          </a:effectRef>
+          <a:fontRef idx="minor">
+            <a:schemeClr val="lt1"/>
+          </a:fontRef>
+        </p:style>
+        <p:txBody>
+          <a:bodyPr rtlCol="0" anchor="ctr"/>
+          <a:lstStyle/>
+          <a:p>
+            <a:pPr algn="ctr"/>
+            <a:endParaRPr lang="en-US"/>
+          </a:p>
+        </p:txBody>
+      </p:sp>
+      <p:sp>
+        <p:nvSpPr>
+          <p:cNvPr id="2" name="Title 1">
+            <a:extLst>
+              <a:ext uri="{FF2B5EF4-FFF2-40B4-BE49-F238E27FC236}">
+                <a16:creationId xmlns:a16="http://schemas.microsoft.com/office/drawing/2014/main" id="{6C5E091D-A0BC-4B7A-E517-5E6F9C3B0C45}"/>
+              </a:ext>
+            </a:extLst>
+          </p:cNvPr>
+          <p:cNvSpPr>
+            <a:spLocks noGrp="1"/>
+          </p:cNvSpPr>
+          <p:nvPr>
+            <p:ph type="title"/>
+          </p:nvPr>
+        </p:nvSpPr>
+        <p:spPr>
+          <a:xfrm>
+            <a:off x="5289754" y="639097"/>
+            <a:ext cx="6253317" cy="3686015"/>
+          </a:xfrm>
+        </p:spPr>
+        <p:txBody>
+          <a:bodyPr vert="horz" lIns="91440" tIns="45720" rIns="91440" bIns="45720" rtlCol="0" anchor="b">
+            <a:normAutofit/>
+          </a:bodyPr>
+          <a:lstStyle/>
+          <a:p>
+            <a:r>
+              <a:rPr lang="en-US" sz="8000" dirty="0">
+                <a:solidFill>
+                  <a:schemeClr val="tx1">
+                    <a:lumMod val="85000"/>
+                    <a:lumOff val="15000"/>
+                  </a:schemeClr>
+                </a:solidFill>
+              </a:rPr>
+              <a:t>3. Demo </a:t>
+            </a:r>
+            <a:r>
+              <a:rPr lang="en-US" sz="8000" dirty="0" err="1">
+                <a:solidFill>
+                  <a:schemeClr val="tx1">
+                    <a:lumMod val="85000"/>
+                    <a:lumOff val="15000"/>
+                  </a:schemeClr>
+                </a:solidFill>
+              </a:rPr>
+              <a:t>chương</a:t>
+            </a:r>
+            <a:r>
+              <a:rPr lang="en-US" sz="8000" dirty="0">
+                <a:solidFill>
+                  <a:schemeClr val="tx1">
+                    <a:lumMod val="85000"/>
+                    <a:lumOff val="15000"/>
+                  </a:schemeClr>
+                </a:solidFill>
+              </a:rPr>
+              <a:t> </a:t>
+            </a:r>
+            <a:r>
+              <a:rPr lang="en-US" sz="8000" dirty="0" err="1">
+                <a:solidFill>
+                  <a:schemeClr val="tx1">
+                    <a:lumMod val="85000"/>
+                    <a:lumOff val="15000"/>
+                  </a:schemeClr>
+                </a:solidFill>
+              </a:rPr>
+              <a:t>trình</a:t>
+            </a:r>
+            <a:endParaRPr lang="en-US" sz="8000" dirty="0">
+              <a:solidFill>
+                <a:schemeClr val="tx1">
+                  <a:lumMod val="85000"/>
+                  <a:lumOff val="15000"/>
+                </a:schemeClr>
+              </a:solidFill>
+            </a:endParaRPr>
+          </a:p>
+        </p:txBody>
+      </p:sp>
+      <p:pic>
+        <p:nvPicPr>
+          <p:cNvPr id="7" name="Graphic 6" descr="Monitor">
+            <a:extLst>
+              <a:ext uri="{FF2B5EF4-FFF2-40B4-BE49-F238E27FC236}">
+                <a16:creationId xmlns:a16="http://schemas.microsoft.com/office/drawing/2014/main" id="{7F7F5207-457B-1AC7-514F-29B1158C4B8A}"/>
+              </a:ext>
+            </a:extLst>
+          </p:cNvPr>
+          <p:cNvPicPr>
+            <a:picLocks noChangeAspect="1"/>
+          </p:cNvPicPr>
+          <p:nvPr/>
+        </p:nvPicPr>
+        <p:blipFill>
+          <a:blip r:embed="rId2">
+            <a:extLst>
+              <a:ext uri="{28A0092B-C50C-407E-A947-70E740481C1C}">
+                <a14:useLocalDpi xmlns:a14="http://schemas.microsoft.com/office/drawing/2010/main" val="0"/>
+              </a:ext>
+              <a:ext uri="{96DAC541-7B7A-43D3-8B79-37D633B846F1}">
+                <asvg:svgBlip xmlns:asvg="http://schemas.microsoft.com/office/drawing/2016/SVG/main" r:embed="rId3"/>
+              </a:ext>
+            </a:extLst>
+          </a:blip>
+          <a:stretch>
+            <a:fillRect/>
+          </a:stretch>
+        </p:blipFill>
+        <p:spPr>
+          <a:xfrm>
+            <a:off x="633999" y="1163529"/>
+            <a:ext cx="4001315" cy="4001315"/>
+          </a:xfrm>
+          <a:prstGeom prst="rect">
+            <a:avLst/>
+          </a:prstGeom>
+        </p:spPr>
+      </p:pic>
+      <p:cxnSp>
+        <p:nvCxnSpPr>
+          <p:cNvPr id="18" name="Straight Connector 17">
+            <a:extLst>
+              <a:ext uri="{FF2B5EF4-FFF2-40B4-BE49-F238E27FC236}">
+                <a16:creationId xmlns:a16="http://schemas.microsoft.com/office/drawing/2014/main" id="{7A49EFD3-A806-4D59-99F1-AA9AFAE4EF71}"/>
+              </a:ext>
+              <a:ext uri="{C183D7F6-B498-43B3-948B-1728B52AA6E4}">
+                <adec:decorative xmlns:adec="http://schemas.microsoft.com/office/drawing/2017/decorative" val="1"/>
+              </a:ext>
+            </a:extLst>
+          </p:cNvPr>
+          <p:cNvCxnSpPr>
+            <a:cxnSpLocks noGrp="1" noRot="1" noChangeAspect="1" noMove="1" noResize="1" noEditPoints="1" noAdjustHandles="1" noChangeArrowheads="1" noChangeShapeType="1"/>
+          </p:cNvCxnSpPr>
+          <p:nvPr>
+            <p:extLst>
+              <p:ext uri="{386F3935-93C4-4BCD-93E2-E3B085C9AB24}">
+                <p16:designElem xmlns:p16="http://schemas.microsoft.com/office/powerpoint/2015/main" val="1"/>
+              </p:ext>
+            </p:extLst>
+          </p:nvPr>
+        </p:nvCxnSpPr>
+        <p:spPr>
+          <a:xfrm>
+            <a:off x="5447071" y="4343400"/>
+            <a:ext cx="5636107" cy="0"/>
+          </a:xfrm>
+          <a:prstGeom prst="line">
+            <a:avLst/>
+          </a:prstGeom>
+          <a:ln w="6350">
+            <a:solidFill>
+              <a:schemeClr val="tx2">
+                <a:alpha val="90000"/>
+              </a:schemeClr>
+            </a:solidFill>
+          </a:ln>
+        </p:spPr>
+        <p:style>
+          <a:lnRef idx="1">
+            <a:schemeClr val="accent1"/>
+          </a:lnRef>
+          <a:fillRef idx="0">
+            <a:schemeClr val="accent1"/>
+          </a:fillRef>
+          <a:effectRef idx="0">
+            <a:schemeClr val="accent1"/>
+          </a:effectRef>
+          <a:fontRef idx="minor">
+            <a:schemeClr val="tx1"/>
+          </a:fontRef>
+        </p:style>
+      </p:cxnSp>
+      <p:sp>
+        <p:nvSpPr>
+          <p:cNvPr id="20" name="Rectangle 19">
+            <a:extLst>
+              <a:ext uri="{FF2B5EF4-FFF2-40B4-BE49-F238E27FC236}">
+                <a16:creationId xmlns:a16="http://schemas.microsoft.com/office/drawing/2014/main" id="{6D2F28D1-82F9-40FE-935C-85ECF7660D2D}"/>
+              </a:ext>
+              <a:ext uri="{C183D7F6-B498-43B3-948B-1728B52AA6E4}">
+                <adec:decorative xmlns:adec="http://schemas.microsoft.com/office/drawing/2017/decorative" val="1"/>
+              </a:ext>
+            </a:extLst>
+          </p:cNvPr>
+          <p:cNvSpPr>
+            <a:spLocks noGrp="1" noRot="1" noChangeAspect="1" noMove="1" noResize="1" noEditPoints="1" noAdjustHandles="1" noChangeArrowheads="1" noChangeShapeType="1" noTextEdit="1"/>
+          </p:cNvSpPr>
+          <p:nvPr>
+            <p:extLst>
+              <p:ext uri="{386F3935-93C4-4BCD-93E2-E3B085C9AB24}">
+                <p16:designElem xmlns:p16="http://schemas.microsoft.com/office/powerpoint/2015/main" val="1"/>
+              </p:ext>
+            </p:extLst>
+          </p:nvPr>
+        </p:nvSpPr>
+        <p:spPr>
+          <a:xfrm>
+            <a:off x="15" y="6334316"/>
+            <a:ext cx="12191985" cy="66484"/>
+          </a:xfrm>
+          <a:prstGeom prst="rect">
+            <a:avLst/>
+          </a:prstGeom>
+          <a:solidFill>
+            <a:schemeClr val="accent1"/>
+          </a:solidFill>
+          <a:ln>
+            <a:noFill/>
+          </a:ln>
+        </p:spPr>
+        <p:style>
+          <a:lnRef idx="2">
+            <a:schemeClr val="accent1">
+              <a:shade val="50000"/>
+            </a:schemeClr>
+          </a:lnRef>
+          <a:fillRef idx="1">
+            <a:schemeClr val="accent1"/>
+          </a:fillRef>
+          <a:effectRef idx="0">
+            <a:schemeClr val="accent1"/>
+          </a:effectRef>
+          <a:fontRef idx="minor">
+            <a:schemeClr val="lt1"/>
+          </a:fontRef>
+        </p:style>
+      </p:sp>
+      <p:sp>
+        <p:nvSpPr>
+          <p:cNvPr id="22" name="Rectangle 21">
+            <a:extLst>
+              <a:ext uri="{FF2B5EF4-FFF2-40B4-BE49-F238E27FC236}">
+                <a16:creationId xmlns:a16="http://schemas.microsoft.com/office/drawing/2014/main" id="{4B670E93-2F53-48FC-AB6C-E99E22D17F31}"/>
+              </a:ext>
+              <a:ext uri="{C183D7F6-B498-43B3-948B-1728B52AA6E4}">
+                <adec:decorative xmlns:adec="http://schemas.microsoft.com/office/drawing/2017/decorative" val="1"/>
+              </a:ext>
+            </a:extLst>
+          </p:cNvPr>
+          <p:cNvSpPr>
+            <a:spLocks noGrp="1" noRot="1" noChangeAspect="1" noMove="1" noResize="1" noEditPoints="1" noAdjustHandles="1" noChangeArrowheads="1" noChangeShapeType="1" noTextEdit="1"/>
+          </p:cNvSpPr>
+          <p:nvPr>
+            <p:extLst>
+              <p:ext uri="{386F3935-93C4-4BCD-93E2-E3B085C9AB24}">
+                <p16:designElem xmlns:p16="http://schemas.microsoft.com/office/powerpoint/2015/main" val="1"/>
+              </p:ext>
+            </p:extLst>
+          </p:nvPr>
+        </p:nvSpPr>
+        <p:spPr>
+          <a:xfrm>
+            <a:off x="1" y="6400800"/>
+            <a:ext cx="12192000" cy="457200"/>
+          </a:xfrm>
+          <a:prstGeom prst="rect">
+            <a:avLst/>
+          </a:prstGeom>
+          <a:solidFill>
+            <a:schemeClr val="accent2"/>
+          </a:solidFill>
+          <a:ln>
+            <a:noFill/>
+          </a:ln>
+        </p:spPr>
+        <p:style>
+          <a:lnRef idx="2">
+            <a:schemeClr val="accent1">
+              <a:shade val="50000"/>
+            </a:schemeClr>
+          </a:lnRef>
+          <a:fillRef idx="1">
+            <a:schemeClr val="accent1"/>
+          </a:fillRef>
+          <a:effectRef idx="0">
+            <a:schemeClr val="accent1"/>
+          </a:effectRef>
+          <a:fontRef idx="minor">
+            <a:schemeClr val="lt1"/>
+          </a:fontRef>
+        </p:style>
+      </p:sp>
+    </p:spTree>
+    <p:extLst>
+      <p:ext uri="{BB962C8B-B14F-4D97-AF65-F5344CB8AC3E}">
+        <p14:creationId xmlns:p14="http://schemas.microsoft.com/office/powerpoint/2010/main" val="2371512697"/>
+      </p:ext>
+    </p:extLst>
+  </p:cSld>
+  <p:clrMapOvr>
+    <a:masterClrMapping/>
+  </p:clrMapOvr>
+  <mc:AlternateContent xmlns:mc="http://schemas.openxmlformats.org/markup-compatibility/2006">
+    <mc:Choice xmlns:p14="http://schemas.microsoft.com/office/powerpoint/2010/main" Requires="p14">
+      <p:transition spd="med" p14:dur="700">
+        <p:fade/>
+      </p:transition>
+    </mc:Choice>
+    <mc:Fallback>
+      <p:transition spd="med">
+        <p:fade/>
+      </p:transition>
+    </mc:Fallback>
+  </mc:AlternateContent>
+</p:sld>
+</file>
+
+<file path=ppt/slides/slide14.xml><?xml version="1.0" encoding="utf-8"?>
 <p:sld xmlns:a="http://schemas.openxmlformats.org/drawingml/2006/main" xmlns:r="http://schemas.openxmlformats.org/officeDocument/2006/relationships" xmlns:p="http://schemas.openxmlformats.org/presentationml/2006/main">
   <p:cSld>
     <p:spTree>
@@ -8783,7 +11833,7 @@
                 <a:ea typeface="Roboto" panose="02000000000000000000" pitchFamily="2" charset="0"/>
                 <a:cs typeface="Roboto" panose="02000000000000000000" pitchFamily="2" charset="0"/>
               </a:rPr>
-              <a:t>3.Ưu </a:t>
+              <a:t>4.Ưu </a:t>
             </a:r>
             <a:r>
               <a:rPr lang="en-US" dirty="0" err="1">
@@ -10469,13 +13519,13 @@
   <p:clrMapOvr>
     <a:masterClrMapping/>
   </p:clrMapOvr>
-  <mc:AlternateContent xmlns:mc="http://schemas.openxmlformats.org/markup-compatibility/2006" xmlns:p14="http://schemas.microsoft.com/office/powerpoint/2010/main">
-    <mc:Choice Requires="p14">
+  <mc:AlternateContent xmlns:mc="http://schemas.openxmlformats.org/markup-compatibility/2006">
+    <mc:Choice xmlns:p14="http://schemas.microsoft.com/office/powerpoint/2010/main" Requires="p14">
       <p:transition spd="med" p14:dur="700">
         <p:fade/>
       </p:transition>
     </mc:Choice>
-    <mc:Fallback xmlns="">
+    <mc:Fallback>
       <p:transition spd="med">
         <p:fade/>
       </p:transition>
@@ -10484,7 +13534,7 @@
 </p:sld>
 </file>
 
-<file path=ppt/slides/slide11.xml><?xml version="1.0" encoding="utf-8"?>
+<file path=ppt/slides/slide15.xml><?xml version="1.0" encoding="utf-8"?>
 <p:sld xmlns:a="http://schemas.openxmlformats.org/drawingml/2006/main" xmlns:r="http://schemas.openxmlformats.org/officeDocument/2006/relationships" xmlns:p="http://schemas.openxmlformats.org/presentationml/2006/main">
   <p:cSld>
     <p:bg>
@@ -10653,7 +13703,7 @@
           <a:lstStyle/>
           <a:p>
             <a:r>
-              <a:rPr lang="en-US" sz="3600">
+              <a:rPr lang="en-US" sz="3600" dirty="0">
                 <a:solidFill>
                   <a:srgbClr val="FFFFFF"/>
                 </a:solidFill>
@@ -10661,8 +13711,71 @@
                 <a:ea typeface="Roboto" panose="02000000000000000000" pitchFamily="2" charset="0"/>
                 <a:cs typeface="Roboto" panose="02000000000000000000" pitchFamily="2" charset="0"/>
               </a:rPr>
-              <a:t>4. Hướng phát triển</a:t>
-            </a:r>
+              <a:t>5. </a:t>
+            </a:r>
+            <a:r>
+              <a:rPr lang="en-US" sz="3600" dirty="0" err="1">
+                <a:solidFill>
+                  <a:srgbClr val="FFFFFF"/>
+                </a:solidFill>
+                <a:latin typeface="Roboto" panose="02000000000000000000" pitchFamily="2" charset="0"/>
+                <a:ea typeface="Roboto" panose="02000000000000000000" pitchFamily="2" charset="0"/>
+                <a:cs typeface="Roboto" panose="02000000000000000000" pitchFamily="2" charset="0"/>
+              </a:rPr>
+              <a:t>Hướng</a:t>
+            </a:r>
+            <a:r>
+              <a:rPr lang="en-US" sz="3600" dirty="0">
+                <a:solidFill>
+                  <a:srgbClr val="FFFFFF"/>
+                </a:solidFill>
+                <a:latin typeface="Roboto" panose="02000000000000000000" pitchFamily="2" charset="0"/>
+                <a:ea typeface="Roboto" panose="02000000000000000000" pitchFamily="2" charset="0"/>
+                <a:cs typeface="Roboto" panose="02000000000000000000" pitchFamily="2" charset="0"/>
+              </a:rPr>
+              <a:t> </a:t>
+            </a:r>
+            <a:r>
+              <a:rPr lang="en-US" sz="3600" dirty="0" err="1">
+                <a:solidFill>
+                  <a:srgbClr val="FFFFFF"/>
+                </a:solidFill>
+                <a:latin typeface="Roboto" panose="02000000000000000000" pitchFamily="2" charset="0"/>
+                <a:ea typeface="Roboto" panose="02000000000000000000" pitchFamily="2" charset="0"/>
+                <a:cs typeface="Roboto" panose="02000000000000000000" pitchFamily="2" charset="0"/>
+              </a:rPr>
+              <a:t>phát</a:t>
+            </a:r>
+            <a:r>
+              <a:rPr lang="en-US" sz="3600" dirty="0">
+                <a:solidFill>
+                  <a:srgbClr val="FFFFFF"/>
+                </a:solidFill>
+                <a:latin typeface="Roboto" panose="02000000000000000000" pitchFamily="2" charset="0"/>
+                <a:ea typeface="Roboto" panose="02000000000000000000" pitchFamily="2" charset="0"/>
+                <a:cs typeface="Roboto" panose="02000000000000000000" pitchFamily="2" charset="0"/>
+              </a:rPr>
+              <a:t> </a:t>
+            </a:r>
+            <a:r>
+              <a:rPr lang="en-US" sz="3600" dirty="0" err="1">
+                <a:solidFill>
+                  <a:srgbClr val="FFFFFF"/>
+                </a:solidFill>
+                <a:latin typeface="Roboto" panose="02000000000000000000" pitchFamily="2" charset="0"/>
+                <a:ea typeface="Roboto" panose="02000000000000000000" pitchFamily="2" charset="0"/>
+                <a:cs typeface="Roboto" panose="02000000000000000000" pitchFamily="2" charset="0"/>
+              </a:rPr>
+              <a:t>triển</a:t>
+            </a:r>
+            <a:endParaRPr lang="en-US" sz="3600" dirty="0">
+              <a:solidFill>
+                <a:srgbClr val="FFFFFF"/>
+              </a:solidFill>
+              <a:latin typeface="Roboto" panose="02000000000000000000" pitchFamily="2" charset="0"/>
+              <a:ea typeface="Roboto" panose="02000000000000000000" pitchFamily="2" charset="0"/>
+              <a:cs typeface="Roboto" panose="02000000000000000000" pitchFamily="2" charset="0"/>
+            </a:endParaRPr>
           </a:p>
         </p:txBody>
       </p:sp>
@@ -10762,13 +13875,13 @@
   <p:clrMapOvr>
     <a:masterClrMapping/>
   </p:clrMapOvr>
-  <mc:AlternateContent xmlns:mc="http://schemas.openxmlformats.org/markup-compatibility/2006" xmlns:p14="http://schemas.microsoft.com/office/powerpoint/2010/main">
-    <mc:Choice Requires="p14">
+  <mc:AlternateContent xmlns:mc="http://schemas.openxmlformats.org/markup-compatibility/2006">
+    <mc:Choice xmlns:p14="http://schemas.microsoft.com/office/powerpoint/2010/main" Requires="p14">
       <p:transition spd="med" p14:dur="700">
         <p:fade/>
       </p:transition>
     </mc:Choice>
-    <mc:Fallback xmlns="">
+    <mc:Fallback>
       <p:transition spd="med">
         <p:fade/>
       </p:transition>
@@ -10777,7 +13890,7 @@
 </p:sld>
 </file>
 
-<file path=ppt/slides/slide12.xml><?xml version="1.0" encoding="utf-8"?>
+<file path=ppt/slides/slide16.xml><?xml version="1.0" encoding="utf-8"?>
 <p:sld xmlns:a="http://schemas.openxmlformats.org/drawingml/2006/main" xmlns:r="http://schemas.openxmlformats.org/officeDocument/2006/relationships" xmlns:p="http://schemas.openxmlformats.org/presentationml/2006/main">
   <p:cSld>
     <p:bg>
@@ -11292,10 +14405,22 @@
   <p:clrMapOvr>
     <a:masterClrMapping/>
   </p:clrMapOvr>
+  <mc:AlternateContent xmlns:mc="http://schemas.openxmlformats.org/markup-compatibility/2006">
+    <mc:Choice xmlns:p14="http://schemas.microsoft.com/office/powerpoint/2010/main" Requires="p14">
+      <p:transition spd="med" p14:dur="700">
+        <p:fade/>
+      </p:transition>
+    </mc:Choice>
+    <mc:Fallback>
+      <p:transition spd="med">
+        <p:fade/>
+      </p:transition>
+    </mc:Fallback>
+  </mc:AlternateContent>
 </p:sld>
 </file>
 
-<file path=ppt/slides/slide13.xml><?xml version="1.0" encoding="utf-8"?>
+<file path=ppt/slides/slide17.xml><?xml version="1.0" encoding="utf-8"?>
 <p:sld xmlns:a="http://schemas.openxmlformats.org/drawingml/2006/main" xmlns:r="http://schemas.openxmlformats.org/officeDocument/2006/relationships" xmlns:p="http://schemas.openxmlformats.org/presentationml/2006/main">
   <p:cSld>
     <p:spTree>
@@ -15991,6 +19116,18 @@
   <p:clrMapOvr>
     <a:masterClrMapping/>
   </p:clrMapOvr>
+  <mc:AlternateContent xmlns:mc="http://schemas.openxmlformats.org/markup-compatibility/2006">
+    <mc:Choice xmlns:p14="http://schemas.microsoft.com/office/powerpoint/2010/main" Requires="p14">
+      <p:transition spd="med" p14:dur="700">
+        <p:fade/>
+      </p:transition>
+    </mc:Choice>
+    <mc:Fallback>
+      <p:transition spd="med">
+        <p:fade/>
+      </p:transition>
+    </mc:Fallback>
+  </mc:AlternateContent>
 </p:sld>
 </file>
 
@@ -16150,6 +19287,89 @@
               <a:buAutoNum type="arabicPeriod"/>
             </a:pPr>
             <a:r>
+              <a:rPr lang="en-US" dirty="0" err="1">
+                <a:latin typeface="Roboto" panose="02000000000000000000" pitchFamily="2" charset="0"/>
+                <a:ea typeface="Roboto" panose="02000000000000000000" pitchFamily="2" charset="0"/>
+                <a:cs typeface="Roboto" panose="02000000000000000000" pitchFamily="2" charset="0"/>
+              </a:rPr>
+              <a:t>Phân</a:t>
+            </a:r>
+            <a:r>
+              <a:rPr lang="en-US" dirty="0">
+                <a:latin typeface="Roboto" panose="02000000000000000000" pitchFamily="2" charset="0"/>
+                <a:ea typeface="Roboto" panose="02000000000000000000" pitchFamily="2" charset="0"/>
+                <a:cs typeface="Roboto" panose="02000000000000000000" pitchFamily="2" charset="0"/>
+              </a:rPr>
+              <a:t> </a:t>
+            </a:r>
+            <a:r>
+              <a:rPr lang="en-US" dirty="0" err="1">
+                <a:latin typeface="Roboto" panose="02000000000000000000" pitchFamily="2" charset="0"/>
+                <a:ea typeface="Roboto" panose="02000000000000000000" pitchFamily="2" charset="0"/>
+                <a:cs typeface="Roboto" panose="02000000000000000000" pitchFamily="2" charset="0"/>
+              </a:rPr>
+              <a:t>tích</a:t>
+            </a:r>
+            <a:r>
+              <a:rPr lang="en-US" dirty="0">
+                <a:latin typeface="Roboto" panose="02000000000000000000" pitchFamily="2" charset="0"/>
+                <a:ea typeface="Roboto" panose="02000000000000000000" pitchFamily="2" charset="0"/>
+                <a:cs typeface="Roboto" panose="02000000000000000000" pitchFamily="2" charset="0"/>
+              </a:rPr>
+              <a:t> </a:t>
+            </a:r>
+            <a:r>
+              <a:rPr lang="en-US" dirty="0" err="1">
+                <a:latin typeface="Roboto" panose="02000000000000000000" pitchFamily="2" charset="0"/>
+                <a:ea typeface="Roboto" panose="02000000000000000000" pitchFamily="2" charset="0"/>
+                <a:cs typeface="Roboto" panose="02000000000000000000" pitchFamily="2" charset="0"/>
+              </a:rPr>
+              <a:t>và</a:t>
+            </a:r>
+            <a:r>
+              <a:rPr lang="en-US" dirty="0">
+                <a:latin typeface="Roboto" panose="02000000000000000000" pitchFamily="2" charset="0"/>
+                <a:ea typeface="Roboto" panose="02000000000000000000" pitchFamily="2" charset="0"/>
+                <a:cs typeface="Roboto" panose="02000000000000000000" pitchFamily="2" charset="0"/>
+              </a:rPr>
+              <a:t> </a:t>
+            </a:r>
+            <a:r>
+              <a:rPr lang="en-US" dirty="0" err="1">
+                <a:latin typeface="Roboto" panose="02000000000000000000" pitchFamily="2" charset="0"/>
+                <a:ea typeface="Roboto" panose="02000000000000000000" pitchFamily="2" charset="0"/>
+                <a:cs typeface="Roboto" panose="02000000000000000000" pitchFamily="2" charset="0"/>
+              </a:rPr>
+              <a:t>thiết</a:t>
+            </a:r>
+            <a:r>
+              <a:rPr lang="en-US" dirty="0">
+                <a:latin typeface="Roboto" panose="02000000000000000000" pitchFamily="2" charset="0"/>
+                <a:ea typeface="Roboto" panose="02000000000000000000" pitchFamily="2" charset="0"/>
+                <a:cs typeface="Roboto" panose="02000000000000000000" pitchFamily="2" charset="0"/>
+              </a:rPr>
+              <a:t> </a:t>
+            </a:r>
+            <a:r>
+              <a:rPr lang="en-US" dirty="0" err="1">
+                <a:latin typeface="Roboto" panose="02000000000000000000" pitchFamily="2" charset="0"/>
+                <a:ea typeface="Roboto" panose="02000000000000000000" pitchFamily="2" charset="0"/>
+                <a:cs typeface="Roboto" panose="02000000000000000000" pitchFamily="2" charset="0"/>
+              </a:rPr>
+              <a:t>kế</a:t>
+            </a:r>
+            <a:endParaRPr lang="en-US" dirty="0">
+              <a:latin typeface="Roboto" panose="02000000000000000000" pitchFamily="2" charset="0"/>
+              <a:ea typeface="Roboto" panose="02000000000000000000" pitchFamily="2" charset="0"/>
+              <a:cs typeface="Roboto" panose="02000000000000000000" pitchFamily="2" charset="0"/>
+            </a:endParaRPr>
+          </a:p>
+          <a:p>
+            <a:pPr marL="514350" indent="-514350">
+              <a:buFont typeface="+mj-lt"/>
+              <a:buAutoNum type="arabicPeriod"/>
+            </a:pPr>
+            <a:r>
               <a:rPr lang="en-US" dirty="0">
                 <a:latin typeface="Roboto" panose="02000000000000000000" pitchFamily="2" charset="0"/>
                 <a:ea typeface="Roboto" panose="02000000000000000000" pitchFamily="2" charset="0"/>
@@ -16343,13 +19563,13 @@
   <p:clrMapOvr>
     <a:masterClrMapping/>
   </p:clrMapOvr>
-  <mc:AlternateContent xmlns:mc="http://schemas.openxmlformats.org/markup-compatibility/2006" xmlns:p14="http://schemas.microsoft.com/office/powerpoint/2010/main">
-    <mc:Choice Requires="p14">
+  <mc:AlternateContent xmlns:mc="http://schemas.openxmlformats.org/markup-compatibility/2006">
+    <mc:Choice xmlns:p14="http://schemas.microsoft.com/office/powerpoint/2010/main" Requires="p14">
       <p:transition spd="med" p14:dur="700">
         <p:fade/>
       </p:transition>
     </mc:Choice>
-    <mc:Fallback xmlns="">
+    <mc:Fallback>
       <p:transition spd="med">
         <p:fade/>
       </p:transition>
@@ -16577,6 +19797,58 @@
                             </p:childTnLst>
                           </p:cTn>
                         </p:par>
+                        <p:par>
+                          <p:cTn id="20" fill="hold">
+                            <p:stCondLst>
+                              <p:cond delay="2000"/>
+                            </p:stCondLst>
+                            <p:childTnLst>
+                              <p:par>
+                                <p:cTn id="21" presetID="10" presetClass="entr" presetSubtype="0" fill="hold" nodeType="afterEffect">
+                                  <p:stCondLst>
+                                    <p:cond delay="0"/>
+                                  </p:stCondLst>
+                                  <p:childTnLst>
+                                    <p:set>
+                                      <p:cBhvr>
+                                        <p:cTn id="22" dur="1" fill="hold">
+                                          <p:stCondLst>
+                                            <p:cond delay="0"/>
+                                          </p:stCondLst>
+                                        </p:cTn>
+                                        <p:tgtEl>
+                                          <p:spTgt spid="3">
+                                            <p:txEl>
+                                              <p:pRg st="4" end="4"/>
+                                            </p:txEl>
+                                          </p:spTgt>
+                                        </p:tgtEl>
+                                        <p:attrNameLst>
+                                          <p:attrName>style.visibility</p:attrName>
+                                        </p:attrNameLst>
+                                      </p:cBhvr>
+                                      <p:to>
+                                        <p:strVal val="visible"/>
+                                      </p:to>
+                                    </p:set>
+                                    <p:animEffect transition="in" filter="fade">
+                                      <p:cBhvr>
+                                        <p:cTn id="23" dur="500"/>
+                                        <p:tgtEl>
+                                          <p:spTgt spid="3">
+                                            <p:txEl>
+                                              <p:pRg st="4" end="4"/>
+                                            </p:txEl>
+                                          </p:spTgt>
+                                        </p:tgtEl>
+                                      </p:cBhvr>
+                                    </p:animEffect>
+                                  </p:childTnLst>
+                                </p:cTn>
+                              </p:par>
+                            </p:childTnLst>
+                          </p:cTn>
+                        </p:par>
                       </p:childTnLst>
                     </p:cTn>
                   </p:par>
@@ -17028,12 +20300,20 @@
               <a:buAutoNum type="arabicPeriod"/>
             </a:pPr>
             <a:r>
+              <a:rPr lang="en-US" dirty="0">
+                <a:latin typeface="Roboto" panose="02000000000000000000" pitchFamily="2" charset="0"/>
+                <a:ea typeface="Roboto" panose="02000000000000000000" pitchFamily="2" charset="0"/>
+                <a:cs typeface="Roboto" panose="02000000000000000000" pitchFamily="2" charset="0"/>
+              </a:rPr>
+              <a:t>Nhu </a:t>
+            </a:r>
+            <a:r>
               <a:rPr lang="en-US" dirty="0" err="1">
                 <a:latin typeface="Roboto" panose="02000000000000000000" pitchFamily="2" charset="0"/>
                 <a:ea typeface="Roboto" panose="02000000000000000000" pitchFamily="2" charset="0"/>
                 <a:cs typeface="Roboto" panose="02000000000000000000" pitchFamily="2" charset="0"/>
               </a:rPr>
-              <a:t>Các</a:t>
+              <a:t>cầu</a:t>
             </a:r>
             <a:r>
               <a:rPr lang="en-US" dirty="0">
@@ -17041,7 +20321,7 @@
                 <a:ea typeface="Roboto" panose="02000000000000000000" pitchFamily="2" charset="0"/>
                 <a:cs typeface="Roboto" panose="02000000000000000000" pitchFamily="2" charset="0"/>
               </a:rPr>
-              <a:t> video </a:t>
+              <a:t> </a:t>
             </a:r>
             <a:r>
               <a:rPr lang="en-US" dirty="0" err="1">
@@ -17049,7 +20329,7 @@
                 <a:ea typeface="Roboto" panose="02000000000000000000" pitchFamily="2" charset="0"/>
                 <a:cs typeface="Roboto" panose="02000000000000000000" pitchFamily="2" charset="0"/>
               </a:rPr>
-              <a:t>được</a:t>
+              <a:t>thể</a:t>
             </a:r>
             <a:r>
               <a:rPr lang="en-US" dirty="0">
@@ -17065,7 +20345,7 @@
                 <a:ea typeface="Roboto" panose="02000000000000000000" pitchFamily="2" charset="0"/>
                 <a:cs typeface="Roboto" panose="02000000000000000000" pitchFamily="2" charset="0"/>
               </a:rPr>
-              <a:t>ưa</a:t>
+              <a:t>hiện</a:t>
             </a:r>
             <a:r>
               <a:rPr lang="en-US" dirty="0">
@@ -17081,7 +20361,7 @@
                 <a:ea typeface="Roboto" panose="02000000000000000000" pitchFamily="2" charset="0"/>
                 <a:cs typeface="Roboto" panose="02000000000000000000" pitchFamily="2" charset="0"/>
               </a:rPr>
-              <a:t>chuộng</a:t>
+              <a:t>bản</a:t>
             </a:r>
             <a:r>
               <a:rPr lang="en-US" dirty="0">
@@ -17097,229 +20377,7 @@
                 <a:ea typeface="Roboto" panose="02000000000000000000" pitchFamily="2" charset="0"/>
                 <a:cs typeface="Roboto" panose="02000000000000000000" pitchFamily="2" charset="0"/>
               </a:rPr>
-              <a:t>trên</a:t>
-            </a:r>
-            <a:r>
-              <a:rPr lang="en-US" dirty="0">
-                <a:latin typeface="Roboto" panose="02000000000000000000" pitchFamily="2" charset="0"/>
-                <a:ea typeface="Roboto" panose="02000000000000000000" pitchFamily="2" charset="0"/>
-                <a:cs typeface="Roboto" panose="02000000000000000000" pitchFamily="2" charset="0"/>
-              </a:rPr>
-              <a:t> </a:t>
-            </a:r>
-            <a:r>
-              <a:rPr lang="en-US" dirty="0" err="1">
-                <a:latin typeface="Roboto" panose="02000000000000000000" pitchFamily="2" charset="0"/>
-                <a:ea typeface="Roboto" panose="02000000000000000000" pitchFamily="2" charset="0"/>
-                <a:cs typeface="Roboto" panose="02000000000000000000" pitchFamily="2" charset="0"/>
-              </a:rPr>
-              <a:t>mạng</a:t>
-            </a:r>
-            <a:r>
-              <a:rPr lang="en-US" dirty="0">
-                <a:latin typeface="Roboto" panose="02000000000000000000" pitchFamily="2" charset="0"/>
-                <a:ea typeface="Roboto" panose="02000000000000000000" pitchFamily="2" charset="0"/>
-                <a:cs typeface="Roboto" panose="02000000000000000000" pitchFamily="2" charset="0"/>
-              </a:rPr>
-              <a:t> </a:t>
-            </a:r>
-            <a:r>
-              <a:rPr lang="en-US" dirty="0" err="1">
-                <a:latin typeface="Roboto" panose="02000000000000000000" pitchFamily="2" charset="0"/>
-                <a:ea typeface="Roboto" panose="02000000000000000000" pitchFamily="2" charset="0"/>
-                <a:cs typeface="Roboto" panose="02000000000000000000" pitchFamily="2" charset="0"/>
-              </a:rPr>
-              <a:t>là</a:t>
-            </a:r>
-            <a:r>
-              <a:rPr lang="en-US" dirty="0">
-                <a:latin typeface="Roboto" panose="02000000000000000000" pitchFamily="2" charset="0"/>
-                <a:ea typeface="Roboto" panose="02000000000000000000" pitchFamily="2" charset="0"/>
-                <a:cs typeface="Roboto" panose="02000000000000000000" pitchFamily="2" charset="0"/>
-              </a:rPr>
-              <a:t> </a:t>
-            </a:r>
-            <a:r>
-              <a:rPr lang="en-US" dirty="0" err="1">
-                <a:latin typeface="Roboto" panose="02000000000000000000" pitchFamily="2" charset="0"/>
-                <a:ea typeface="Roboto" panose="02000000000000000000" pitchFamily="2" charset="0"/>
-                <a:cs typeface="Roboto" panose="02000000000000000000" pitchFamily="2" charset="0"/>
-              </a:rPr>
-              <a:t>các</a:t>
-            </a:r>
-            <a:r>
-              <a:rPr lang="en-US" dirty="0">
-                <a:latin typeface="Roboto" panose="02000000000000000000" pitchFamily="2" charset="0"/>
-                <a:ea typeface="Roboto" panose="02000000000000000000" pitchFamily="2" charset="0"/>
-                <a:cs typeface="Roboto" panose="02000000000000000000" pitchFamily="2" charset="0"/>
-              </a:rPr>
-              <a:t> video </a:t>
-            </a:r>
-            <a:r>
-              <a:rPr lang="en-US" dirty="0" err="1">
-                <a:latin typeface="Roboto" panose="02000000000000000000" pitchFamily="2" charset="0"/>
-                <a:ea typeface="Roboto" panose="02000000000000000000" pitchFamily="2" charset="0"/>
-                <a:cs typeface="Roboto" panose="02000000000000000000" pitchFamily="2" charset="0"/>
-              </a:rPr>
-              <a:t>ngắn</a:t>
-            </a:r>
-            <a:r>
-              <a:rPr lang="en-US" dirty="0">
-                <a:latin typeface="Roboto" panose="02000000000000000000" pitchFamily="2" charset="0"/>
-                <a:ea typeface="Roboto" panose="02000000000000000000" pitchFamily="2" charset="0"/>
-                <a:cs typeface="Roboto" panose="02000000000000000000" pitchFamily="2" charset="0"/>
-              </a:rPr>
-              <a:t> </a:t>
-            </a:r>
-            <a:r>
-              <a:rPr lang="en-US" dirty="0" err="1">
-                <a:latin typeface="Roboto" panose="02000000000000000000" pitchFamily="2" charset="0"/>
-                <a:ea typeface="Roboto" panose="02000000000000000000" pitchFamily="2" charset="0"/>
-                <a:cs typeface="Roboto" panose="02000000000000000000" pitchFamily="2" charset="0"/>
-              </a:rPr>
-              <a:t>dạng</a:t>
-            </a:r>
-            <a:r>
-              <a:rPr lang="en-US" dirty="0">
-                <a:latin typeface="Roboto" panose="02000000000000000000" pitchFamily="2" charset="0"/>
-                <a:ea typeface="Roboto" panose="02000000000000000000" pitchFamily="2" charset="0"/>
-                <a:cs typeface="Roboto" panose="02000000000000000000" pitchFamily="2" charset="0"/>
-              </a:rPr>
-              <a:t> </a:t>
-            </a:r>
-            <a:r>
-              <a:rPr lang="en-US" dirty="0" err="1">
-                <a:latin typeface="Roboto" panose="02000000000000000000" pitchFamily="2" charset="0"/>
-                <a:ea typeface="Roboto" panose="02000000000000000000" pitchFamily="2" charset="0"/>
-                <a:cs typeface="Roboto" panose="02000000000000000000" pitchFamily="2" charset="0"/>
-              </a:rPr>
-              <a:t>dọc</a:t>
-            </a:r>
-            <a:r>
-              <a:rPr lang="en-US" dirty="0">
-                <a:latin typeface="Roboto" panose="02000000000000000000" pitchFamily="2" charset="0"/>
-                <a:ea typeface="Roboto" panose="02000000000000000000" pitchFamily="2" charset="0"/>
-                <a:cs typeface="Roboto" panose="02000000000000000000" pitchFamily="2" charset="0"/>
-              </a:rPr>
-              <a:t>. </a:t>
-            </a:r>
-          </a:p>
-          <a:p>
-            <a:pPr marL="514350" indent="-514350">
-              <a:buFont typeface="+mj-lt"/>
-              <a:buAutoNum type="arabicPeriod"/>
-            </a:pPr>
-            <a:r>
-              <a:rPr lang="en-US" dirty="0">
-                <a:latin typeface="Roboto" panose="02000000000000000000" pitchFamily="2" charset="0"/>
-                <a:ea typeface="Roboto" panose="02000000000000000000" pitchFamily="2" charset="0"/>
-                <a:cs typeface="Roboto" panose="02000000000000000000" pitchFamily="2" charset="0"/>
-              </a:rPr>
-              <a:t>Nhu </a:t>
-            </a:r>
-            <a:r>
-              <a:rPr lang="en-US" dirty="0" err="1">
-                <a:latin typeface="Roboto" panose="02000000000000000000" pitchFamily="2" charset="0"/>
-                <a:ea typeface="Roboto" panose="02000000000000000000" pitchFamily="2" charset="0"/>
-                <a:cs typeface="Roboto" panose="02000000000000000000" pitchFamily="2" charset="0"/>
-              </a:rPr>
-              <a:t>cầu</a:t>
-            </a:r>
-            <a:r>
-              <a:rPr lang="en-US" dirty="0">
-                <a:latin typeface="Roboto" panose="02000000000000000000" pitchFamily="2" charset="0"/>
-                <a:ea typeface="Roboto" panose="02000000000000000000" pitchFamily="2" charset="0"/>
-                <a:cs typeface="Roboto" panose="02000000000000000000" pitchFamily="2" charset="0"/>
-              </a:rPr>
-              <a:t> </a:t>
-            </a:r>
-            <a:r>
-              <a:rPr lang="en-US" dirty="0" err="1">
-                <a:latin typeface="Roboto" panose="02000000000000000000" pitchFamily="2" charset="0"/>
-                <a:ea typeface="Roboto" panose="02000000000000000000" pitchFamily="2" charset="0"/>
-                <a:cs typeface="Roboto" panose="02000000000000000000" pitchFamily="2" charset="0"/>
-              </a:rPr>
-              <a:t>thể</a:t>
-            </a:r>
-            <a:r>
-              <a:rPr lang="en-US" dirty="0">
-                <a:latin typeface="Roboto" panose="02000000000000000000" pitchFamily="2" charset="0"/>
-                <a:ea typeface="Roboto" panose="02000000000000000000" pitchFamily="2" charset="0"/>
-                <a:cs typeface="Roboto" panose="02000000000000000000" pitchFamily="2" charset="0"/>
-              </a:rPr>
-              <a:t> </a:t>
-            </a:r>
-            <a:r>
-              <a:rPr lang="en-US" dirty="0" err="1">
-                <a:latin typeface="Roboto" panose="02000000000000000000" pitchFamily="2" charset="0"/>
-                <a:ea typeface="Roboto" panose="02000000000000000000" pitchFamily="2" charset="0"/>
-                <a:cs typeface="Roboto" panose="02000000000000000000" pitchFamily="2" charset="0"/>
-              </a:rPr>
-              <a:t>hiện</a:t>
-            </a:r>
-            <a:r>
-              <a:rPr lang="en-US" dirty="0">
-                <a:latin typeface="Roboto" panose="02000000000000000000" pitchFamily="2" charset="0"/>
-                <a:ea typeface="Roboto" panose="02000000000000000000" pitchFamily="2" charset="0"/>
-                <a:cs typeface="Roboto" panose="02000000000000000000" pitchFamily="2" charset="0"/>
-              </a:rPr>
-              <a:t> </a:t>
-            </a:r>
-            <a:r>
-              <a:rPr lang="en-US" dirty="0" err="1">
-                <a:latin typeface="Roboto" panose="02000000000000000000" pitchFamily="2" charset="0"/>
-                <a:ea typeface="Roboto" panose="02000000000000000000" pitchFamily="2" charset="0"/>
-                <a:cs typeface="Roboto" panose="02000000000000000000" pitchFamily="2" charset="0"/>
-              </a:rPr>
-              <a:t>bản</a:t>
-            </a:r>
-            <a:r>
-              <a:rPr lang="en-US" dirty="0">
-                <a:latin typeface="Roboto" panose="02000000000000000000" pitchFamily="2" charset="0"/>
-                <a:ea typeface="Roboto" panose="02000000000000000000" pitchFamily="2" charset="0"/>
-                <a:cs typeface="Roboto" panose="02000000000000000000" pitchFamily="2" charset="0"/>
-              </a:rPr>
-              <a:t> </a:t>
-            </a:r>
-            <a:r>
-              <a:rPr lang="en-US" dirty="0" err="1">
-                <a:latin typeface="Roboto" panose="02000000000000000000" pitchFamily="2" charset="0"/>
-                <a:ea typeface="Roboto" panose="02000000000000000000" pitchFamily="2" charset="0"/>
-                <a:cs typeface="Roboto" panose="02000000000000000000" pitchFamily="2" charset="0"/>
-              </a:rPr>
               <a:t>thân</a:t>
-            </a:r>
-            <a:r>
-              <a:rPr lang="en-US" dirty="0">
-                <a:latin typeface="Roboto" panose="02000000000000000000" pitchFamily="2" charset="0"/>
-                <a:ea typeface="Roboto" panose="02000000000000000000" pitchFamily="2" charset="0"/>
-                <a:cs typeface="Roboto" panose="02000000000000000000" pitchFamily="2" charset="0"/>
-              </a:rPr>
-              <a:t> </a:t>
-            </a:r>
-            <a:r>
-              <a:rPr lang="en-US" dirty="0" err="1">
-                <a:latin typeface="Roboto" panose="02000000000000000000" pitchFamily="2" charset="0"/>
-                <a:ea typeface="Roboto" panose="02000000000000000000" pitchFamily="2" charset="0"/>
-                <a:cs typeface="Roboto" panose="02000000000000000000" pitchFamily="2" charset="0"/>
-              </a:rPr>
-              <a:t>thay</a:t>
-            </a:r>
-            <a:r>
-              <a:rPr lang="en-US" dirty="0">
-                <a:latin typeface="Roboto" panose="02000000000000000000" pitchFamily="2" charset="0"/>
-                <a:ea typeface="Roboto" panose="02000000000000000000" pitchFamily="2" charset="0"/>
-                <a:cs typeface="Roboto" panose="02000000000000000000" pitchFamily="2" charset="0"/>
-              </a:rPr>
-              <a:t> </a:t>
-            </a:r>
-            <a:r>
-              <a:rPr lang="en-US" dirty="0" err="1">
-                <a:latin typeface="Roboto" panose="02000000000000000000" pitchFamily="2" charset="0"/>
-                <a:ea typeface="Roboto" panose="02000000000000000000" pitchFamily="2" charset="0"/>
-                <a:cs typeface="Roboto" panose="02000000000000000000" pitchFamily="2" charset="0"/>
-              </a:rPr>
-              <a:t>đổi</a:t>
             </a:r>
             <a:r>
               <a:rPr lang="en-US" dirty="0">
@@ -17452,13 +20510,13 @@
   <p:clrMapOvr>
     <a:masterClrMapping/>
   </p:clrMapOvr>
-  <mc:AlternateContent xmlns:mc="http://schemas.openxmlformats.org/markup-compatibility/2006" xmlns:p14="http://schemas.microsoft.com/office/powerpoint/2010/main">
-    <mc:Choice Requires="p14">
+  <mc:AlternateContent xmlns:mc="http://schemas.openxmlformats.org/markup-compatibility/2006">
+    <mc:Choice xmlns:p14="http://schemas.microsoft.com/office/powerpoint/2010/main" Requires="p14">
       <p:transition spd="med" p14:dur="700">
         <p:fade/>
       </p:transition>
     </mc:Choice>
-    <mc:Fallback xmlns="">
+    <mc:Fallback>
       <p:transition spd="med">
         <p:fade/>
       </p:transition>
@@ -17580,67 +20638,6 @@
                                           <p:spTgt spid="3">
                                             <p:txEl>
                                               <p:pRg st="1" end="1"/>
-                                            </p:txEl>
-                                          </p:spTgt>
-                                        </p:tgtEl>
-                                      </p:cBhvr>
-                                    </p:animEffect>
-                                  </p:childTnLst>
-                                </p:cTn>
-                              </p:par>
-                            </p:childTnLst>
-                          </p:cTn>
-                        </p:par>
-                      </p:childTnLst>
-                    </p:cTn>
-                  </p:par>
-                  <p:par>
-                    <p:cTn id="13" fill="hold">
-                      <p:stCondLst>
-                        <p:cond delay="indefinite"/>
-                      </p:stCondLst>
-                      <p:childTnLst>
-                        <p:par>
-                          <p:cTn id="14" fill="hold">
-                            <p:stCondLst>
-                              <p:cond delay="0"/>
-                            </p:stCondLst>
-                            <p:childTnLst>
-                              <p:par>
-                                <p:cTn id="15" presetID="10" presetClass="entr" presetSubtype="0" fill="hold" nodeType="clickEffect">
-                                  <p:stCondLst>
-                                    <p:cond delay="0"/>
-                                  </p:stCondLst>
-                                  <p:childTnLst>
-                                    <p:set>
-                                      <p:cBhvr>
-                                        <p:cTn id="16" dur="1" fill="hold">
-                                          <p:stCondLst>
-                                            <p:cond delay="0"/>
-                                          </p:stCondLst>
-                                        </p:cTn>
-                                        <p:tgtEl>
-                                          <p:spTgt spid="3">
-                                            <p:txEl>
-                                              <p:pRg st="2" end="2"/>
-                                            </p:txEl>
-                                          </p:spTgt>
-                                        </p:tgtEl>
-                                        <p:attrNameLst>
-                                          <p:attrName>style.visibility</p:attrName>
-                                        </p:attrNameLst>
-                                      </p:cBhvr>
-                                      <p:to>
-                                        <p:strVal val="visible"/>
-                                      </p:to>
-                                    </p:set>
-                                    <p:animEffect transition="in" filter="fade">
-                                      <p:cBhvr>
-                                        <p:cTn id="17" dur="500"/>
-                                        <p:tgtEl>
-                                          <p:spTgt spid="3">
-                                            <p:txEl>
-                                              <p:pRg st="2" end="2"/>
                                             </p:txEl>
                                           </p:spTgt>
                                         </p:tgtEl>
@@ -18600,13 +21597,13 @@
   <p:clrMapOvr>
     <a:masterClrMapping/>
   </p:clrMapOvr>
-  <mc:AlternateContent xmlns:mc="http://schemas.openxmlformats.org/markup-compatibility/2006" xmlns:p14="http://schemas.microsoft.com/office/powerpoint/2010/main">
-    <mc:Choice Requires="p14">
+  <mc:AlternateContent xmlns:mc="http://schemas.openxmlformats.org/markup-compatibility/2006">
+    <mc:Choice xmlns:p14="http://schemas.microsoft.com/office/powerpoint/2010/main" Requires="p14">
       <p:transition spd="med" p14:dur="700">
         <p:fade/>
       </p:transition>
     </mc:Choice>
-    <mc:Fallback xmlns="">
+    <mc:Fallback>
       <p:transition spd="med">
         <p:fade/>
       </p:transition>
@@ -18946,157 +21943,6 @@
       </p:sp>
       <p:sp>
         <p:nvSpPr>
-          <p:cNvPr id="2" name="Title 1">
-            <a:extLst>
-              <a:ext uri="{FF2B5EF4-FFF2-40B4-BE49-F238E27FC236}">
-                <a16:creationId xmlns:a16="http://schemas.microsoft.com/office/drawing/2014/main" id="{32D2AB3F-4AAA-A5FD-7001-36DECE6EF1E7}"/>
-              </a:ext>
-            </a:extLst>
-          </p:cNvPr>
-          <p:cNvSpPr>
-            <a:spLocks noGrp="1"/>
-          </p:cNvSpPr>
-          <p:nvPr>
-            <p:ph type="title"/>
-          </p:nvPr>
-        </p:nvSpPr>
-        <p:spPr>
-          <a:xfrm>
-            <a:off x="492370" y="605896"/>
-            <a:ext cx="3084844" cy="5646208"/>
-          </a:xfrm>
-        </p:spPr>
-        <p:txBody>
-          <a:bodyPr anchor="ctr">
-            <a:normAutofit/>
-          </a:bodyPr>
-          <a:lstStyle/>
-          <a:p>
-            <a:r>
-              <a:rPr lang="en-US" sz="3600" dirty="0">
-                <a:solidFill>
-                  <a:srgbClr val="FFFFFF"/>
-                </a:solidFill>
-              </a:rPr>
-              <a:t>1.1 Xu </a:t>
-            </a:r>
-            <a:r>
-              <a:rPr lang="en-US" sz="3600" dirty="0" err="1">
-                <a:solidFill>
-                  <a:srgbClr val="FFFFFF"/>
-                </a:solidFill>
-              </a:rPr>
-              <a:t>hướng</a:t>
-            </a:r>
-            <a:r>
-              <a:rPr lang="en-US" sz="3600" dirty="0">
-                <a:solidFill>
-                  <a:srgbClr val="FFFFFF"/>
-                </a:solidFill>
-              </a:rPr>
-              <a:t> </a:t>
-            </a:r>
-            <a:r>
-              <a:rPr lang="en-US" sz="3600" dirty="0" err="1">
-                <a:solidFill>
-                  <a:srgbClr val="FFFFFF"/>
-                </a:solidFill>
-              </a:rPr>
-              <a:t>lên</a:t>
-            </a:r>
-            <a:r>
-              <a:rPr lang="en-US" sz="3600" dirty="0">
-                <a:solidFill>
-                  <a:srgbClr val="FFFFFF"/>
-                </a:solidFill>
-              </a:rPr>
-              <a:t> </a:t>
-            </a:r>
-            <a:r>
-              <a:rPr lang="en-US" sz="3600" dirty="0" err="1">
-                <a:solidFill>
-                  <a:srgbClr val="FFFFFF"/>
-                </a:solidFill>
-              </a:rPr>
-              <a:t>mạng</a:t>
-            </a:r>
-            <a:r>
-              <a:rPr lang="en-US" sz="3600" dirty="0">
-                <a:solidFill>
-                  <a:srgbClr val="FFFFFF"/>
-                </a:solidFill>
-              </a:rPr>
-              <a:t> </a:t>
-            </a:r>
-            <a:r>
-              <a:rPr lang="en-US" sz="3600" dirty="0" err="1">
-                <a:solidFill>
-                  <a:srgbClr val="FFFFFF"/>
-                </a:solidFill>
-              </a:rPr>
-              <a:t>xã</a:t>
-            </a:r>
-            <a:r>
-              <a:rPr lang="en-US" sz="3600" dirty="0">
-                <a:solidFill>
-                  <a:srgbClr val="FFFFFF"/>
-                </a:solidFill>
-              </a:rPr>
-              <a:t> </a:t>
-            </a:r>
-            <a:r>
-              <a:rPr lang="en-US" sz="3600" dirty="0" err="1">
-                <a:solidFill>
-                  <a:srgbClr val="FFFFFF"/>
-                </a:solidFill>
-              </a:rPr>
-              <a:t>hội</a:t>
-            </a:r>
-            <a:r>
-              <a:rPr lang="en-US" sz="3600" dirty="0">
-                <a:solidFill>
-                  <a:srgbClr val="FFFFFF"/>
-                </a:solidFill>
-              </a:rPr>
-              <a:t> </a:t>
-            </a:r>
-            <a:r>
-              <a:rPr lang="en-US" sz="3600" dirty="0" err="1">
-                <a:solidFill>
-                  <a:srgbClr val="FFFFFF"/>
-                </a:solidFill>
-              </a:rPr>
-              <a:t>thay</a:t>
-            </a:r>
-            <a:r>
-              <a:rPr lang="en-US" sz="3600" dirty="0">
-                <a:solidFill>
-                  <a:srgbClr val="FFFFFF"/>
-                </a:solidFill>
-              </a:rPr>
-              <a:t> </a:t>
-            </a:r>
-            <a:r>
-              <a:rPr lang="en-US" sz="3600" dirty="0" err="1">
-                <a:solidFill>
-                  <a:srgbClr val="FFFFFF"/>
-                </a:solidFill>
-              </a:rPr>
-              <a:t>đổi</a:t>
-            </a:r>
-            <a:r>
-              <a:rPr lang="en-US" sz="3600" dirty="0">
-                <a:solidFill>
-                  <a:srgbClr val="FFFFFF"/>
-                </a:solidFill>
-              </a:rPr>
-              <a:t>.</a:t>
-            </a:r>
-          </a:p>
-        </p:txBody>
-      </p:sp>
-      <p:sp>
-        <p:nvSpPr>
           <p:cNvPr id="12" name="Rectangle 11">
             <a:extLst>
               <a:ext uri="{FF2B5EF4-FFF2-40B4-BE49-F238E27FC236}">
@@ -19246,6 +22092,179 @@
           </a:extLst>
         </p:spPr>
       </p:pic>
+      <p:sp>
+        <p:nvSpPr>
+          <p:cNvPr id="5" name="Title 1">
+            <a:extLst>
+              <a:ext uri="{FF2B5EF4-FFF2-40B4-BE49-F238E27FC236}">
+                <a16:creationId xmlns:a16="http://schemas.microsoft.com/office/drawing/2014/main" id="{18C4111C-D2BE-08A8-0F09-F47B2296A05F}"/>
+              </a:ext>
+            </a:extLst>
+          </p:cNvPr>
+          <p:cNvSpPr txBox="1">
+            <a:spLocks/>
+          </p:cNvSpPr>
+          <p:nvPr/>
+        </p:nvSpPr>
+        <p:spPr>
+          <a:xfrm>
+            <a:off x="457200" y="640080"/>
+            <a:ext cx="3659246" cy="2926080"/>
+          </a:xfrm>
+          <a:prstGeom prst="rect">
+            <a:avLst/>
+          </a:prstGeom>
+        </p:spPr>
+        <p:txBody>
+          <a:bodyPr vert="horz" lIns="91440" tIns="45720" rIns="91440" bIns="45720" rtlCol="0" anchor="b">
+            <a:normAutofit/>
+          </a:bodyPr>
+          <a:lstStyle>
+            <a:lvl1pPr marL="0" algn="l" defTabSz="914400" rtl="0" eaLnBrk="1" latinLnBrk="0" hangingPunct="1">
+              <a:lnSpc>
+                <a:spcPct val="85000"/>
+              </a:lnSpc>
+              <a:spcBef>
+                <a:spcPct val="0"/>
+              </a:spcBef>
+              <a:buNone/>
+              <a:defRPr sz="4800" kern="1200" spc="-50" baseline="0">
+                <a:solidFill>
+                  <a:schemeClr val="tx1">
+                    <a:lumMod val="75000"/>
+                    <a:lumOff val="25000"/>
+                  </a:schemeClr>
+                </a:solidFill>
+                <a:latin typeface="+mj-lt"/>
+                <a:ea typeface="+mj-ea"/>
+                <a:cs typeface="+mj-cs"/>
+              </a:defRPr>
+            </a:lvl1pPr>
+          </a:lstStyle>
+          <a:p>
+            <a:r>
+              <a:rPr lang="en-US" dirty="0">
+                <a:solidFill>
+                  <a:srgbClr val="FFFFFF"/>
+                </a:solidFill>
+              </a:rPr>
+              <a:t>1.1 Xu </a:t>
+            </a:r>
+            <a:r>
+              <a:rPr lang="en-US" dirty="0" err="1">
+                <a:solidFill>
+                  <a:srgbClr val="FFFFFF"/>
+                </a:solidFill>
+              </a:rPr>
+              <a:t>hướng</a:t>
+            </a:r>
+            <a:r>
+              <a:rPr lang="en-US" dirty="0">
+                <a:solidFill>
+                  <a:srgbClr val="FFFFFF"/>
+                </a:solidFill>
+              </a:rPr>
+              <a:t> </a:t>
+            </a:r>
+            <a:r>
+              <a:rPr lang="en-US" dirty="0" err="1">
+                <a:solidFill>
+                  <a:srgbClr val="FFFFFF"/>
+                </a:solidFill>
+              </a:rPr>
+              <a:t>lên</a:t>
+            </a:r>
+            <a:r>
+              <a:rPr lang="en-US" dirty="0">
+                <a:solidFill>
+                  <a:srgbClr val="FFFFFF"/>
+                </a:solidFill>
+              </a:rPr>
+              <a:t> </a:t>
+            </a:r>
+            <a:r>
+              <a:rPr lang="en-US" dirty="0" err="1">
+                <a:solidFill>
+                  <a:srgbClr val="FFFFFF"/>
+                </a:solidFill>
+              </a:rPr>
+              <a:t>mạng</a:t>
+            </a:r>
+            <a:r>
+              <a:rPr lang="en-US" dirty="0">
+                <a:solidFill>
+                  <a:srgbClr val="FFFFFF"/>
+                </a:solidFill>
+              </a:rPr>
+              <a:t> </a:t>
+            </a:r>
+            <a:r>
+              <a:rPr lang="en-US" dirty="0" err="1">
+                <a:solidFill>
+                  <a:srgbClr val="FFFFFF"/>
+                </a:solidFill>
+              </a:rPr>
+              <a:t>xã</a:t>
+            </a:r>
+            <a:r>
+              <a:rPr lang="en-US" dirty="0">
+                <a:solidFill>
+                  <a:srgbClr val="FFFFFF"/>
+                </a:solidFill>
+              </a:rPr>
+              <a:t> </a:t>
+            </a:r>
+            <a:r>
+              <a:rPr lang="en-US" dirty="0" err="1">
+                <a:solidFill>
+                  <a:srgbClr val="FFFFFF"/>
+                </a:solidFill>
+              </a:rPr>
+              <a:t>hội</a:t>
+            </a:r>
+            <a:r>
+              <a:rPr lang="en-US" dirty="0">
+                <a:solidFill>
+                  <a:srgbClr val="FFFFFF"/>
+                </a:solidFill>
+              </a:rPr>
+              <a:t> </a:t>
+            </a:r>
+            <a:r>
+              <a:rPr lang="en-US" dirty="0" err="1">
+                <a:solidFill>
+                  <a:srgbClr val="FFFFFF"/>
+                </a:solidFill>
+              </a:rPr>
+              <a:t>thay</a:t>
+            </a:r>
+            <a:r>
+              <a:rPr lang="en-US" dirty="0">
+                <a:solidFill>
+                  <a:srgbClr val="FFFFFF"/>
+                </a:solidFill>
+              </a:rPr>
+              <a:t> </a:t>
+            </a:r>
+            <a:r>
+              <a:rPr lang="en-US" dirty="0" err="1">
+                <a:solidFill>
+                  <a:srgbClr val="FFFFFF"/>
+                </a:solidFill>
+              </a:rPr>
+              <a:t>đổi</a:t>
+            </a:r>
+            <a:r>
+              <a:rPr lang="en-US" dirty="0">
+                <a:solidFill>
+                  <a:srgbClr val="FFFFFF"/>
+                </a:solidFill>
+              </a:rPr>
+              <a:t>.</a:t>
+            </a:r>
+          </a:p>
+        </p:txBody>
+      </p:sp>
     </p:spTree>
     <p:extLst>
       <p:ext uri="{BB962C8B-B14F-4D97-AF65-F5344CB8AC3E}">
@@ -19256,6 +22275,18 @@
   <p:clrMapOvr>
     <a:masterClrMapping/>
   </p:clrMapOvr>
+  <mc:AlternateContent xmlns:mc="http://schemas.openxmlformats.org/markup-compatibility/2006">
+    <mc:Choice xmlns:p14="http://schemas.microsoft.com/office/powerpoint/2010/main" Requires="p14">
+      <p:transition spd="med" p14:dur="700">
+        <p:fade/>
+      </p:transition>
+    </mc:Choice>
+    <mc:Fallback>
+      <p:transition spd="med">
+        <p:fade/>
+      </p:transition>
+    </mc:Fallback>
+  </mc:AlternateContent>
   <p:timing>
     <p:tnLst>
       <p:par>
@@ -19440,6 +22471,528 @@
 </file>
 
 <file path=ppt/slides/slide6.xml><?xml version="1.0" encoding="utf-8"?>
+<p:sld xmlns:a="http://schemas.openxmlformats.org/drawingml/2006/main" xmlns:r="http://schemas.openxmlformats.org/officeDocument/2006/relationships" xmlns:p="http://schemas.openxmlformats.org/presentationml/2006/main">
+  <p:cSld>
+    <p:bg>
+      <p:bgPr>
+        <a:solidFill>
+          <a:schemeClr val="bg1"/>
+        </a:solidFill>
+        <a:effectLst/>
+      </p:bgPr>
+    </p:bg>
+    <p:spTree>
+      <p:nvGrpSpPr>
+        <p:cNvPr id="1" name=""/>
+        <p:cNvGrpSpPr/>
+        <p:nvPr/>
+      </p:nvGrpSpPr>
+      <p:grpSpPr>
+        <a:xfrm>
+          <a:off x="0" y="0"/>
+          <a:ext cx="0" cy="0"/>
+          <a:chOff x="0" y="0"/>
+          <a:chExt cx="0" cy="0"/>
+        </a:xfrm>
+      </p:grpSpPr>
+      <p:sp useBgFill="1">
+        <p:nvSpPr>
+          <p:cNvPr id="11" name="Rectangle 10">
+            <a:extLst>
+              <a:ext uri="{FF2B5EF4-FFF2-40B4-BE49-F238E27FC236}">
+                <a16:creationId xmlns:a16="http://schemas.microsoft.com/office/drawing/2014/main" id="{44CC594A-A820-450F-B363-C19201FCFEC6}"/>
+              </a:ext>
+              <a:ext uri="{C183D7F6-B498-43B3-948B-1728B52AA6E4}">
+                <adec:decorative xmlns:adec="http://schemas.microsoft.com/office/drawing/2017/decorative" val="1"/>
+              </a:ext>
+            </a:extLst>
+          </p:cNvPr>
+          <p:cNvSpPr>
+            <a:spLocks noGrp="1" noRot="1" noChangeAspect="1" noMove="1" noResize="1" noEditPoints="1" noAdjustHandles="1" noChangeArrowheads="1" noChangeShapeType="1" noTextEdit="1"/>
+          </p:cNvSpPr>
+          <p:nvPr>
+            <p:extLst>
+              <p:ext uri="{386F3935-93C4-4BCD-93E2-E3B085C9AB24}">
+                <p16:designElem xmlns:p16="http://schemas.microsoft.com/office/powerpoint/2015/main" val="1"/>
+              </p:ext>
+            </p:extLst>
+          </p:nvPr>
+        </p:nvSpPr>
+        <p:spPr>
+          <a:xfrm>
+            <a:off x="0" y="0"/>
+            <a:ext cx="12186315" cy="6858000"/>
+          </a:xfrm>
+          <a:prstGeom prst="rect">
+            <a:avLst/>
+          </a:prstGeom>
+          <a:ln>
+            <a:noFill/>
+          </a:ln>
+        </p:spPr>
+        <p:style>
+          <a:lnRef idx="2">
+            <a:schemeClr val="accent6">
+              <a:shade val="50000"/>
+            </a:schemeClr>
+          </a:lnRef>
+          <a:fillRef idx="1001">
+            <a:schemeClr val="lt1"/>
+          </a:fillRef>
+          <a:effectRef idx="0">
+            <a:schemeClr val="accent6"/>
+          </a:effectRef>
+          <a:fontRef idx="minor">
+            <a:schemeClr val="lt1"/>
+          </a:fontRef>
+        </p:style>
+        <p:txBody>
+          <a:bodyPr rtlCol="0" anchor="ctr"/>
+          <a:lstStyle/>
+          <a:p>
+            <a:pPr algn="ctr"/>
+            <a:endParaRPr lang="en-US"/>
+          </a:p>
+        </p:txBody>
+      </p:sp>
+      <p:sp>
+        <p:nvSpPr>
+          <p:cNvPr id="13" name="Rectangle 12">
+            <a:extLst>
+              <a:ext uri="{FF2B5EF4-FFF2-40B4-BE49-F238E27FC236}">
+                <a16:creationId xmlns:a16="http://schemas.microsoft.com/office/drawing/2014/main" id="{59FAB3DA-E9ED-4574-ABCC-378BC0FF1BBC}"/>
+              </a:ext>
+              <a:ext uri="{C183D7F6-B498-43B3-948B-1728B52AA6E4}">
+                <adec:decorative xmlns:adec="http://schemas.microsoft.com/office/drawing/2017/decorative" val="1"/>
+              </a:ext>
+            </a:extLst>
+          </p:cNvPr>
+          <p:cNvSpPr>
+            <a:spLocks noGrp="1" noRot="1" noChangeAspect="1" noMove="1" noResize="1" noEditPoints="1" noAdjustHandles="1" noChangeArrowheads="1" noChangeShapeType="1" noTextEdit="1"/>
+          </p:cNvSpPr>
+          <p:nvPr>
+            <p:extLst>
+              <p:ext uri="{386F3935-93C4-4BCD-93E2-E3B085C9AB24}">
+                <p16:designElem xmlns:p16="http://schemas.microsoft.com/office/powerpoint/2015/main" val="1"/>
+              </p:ext>
+            </p:extLst>
+          </p:nvPr>
+        </p:nvSpPr>
+        <p:spPr>
+          <a:xfrm>
+            <a:off x="16" y="0"/>
+            <a:ext cx="4050791" cy="6858000"/>
+          </a:xfrm>
+          <a:prstGeom prst="rect">
+            <a:avLst/>
+          </a:prstGeom>
+          <a:solidFill>
+            <a:schemeClr val="accent2"/>
+          </a:solidFill>
+          <a:ln>
+            <a:noFill/>
+          </a:ln>
+        </p:spPr>
+        <p:style>
+          <a:lnRef idx="2">
+            <a:schemeClr val="accent1">
+              <a:shade val="50000"/>
+            </a:schemeClr>
+          </a:lnRef>
+          <a:fillRef idx="1">
+            <a:schemeClr val="accent1"/>
+          </a:fillRef>
+          <a:effectRef idx="0">
+            <a:schemeClr val="accent1"/>
+          </a:effectRef>
+          <a:fontRef idx="minor">
+            <a:schemeClr val="lt1"/>
+          </a:fontRef>
+        </p:style>
+      </p:sp>
+      <p:sp>
+        <p:nvSpPr>
+          <p:cNvPr id="15" name="Rectangle 14">
+            <a:extLst>
+              <a:ext uri="{FF2B5EF4-FFF2-40B4-BE49-F238E27FC236}">
+                <a16:creationId xmlns:a16="http://schemas.microsoft.com/office/drawing/2014/main" id="{53B8D6B0-55D6-48DC-86D8-FD95D5F118AB}"/>
+              </a:ext>
+              <a:ext uri="{C183D7F6-B498-43B3-948B-1728B52AA6E4}">
+                <adec:decorative xmlns:adec="http://schemas.microsoft.com/office/drawing/2017/decorative" val="1"/>
+              </a:ext>
+            </a:extLst>
+          </p:cNvPr>
+          <p:cNvSpPr>
+            <a:spLocks noGrp="1" noRot="1" noChangeAspect="1" noMove="1" noResize="1" noEditPoints="1" noAdjustHandles="1" noChangeArrowheads="1" noChangeShapeType="1" noTextEdit="1"/>
+          </p:cNvSpPr>
+          <p:nvPr>
+            <p:extLst>
+              <p:ext uri="{386F3935-93C4-4BCD-93E2-E3B085C9AB24}">
+                <p16:designElem xmlns:p16="http://schemas.microsoft.com/office/powerpoint/2015/main" val="1"/>
+              </p:ext>
+            </p:extLst>
+          </p:nvPr>
+        </p:nvSpPr>
+        <p:spPr>
+          <a:xfrm>
+            <a:off x="4040071" y="0"/>
+            <a:ext cx="64008" cy="6858000"/>
+          </a:xfrm>
+          <a:prstGeom prst="rect">
+            <a:avLst/>
+          </a:prstGeom>
+          <a:solidFill>
+            <a:schemeClr val="accent1"/>
+          </a:solidFill>
+          <a:ln>
+            <a:noFill/>
+          </a:ln>
+        </p:spPr>
+        <p:style>
+          <a:lnRef idx="2">
+            <a:schemeClr val="accent1">
+              <a:shade val="50000"/>
+            </a:schemeClr>
+          </a:lnRef>
+          <a:fillRef idx="1">
+            <a:schemeClr val="accent1"/>
+          </a:fillRef>
+          <a:effectRef idx="0">
+            <a:schemeClr val="accent1"/>
+          </a:effectRef>
+          <a:fontRef idx="minor">
+            <a:schemeClr val="lt1"/>
+          </a:fontRef>
+        </p:style>
+      </p:sp>
+      <p:pic>
+        <p:nvPicPr>
+          <p:cNvPr id="4" name="Picture 4" descr="thống kê facebook">
+            <a:extLst>
+              <a:ext uri="{FF2B5EF4-FFF2-40B4-BE49-F238E27FC236}">
+                <a16:creationId xmlns:a16="http://schemas.microsoft.com/office/drawing/2014/main" id="{3F88E4B8-60FF-C164-B4BD-41BB5C58B30D}"/>
+              </a:ext>
+            </a:extLst>
+          </p:cNvPr>
+          <p:cNvPicPr>
+            <a:picLocks noChangeAspect="1" noChangeArrowheads="1"/>
+          </p:cNvPicPr>
+          <p:nvPr/>
+        </p:nvPicPr>
+        <p:blipFill>
+          <a:blip r:embed="rId2">
+            <a:extLst>
+              <a:ext uri="{28A0092B-C50C-407E-A947-70E740481C1C}">
+                <a14:useLocalDpi xmlns:a14="http://schemas.microsoft.com/office/drawing/2010/main" val="0"/>
+              </a:ext>
+            </a:extLst>
+          </a:blip>
+          <a:stretch>
+            <a:fillRect/>
+          </a:stretch>
+        </p:blipFill>
+        <p:spPr bwMode="auto">
+          <a:xfrm>
+            <a:off x="4830767" y="640080"/>
+            <a:ext cx="6620582" cy="5577840"/>
+          </a:xfrm>
+          <a:prstGeom prst="rect">
+            <a:avLst/>
+          </a:prstGeom>
+          <a:noFill/>
+          <a:extLst>
+            <a:ext uri="{909E8E84-426E-40DD-AFC4-6F175D3DCCD1}">
+              <a14:hiddenFill xmlns:a14="http://schemas.microsoft.com/office/drawing/2010/main">
+                <a:solidFill>
+                  <a:srgbClr val="FFFFFF"/>
+                </a:solidFill>
+              </a14:hiddenFill>
+            </a:ext>
+          </a:extLst>
+        </p:spPr>
+      </p:pic>
+      <p:sp>
+        <p:nvSpPr>
+          <p:cNvPr id="5" name="Title 1">
+            <a:extLst>
+              <a:ext uri="{FF2B5EF4-FFF2-40B4-BE49-F238E27FC236}">
+                <a16:creationId xmlns:a16="http://schemas.microsoft.com/office/drawing/2014/main" id="{8E434A62-5B4F-F079-BA44-703C1A1A3142}"/>
+              </a:ext>
+            </a:extLst>
+          </p:cNvPr>
+          <p:cNvSpPr txBox="1">
+            <a:spLocks/>
+          </p:cNvSpPr>
+          <p:nvPr/>
+        </p:nvSpPr>
+        <p:spPr>
+          <a:xfrm>
+            <a:off x="457200" y="640080"/>
+            <a:ext cx="3659246" cy="2926080"/>
+          </a:xfrm>
+          <a:prstGeom prst="rect">
+            <a:avLst/>
+          </a:prstGeom>
+        </p:spPr>
+        <p:txBody>
+          <a:bodyPr vert="horz" lIns="91440" tIns="45720" rIns="91440" bIns="45720" rtlCol="0" anchor="b">
+            <a:normAutofit/>
+          </a:bodyPr>
+          <a:lstStyle>
+            <a:lvl1pPr marL="0" algn="l" defTabSz="914400" rtl="0" eaLnBrk="1" latinLnBrk="0" hangingPunct="1">
+              <a:lnSpc>
+                <a:spcPct val="85000"/>
+              </a:lnSpc>
+              <a:spcBef>
+                <a:spcPct val="0"/>
+              </a:spcBef>
+              <a:buNone/>
+              <a:defRPr sz="4800" kern="1200" spc="-50" baseline="0">
+                <a:solidFill>
+                  <a:schemeClr val="tx1">
+                    <a:lumMod val="75000"/>
+                    <a:lumOff val="25000"/>
+                  </a:schemeClr>
+                </a:solidFill>
+                <a:latin typeface="+mj-lt"/>
+                <a:ea typeface="+mj-ea"/>
+                <a:cs typeface="+mj-cs"/>
+              </a:defRPr>
+            </a:lvl1pPr>
+          </a:lstStyle>
+          <a:p>
+            <a:r>
+              <a:rPr lang="en-US" dirty="0">
+                <a:solidFill>
+                  <a:srgbClr val="FFFFFF"/>
+                </a:solidFill>
+              </a:rPr>
+              <a:t>1.1 Xu </a:t>
+            </a:r>
+            <a:r>
+              <a:rPr lang="en-US" dirty="0" err="1">
+                <a:solidFill>
+                  <a:srgbClr val="FFFFFF"/>
+                </a:solidFill>
+              </a:rPr>
+              <a:t>hướng</a:t>
+            </a:r>
+            <a:r>
+              <a:rPr lang="en-US" dirty="0">
+                <a:solidFill>
+                  <a:srgbClr val="FFFFFF"/>
+                </a:solidFill>
+              </a:rPr>
+              <a:t> </a:t>
+            </a:r>
+            <a:r>
+              <a:rPr lang="en-US" dirty="0" err="1">
+                <a:solidFill>
+                  <a:srgbClr val="FFFFFF"/>
+                </a:solidFill>
+              </a:rPr>
+              <a:t>lên</a:t>
+            </a:r>
+            <a:r>
+              <a:rPr lang="en-US" dirty="0">
+                <a:solidFill>
+                  <a:srgbClr val="FFFFFF"/>
+                </a:solidFill>
+              </a:rPr>
+              <a:t> </a:t>
+            </a:r>
+            <a:r>
+              <a:rPr lang="en-US" dirty="0" err="1">
+                <a:solidFill>
+                  <a:srgbClr val="FFFFFF"/>
+                </a:solidFill>
+              </a:rPr>
+              <a:t>mạng</a:t>
+            </a:r>
+            <a:r>
+              <a:rPr lang="en-US" dirty="0">
+                <a:solidFill>
+                  <a:srgbClr val="FFFFFF"/>
+                </a:solidFill>
+              </a:rPr>
+              <a:t> </a:t>
+            </a:r>
+            <a:r>
+              <a:rPr lang="en-US" dirty="0" err="1">
+                <a:solidFill>
+                  <a:srgbClr val="FFFFFF"/>
+                </a:solidFill>
+              </a:rPr>
+              <a:t>xã</a:t>
+            </a:r>
+            <a:r>
+              <a:rPr lang="en-US" dirty="0">
+                <a:solidFill>
+                  <a:srgbClr val="FFFFFF"/>
+                </a:solidFill>
+              </a:rPr>
+              <a:t> </a:t>
+            </a:r>
+            <a:r>
+              <a:rPr lang="en-US" dirty="0" err="1">
+                <a:solidFill>
+                  <a:srgbClr val="FFFFFF"/>
+                </a:solidFill>
+              </a:rPr>
+              <a:t>hội</a:t>
+            </a:r>
+            <a:r>
+              <a:rPr lang="en-US" dirty="0">
+                <a:solidFill>
+                  <a:srgbClr val="FFFFFF"/>
+                </a:solidFill>
+              </a:rPr>
+              <a:t> </a:t>
+            </a:r>
+            <a:r>
+              <a:rPr lang="en-US" dirty="0" err="1">
+                <a:solidFill>
+                  <a:srgbClr val="FFFFFF"/>
+                </a:solidFill>
+              </a:rPr>
+              <a:t>thay</a:t>
+            </a:r>
+            <a:r>
+              <a:rPr lang="en-US" dirty="0">
+                <a:solidFill>
+                  <a:srgbClr val="FFFFFF"/>
+                </a:solidFill>
+              </a:rPr>
+              <a:t> </a:t>
+            </a:r>
+            <a:r>
+              <a:rPr lang="en-US" dirty="0" err="1">
+                <a:solidFill>
+                  <a:srgbClr val="FFFFFF"/>
+                </a:solidFill>
+              </a:rPr>
+              <a:t>đổi</a:t>
+            </a:r>
+            <a:r>
+              <a:rPr lang="en-US" dirty="0">
+                <a:solidFill>
+                  <a:srgbClr val="FFFFFF"/>
+                </a:solidFill>
+              </a:rPr>
+              <a:t>.</a:t>
+            </a:r>
+          </a:p>
+        </p:txBody>
+      </p:sp>
+    </p:spTree>
+    <p:extLst>
+      <p:ext uri="{BB962C8B-B14F-4D97-AF65-F5344CB8AC3E}">
+        <p14:creationId xmlns:p14="http://schemas.microsoft.com/office/powerpoint/2010/main" val="2256049714"/>
+      </p:ext>
+    </p:extLst>
+  </p:cSld>
+  <p:clrMapOvr>
+    <a:masterClrMapping/>
+  </p:clrMapOvr>
+  <mc:AlternateContent xmlns:mc="http://schemas.openxmlformats.org/markup-compatibility/2006">
+    <mc:Choice xmlns:p14="http://schemas.microsoft.com/office/powerpoint/2010/main" Requires="p14">
+      <p:transition spd="med" p14:dur="700">
+        <p:fade/>
+      </p:transition>
+    </mc:Choice>
+    <mc:Fallback>
+      <p:transition spd="med">
+        <p:fade/>
+      </p:transition>
+    </mc:Fallback>
+  </mc:AlternateContent>
+  <p:timing>
+    <p:tnLst>
+      <p:par>
+        <p:cTn id="1" dur="indefinite" restart="never" nodeType="tmRoot">
+          <p:childTnLst>
+            <p:seq concurrent="1" nextAc="seek">
+              <p:cTn id="2" dur="indefinite" nodeType="mainSeq">
+                <p:childTnLst>
+                  <p:par>
+                    <p:cTn id="3" fill="hold">
+                      <p:stCondLst>
+                        <p:cond delay="indefinite"/>
+                      </p:stCondLst>
+                      <p:childTnLst>
+                        <p:par>
+                          <p:cTn id="4" fill="hold">
+                            <p:stCondLst>
+                              <p:cond delay="0"/>
+                            </p:stCondLst>
+                            <p:childTnLst>
+                              <p:par>
+                                <p:cTn id="5" presetID="10" presetClass="entr" presetSubtype="0" fill="hold" nodeType="clickEffect">
+                                  <p:stCondLst>
+                                    <p:cond delay="0"/>
+                                  </p:stCondLst>
+                                  <p:childTnLst>
+                                    <p:set>
+                                      <p:cBhvr>
+                                        <p:cTn id="6" dur="1" fill="hold">
+                                          <p:stCondLst>
+                                            <p:cond delay="0"/>
+                                          </p:stCondLst>
+                                        </p:cTn>
+                                        <p:tgtEl>
+                                          <p:spTgt spid="4"/>
+                                        </p:tgtEl>
+                                        <p:attrNameLst>
+                                          <p:attrName>style.visibility</p:attrName>
+                                        </p:attrNameLst>
+                                      </p:cBhvr>
+                                      <p:to>
+                                        <p:strVal val="visible"/>
+                                      </p:to>
+                                    </p:set>
+                                    <p:animEffect transition="in" filter="fade">
+                                      <p:cBhvr>
+                                        <p:cTn id="7" dur="500"/>
+                                        <p:tgtEl>
+                                          <p:spTgt spid="4"/>
+                                        </p:tgtEl>
+                                      </p:cBhvr>
+                                    </p:animEffect>
+                                  </p:childTnLst>
+                                </p:cTn>
+                              </p:par>
+                            </p:childTnLst>
+                          </p:cTn>
+                        </p:par>
+                      </p:childTnLst>
+                    </p:cTn>
+                  </p:par>
+                </p:childTnLst>
+              </p:cTn>
+              <p:prevCondLst>
+                <p:cond evt="onPrev" delay="0">
+                  <p:tgtEl>
+                    <p:sldTgt/>
+                  </p:tgtEl>
+                </p:cond>
+              </p:prevCondLst>
+              <p:nextCondLst>
+                <p:cond evt="onNext" delay="0">
+                  <p:tgtEl>
+                    <p:sldTgt/>
+                  </p:tgtEl>
+                </p:cond>
+              </p:nextCondLst>
+            </p:seq>
+          </p:childTnLst>
+        </p:cTn>
+      </p:par>
+    </p:tnLst>
+  </p:timing>
+</p:sld>
+</file>
+
+<file path=ppt/slides/slide7.xml><?xml version="1.0" encoding="utf-8"?>
 <p:sld xmlns:a="http://schemas.openxmlformats.org/drawingml/2006/main" xmlns:r="http://schemas.openxmlformats.org/officeDocument/2006/relationships" xmlns:p="http://schemas.openxmlformats.org/presentationml/2006/main">
   <p:cSld>
     <p:bg>
@@ -19686,189 +23239,6 @@
       </p:sp>
       <p:sp>
         <p:nvSpPr>
-          <p:cNvPr id="2" name="Title 1">
-            <a:extLst>
-              <a:ext uri="{FF2B5EF4-FFF2-40B4-BE49-F238E27FC236}">
-                <a16:creationId xmlns:a16="http://schemas.microsoft.com/office/drawing/2014/main" id="{6F644BF0-8490-5CD6-FF47-5AB5F32CFA56}"/>
-              </a:ext>
-            </a:extLst>
-          </p:cNvPr>
-          <p:cNvSpPr>
-            <a:spLocks noGrp="1"/>
-          </p:cNvSpPr>
-          <p:nvPr>
-            <p:ph type="title"/>
-          </p:nvPr>
-        </p:nvSpPr>
-        <p:spPr>
-          <a:xfrm>
-            <a:off x="457200" y="640080"/>
-            <a:ext cx="3659246" cy="2926080"/>
-          </a:xfrm>
-        </p:spPr>
-        <p:txBody>
-          <a:bodyPr vert="horz" lIns="91440" tIns="45720" rIns="91440" bIns="45720" rtlCol="0" anchor="b">
-            <a:normAutofit/>
-          </a:bodyPr>
-          <a:lstStyle/>
-          <a:p>
-            <a:r>
-              <a:rPr lang="en-US" sz="4100" dirty="0">
-                <a:solidFill>
-                  <a:srgbClr val="FFFFFF"/>
-                </a:solidFill>
-              </a:rPr>
-              <a:t>1.2 </a:t>
-            </a:r>
-            <a:r>
-              <a:rPr lang="en-US" sz="4100" dirty="0" err="1">
-                <a:solidFill>
-                  <a:srgbClr val="FFFFFF"/>
-                </a:solidFill>
-              </a:rPr>
-              <a:t>Các</a:t>
-            </a:r>
-            <a:r>
-              <a:rPr lang="en-US" sz="4100" dirty="0">
-                <a:solidFill>
-                  <a:srgbClr val="FFFFFF"/>
-                </a:solidFill>
-              </a:rPr>
-              <a:t> video </a:t>
-            </a:r>
-            <a:r>
-              <a:rPr lang="en-US" sz="4100" dirty="0" err="1">
-                <a:solidFill>
-                  <a:srgbClr val="FFFFFF"/>
-                </a:solidFill>
-              </a:rPr>
-              <a:t>được</a:t>
-            </a:r>
-            <a:r>
-              <a:rPr lang="en-US" sz="4100" dirty="0">
-                <a:solidFill>
-                  <a:srgbClr val="FFFFFF"/>
-                </a:solidFill>
-              </a:rPr>
-              <a:t> </a:t>
-            </a:r>
-            <a:r>
-              <a:rPr lang="en-US" sz="4100" dirty="0" err="1">
-                <a:solidFill>
-                  <a:srgbClr val="FFFFFF"/>
-                </a:solidFill>
-              </a:rPr>
-              <a:t>ưa</a:t>
-            </a:r>
-            <a:r>
-              <a:rPr lang="en-US" sz="4100" dirty="0">
-                <a:solidFill>
-                  <a:srgbClr val="FFFFFF"/>
-                </a:solidFill>
-              </a:rPr>
-              <a:t> </a:t>
-            </a:r>
-            <a:r>
-              <a:rPr lang="en-US" sz="4100" dirty="0" err="1">
-                <a:solidFill>
-                  <a:srgbClr val="FFFFFF"/>
-                </a:solidFill>
-              </a:rPr>
-              <a:t>chuộng</a:t>
-            </a:r>
-            <a:r>
-              <a:rPr lang="en-US" sz="4100" dirty="0">
-                <a:solidFill>
-                  <a:srgbClr val="FFFFFF"/>
-                </a:solidFill>
-              </a:rPr>
-              <a:t> </a:t>
-            </a:r>
-            <a:r>
-              <a:rPr lang="en-US" sz="4100" dirty="0" err="1">
-                <a:solidFill>
-                  <a:srgbClr val="FFFFFF"/>
-                </a:solidFill>
-              </a:rPr>
-              <a:t>trên</a:t>
-            </a:r>
-            <a:r>
-              <a:rPr lang="en-US" sz="4100" dirty="0">
-                <a:solidFill>
-                  <a:srgbClr val="FFFFFF"/>
-                </a:solidFill>
-              </a:rPr>
-              <a:t> </a:t>
-            </a:r>
-            <a:r>
-              <a:rPr lang="en-US" sz="4100" dirty="0" err="1">
-                <a:solidFill>
-                  <a:srgbClr val="FFFFFF"/>
-                </a:solidFill>
-              </a:rPr>
-              <a:t>mạng</a:t>
-            </a:r>
-            <a:r>
-              <a:rPr lang="en-US" sz="4100" dirty="0">
-                <a:solidFill>
-                  <a:srgbClr val="FFFFFF"/>
-                </a:solidFill>
-              </a:rPr>
-              <a:t> </a:t>
-            </a:r>
-            <a:r>
-              <a:rPr lang="en-US" sz="4100" dirty="0" err="1">
-                <a:solidFill>
-                  <a:srgbClr val="FFFFFF"/>
-                </a:solidFill>
-              </a:rPr>
-              <a:t>là</a:t>
-            </a:r>
-            <a:r>
-              <a:rPr lang="en-US" sz="4100" dirty="0">
-                <a:solidFill>
-                  <a:srgbClr val="FFFFFF"/>
-                </a:solidFill>
-              </a:rPr>
-              <a:t> </a:t>
-            </a:r>
-            <a:r>
-              <a:rPr lang="en-US" sz="4100" dirty="0" err="1">
-                <a:solidFill>
-                  <a:srgbClr val="FFFFFF"/>
-                </a:solidFill>
-              </a:rPr>
-              <a:t>các</a:t>
-            </a:r>
-            <a:r>
-              <a:rPr lang="en-US" sz="4100" dirty="0">
-                <a:solidFill>
-                  <a:srgbClr val="FFFFFF"/>
-                </a:solidFill>
-              </a:rPr>
-              <a:t> video </a:t>
-            </a:r>
-            <a:r>
-              <a:rPr lang="en-US" sz="4100" dirty="0" err="1">
-                <a:solidFill>
-                  <a:srgbClr val="FFFFFF"/>
-                </a:solidFill>
-              </a:rPr>
-              <a:t>ngắn</a:t>
-            </a:r>
-            <a:r>
-              <a:rPr lang="en-US" sz="4100" dirty="0">
-                <a:solidFill>
-                  <a:srgbClr val="FFFFFF"/>
-                </a:solidFill>
-              </a:rPr>
-              <a:t>.</a:t>
-            </a:r>
-          </a:p>
-        </p:txBody>
-      </p:sp>
-      <p:sp>
-        <p:nvSpPr>
           <p:cNvPr id="31" name="Rectangle 30">
             <a:extLst>
               <a:ext uri="{FF2B5EF4-FFF2-40B4-BE49-F238E27FC236}">
@@ -20002,6 +23372,157 @@
           </a:p>
         </p:txBody>
       </p:sp>
+      <p:sp>
+        <p:nvSpPr>
+          <p:cNvPr id="5" name="Title 1">
+            <a:extLst>
+              <a:ext uri="{FF2B5EF4-FFF2-40B4-BE49-F238E27FC236}">
+                <a16:creationId xmlns:a16="http://schemas.microsoft.com/office/drawing/2014/main" id="{D21EFD5B-2F23-C0ED-F38D-3166A6ADCFEA}"/>
+              </a:ext>
+            </a:extLst>
+          </p:cNvPr>
+          <p:cNvSpPr>
+            <a:spLocks noGrp="1"/>
+          </p:cNvSpPr>
+          <p:nvPr>
+            <p:ph type="title"/>
+          </p:nvPr>
+        </p:nvSpPr>
+        <p:spPr>
+          <a:xfrm>
+            <a:off x="457200" y="640080"/>
+            <a:ext cx="3659246" cy="2926080"/>
+          </a:xfrm>
+        </p:spPr>
+        <p:txBody>
+          <a:bodyPr vert="horz" lIns="91440" tIns="45720" rIns="91440" bIns="45720" rtlCol="0" anchor="b">
+            <a:normAutofit/>
+          </a:bodyPr>
+          <a:lstStyle/>
+          <a:p>
+            <a:r>
+              <a:rPr lang="en-US" dirty="0">
+                <a:solidFill>
+                  <a:srgbClr val="FFFFFF"/>
+                </a:solidFill>
+              </a:rPr>
+              <a:t>1.1 Xu </a:t>
+            </a:r>
+            <a:r>
+              <a:rPr lang="en-US" dirty="0" err="1">
+                <a:solidFill>
+                  <a:srgbClr val="FFFFFF"/>
+                </a:solidFill>
+              </a:rPr>
+              <a:t>hướng</a:t>
+            </a:r>
+            <a:r>
+              <a:rPr lang="en-US" dirty="0">
+                <a:solidFill>
+                  <a:srgbClr val="FFFFFF"/>
+                </a:solidFill>
+              </a:rPr>
+              <a:t> </a:t>
+            </a:r>
+            <a:r>
+              <a:rPr lang="en-US" dirty="0" err="1">
+                <a:solidFill>
+                  <a:srgbClr val="FFFFFF"/>
+                </a:solidFill>
+              </a:rPr>
+              <a:t>lên</a:t>
+            </a:r>
+            <a:r>
+              <a:rPr lang="en-US" dirty="0">
+                <a:solidFill>
+                  <a:srgbClr val="FFFFFF"/>
+                </a:solidFill>
+              </a:rPr>
+              <a:t> </a:t>
+            </a:r>
+            <a:r>
+              <a:rPr lang="en-US" dirty="0" err="1">
+                <a:solidFill>
+                  <a:srgbClr val="FFFFFF"/>
+                </a:solidFill>
+              </a:rPr>
+              <a:t>mạng</a:t>
+            </a:r>
+            <a:r>
+              <a:rPr lang="en-US" dirty="0">
+                <a:solidFill>
+                  <a:srgbClr val="FFFFFF"/>
+                </a:solidFill>
+              </a:rPr>
+              <a:t> </a:t>
+            </a:r>
+            <a:r>
+              <a:rPr lang="en-US" dirty="0" err="1">
+                <a:solidFill>
+                  <a:srgbClr val="FFFFFF"/>
+                </a:solidFill>
+              </a:rPr>
+              <a:t>xã</a:t>
+            </a:r>
+            <a:r>
+              <a:rPr lang="en-US" dirty="0">
+                <a:solidFill>
+                  <a:srgbClr val="FFFFFF"/>
+                </a:solidFill>
+              </a:rPr>
+              <a:t> </a:t>
+            </a:r>
+            <a:r>
+              <a:rPr lang="en-US" dirty="0" err="1">
+                <a:solidFill>
+                  <a:srgbClr val="FFFFFF"/>
+                </a:solidFill>
+              </a:rPr>
+              <a:t>hội</a:t>
+            </a:r>
+            <a:r>
+              <a:rPr lang="en-US" dirty="0">
+                <a:solidFill>
+                  <a:srgbClr val="FFFFFF"/>
+                </a:solidFill>
+              </a:rPr>
+              <a:t> </a:t>
+            </a:r>
+            <a:r>
+              <a:rPr lang="en-US" dirty="0" err="1">
+                <a:solidFill>
+                  <a:srgbClr val="FFFFFF"/>
+                </a:solidFill>
+              </a:rPr>
+              <a:t>thay</a:t>
+            </a:r>
+            <a:r>
+              <a:rPr lang="en-US" dirty="0">
+                <a:solidFill>
+                  <a:srgbClr val="FFFFFF"/>
+                </a:solidFill>
+              </a:rPr>
+              <a:t> </a:t>
+            </a:r>
+            <a:r>
+              <a:rPr lang="en-US" dirty="0" err="1">
+                <a:solidFill>
+                  <a:srgbClr val="FFFFFF"/>
+                </a:solidFill>
+              </a:rPr>
+              <a:t>đổi</a:t>
+            </a:r>
+            <a:r>
+              <a:rPr lang="en-US" dirty="0">
+                <a:solidFill>
+                  <a:srgbClr val="FFFFFF"/>
+                </a:solidFill>
+              </a:rPr>
+              <a:t>.</a:t>
+            </a:r>
+          </a:p>
+        </p:txBody>
+      </p:sp>
     </p:spTree>
     <p:extLst>
       <p:ext uri="{BB962C8B-B14F-4D97-AF65-F5344CB8AC3E}">
@@ -20012,114 +23533,22 @@
   <p:clrMapOvr>
     <a:masterClrMapping/>
   </p:clrMapOvr>
-  <mc:AlternateContent xmlns:mc="http://schemas.openxmlformats.org/markup-compatibility/2006" xmlns:p14="http://schemas.microsoft.com/office/powerpoint/2010/main">
-    <mc:Choice Requires="p14">
+  <mc:AlternateContent xmlns:mc="http://schemas.openxmlformats.org/markup-compatibility/2006">
+    <mc:Choice xmlns:p14="http://schemas.microsoft.com/office/powerpoint/2010/main" Requires="p14">
       <p:transition spd="med" p14:dur="700">
         <p:fade/>
       </p:transition>
     </mc:Choice>
-    <mc:Fallback xmlns="">
+    <mc:Fallback>
       <p:transition spd="med">
         <p:fade/>
       </p:transition>
     </mc:Fallback>
   </mc:AlternateContent>
-  <p:timing>
-    <p:tnLst>
-      <p:par>
-        <p:cTn id="1" dur="indefinite" restart="never" nodeType="tmRoot">
-          <p:childTnLst>
-            <p:seq concurrent="1" nextAc="seek">
-              <p:cTn id="2" dur="indefinite" nodeType="mainSeq">
-                <p:childTnLst>
-                  <p:par>
-                    <p:cTn id="3" fill="hold">
-                      <p:stCondLst>
-                        <p:cond delay="indefinite"/>
-                        <p:cond evt="onBegin" delay="0">
-                          <p:tn val="2"/>
-                        </p:cond>
-                      </p:stCondLst>
-                      <p:childTnLst>
-                        <p:par>
-                          <p:cTn id="4" fill="hold">
-                            <p:stCondLst>
-                              <p:cond delay="0"/>
-                            </p:stCondLst>
-                            <p:childTnLst>
-                              <p:par>
-                                <p:cTn id="5" presetID="10" presetClass="entr" presetSubtype="0" fill="hold" grpId="0" nodeType="withEffect">
-                                  <p:stCondLst>
-                                    <p:cond delay="500"/>
-                                  </p:stCondLst>
-                                  <p:iterate type="lt">
-                                    <p:tmPct val="10000"/>
-                                  </p:iterate>
-                                  <p:childTnLst>
-                                    <p:set>
-                                      <p:cBhvr>
-                                        <p:cTn id="6" dur="1" fill="hold">
-                                          <p:stCondLst>
-                                            <p:cond delay="0"/>
-                                          </p:stCondLst>
-                                        </p:cTn>
-                                        <p:tgtEl>
-                                          <p:spTgt spid="2"/>
-                                        </p:tgtEl>
-                                        <p:attrNameLst>
-                                          <p:attrName>style.visibility</p:attrName>
-                                        </p:attrNameLst>
-                                      </p:cBhvr>
-                                      <p:to>
-                                        <p:strVal val="visible"/>
-                                      </p:to>
-                                    </p:set>
-                                    <p:animEffect transition="in" filter="fade">
-                                      <p:cBhvr>
-                                        <p:cTn id="7" dur="400"/>
-                                        <p:tgtEl>
-                                          <p:spTgt spid="2"/>
-                                        </p:tgtEl>
-                                      </p:cBhvr>
-                                    </p:animEffect>
-                                  </p:childTnLst>
-                                </p:cTn>
-                              </p:par>
-                            </p:childTnLst>
-                          </p:cTn>
-                        </p:par>
-                      </p:childTnLst>
-                    </p:cTn>
-                  </p:par>
-                </p:childTnLst>
-              </p:cTn>
-              <p:prevCondLst>
-                <p:cond evt="onPrev" delay="0">
-                  <p:tgtEl>
-                    <p:sldTgt/>
-                  </p:tgtEl>
-                </p:cond>
-              </p:prevCondLst>
-              <p:nextCondLst>
-                <p:cond evt="onNext" delay="0">
-                  <p:tgtEl>
-                    <p:sldTgt/>
-                  </p:tgtEl>
-                </p:cond>
-              </p:nextCondLst>
-            </p:seq>
-          </p:childTnLst>
-        </p:cTn>
-      </p:par>
-    </p:tnLst>
-    <p:bldLst>
-      <p:bldP spid="2" grpId="0"/>
-    </p:bldLst>
-  </p:timing>
 </p:sld>
 </file>
 
-<file path=ppt/slides/slide7.xml><?xml version="1.0" encoding="utf-8"?>
+<file path=ppt/slides/slide8.xml><?xml version="1.0" encoding="utf-8"?>
 <p:sld xmlns:a="http://schemas.openxmlformats.org/drawingml/2006/main" xmlns:r="http://schemas.openxmlformats.org/officeDocument/2006/relationships" xmlns:p="http://schemas.openxmlformats.org/presentationml/2006/main">
   <p:cSld>
     <p:spTree>
@@ -20163,7 +23592,7 @@
                 <a:ea typeface="Roboto" panose="02000000000000000000" pitchFamily="2" charset="0"/>
                 <a:cs typeface="Roboto" panose="02000000000000000000" pitchFamily="2" charset="0"/>
               </a:rPr>
-              <a:t>1.3 Nhu </a:t>
+              <a:t>1.2 Nhu </a:t>
             </a:r>
             <a:r>
               <a:rPr lang="en-US" dirty="0" err="1">
@@ -20237,46 +23666,11 @@
               </a:rPr>
               <a:t>thân</a:t>
             </a:r>
-            <a:r>
-              <a:rPr lang="en-US" dirty="0">
-                <a:latin typeface="Roboto" panose="02000000000000000000" pitchFamily="2" charset="0"/>
-                <a:ea typeface="Roboto" panose="02000000000000000000" pitchFamily="2" charset="0"/>
-                <a:cs typeface="Roboto" panose="02000000000000000000" pitchFamily="2" charset="0"/>
-              </a:rPr>
-              <a:t> </a:t>
-            </a:r>
-            <a:r>
-              <a:rPr lang="en-US" dirty="0" err="1">
-                <a:latin typeface="Roboto" panose="02000000000000000000" pitchFamily="2" charset="0"/>
-                <a:ea typeface="Roboto" panose="02000000000000000000" pitchFamily="2" charset="0"/>
-                <a:cs typeface="Roboto" panose="02000000000000000000" pitchFamily="2" charset="0"/>
-              </a:rPr>
-              <a:t>thay</a:t>
-            </a:r>
-            <a:r>
-              <a:rPr lang="en-US" dirty="0">
-                <a:latin typeface="Roboto" panose="02000000000000000000" pitchFamily="2" charset="0"/>
-                <a:ea typeface="Roboto" panose="02000000000000000000" pitchFamily="2" charset="0"/>
-                <a:cs typeface="Roboto" panose="02000000000000000000" pitchFamily="2" charset="0"/>
-              </a:rPr>
-              <a:t> </a:t>
-            </a:r>
-            <a:r>
-              <a:rPr lang="en-US" dirty="0" err="1">
-                <a:latin typeface="Roboto" panose="02000000000000000000" pitchFamily="2" charset="0"/>
-                <a:ea typeface="Roboto" panose="02000000000000000000" pitchFamily="2" charset="0"/>
-                <a:cs typeface="Roboto" panose="02000000000000000000" pitchFamily="2" charset="0"/>
-              </a:rPr>
-              <a:t>đổi</a:t>
-            </a:r>
-            <a:r>
-              <a:rPr lang="en-US" dirty="0">
-                <a:latin typeface="Roboto" panose="02000000000000000000" pitchFamily="2" charset="0"/>
-                <a:ea typeface="Roboto" panose="02000000000000000000" pitchFamily="2" charset="0"/>
-                <a:cs typeface="Roboto" panose="02000000000000000000" pitchFamily="2" charset="0"/>
-              </a:rPr>
-              <a:t>.</a:t>
-            </a:r>
+            <a:endParaRPr lang="en-US" dirty="0">
+              <a:latin typeface="Roboto" panose="02000000000000000000" pitchFamily="2" charset="0"/>
+              <a:ea typeface="Roboto" panose="02000000000000000000" pitchFamily="2" charset="0"/>
+              <a:cs typeface="Roboto" panose="02000000000000000000" pitchFamily="2" charset="0"/>
+            </a:endParaRPr>
           </a:p>
         </p:txBody>
       </p:sp>
@@ -20309,55 +23703,8 @@
         </p:blipFill>
         <p:spPr bwMode="auto">
           <a:xfrm>
-            <a:off x="0" y="1875905"/>
+            <a:off x="2613094" y="1973559"/>
             <a:ext cx="6965812" cy="3903757"/>
-          </a:xfrm>
-          <a:prstGeom prst="rect">
-            <a:avLst/>
-          </a:prstGeom>
-          <a:noFill/>
-          <a:extLst>
-            <a:ext uri="{909E8E84-426E-40DD-AFC4-6F175D3DCCD1}">
-              <a14:hiddenFill xmlns:a14="http://schemas.microsoft.com/office/drawing/2010/main">
-                <a:solidFill>
-                  <a:srgbClr val="FFFFFF"/>
-                </a:solidFill>
-              </a14:hiddenFill>
-            </a:ext>
-          </a:extLst>
-        </p:spPr>
-      </p:pic>
-      <p:pic>
-        <p:nvPicPr>
-          <p:cNvPr id="3076" name="Picture 4" descr="thống kê facebook">
-            <a:extLst>
-              <a:ext uri="{FF2B5EF4-FFF2-40B4-BE49-F238E27FC236}">
-                <a16:creationId xmlns:a16="http://schemas.microsoft.com/office/drawing/2014/main" id="{9405D2FE-8895-8C3C-798E-0235A5604129}"/>
-              </a:ext>
-            </a:extLst>
-          </p:cNvPr>
-          <p:cNvPicPr>
-            <a:picLocks noChangeAspect="1" noChangeArrowheads="1"/>
-          </p:cNvPicPr>
-          <p:nvPr/>
-        </p:nvPicPr>
-        <p:blipFill>
-          <a:blip r:embed="rId3">
-            <a:extLst>
-              <a:ext uri="{28A0092B-C50C-407E-A947-70E740481C1C}">
-                <a14:useLocalDpi xmlns:a14="http://schemas.microsoft.com/office/drawing/2010/main" val="0"/>
-              </a:ext>
-            </a:extLst>
-          </a:blip>
-          <a:srcRect/>
-          <a:stretch>
-            <a:fillRect/>
-          </a:stretch>
-        </p:blipFill>
-        <p:spPr bwMode="auto">
-          <a:xfrm>
-            <a:off x="7124123" y="1875905"/>
-            <a:ext cx="4633000" cy="3903757"/>
           </a:xfrm>
           <a:prstGeom prst="rect">
             <a:avLst/>
@@ -20384,13 +23731,13 @@
   <p:clrMapOvr>
     <a:masterClrMapping/>
   </p:clrMapOvr>
-  <mc:AlternateContent xmlns:mc="http://schemas.openxmlformats.org/markup-compatibility/2006" xmlns:p14="http://schemas.microsoft.com/office/powerpoint/2010/main">
-    <mc:Choice Requires="p14">
+  <mc:AlternateContent xmlns:mc="http://schemas.openxmlformats.org/markup-compatibility/2006">
+    <mc:Choice xmlns:p14="http://schemas.microsoft.com/office/powerpoint/2010/main" Requires="p14">
       <p:transition spd="med" p14:dur="700">
         <p:fade/>
       </p:transition>
     </mc:Choice>
-    <mc:Fallback xmlns="">
+    <mc:Fallback>
       <p:transition spd="med">
         <p:fade/>
       </p:transition>
@@ -20457,59 +23804,6 @@
                       </p:childTnLst>
                     </p:cTn>
                   </p:par>
-                  <p:par>
-                    <p:cTn id="8" fill="hold">
-                      <p:stCondLst>
-                        <p:cond delay="indefinite"/>
-                      </p:stCondLst>
-                      <p:childTnLst>
-                        <p:par>
-                          <p:cTn id="9" fill="hold">
-                            <p:stCondLst>
-                              <p:cond delay="0"/>
-                            </p:stCondLst>
-                            <p:childTnLst>
-                              <p:par>
-                                <p:cTn id="10" presetID="10" presetClass="entr" presetSubtype="0" fill="hold" nodeType="clickEffect">
-                                  <p:stCondLst>
-                                    <p:cond delay="0"/>
-                                  </p:stCondLst>
-                                  <p:childTnLst>
-                                    <p:set>
-                                      <p:cBhvr>
-                                        <p:cTn id="11" dur="1" fill="hold">
-                                          <p:stCondLst>
-                                            <p:cond delay="0"/>
-                                          </p:stCondLst>
-                                        </p:cTn>
-                                        <p:tgtEl>
-                                          <p:spTgt spid="3076"/>
-                                        </p:tgtEl>
-                                        <p:attrNameLst>
-                                          <p:attrName>style.visibility</p:attrName>
-                                        </p:attrNameLst>
-                                      </p:cBhvr>
-                                      <p:to>
-                                        <p:strVal val="visible"/>
-                                      </p:to>
-                                    </p:set>
-                                    <p:animEffect transition="in" filter="fade">
-                                      <p:cBhvr>
-                                        <p:cTn id="12" dur="500"/>
-                                        <p:tgtEl>
-                                          <p:spTgt spid="3076"/>
-                                        </p:tgtEl>
-                                      </p:cBhvr>
-                                    </p:animEffect>
-                                  </p:childTnLst>
-                                </p:cTn>
-                              </p:par>
-                            </p:childTnLst>
-                          </p:cTn>
-                        </p:par>
-                      </p:childTnLst>
-                    </p:cTn>
-                  </p:par>
                 </p:childTnLst>
               </p:cTn>
               <p:prevCondLst>
@@ -20535,7 +23829,7 @@
 </p:sld>
 </file>
 
-<file path=ppt/slides/slide8.xml><?xml version="1.0" encoding="utf-8"?>
+<file path=ppt/slides/slide9.xml><?xml version="1.0" encoding="utf-8"?>
 <p:sld xmlns:a="http://schemas.openxmlformats.org/drawingml/2006/main" xmlns:r="http://schemas.openxmlformats.org/officeDocument/2006/relationships" xmlns:p="http://schemas.openxmlformats.org/presentationml/2006/main">
   <p:cSld>
     <p:spTree>
@@ -20644,7 +23938,7 @@
         <p:spPr>
           <a:xfrm>
             <a:off x="1209423" y="2092405"/>
-            <a:ext cx="4794562" cy="2308324"/>
+            <a:ext cx="4794562" cy="2554545"/>
           </a:xfrm>
           <a:prstGeom prst="rect">
             <a:avLst/>
@@ -20657,12 +23951,12 @@
           </a:bodyPr>
           <a:lstStyle/>
           <a:p>
-            <a:pPr marL="342900" indent="-342900">
+            <a:pPr marL="342900" indent="-342900" algn="just">
               <a:buFont typeface="Arial" panose="020B0604020202020204" pitchFamily="34" charset="0"/>
               <a:buChar char="•"/>
             </a:pPr>
             <a:r>
-              <a:rPr lang="en-US" dirty="0" err="1">
+              <a:rPr lang="en-US" sz="2000" dirty="0" err="1">
                 <a:latin typeface="Roboto" panose="02000000000000000000" pitchFamily="2" charset="0"/>
                 <a:ea typeface="Roboto" panose="02000000000000000000" pitchFamily="2" charset="0"/>
                 <a:cs typeface="Roboto" panose="02000000000000000000" pitchFamily="2" charset="0"/>
@@ -20670,7 +23964,7 @@
               <a:t>Chạy</a:t>
             </a:r>
             <a:r>
-              <a:rPr lang="en-US" dirty="0">
+              <a:rPr lang="en-US" sz="2000" dirty="0">
                 <a:latin typeface="Roboto" panose="02000000000000000000" pitchFamily="2" charset="0"/>
                 <a:ea typeface="Roboto" panose="02000000000000000000" pitchFamily="2" charset="0"/>
                 <a:cs typeface="Roboto" panose="02000000000000000000" pitchFamily="2" charset="0"/>
@@ -20678,7 +23972,7 @@
               <a:t> </a:t>
             </a:r>
             <a:r>
-              <a:rPr lang="en-US" dirty="0" err="1">
+              <a:rPr lang="en-US" sz="2000" dirty="0" err="1">
                 <a:latin typeface="Roboto" panose="02000000000000000000" pitchFamily="2" charset="0"/>
                 <a:ea typeface="Roboto" panose="02000000000000000000" pitchFamily="2" charset="0"/>
                 <a:cs typeface="Roboto" panose="02000000000000000000" pitchFamily="2" charset="0"/>
@@ -20686,7 +23980,7 @@
               <a:t>theo</a:t>
             </a:r>
             <a:r>
-              <a:rPr lang="en-US" dirty="0">
+              <a:rPr lang="en-US" sz="2000" dirty="0">
                 <a:latin typeface="Roboto" panose="02000000000000000000" pitchFamily="2" charset="0"/>
                 <a:ea typeface="Roboto" panose="02000000000000000000" pitchFamily="2" charset="0"/>
                 <a:cs typeface="Roboto" panose="02000000000000000000" pitchFamily="2" charset="0"/>
@@ -20694,7 +23988,7 @@
               <a:t> xu </a:t>
             </a:r>
             <a:r>
-              <a:rPr lang="en-US" dirty="0" err="1">
+              <a:rPr lang="en-US" sz="2000" dirty="0" err="1">
                 <a:latin typeface="Roboto" panose="02000000000000000000" pitchFamily="2" charset="0"/>
                 <a:ea typeface="Roboto" panose="02000000000000000000" pitchFamily="2" charset="0"/>
                 <a:cs typeface="Roboto" panose="02000000000000000000" pitchFamily="2" charset="0"/>
@@ -20702,7 +23996,7 @@
               <a:t>hướng</a:t>
             </a:r>
             <a:r>
-              <a:rPr lang="en-US" dirty="0">
+              <a:rPr lang="en-US" sz="2000" dirty="0">
                 <a:latin typeface="Roboto" panose="02000000000000000000" pitchFamily="2" charset="0"/>
                 <a:ea typeface="Roboto" panose="02000000000000000000" pitchFamily="2" charset="0"/>
                 <a:cs typeface="Roboto" panose="02000000000000000000" pitchFamily="2" charset="0"/>
@@ -20710,14 +24004,424 @@
               <a:t> </a:t>
             </a:r>
             <a:r>
-              <a:rPr lang="en-US" dirty="0" err="1">
+              <a:rPr lang="en-US" sz="2000" dirty="0" err="1">
                 <a:latin typeface="Roboto" panose="02000000000000000000" pitchFamily="2" charset="0"/>
                 <a:ea typeface="Roboto" panose="02000000000000000000" pitchFamily="2" charset="0"/>
                 <a:cs typeface="Roboto" panose="02000000000000000000" pitchFamily="2" charset="0"/>
               </a:rPr>
               <a:t>chung</a:t>
             </a:r>
-            <a:endParaRPr lang="en-US" dirty="0">
+            <a:r>
+              <a:rPr lang="en-US" sz="2000" dirty="0">
+                <a:latin typeface="Roboto" panose="02000000000000000000" pitchFamily="2" charset="0"/>
+                <a:ea typeface="Roboto" panose="02000000000000000000" pitchFamily="2" charset="0"/>
+                <a:cs typeface="Roboto" panose="02000000000000000000" pitchFamily="2" charset="0"/>
+              </a:rPr>
+              <a:t>.</a:t>
+            </a:r>
+          </a:p>
+          <a:p>
+            <a:pPr marL="342900" indent="-342900" algn="just">
+              <a:buFont typeface="Arial" panose="020B0604020202020204" pitchFamily="34" charset="0"/>
+              <a:buChar char="•"/>
+            </a:pPr>
+            <a:r>
+              <a:rPr lang="en-US" sz="2000" dirty="0" err="1">
+                <a:latin typeface="Roboto" panose="02000000000000000000" pitchFamily="2" charset="0"/>
+                <a:ea typeface="Roboto" panose="02000000000000000000" pitchFamily="2" charset="0"/>
+                <a:cs typeface="Roboto" panose="02000000000000000000" pitchFamily="2" charset="0"/>
+              </a:rPr>
+              <a:t>Cố</a:t>
+            </a:r>
+            <a:r>
+              <a:rPr lang="en-US" sz="2000" dirty="0">
+                <a:latin typeface="Roboto" panose="02000000000000000000" pitchFamily="2" charset="0"/>
+                <a:ea typeface="Roboto" panose="02000000000000000000" pitchFamily="2" charset="0"/>
+                <a:cs typeface="Roboto" panose="02000000000000000000" pitchFamily="2" charset="0"/>
+              </a:rPr>
+              <a:t> </a:t>
+            </a:r>
+            <a:r>
+              <a:rPr lang="en-US" sz="2000" dirty="0" err="1">
+                <a:latin typeface="Roboto" panose="02000000000000000000" pitchFamily="2" charset="0"/>
+                <a:ea typeface="Roboto" panose="02000000000000000000" pitchFamily="2" charset="0"/>
+                <a:cs typeface="Roboto" panose="02000000000000000000" pitchFamily="2" charset="0"/>
+              </a:rPr>
+              <a:t>gắng</a:t>
+            </a:r>
+            <a:r>
+              <a:rPr lang="en-US" sz="2000" dirty="0">
+                <a:latin typeface="Roboto" panose="02000000000000000000" pitchFamily="2" charset="0"/>
+                <a:ea typeface="Roboto" panose="02000000000000000000" pitchFamily="2" charset="0"/>
+                <a:cs typeface="Roboto" panose="02000000000000000000" pitchFamily="2" charset="0"/>
+              </a:rPr>
+              <a:t> bao </a:t>
+            </a:r>
+            <a:r>
+              <a:rPr lang="en-US" sz="2000" dirty="0" err="1">
+                <a:latin typeface="Roboto" panose="02000000000000000000" pitchFamily="2" charset="0"/>
+                <a:ea typeface="Roboto" panose="02000000000000000000" pitchFamily="2" charset="0"/>
+                <a:cs typeface="Roboto" panose="02000000000000000000" pitchFamily="2" charset="0"/>
+              </a:rPr>
+              <a:t>quát</a:t>
+            </a:r>
+            <a:r>
+              <a:rPr lang="en-US" sz="2000" dirty="0">
+                <a:latin typeface="Roboto" panose="02000000000000000000" pitchFamily="2" charset="0"/>
+                <a:ea typeface="Roboto" panose="02000000000000000000" pitchFamily="2" charset="0"/>
+                <a:cs typeface="Roboto" panose="02000000000000000000" pitchFamily="2" charset="0"/>
+              </a:rPr>
+              <a:t> </a:t>
+            </a:r>
+            <a:r>
+              <a:rPr lang="en-US" sz="2000" dirty="0" err="1">
+                <a:latin typeface="Roboto" panose="02000000000000000000" pitchFamily="2" charset="0"/>
+                <a:ea typeface="Roboto" panose="02000000000000000000" pitchFamily="2" charset="0"/>
+                <a:cs typeface="Roboto" panose="02000000000000000000" pitchFamily="2" charset="0"/>
+              </a:rPr>
+              <a:t>hết</a:t>
+            </a:r>
+            <a:r>
+              <a:rPr lang="en-US" sz="2000" dirty="0">
+                <a:latin typeface="Roboto" panose="02000000000000000000" pitchFamily="2" charset="0"/>
+                <a:ea typeface="Roboto" panose="02000000000000000000" pitchFamily="2" charset="0"/>
+                <a:cs typeface="Roboto" panose="02000000000000000000" pitchFamily="2" charset="0"/>
+              </a:rPr>
+              <a:t> </a:t>
+            </a:r>
+            <a:r>
+              <a:rPr lang="en-US" sz="2000" dirty="0" err="1">
+                <a:latin typeface="Roboto" panose="02000000000000000000" pitchFamily="2" charset="0"/>
+                <a:ea typeface="Roboto" panose="02000000000000000000" pitchFamily="2" charset="0"/>
+                <a:cs typeface="Roboto" panose="02000000000000000000" pitchFamily="2" charset="0"/>
+              </a:rPr>
+              <a:t>các</a:t>
+            </a:r>
+            <a:r>
+              <a:rPr lang="en-US" sz="2000" dirty="0">
+                <a:latin typeface="Roboto" panose="02000000000000000000" pitchFamily="2" charset="0"/>
+                <a:ea typeface="Roboto" panose="02000000000000000000" pitchFamily="2" charset="0"/>
+                <a:cs typeface="Roboto" panose="02000000000000000000" pitchFamily="2" charset="0"/>
+              </a:rPr>
+              <a:t> </a:t>
+            </a:r>
+            <a:r>
+              <a:rPr lang="en-US" sz="2000" dirty="0" err="1">
+                <a:latin typeface="Roboto" panose="02000000000000000000" pitchFamily="2" charset="0"/>
+                <a:ea typeface="Roboto" panose="02000000000000000000" pitchFamily="2" charset="0"/>
+                <a:cs typeface="Roboto" panose="02000000000000000000" pitchFamily="2" charset="0"/>
+              </a:rPr>
+              <a:t>nhóm</a:t>
+            </a:r>
+            <a:r>
+              <a:rPr lang="en-US" sz="2000" dirty="0">
+                <a:latin typeface="Roboto" panose="02000000000000000000" pitchFamily="2" charset="0"/>
+                <a:ea typeface="Roboto" panose="02000000000000000000" pitchFamily="2" charset="0"/>
+                <a:cs typeface="Roboto" panose="02000000000000000000" pitchFamily="2" charset="0"/>
+              </a:rPr>
+              <a:t> </a:t>
+            </a:r>
+            <a:r>
+              <a:rPr lang="en-US" sz="2000" dirty="0" err="1">
+                <a:latin typeface="Roboto" panose="02000000000000000000" pitchFamily="2" charset="0"/>
+                <a:ea typeface="Roboto" panose="02000000000000000000" pitchFamily="2" charset="0"/>
+                <a:cs typeface="Roboto" panose="02000000000000000000" pitchFamily="2" charset="0"/>
+              </a:rPr>
+              <a:t>đối</a:t>
+            </a:r>
+            <a:r>
+              <a:rPr lang="en-US" sz="2000" dirty="0">
+                <a:latin typeface="Roboto" panose="02000000000000000000" pitchFamily="2" charset="0"/>
+                <a:ea typeface="Roboto" panose="02000000000000000000" pitchFamily="2" charset="0"/>
+                <a:cs typeface="Roboto" panose="02000000000000000000" pitchFamily="2" charset="0"/>
+              </a:rPr>
+              <a:t> </a:t>
+            </a:r>
+            <a:r>
+              <a:rPr lang="en-US" sz="2000" dirty="0" err="1">
+                <a:latin typeface="Roboto" panose="02000000000000000000" pitchFamily="2" charset="0"/>
+                <a:ea typeface="Roboto" panose="02000000000000000000" pitchFamily="2" charset="0"/>
+                <a:cs typeface="Roboto" panose="02000000000000000000" pitchFamily="2" charset="0"/>
+              </a:rPr>
+              <a:t>tượng</a:t>
+            </a:r>
+            <a:r>
+              <a:rPr lang="en-US" sz="2000" dirty="0">
+                <a:latin typeface="Roboto" panose="02000000000000000000" pitchFamily="2" charset="0"/>
+                <a:ea typeface="Roboto" panose="02000000000000000000" pitchFamily="2" charset="0"/>
+                <a:cs typeface="Roboto" panose="02000000000000000000" pitchFamily="2" charset="0"/>
+              </a:rPr>
+              <a:t>.</a:t>
+            </a:r>
+          </a:p>
+          <a:p>
+            <a:pPr marL="342900" indent="-342900" algn="just">
+              <a:buFont typeface="Arial" panose="020B0604020202020204" pitchFamily="34" charset="0"/>
+              <a:buChar char="•"/>
+            </a:pPr>
+            <a:r>
+              <a:rPr lang="en-US" sz="2000" dirty="0" err="1">
+                <a:latin typeface="Roboto" panose="02000000000000000000" pitchFamily="2" charset="0"/>
+                <a:ea typeface="Roboto" panose="02000000000000000000" pitchFamily="2" charset="0"/>
+                <a:cs typeface="Roboto" panose="02000000000000000000" pitchFamily="2" charset="0"/>
+              </a:rPr>
+              <a:t>Tạo</a:t>
+            </a:r>
+            <a:r>
+              <a:rPr lang="en-US" sz="2000" dirty="0">
+                <a:latin typeface="Roboto" panose="02000000000000000000" pitchFamily="2" charset="0"/>
+                <a:ea typeface="Roboto" panose="02000000000000000000" pitchFamily="2" charset="0"/>
+                <a:cs typeface="Roboto" panose="02000000000000000000" pitchFamily="2" charset="0"/>
+              </a:rPr>
+              <a:t> </a:t>
+            </a:r>
+            <a:r>
+              <a:rPr lang="en-US" sz="2000" dirty="0" err="1">
+                <a:latin typeface="Roboto" panose="02000000000000000000" pitchFamily="2" charset="0"/>
+                <a:ea typeface="Roboto" panose="02000000000000000000" pitchFamily="2" charset="0"/>
+                <a:cs typeface="Roboto" panose="02000000000000000000" pitchFamily="2" charset="0"/>
+              </a:rPr>
+              <a:t>ra</a:t>
+            </a:r>
+            <a:r>
+              <a:rPr lang="en-US" sz="2000" dirty="0">
+                <a:latin typeface="Roboto" panose="02000000000000000000" pitchFamily="2" charset="0"/>
+                <a:ea typeface="Roboto" panose="02000000000000000000" pitchFamily="2" charset="0"/>
+                <a:cs typeface="Roboto" panose="02000000000000000000" pitchFamily="2" charset="0"/>
+              </a:rPr>
+              <a:t> </a:t>
+            </a:r>
+            <a:r>
+              <a:rPr lang="en-US" sz="2000" dirty="0" err="1">
+                <a:latin typeface="Roboto" panose="02000000000000000000" pitchFamily="2" charset="0"/>
+                <a:ea typeface="Roboto" panose="02000000000000000000" pitchFamily="2" charset="0"/>
+                <a:cs typeface="Roboto" panose="02000000000000000000" pitchFamily="2" charset="0"/>
+              </a:rPr>
+              <a:t>một</a:t>
+            </a:r>
+            <a:r>
+              <a:rPr lang="en-US" sz="2000" dirty="0">
+                <a:latin typeface="Roboto" panose="02000000000000000000" pitchFamily="2" charset="0"/>
+                <a:ea typeface="Roboto" panose="02000000000000000000" pitchFamily="2" charset="0"/>
+                <a:cs typeface="Roboto" panose="02000000000000000000" pitchFamily="2" charset="0"/>
+              </a:rPr>
+              <a:t> </a:t>
+            </a:r>
+            <a:r>
+              <a:rPr lang="en-US" sz="2000" dirty="0" err="1">
+                <a:latin typeface="Roboto" panose="02000000000000000000" pitchFamily="2" charset="0"/>
+                <a:ea typeface="Roboto" panose="02000000000000000000" pitchFamily="2" charset="0"/>
+                <a:cs typeface="Roboto" panose="02000000000000000000" pitchFamily="2" charset="0"/>
+              </a:rPr>
+              <a:t>dịch</a:t>
+            </a:r>
+            <a:r>
+              <a:rPr lang="en-US" sz="2000" dirty="0">
+                <a:latin typeface="Roboto" panose="02000000000000000000" pitchFamily="2" charset="0"/>
+                <a:ea typeface="Roboto" panose="02000000000000000000" pitchFamily="2" charset="0"/>
+                <a:cs typeface="Roboto" panose="02000000000000000000" pitchFamily="2" charset="0"/>
+              </a:rPr>
+              <a:t> </a:t>
+            </a:r>
+            <a:r>
+              <a:rPr lang="en-US" sz="2000" dirty="0" err="1">
+                <a:latin typeface="Roboto" panose="02000000000000000000" pitchFamily="2" charset="0"/>
+                <a:ea typeface="Roboto" panose="02000000000000000000" pitchFamily="2" charset="0"/>
+                <a:cs typeface="Roboto" panose="02000000000000000000" pitchFamily="2" charset="0"/>
+              </a:rPr>
+              <a:t>vụ</a:t>
+            </a:r>
+            <a:r>
+              <a:rPr lang="en-US" sz="2000" dirty="0">
+                <a:latin typeface="Roboto" panose="02000000000000000000" pitchFamily="2" charset="0"/>
+                <a:ea typeface="Roboto" panose="02000000000000000000" pitchFamily="2" charset="0"/>
+                <a:cs typeface="Roboto" panose="02000000000000000000" pitchFamily="2" charset="0"/>
+              </a:rPr>
+              <a:t> </a:t>
+            </a:r>
+            <a:r>
+              <a:rPr lang="en-US" sz="2000" dirty="0" err="1">
+                <a:latin typeface="Roboto" panose="02000000000000000000" pitchFamily="2" charset="0"/>
+                <a:ea typeface="Roboto" panose="02000000000000000000" pitchFamily="2" charset="0"/>
+                <a:cs typeface="Roboto" panose="02000000000000000000" pitchFamily="2" charset="0"/>
+              </a:rPr>
+              <a:t>để</a:t>
+            </a:r>
+            <a:r>
+              <a:rPr lang="en-US" sz="2000" dirty="0">
+                <a:latin typeface="Roboto" panose="02000000000000000000" pitchFamily="2" charset="0"/>
+                <a:ea typeface="Roboto" panose="02000000000000000000" pitchFamily="2" charset="0"/>
+                <a:cs typeface="Roboto" panose="02000000000000000000" pitchFamily="2" charset="0"/>
+              </a:rPr>
+              <a:t> </a:t>
+            </a:r>
+            <a:r>
+              <a:rPr lang="en-US" sz="2000" dirty="0" err="1">
+                <a:latin typeface="Roboto" panose="02000000000000000000" pitchFamily="2" charset="0"/>
+                <a:ea typeface="Roboto" panose="02000000000000000000" pitchFamily="2" charset="0"/>
+                <a:cs typeface="Roboto" panose="02000000000000000000" pitchFamily="2" charset="0"/>
+              </a:rPr>
+              <a:t>có</a:t>
+            </a:r>
+            <a:r>
+              <a:rPr lang="en-US" sz="2000" dirty="0">
+                <a:latin typeface="Roboto" panose="02000000000000000000" pitchFamily="2" charset="0"/>
+                <a:ea typeface="Roboto" panose="02000000000000000000" pitchFamily="2" charset="0"/>
+                <a:cs typeface="Roboto" panose="02000000000000000000" pitchFamily="2" charset="0"/>
+              </a:rPr>
+              <a:t> </a:t>
+            </a:r>
+            <a:r>
+              <a:rPr lang="en-US" sz="2000" dirty="0" err="1">
+                <a:latin typeface="Roboto" panose="02000000000000000000" pitchFamily="2" charset="0"/>
+                <a:ea typeface="Roboto" panose="02000000000000000000" pitchFamily="2" charset="0"/>
+                <a:cs typeface="Roboto" panose="02000000000000000000" pitchFamily="2" charset="0"/>
+              </a:rPr>
+              <a:t>thể</a:t>
+            </a:r>
+            <a:r>
+              <a:rPr lang="en-US" sz="2000" dirty="0">
+                <a:latin typeface="Roboto" panose="02000000000000000000" pitchFamily="2" charset="0"/>
+                <a:ea typeface="Roboto" panose="02000000000000000000" pitchFamily="2" charset="0"/>
+                <a:cs typeface="Roboto" panose="02000000000000000000" pitchFamily="2" charset="0"/>
+              </a:rPr>
+              <a:t> </a:t>
+            </a:r>
+            <a:r>
+              <a:rPr lang="en-US" sz="2000" dirty="0" err="1">
+                <a:latin typeface="Roboto" panose="02000000000000000000" pitchFamily="2" charset="0"/>
+                <a:ea typeface="Roboto" panose="02000000000000000000" pitchFamily="2" charset="0"/>
+                <a:cs typeface="Roboto" panose="02000000000000000000" pitchFamily="2" charset="0"/>
+              </a:rPr>
+              <a:t>đám</a:t>
+            </a:r>
+            <a:r>
+              <a:rPr lang="en-US" sz="2000" dirty="0">
+                <a:latin typeface="Roboto" panose="02000000000000000000" pitchFamily="2" charset="0"/>
+                <a:ea typeface="Roboto" panose="02000000000000000000" pitchFamily="2" charset="0"/>
+                <a:cs typeface="Roboto" panose="02000000000000000000" pitchFamily="2" charset="0"/>
+              </a:rPr>
+              <a:t> </a:t>
+            </a:r>
+            <a:r>
+              <a:rPr lang="en-US" sz="2000" dirty="0" err="1">
+                <a:latin typeface="Roboto" panose="02000000000000000000" pitchFamily="2" charset="0"/>
+                <a:ea typeface="Roboto" panose="02000000000000000000" pitchFamily="2" charset="0"/>
+                <a:cs typeface="Roboto" panose="02000000000000000000" pitchFamily="2" charset="0"/>
+              </a:rPr>
+              <a:t>ứng</a:t>
+            </a:r>
+            <a:r>
+              <a:rPr lang="en-US" sz="2000" dirty="0">
+                <a:latin typeface="Roboto" panose="02000000000000000000" pitchFamily="2" charset="0"/>
+                <a:ea typeface="Roboto" panose="02000000000000000000" pitchFamily="2" charset="0"/>
+                <a:cs typeface="Roboto" panose="02000000000000000000" pitchFamily="2" charset="0"/>
+              </a:rPr>
+              <a:t> </a:t>
+            </a:r>
+            <a:r>
+              <a:rPr lang="en-US" sz="2000" dirty="0" err="1">
+                <a:latin typeface="Roboto" panose="02000000000000000000" pitchFamily="2" charset="0"/>
+                <a:ea typeface="Roboto" panose="02000000000000000000" pitchFamily="2" charset="0"/>
+                <a:cs typeface="Roboto" panose="02000000000000000000" pitchFamily="2" charset="0"/>
+              </a:rPr>
+              <a:t>được</a:t>
+            </a:r>
+            <a:r>
+              <a:rPr lang="en-US" sz="2000" dirty="0">
+                <a:latin typeface="Roboto" panose="02000000000000000000" pitchFamily="2" charset="0"/>
+                <a:ea typeface="Roboto" panose="02000000000000000000" pitchFamily="2" charset="0"/>
+                <a:cs typeface="Roboto" panose="02000000000000000000" pitchFamily="2" charset="0"/>
+              </a:rPr>
+              <a:t> </a:t>
+            </a:r>
+            <a:r>
+              <a:rPr lang="en-US" sz="2000" dirty="0" err="1">
+                <a:latin typeface="Roboto" panose="02000000000000000000" pitchFamily="2" charset="0"/>
+                <a:ea typeface="Roboto" panose="02000000000000000000" pitchFamily="2" charset="0"/>
+                <a:cs typeface="Roboto" panose="02000000000000000000" pitchFamily="2" charset="0"/>
+              </a:rPr>
+              <a:t>nhóm</a:t>
+            </a:r>
+            <a:r>
+              <a:rPr lang="en-US" sz="2000" dirty="0">
+                <a:latin typeface="Roboto" panose="02000000000000000000" pitchFamily="2" charset="0"/>
+                <a:ea typeface="Roboto" panose="02000000000000000000" pitchFamily="2" charset="0"/>
+                <a:cs typeface="Roboto" panose="02000000000000000000" pitchFamily="2" charset="0"/>
+              </a:rPr>
+              <a:t> </a:t>
+            </a:r>
+            <a:r>
+              <a:rPr lang="en-US" sz="2000" dirty="0" err="1">
+                <a:latin typeface="Roboto" panose="02000000000000000000" pitchFamily="2" charset="0"/>
+                <a:ea typeface="Roboto" panose="02000000000000000000" pitchFamily="2" charset="0"/>
+                <a:cs typeface="Roboto" panose="02000000000000000000" pitchFamily="2" charset="0"/>
+              </a:rPr>
+              <a:t>đối</a:t>
+            </a:r>
+            <a:r>
+              <a:rPr lang="en-US" sz="2000" dirty="0">
+                <a:latin typeface="Roboto" panose="02000000000000000000" pitchFamily="2" charset="0"/>
+                <a:ea typeface="Roboto" panose="02000000000000000000" pitchFamily="2" charset="0"/>
+                <a:cs typeface="Roboto" panose="02000000000000000000" pitchFamily="2" charset="0"/>
+              </a:rPr>
+              <a:t> </a:t>
+            </a:r>
+            <a:r>
+              <a:rPr lang="en-US" sz="2000" dirty="0" err="1">
+                <a:latin typeface="Roboto" panose="02000000000000000000" pitchFamily="2" charset="0"/>
+                <a:ea typeface="Roboto" panose="02000000000000000000" pitchFamily="2" charset="0"/>
+                <a:cs typeface="Roboto" panose="02000000000000000000" pitchFamily="2" charset="0"/>
+              </a:rPr>
+              <a:t>tượng</a:t>
+            </a:r>
+            <a:r>
+              <a:rPr lang="en-US" sz="2000" dirty="0">
+                <a:latin typeface="Roboto" panose="02000000000000000000" pitchFamily="2" charset="0"/>
+                <a:ea typeface="Roboto" panose="02000000000000000000" pitchFamily="2" charset="0"/>
+                <a:cs typeface="Roboto" panose="02000000000000000000" pitchFamily="2" charset="0"/>
+              </a:rPr>
+              <a:t> </a:t>
+            </a:r>
+            <a:r>
+              <a:rPr lang="en-US" sz="2000" dirty="0" err="1">
+                <a:latin typeface="Roboto" panose="02000000000000000000" pitchFamily="2" charset="0"/>
+                <a:ea typeface="Roboto" panose="02000000000000000000" pitchFamily="2" charset="0"/>
+                <a:cs typeface="Roboto" panose="02000000000000000000" pitchFamily="2" charset="0"/>
+              </a:rPr>
+              <a:t>muốn</a:t>
+            </a:r>
+            <a:r>
+              <a:rPr lang="en-US" sz="2000" dirty="0">
+                <a:latin typeface="Roboto" panose="02000000000000000000" pitchFamily="2" charset="0"/>
+                <a:ea typeface="Roboto" panose="02000000000000000000" pitchFamily="2" charset="0"/>
+                <a:cs typeface="Roboto" panose="02000000000000000000" pitchFamily="2" charset="0"/>
+              </a:rPr>
+              <a:t> </a:t>
+            </a:r>
+            <a:r>
+              <a:rPr lang="en-US" sz="2000" dirty="0" err="1">
+                <a:latin typeface="Roboto" panose="02000000000000000000" pitchFamily="2" charset="0"/>
+                <a:ea typeface="Roboto" panose="02000000000000000000" pitchFamily="2" charset="0"/>
+                <a:cs typeface="Roboto" panose="02000000000000000000" pitchFamily="2" charset="0"/>
+              </a:rPr>
+              <a:t>làm</a:t>
+            </a:r>
+            <a:r>
+              <a:rPr lang="en-US" sz="2000" dirty="0">
+                <a:latin typeface="Roboto" panose="02000000000000000000" pitchFamily="2" charset="0"/>
+                <a:ea typeface="Roboto" panose="02000000000000000000" pitchFamily="2" charset="0"/>
+                <a:cs typeface="Roboto" panose="02000000000000000000" pitchFamily="2" charset="0"/>
+              </a:rPr>
+              <a:t> video.</a:t>
+            </a:r>
+          </a:p>
+          <a:p>
+            <a:pPr marL="285750" indent="-285750">
+              <a:buFont typeface="Arial" panose="020B0604020202020204" pitchFamily="34" charset="0"/>
+              <a:buChar char="•"/>
+            </a:pPr>
+            <a:endParaRPr lang="en-US" sz="2000" dirty="0">
               <a:latin typeface="Roboto" panose="02000000000000000000" pitchFamily="2" charset="0"/>
               <a:ea typeface="Roboto" panose="02000000000000000000" pitchFamily="2" charset="0"/>
               <a:cs typeface="Roboto" panose="02000000000000000000" pitchFamily="2" charset="0"/>
@@ -20728,433 +24432,7 @@
               <a:buFont typeface="Arial" panose="020B0604020202020204" pitchFamily="34" charset="0"/>
               <a:buChar char="•"/>
             </a:pPr>
-            <a:endParaRPr lang="en-US" dirty="0">
-              <a:latin typeface="Roboto" panose="02000000000000000000" pitchFamily="2" charset="0"/>
-              <a:ea typeface="Roboto" panose="02000000000000000000" pitchFamily="2" charset="0"/>
-              <a:cs typeface="Roboto" panose="02000000000000000000" pitchFamily="2" charset="0"/>
-            </a:endParaRPr>
-          </a:p>
-          <a:p>
-            <a:pPr marL="285750" indent="-285750">
-              <a:buFont typeface="Arial" panose="020B0604020202020204" pitchFamily="34" charset="0"/>
-              <a:buChar char="•"/>
-            </a:pPr>
-            <a:r>
-              <a:rPr lang="en-US" dirty="0" err="1">
-                <a:latin typeface="Roboto" panose="02000000000000000000" pitchFamily="2" charset="0"/>
-                <a:ea typeface="Roboto" panose="02000000000000000000" pitchFamily="2" charset="0"/>
-                <a:cs typeface="Roboto" panose="02000000000000000000" pitchFamily="2" charset="0"/>
-              </a:rPr>
-              <a:t>Cố</a:t>
-            </a:r>
-            <a:r>
-              <a:rPr lang="en-US" dirty="0">
-                <a:latin typeface="Roboto" panose="02000000000000000000" pitchFamily="2" charset="0"/>
-                <a:ea typeface="Roboto" panose="02000000000000000000" pitchFamily="2" charset="0"/>
-                <a:cs typeface="Roboto" panose="02000000000000000000" pitchFamily="2" charset="0"/>
-              </a:rPr>
-              <a:t> </a:t>
-            </a:r>
-            <a:r>
-              <a:rPr lang="en-US" dirty="0" err="1">
-                <a:latin typeface="Roboto" panose="02000000000000000000" pitchFamily="2" charset="0"/>
-                <a:ea typeface="Roboto" panose="02000000000000000000" pitchFamily="2" charset="0"/>
-                <a:cs typeface="Roboto" panose="02000000000000000000" pitchFamily="2" charset="0"/>
-              </a:rPr>
-              <a:t>gắng</a:t>
-            </a:r>
-            <a:r>
-              <a:rPr lang="en-US" dirty="0">
-                <a:latin typeface="Roboto" panose="02000000000000000000" pitchFamily="2" charset="0"/>
-                <a:ea typeface="Roboto" panose="02000000000000000000" pitchFamily="2" charset="0"/>
-                <a:cs typeface="Roboto" panose="02000000000000000000" pitchFamily="2" charset="0"/>
-              </a:rPr>
-              <a:t> bao </a:t>
-            </a:r>
-            <a:r>
-              <a:rPr lang="en-US" dirty="0" err="1">
-                <a:latin typeface="Roboto" panose="02000000000000000000" pitchFamily="2" charset="0"/>
-                <a:ea typeface="Roboto" panose="02000000000000000000" pitchFamily="2" charset="0"/>
-                <a:cs typeface="Roboto" panose="02000000000000000000" pitchFamily="2" charset="0"/>
-              </a:rPr>
-              <a:t>quá</a:t>
-            </a:r>
-            <a:r>
-              <a:rPr lang="en-US" dirty="0">
-                <a:latin typeface="Roboto" panose="02000000000000000000" pitchFamily="2" charset="0"/>
-                <a:ea typeface="Roboto" panose="02000000000000000000" pitchFamily="2" charset="0"/>
-                <a:cs typeface="Roboto" panose="02000000000000000000" pitchFamily="2" charset="0"/>
-              </a:rPr>
-              <a:t> </a:t>
-            </a:r>
-            <a:r>
-              <a:rPr lang="en-US" dirty="0" err="1">
-                <a:latin typeface="Roboto" panose="02000000000000000000" pitchFamily="2" charset="0"/>
-                <a:ea typeface="Roboto" panose="02000000000000000000" pitchFamily="2" charset="0"/>
-                <a:cs typeface="Roboto" panose="02000000000000000000" pitchFamily="2" charset="0"/>
-              </a:rPr>
-              <a:t>hết</a:t>
-            </a:r>
-            <a:r>
-              <a:rPr lang="en-US" dirty="0">
-                <a:latin typeface="Roboto" panose="02000000000000000000" pitchFamily="2" charset="0"/>
-                <a:ea typeface="Roboto" panose="02000000000000000000" pitchFamily="2" charset="0"/>
-                <a:cs typeface="Roboto" panose="02000000000000000000" pitchFamily="2" charset="0"/>
-              </a:rPr>
-              <a:t> </a:t>
-            </a:r>
-            <a:r>
-              <a:rPr lang="en-US" dirty="0" err="1">
-                <a:latin typeface="Roboto" panose="02000000000000000000" pitchFamily="2" charset="0"/>
-                <a:ea typeface="Roboto" panose="02000000000000000000" pitchFamily="2" charset="0"/>
-                <a:cs typeface="Roboto" panose="02000000000000000000" pitchFamily="2" charset="0"/>
-              </a:rPr>
-              <a:t>các</a:t>
-            </a:r>
-            <a:r>
-              <a:rPr lang="en-US" dirty="0">
-                <a:latin typeface="Roboto" panose="02000000000000000000" pitchFamily="2" charset="0"/>
-                <a:ea typeface="Roboto" panose="02000000000000000000" pitchFamily="2" charset="0"/>
-                <a:cs typeface="Roboto" panose="02000000000000000000" pitchFamily="2" charset="0"/>
-              </a:rPr>
-              <a:t> </a:t>
-            </a:r>
-            <a:r>
-              <a:rPr lang="en-US" dirty="0" err="1">
-                <a:latin typeface="Roboto" panose="02000000000000000000" pitchFamily="2" charset="0"/>
-                <a:ea typeface="Roboto" panose="02000000000000000000" pitchFamily="2" charset="0"/>
-                <a:cs typeface="Roboto" panose="02000000000000000000" pitchFamily="2" charset="0"/>
-              </a:rPr>
-              <a:t>nhóm</a:t>
-            </a:r>
-            <a:r>
-              <a:rPr lang="en-US" dirty="0">
-                <a:latin typeface="Roboto" panose="02000000000000000000" pitchFamily="2" charset="0"/>
-                <a:ea typeface="Roboto" panose="02000000000000000000" pitchFamily="2" charset="0"/>
-                <a:cs typeface="Roboto" panose="02000000000000000000" pitchFamily="2" charset="0"/>
-              </a:rPr>
-              <a:t> </a:t>
-            </a:r>
-            <a:r>
-              <a:rPr lang="en-US" dirty="0" err="1">
-                <a:latin typeface="Roboto" panose="02000000000000000000" pitchFamily="2" charset="0"/>
-                <a:ea typeface="Roboto" panose="02000000000000000000" pitchFamily="2" charset="0"/>
-                <a:cs typeface="Roboto" panose="02000000000000000000" pitchFamily="2" charset="0"/>
-              </a:rPr>
-              <a:t>đối</a:t>
-            </a:r>
-            <a:r>
-              <a:rPr lang="en-US" dirty="0">
-                <a:latin typeface="Roboto" panose="02000000000000000000" pitchFamily="2" charset="0"/>
-                <a:ea typeface="Roboto" panose="02000000000000000000" pitchFamily="2" charset="0"/>
-                <a:cs typeface="Roboto" panose="02000000000000000000" pitchFamily="2" charset="0"/>
-              </a:rPr>
-              <a:t> </a:t>
-            </a:r>
-            <a:r>
-              <a:rPr lang="en-US" dirty="0" err="1">
-                <a:latin typeface="Roboto" panose="02000000000000000000" pitchFamily="2" charset="0"/>
-                <a:ea typeface="Roboto" panose="02000000000000000000" pitchFamily="2" charset="0"/>
-                <a:cs typeface="Roboto" panose="02000000000000000000" pitchFamily="2" charset="0"/>
-              </a:rPr>
-              <a:t>tượng</a:t>
-            </a:r>
-            <a:endParaRPr lang="en-US" dirty="0">
-              <a:latin typeface="Roboto" panose="02000000000000000000" pitchFamily="2" charset="0"/>
-              <a:ea typeface="Roboto" panose="02000000000000000000" pitchFamily="2" charset="0"/>
-              <a:cs typeface="Roboto" panose="02000000000000000000" pitchFamily="2" charset="0"/>
-            </a:endParaRPr>
-          </a:p>
-          <a:p>
-            <a:pPr marL="285750" indent="-285750">
-              <a:buFont typeface="Arial" panose="020B0604020202020204" pitchFamily="34" charset="0"/>
-              <a:buChar char="•"/>
-            </a:pPr>
-            <a:endParaRPr lang="en-US" dirty="0">
-              <a:latin typeface="Roboto" panose="02000000000000000000" pitchFamily="2" charset="0"/>
-              <a:ea typeface="Roboto" panose="02000000000000000000" pitchFamily="2" charset="0"/>
-              <a:cs typeface="Roboto" panose="02000000000000000000" pitchFamily="2" charset="0"/>
-            </a:endParaRPr>
-          </a:p>
-          <a:p>
-            <a:pPr marL="342900" indent="-342900">
-              <a:buFont typeface="Arial" panose="020B0604020202020204" pitchFamily="34" charset="0"/>
-              <a:buChar char="•"/>
-            </a:pPr>
-            <a:r>
-              <a:rPr lang="en-US" dirty="0" err="1">
-                <a:latin typeface="Roboto" panose="02000000000000000000" pitchFamily="2" charset="0"/>
-                <a:ea typeface="Roboto" panose="02000000000000000000" pitchFamily="2" charset="0"/>
-                <a:cs typeface="Roboto" panose="02000000000000000000" pitchFamily="2" charset="0"/>
-              </a:rPr>
-              <a:t>Tạo</a:t>
-            </a:r>
-            <a:r>
-              <a:rPr lang="en-US" dirty="0">
-                <a:latin typeface="Roboto" panose="02000000000000000000" pitchFamily="2" charset="0"/>
-                <a:ea typeface="Roboto" panose="02000000000000000000" pitchFamily="2" charset="0"/>
-                <a:cs typeface="Roboto" panose="02000000000000000000" pitchFamily="2" charset="0"/>
-              </a:rPr>
-              <a:t> </a:t>
-            </a:r>
-            <a:r>
-              <a:rPr lang="en-US" dirty="0" err="1">
-                <a:latin typeface="Roboto" panose="02000000000000000000" pitchFamily="2" charset="0"/>
-                <a:ea typeface="Roboto" panose="02000000000000000000" pitchFamily="2" charset="0"/>
-                <a:cs typeface="Roboto" panose="02000000000000000000" pitchFamily="2" charset="0"/>
-              </a:rPr>
-              <a:t>ra</a:t>
-            </a:r>
-            <a:r>
-              <a:rPr lang="en-US" dirty="0">
-                <a:latin typeface="Roboto" panose="02000000000000000000" pitchFamily="2" charset="0"/>
-                <a:ea typeface="Roboto" panose="02000000000000000000" pitchFamily="2" charset="0"/>
-                <a:cs typeface="Roboto" panose="02000000000000000000" pitchFamily="2" charset="0"/>
-              </a:rPr>
-              <a:t> </a:t>
-            </a:r>
-            <a:r>
-              <a:rPr lang="en-US" dirty="0" err="1">
-                <a:latin typeface="Roboto" panose="02000000000000000000" pitchFamily="2" charset="0"/>
-                <a:ea typeface="Roboto" panose="02000000000000000000" pitchFamily="2" charset="0"/>
-                <a:cs typeface="Roboto" panose="02000000000000000000" pitchFamily="2" charset="0"/>
-              </a:rPr>
-              <a:t>một</a:t>
-            </a:r>
-            <a:r>
-              <a:rPr lang="en-US" dirty="0">
-                <a:latin typeface="Roboto" panose="02000000000000000000" pitchFamily="2" charset="0"/>
-                <a:ea typeface="Roboto" panose="02000000000000000000" pitchFamily="2" charset="0"/>
-                <a:cs typeface="Roboto" panose="02000000000000000000" pitchFamily="2" charset="0"/>
-              </a:rPr>
-              <a:t> </a:t>
-            </a:r>
-            <a:r>
-              <a:rPr lang="en-US" dirty="0" err="1">
-                <a:latin typeface="Roboto" panose="02000000000000000000" pitchFamily="2" charset="0"/>
-                <a:ea typeface="Roboto" panose="02000000000000000000" pitchFamily="2" charset="0"/>
-                <a:cs typeface="Roboto" panose="02000000000000000000" pitchFamily="2" charset="0"/>
-              </a:rPr>
-              <a:t>dịch</a:t>
-            </a:r>
-            <a:r>
-              <a:rPr lang="en-US" dirty="0">
-                <a:latin typeface="Roboto" panose="02000000000000000000" pitchFamily="2" charset="0"/>
-                <a:ea typeface="Roboto" panose="02000000000000000000" pitchFamily="2" charset="0"/>
-                <a:cs typeface="Roboto" panose="02000000000000000000" pitchFamily="2" charset="0"/>
-              </a:rPr>
-              <a:t> </a:t>
-            </a:r>
-            <a:r>
-              <a:rPr lang="en-US" dirty="0" err="1">
-                <a:latin typeface="Roboto" panose="02000000000000000000" pitchFamily="2" charset="0"/>
-                <a:ea typeface="Roboto" panose="02000000000000000000" pitchFamily="2" charset="0"/>
-                <a:cs typeface="Roboto" panose="02000000000000000000" pitchFamily="2" charset="0"/>
-              </a:rPr>
-              <a:t>vụ</a:t>
-            </a:r>
-            <a:r>
-              <a:rPr lang="en-US" dirty="0">
-                <a:latin typeface="Roboto" panose="02000000000000000000" pitchFamily="2" charset="0"/>
-                <a:ea typeface="Roboto" panose="02000000000000000000" pitchFamily="2" charset="0"/>
-                <a:cs typeface="Roboto" panose="02000000000000000000" pitchFamily="2" charset="0"/>
-              </a:rPr>
-              <a:t> </a:t>
-            </a:r>
-            <a:r>
-              <a:rPr lang="en-US" dirty="0" err="1">
-                <a:latin typeface="Roboto" panose="02000000000000000000" pitchFamily="2" charset="0"/>
-                <a:ea typeface="Roboto" panose="02000000000000000000" pitchFamily="2" charset="0"/>
-                <a:cs typeface="Roboto" panose="02000000000000000000" pitchFamily="2" charset="0"/>
-              </a:rPr>
-              <a:t>để</a:t>
-            </a:r>
-            <a:r>
-              <a:rPr lang="en-US" dirty="0">
-                <a:latin typeface="Roboto" panose="02000000000000000000" pitchFamily="2" charset="0"/>
-                <a:ea typeface="Roboto" panose="02000000000000000000" pitchFamily="2" charset="0"/>
-                <a:cs typeface="Roboto" panose="02000000000000000000" pitchFamily="2" charset="0"/>
-              </a:rPr>
-              <a:t> </a:t>
-            </a:r>
-            <a:r>
-              <a:rPr lang="en-US" dirty="0" err="1">
-                <a:latin typeface="Roboto" panose="02000000000000000000" pitchFamily="2" charset="0"/>
-                <a:ea typeface="Roboto" panose="02000000000000000000" pitchFamily="2" charset="0"/>
-                <a:cs typeface="Roboto" panose="02000000000000000000" pitchFamily="2" charset="0"/>
-              </a:rPr>
-              <a:t>có</a:t>
-            </a:r>
-            <a:r>
-              <a:rPr lang="en-US" dirty="0">
-                <a:latin typeface="Roboto" panose="02000000000000000000" pitchFamily="2" charset="0"/>
-                <a:ea typeface="Roboto" panose="02000000000000000000" pitchFamily="2" charset="0"/>
-                <a:cs typeface="Roboto" panose="02000000000000000000" pitchFamily="2" charset="0"/>
-              </a:rPr>
-              <a:t> </a:t>
-            </a:r>
-            <a:r>
-              <a:rPr lang="en-US" dirty="0" err="1">
-                <a:latin typeface="Roboto" panose="02000000000000000000" pitchFamily="2" charset="0"/>
-                <a:ea typeface="Roboto" panose="02000000000000000000" pitchFamily="2" charset="0"/>
-                <a:cs typeface="Roboto" panose="02000000000000000000" pitchFamily="2" charset="0"/>
-              </a:rPr>
-              <a:t>thể</a:t>
-            </a:r>
-            <a:r>
-              <a:rPr lang="en-US" dirty="0">
-                <a:latin typeface="Roboto" panose="02000000000000000000" pitchFamily="2" charset="0"/>
-                <a:ea typeface="Roboto" panose="02000000000000000000" pitchFamily="2" charset="0"/>
-                <a:cs typeface="Roboto" panose="02000000000000000000" pitchFamily="2" charset="0"/>
-              </a:rPr>
-              <a:t> </a:t>
-            </a:r>
-            <a:r>
-              <a:rPr lang="en-US" dirty="0" err="1">
-                <a:latin typeface="Roboto" panose="02000000000000000000" pitchFamily="2" charset="0"/>
-                <a:ea typeface="Roboto" panose="02000000000000000000" pitchFamily="2" charset="0"/>
-                <a:cs typeface="Roboto" panose="02000000000000000000" pitchFamily="2" charset="0"/>
-              </a:rPr>
-              <a:t>đám</a:t>
-            </a:r>
-            <a:r>
-              <a:rPr lang="en-US" dirty="0">
-                <a:latin typeface="Roboto" panose="02000000000000000000" pitchFamily="2" charset="0"/>
-                <a:ea typeface="Roboto" panose="02000000000000000000" pitchFamily="2" charset="0"/>
-                <a:cs typeface="Roboto" panose="02000000000000000000" pitchFamily="2" charset="0"/>
-              </a:rPr>
-              <a:t> </a:t>
-            </a:r>
-            <a:r>
-              <a:rPr lang="en-US" dirty="0" err="1">
-                <a:latin typeface="Roboto" panose="02000000000000000000" pitchFamily="2" charset="0"/>
-                <a:ea typeface="Roboto" panose="02000000000000000000" pitchFamily="2" charset="0"/>
-                <a:cs typeface="Roboto" panose="02000000000000000000" pitchFamily="2" charset="0"/>
-              </a:rPr>
-              <a:t>ứng</a:t>
-            </a:r>
-            <a:r>
-              <a:rPr lang="en-US" dirty="0">
-                <a:latin typeface="Roboto" panose="02000000000000000000" pitchFamily="2" charset="0"/>
-                <a:ea typeface="Roboto" panose="02000000000000000000" pitchFamily="2" charset="0"/>
-                <a:cs typeface="Roboto" panose="02000000000000000000" pitchFamily="2" charset="0"/>
-              </a:rPr>
-              <a:t> </a:t>
-            </a:r>
-            <a:r>
-              <a:rPr lang="en-US" dirty="0" err="1">
-                <a:latin typeface="Roboto" panose="02000000000000000000" pitchFamily="2" charset="0"/>
-                <a:ea typeface="Roboto" panose="02000000000000000000" pitchFamily="2" charset="0"/>
-                <a:cs typeface="Roboto" panose="02000000000000000000" pitchFamily="2" charset="0"/>
-              </a:rPr>
-              <a:t>được</a:t>
-            </a:r>
-            <a:r>
-              <a:rPr lang="en-US" dirty="0">
-                <a:latin typeface="Roboto" panose="02000000000000000000" pitchFamily="2" charset="0"/>
-                <a:ea typeface="Roboto" panose="02000000000000000000" pitchFamily="2" charset="0"/>
-                <a:cs typeface="Roboto" panose="02000000000000000000" pitchFamily="2" charset="0"/>
-              </a:rPr>
-              <a:t> </a:t>
-            </a:r>
-            <a:r>
-              <a:rPr lang="en-US" dirty="0" err="1">
-                <a:latin typeface="Roboto" panose="02000000000000000000" pitchFamily="2" charset="0"/>
-                <a:ea typeface="Roboto" panose="02000000000000000000" pitchFamily="2" charset="0"/>
-                <a:cs typeface="Roboto" panose="02000000000000000000" pitchFamily="2" charset="0"/>
-              </a:rPr>
-              <a:t>nhóm</a:t>
-            </a:r>
-            <a:r>
-              <a:rPr lang="en-US" dirty="0">
-                <a:latin typeface="Roboto" panose="02000000000000000000" pitchFamily="2" charset="0"/>
-                <a:ea typeface="Roboto" panose="02000000000000000000" pitchFamily="2" charset="0"/>
-                <a:cs typeface="Roboto" panose="02000000000000000000" pitchFamily="2" charset="0"/>
-              </a:rPr>
-              <a:t> </a:t>
-            </a:r>
-            <a:r>
-              <a:rPr lang="en-US" dirty="0" err="1">
-                <a:latin typeface="Roboto" panose="02000000000000000000" pitchFamily="2" charset="0"/>
-                <a:ea typeface="Roboto" panose="02000000000000000000" pitchFamily="2" charset="0"/>
-                <a:cs typeface="Roboto" panose="02000000000000000000" pitchFamily="2" charset="0"/>
-              </a:rPr>
-              <a:t>đối</a:t>
-            </a:r>
-            <a:r>
-              <a:rPr lang="en-US" dirty="0">
-                <a:latin typeface="Roboto" panose="02000000000000000000" pitchFamily="2" charset="0"/>
-                <a:ea typeface="Roboto" panose="02000000000000000000" pitchFamily="2" charset="0"/>
-                <a:cs typeface="Roboto" panose="02000000000000000000" pitchFamily="2" charset="0"/>
-              </a:rPr>
-              <a:t> </a:t>
-            </a:r>
-            <a:r>
-              <a:rPr lang="en-US" dirty="0" err="1">
-                <a:latin typeface="Roboto" panose="02000000000000000000" pitchFamily="2" charset="0"/>
-                <a:ea typeface="Roboto" panose="02000000000000000000" pitchFamily="2" charset="0"/>
-                <a:cs typeface="Roboto" panose="02000000000000000000" pitchFamily="2" charset="0"/>
-              </a:rPr>
-              <a:t>tượng</a:t>
-            </a:r>
-            <a:r>
-              <a:rPr lang="en-US" dirty="0">
-                <a:latin typeface="Roboto" panose="02000000000000000000" pitchFamily="2" charset="0"/>
-                <a:ea typeface="Roboto" panose="02000000000000000000" pitchFamily="2" charset="0"/>
-                <a:cs typeface="Roboto" panose="02000000000000000000" pitchFamily="2" charset="0"/>
-              </a:rPr>
-              <a:t> </a:t>
-            </a:r>
-            <a:r>
-              <a:rPr lang="en-US" dirty="0" err="1">
-                <a:latin typeface="Roboto" panose="02000000000000000000" pitchFamily="2" charset="0"/>
-                <a:ea typeface="Roboto" panose="02000000000000000000" pitchFamily="2" charset="0"/>
-                <a:cs typeface="Roboto" panose="02000000000000000000" pitchFamily="2" charset="0"/>
-              </a:rPr>
-              <a:t>muốn</a:t>
-            </a:r>
-            <a:r>
-              <a:rPr lang="en-US" dirty="0">
-                <a:latin typeface="Roboto" panose="02000000000000000000" pitchFamily="2" charset="0"/>
-                <a:ea typeface="Roboto" panose="02000000000000000000" pitchFamily="2" charset="0"/>
-                <a:cs typeface="Roboto" panose="02000000000000000000" pitchFamily="2" charset="0"/>
-              </a:rPr>
-              <a:t> </a:t>
-            </a:r>
-            <a:r>
-              <a:rPr lang="en-US" dirty="0" err="1">
-                <a:latin typeface="Roboto" panose="02000000000000000000" pitchFamily="2" charset="0"/>
-                <a:ea typeface="Roboto" panose="02000000000000000000" pitchFamily="2" charset="0"/>
-                <a:cs typeface="Roboto" panose="02000000000000000000" pitchFamily="2" charset="0"/>
-              </a:rPr>
-              <a:t>làm</a:t>
-            </a:r>
-            <a:r>
-              <a:rPr lang="en-US" dirty="0">
-                <a:latin typeface="Roboto" panose="02000000000000000000" pitchFamily="2" charset="0"/>
-                <a:ea typeface="Roboto" panose="02000000000000000000" pitchFamily="2" charset="0"/>
-                <a:cs typeface="Roboto" panose="02000000000000000000" pitchFamily="2" charset="0"/>
-              </a:rPr>
-              <a:t> video</a:t>
-            </a:r>
-          </a:p>
-          <a:p>
-            <a:pPr marL="285750" indent="-285750">
-              <a:buFont typeface="Arial" panose="020B0604020202020204" pitchFamily="34" charset="0"/>
-              <a:buChar char="•"/>
-            </a:pPr>
-            <a:endParaRPr lang="en-US" dirty="0">
-              <a:latin typeface="Roboto" panose="02000000000000000000" pitchFamily="2" charset="0"/>
-              <a:ea typeface="Roboto" panose="02000000000000000000" pitchFamily="2" charset="0"/>
-              <a:cs typeface="Roboto" panose="02000000000000000000" pitchFamily="2" charset="0"/>
-            </a:endParaRPr>
-          </a:p>
-          <a:p>
-            <a:pPr marL="285750" indent="-285750">
-              <a:buFont typeface="Arial" panose="020B0604020202020204" pitchFamily="34" charset="0"/>
-              <a:buChar char="•"/>
-            </a:pPr>
-            <a:endParaRPr lang="en-US" dirty="0">
+            <a:endParaRPr lang="en-US" sz="2000" dirty="0">
               <a:latin typeface="Roboto" panose="02000000000000000000" pitchFamily="2" charset="0"/>
               <a:ea typeface="Roboto" panose="02000000000000000000" pitchFamily="2" charset="0"/>
               <a:cs typeface="Roboto" panose="02000000000000000000" pitchFamily="2" charset="0"/>
@@ -21176,7 +24454,7 @@
         </p:nvSpPr>
         <p:spPr>
           <a:xfrm>
-            <a:off x="6698221" y="2461737"/>
+            <a:off x="6786144" y="2233081"/>
             <a:ext cx="4733988" cy="1938992"/>
           </a:xfrm>
           <a:prstGeom prst="rect">
@@ -21231,521 +24509,13 @@
   <p:clrMapOvr>
     <a:masterClrMapping/>
   </p:clrMapOvr>
-</p:sld>
-</file>
-
-<file path=ppt/slides/slide9.xml><?xml version="1.0" encoding="utf-8"?>
-<p:sld xmlns:a="http://schemas.openxmlformats.org/drawingml/2006/main" xmlns:r="http://schemas.openxmlformats.org/officeDocument/2006/relationships" xmlns:p="http://schemas.openxmlformats.org/presentationml/2006/main">
-  <p:cSld>
-    <p:bg>
-      <p:bgPr>
-        <a:solidFill>
-          <a:schemeClr val="bg1"/>
-        </a:solidFill>
-        <a:effectLst/>
-      </p:bgPr>
-    </p:bg>
-    <p:spTree>
-      <p:nvGrpSpPr>
-        <p:cNvPr id="1" name=""/>
-        <p:cNvGrpSpPr/>
-        <p:nvPr/>
-      </p:nvGrpSpPr>
-      <p:grpSpPr>
-        <a:xfrm>
-          <a:off x="0" y="0"/>
-          <a:ext cx="0" cy="0"/>
-          <a:chOff x="0" y="0"/>
-          <a:chExt cx="0" cy="0"/>
-        </a:xfrm>
-      </p:grpSpPr>
-      <p:sp>
-        <p:nvSpPr>
-          <p:cNvPr id="10" name="Rectangle 9">
-            <a:extLst>
-              <a:ext uri="{FF2B5EF4-FFF2-40B4-BE49-F238E27FC236}">
-                <a16:creationId xmlns:a16="http://schemas.microsoft.com/office/drawing/2014/main" id="{4E4490D0-3672-446A-AC12-B4830333BDDD}"/>
-              </a:ext>
-              <a:ext uri="{C183D7F6-B498-43B3-948B-1728B52AA6E4}">
-                <adec:decorative xmlns:adec="http://schemas.microsoft.com/office/drawing/2017/decorative" val="1"/>
-              </a:ext>
-            </a:extLst>
-          </p:cNvPr>
-          <p:cNvSpPr>
-            <a:spLocks noGrp="1" noRot="1" noChangeAspect="1" noMove="1" noResize="1" noEditPoints="1" noAdjustHandles="1" noChangeArrowheads="1" noChangeShapeType="1" noTextEdit="1"/>
-          </p:cNvSpPr>
-          <p:nvPr>
-            <p:extLst>
-              <p:ext uri="{386F3935-93C4-4BCD-93E2-E3B085C9AB24}">
-                <p16:designElem xmlns:p16="http://schemas.microsoft.com/office/powerpoint/2015/main" val="1"/>
-              </p:ext>
-            </p:extLst>
-          </p:nvPr>
-        </p:nvSpPr>
-        <p:spPr>
-          <a:xfrm>
-            <a:off x="3175" y="6400800"/>
-            <a:ext cx="12188825" cy="457200"/>
-          </a:xfrm>
-          <a:prstGeom prst="rect">
-            <a:avLst/>
-          </a:prstGeom>
-          <a:solidFill>
-            <a:schemeClr val="accent2"/>
-          </a:solidFill>
-          <a:ln>
-            <a:noFill/>
-          </a:ln>
-        </p:spPr>
-        <p:style>
-          <a:lnRef idx="2">
-            <a:schemeClr val="accent1">
-              <a:shade val="50000"/>
-            </a:schemeClr>
-          </a:lnRef>
-          <a:fillRef idx="1">
-            <a:schemeClr val="accent1"/>
-          </a:fillRef>
-          <a:effectRef idx="0">
-            <a:schemeClr val="accent1"/>
-          </a:effectRef>
-          <a:fontRef idx="minor">
-            <a:schemeClr val="lt1"/>
-          </a:fontRef>
-        </p:style>
-      </p:sp>
-      <p:sp>
-        <p:nvSpPr>
-          <p:cNvPr id="12" name="Rectangle 11">
-            <a:extLst>
-              <a:ext uri="{FF2B5EF4-FFF2-40B4-BE49-F238E27FC236}">
-                <a16:creationId xmlns:a16="http://schemas.microsoft.com/office/drawing/2014/main" id="{39CB82C2-DF65-4EC1-8280-F201D50F570B}"/>
-              </a:ext>
-              <a:ext uri="{C183D7F6-B498-43B3-948B-1728B52AA6E4}">
-                <adec:decorative xmlns:adec="http://schemas.microsoft.com/office/drawing/2017/decorative" val="1"/>
-              </a:ext>
-            </a:extLst>
-          </p:cNvPr>
-          <p:cNvSpPr>
-            <a:spLocks noGrp="1" noRot="1" noChangeAspect="1" noMove="1" noResize="1" noEditPoints="1" noAdjustHandles="1" noChangeArrowheads="1" noChangeShapeType="1" noTextEdit="1"/>
-          </p:cNvSpPr>
-          <p:nvPr>
-            <p:extLst>
-              <p:ext uri="{386F3935-93C4-4BCD-93E2-E3B085C9AB24}">
-                <p16:designElem xmlns:p16="http://schemas.microsoft.com/office/powerpoint/2015/main" val="1"/>
-              </p:ext>
-            </p:extLst>
-          </p:nvPr>
-        </p:nvSpPr>
-        <p:spPr>
-          <a:xfrm>
-            <a:off x="15" y="6334316"/>
-            <a:ext cx="12188825" cy="64008"/>
-          </a:xfrm>
-          <a:prstGeom prst="rect">
-            <a:avLst/>
-          </a:prstGeom>
-          <a:solidFill>
-            <a:schemeClr val="accent1"/>
-          </a:solidFill>
-          <a:ln>
-            <a:noFill/>
-          </a:ln>
-        </p:spPr>
-        <p:style>
-          <a:lnRef idx="2">
-            <a:schemeClr val="accent1">
-              <a:shade val="50000"/>
-            </a:schemeClr>
-          </a:lnRef>
-          <a:fillRef idx="1">
-            <a:schemeClr val="accent1"/>
-          </a:fillRef>
-          <a:effectRef idx="0">
-            <a:schemeClr val="accent1"/>
-          </a:effectRef>
-          <a:fontRef idx="minor">
-            <a:schemeClr val="lt1"/>
-          </a:fontRef>
-        </p:style>
-      </p:sp>
-      <p:cxnSp>
-        <p:nvCxnSpPr>
-          <p:cNvPr id="14" name="Straight Connector 13">
-            <a:extLst>
-              <a:ext uri="{FF2B5EF4-FFF2-40B4-BE49-F238E27FC236}">
-                <a16:creationId xmlns:a16="http://schemas.microsoft.com/office/drawing/2014/main" id="{7E1D4427-852B-4B37-8E76-0E9F1810BA2A}"/>
-              </a:ext>
-              <a:ext uri="{C183D7F6-B498-43B3-948B-1728B52AA6E4}">
-                <adec:decorative xmlns:adec="http://schemas.microsoft.com/office/drawing/2017/decorative" val="1"/>
-              </a:ext>
-            </a:extLst>
-          </p:cNvPr>
-          <p:cNvCxnSpPr>
-            <a:cxnSpLocks noGrp="1" noRot="1" noChangeAspect="1" noMove="1" noResize="1" noEditPoints="1" noAdjustHandles="1" noChangeArrowheads="1" noChangeShapeType="1"/>
-          </p:cNvCxnSpPr>
-          <p:nvPr>
-            <p:extLst>
-              <p:ext uri="{386F3935-93C4-4BCD-93E2-E3B085C9AB24}">
-                <p16:designElem xmlns:p16="http://schemas.microsoft.com/office/powerpoint/2015/main" val="1"/>
-              </p:ext>
-            </p:extLst>
-          </p:nvPr>
-        </p:nvCxnSpPr>
-        <p:spPr>
-          <a:xfrm>
-            <a:off x="1207658" y="4343400"/>
-            <a:ext cx="9875520" cy="0"/>
-          </a:xfrm>
-          <a:prstGeom prst="line">
-            <a:avLst/>
-          </a:prstGeom>
-          <a:ln w="6350">
-            <a:solidFill>
-              <a:schemeClr val="tx1">
-                <a:lumMod val="50000"/>
-                <a:lumOff val="50000"/>
-              </a:schemeClr>
-            </a:solidFill>
-          </a:ln>
-        </p:spPr>
-        <p:style>
-          <a:lnRef idx="1">
-            <a:schemeClr val="accent1"/>
-          </a:lnRef>
-          <a:fillRef idx="0">
-            <a:schemeClr val="accent1"/>
-          </a:fillRef>
-          <a:effectRef idx="0">
-            <a:schemeClr val="accent1"/>
-          </a:effectRef>
-          <a:fontRef idx="minor">
-            <a:schemeClr val="tx1"/>
-          </a:fontRef>
-        </p:style>
-      </p:cxnSp>
-      <p:sp useBgFill="1">
-        <p:nvSpPr>
-          <p:cNvPr id="16" name="Rectangle 15">
-            <a:extLst>
-              <a:ext uri="{FF2B5EF4-FFF2-40B4-BE49-F238E27FC236}">
-                <a16:creationId xmlns:a16="http://schemas.microsoft.com/office/drawing/2014/main" id="{EB1836F0-F9E0-4D93-9BDD-7EEC6EA05F7B}"/>
-              </a:ext>
-              <a:ext uri="{C183D7F6-B498-43B3-948B-1728B52AA6E4}">
-                <adec:decorative xmlns:adec="http://schemas.microsoft.com/office/drawing/2017/decorative" val="1"/>
-              </a:ext>
-            </a:extLst>
-          </p:cNvPr>
-          <p:cNvSpPr>
-            <a:spLocks noGrp="1" noRot="1" noChangeAspect="1" noMove="1" noResize="1" noEditPoints="1" noAdjustHandles="1" noChangeArrowheads="1" noChangeShapeType="1" noTextEdit="1"/>
-          </p:cNvSpPr>
-          <p:nvPr>
-            <p:extLst>
-              <p:ext uri="{386F3935-93C4-4BCD-93E2-E3B085C9AB24}">
-                <p16:designElem xmlns:p16="http://schemas.microsoft.com/office/powerpoint/2015/main" val="1"/>
-              </p:ext>
-            </p:extLst>
-          </p:nvPr>
-        </p:nvSpPr>
-        <p:spPr>
-          <a:xfrm>
-            <a:off x="0" y="0"/>
-            <a:ext cx="12192001" cy="6334316"/>
-          </a:xfrm>
-          <a:prstGeom prst="rect">
-            <a:avLst/>
-          </a:prstGeom>
-          <a:ln>
-            <a:noFill/>
-          </a:ln>
-        </p:spPr>
-        <p:style>
-          <a:lnRef idx="2">
-            <a:schemeClr val="accent1">
-              <a:shade val="50000"/>
-            </a:schemeClr>
-          </a:lnRef>
-          <a:fillRef idx="1">
-            <a:schemeClr val="accent1"/>
-          </a:fillRef>
-          <a:effectRef idx="0">
-            <a:schemeClr val="accent1"/>
-          </a:effectRef>
-          <a:fontRef idx="minor">
-            <a:schemeClr val="lt1"/>
-          </a:fontRef>
-        </p:style>
-        <p:txBody>
-          <a:bodyPr rtlCol="0" anchor="ctr"/>
-          <a:lstStyle/>
-          <a:p>
-            <a:pPr algn="ctr"/>
-            <a:endParaRPr lang="en-US"/>
-          </a:p>
-        </p:txBody>
-      </p:sp>
-      <p:sp>
-        <p:nvSpPr>
-          <p:cNvPr id="2" name="Title 1">
-            <a:extLst>
-              <a:ext uri="{FF2B5EF4-FFF2-40B4-BE49-F238E27FC236}">
-                <a16:creationId xmlns:a16="http://schemas.microsoft.com/office/drawing/2014/main" id="{6C5E091D-A0BC-4B7A-E517-5E6F9C3B0C45}"/>
-              </a:ext>
-            </a:extLst>
-          </p:cNvPr>
-          <p:cNvSpPr>
-            <a:spLocks noGrp="1"/>
-          </p:cNvSpPr>
-          <p:nvPr>
-            <p:ph type="title"/>
-          </p:nvPr>
-        </p:nvSpPr>
-        <p:spPr>
-          <a:xfrm>
-            <a:off x="5289754" y="639097"/>
-            <a:ext cx="6253317" cy="3686015"/>
-          </a:xfrm>
-        </p:spPr>
-        <p:txBody>
-          <a:bodyPr vert="horz" lIns="91440" tIns="45720" rIns="91440" bIns="45720" rtlCol="0" anchor="b">
-            <a:normAutofit/>
-          </a:bodyPr>
-          <a:lstStyle/>
-          <a:p>
-            <a:r>
-              <a:rPr lang="en-US" sz="8000">
-                <a:solidFill>
-                  <a:schemeClr val="tx1">
-                    <a:lumMod val="85000"/>
-                    <a:lumOff val="15000"/>
-                  </a:schemeClr>
-                </a:solidFill>
-              </a:rPr>
-              <a:t>2. Demo chương trình</a:t>
-            </a:r>
-          </a:p>
-        </p:txBody>
-      </p:sp>
-      <p:pic>
-        <p:nvPicPr>
-          <p:cNvPr id="7" name="Graphic 6" descr="Monitor">
-            <a:extLst>
-              <a:ext uri="{FF2B5EF4-FFF2-40B4-BE49-F238E27FC236}">
-                <a16:creationId xmlns:a16="http://schemas.microsoft.com/office/drawing/2014/main" id="{7F7F5207-457B-1AC7-514F-29B1158C4B8A}"/>
-              </a:ext>
-            </a:extLst>
-          </p:cNvPr>
-          <p:cNvPicPr>
-            <a:picLocks noChangeAspect="1"/>
-          </p:cNvPicPr>
-          <p:nvPr/>
-        </p:nvPicPr>
-        <p:blipFill>
-          <a:blip r:embed="rId2">
-            <a:extLst>
-              <a:ext uri="{28A0092B-C50C-407E-A947-70E740481C1C}">
-                <a14:useLocalDpi xmlns:a14="http://schemas.microsoft.com/office/drawing/2010/main" val="0"/>
-              </a:ext>
-              <a:ext uri="{96DAC541-7B7A-43D3-8B79-37D633B846F1}">
-                <asvg:svgBlip xmlns:asvg="http://schemas.microsoft.com/office/drawing/2016/SVG/main" r:embed="rId3"/>
-              </a:ext>
-            </a:extLst>
-          </a:blip>
-          <a:stretch>
-            <a:fillRect/>
-          </a:stretch>
-        </p:blipFill>
-        <p:spPr>
-          <a:xfrm>
-            <a:off x="633999" y="1163529"/>
-            <a:ext cx="4001315" cy="4001315"/>
-          </a:xfrm>
-          <a:prstGeom prst="rect">
-            <a:avLst/>
-          </a:prstGeom>
-        </p:spPr>
-      </p:pic>
-      <p:cxnSp>
-        <p:nvCxnSpPr>
-          <p:cNvPr id="18" name="Straight Connector 17">
-            <a:extLst>
-              <a:ext uri="{FF2B5EF4-FFF2-40B4-BE49-F238E27FC236}">
-                <a16:creationId xmlns:a16="http://schemas.microsoft.com/office/drawing/2014/main" id="{7A49EFD3-A806-4D59-99F1-AA9AFAE4EF71}"/>
-              </a:ext>
-              <a:ext uri="{C183D7F6-B498-43B3-948B-1728B52AA6E4}">
-                <adec:decorative xmlns:adec="http://schemas.microsoft.com/office/drawing/2017/decorative" val="1"/>
-              </a:ext>
-            </a:extLst>
-          </p:cNvPr>
-          <p:cNvCxnSpPr>
-            <a:cxnSpLocks noGrp="1" noRot="1" noChangeAspect="1" noMove="1" noResize="1" noEditPoints="1" noAdjustHandles="1" noChangeArrowheads="1" noChangeShapeType="1"/>
-          </p:cNvCxnSpPr>
-          <p:nvPr>
-            <p:extLst>
-              <p:ext uri="{386F3935-93C4-4BCD-93E2-E3B085C9AB24}">
-                <p16:designElem xmlns:p16="http://schemas.microsoft.com/office/powerpoint/2015/main" val="1"/>
-              </p:ext>
-            </p:extLst>
-          </p:nvPr>
-        </p:nvCxnSpPr>
-        <p:spPr>
-          <a:xfrm>
-            <a:off x="5447071" y="4343400"/>
-            <a:ext cx="5636107" cy="0"/>
-          </a:xfrm>
-          <a:prstGeom prst="line">
-            <a:avLst/>
-          </a:prstGeom>
-          <a:ln w="6350">
-            <a:solidFill>
-              <a:schemeClr val="tx2">
-                <a:alpha val="90000"/>
-              </a:schemeClr>
-            </a:solidFill>
-          </a:ln>
-        </p:spPr>
-        <p:style>
-          <a:lnRef idx="1">
-            <a:schemeClr val="accent1"/>
-          </a:lnRef>
-          <a:fillRef idx="0">
-            <a:schemeClr val="accent1"/>
-          </a:fillRef>
-          <a:effectRef idx="0">
-            <a:schemeClr val="accent1"/>
-          </a:effectRef>
-          <a:fontRef idx="minor">
-            <a:schemeClr val="tx1"/>
-          </a:fontRef>
-        </p:style>
-      </p:cxnSp>
-      <p:sp>
-        <p:nvSpPr>
-          <p:cNvPr id="20" name="Rectangle 19">
-            <a:extLst>
-              <a:ext uri="{FF2B5EF4-FFF2-40B4-BE49-F238E27FC236}">
-                <a16:creationId xmlns:a16="http://schemas.microsoft.com/office/drawing/2014/main" id="{6D2F28D1-82F9-40FE-935C-85ECF7660D2D}"/>
-              </a:ext>
-              <a:ext uri="{C183D7F6-B498-43B3-948B-1728B52AA6E4}">
-                <adec:decorative xmlns:adec="http://schemas.microsoft.com/office/drawing/2017/decorative" val="1"/>
-              </a:ext>
-            </a:extLst>
-          </p:cNvPr>
-          <p:cNvSpPr>
-            <a:spLocks noGrp="1" noRot="1" noChangeAspect="1" noMove="1" noResize="1" noEditPoints="1" noAdjustHandles="1" noChangeArrowheads="1" noChangeShapeType="1" noTextEdit="1"/>
-          </p:cNvSpPr>
-          <p:nvPr>
-            <p:extLst>
-              <p:ext uri="{386F3935-93C4-4BCD-93E2-E3B085C9AB24}">
-                <p16:designElem xmlns:p16="http://schemas.microsoft.com/office/powerpoint/2015/main" val="1"/>
-              </p:ext>
-            </p:extLst>
-          </p:nvPr>
-        </p:nvSpPr>
-        <p:spPr>
-          <a:xfrm>
-            <a:off x="15" y="6334316"/>
-            <a:ext cx="12191985" cy="66484"/>
-          </a:xfrm>
-          <a:prstGeom prst="rect">
-            <a:avLst/>
-          </a:prstGeom>
-          <a:solidFill>
-            <a:schemeClr val="accent1"/>
-          </a:solidFill>
-          <a:ln>
-            <a:noFill/>
-          </a:ln>
-        </p:spPr>
-        <p:style>
-          <a:lnRef idx="2">
-            <a:schemeClr val="accent1">
-              <a:shade val="50000"/>
-            </a:schemeClr>
-          </a:lnRef>
-          <a:fillRef idx="1">
-            <a:schemeClr val="accent1"/>
-          </a:fillRef>
-          <a:effectRef idx="0">
-            <a:schemeClr val="accent1"/>
-          </a:effectRef>
-          <a:fontRef idx="minor">
-            <a:schemeClr val="lt1"/>
-          </a:fontRef>
-        </p:style>
-      </p:sp>
-      <p:sp>
-        <p:nvSpPr>
-          <p:cNvPr id="22" name="Rectangle 21">
-            <a:extLst>
-              <a:ext uri="{FF2B5EF4-FFF2-40B4-BE49-F238E27FC236}">
-                <a16:creationId xmlns:a16="http://schemas.microsoft.com/office/drawing/2014/main" id="{4B670E93-2F53-48FC-AB6C-E99E22D17F31}"/>
-              </a:ext>
-              <a:ext uri="{C183D7F6-B498-43B3-948B-1728B52AA6E4}">
-                <adec:decorative xmlns:adec="http://schemas.microsoft.com/office/drawing/2017/decorative" val="1"/>
-              </a:ext>
-            </a:extLst>
-          </p:cNvPr>
-          <p:cNvSpPr>
-            <a:spLocks noGrp="1" noRot="1" noChangeAspect="1" noMove="1" noResize="1" noEditPoints="1" noAdjustHandles="1" noChangeArrowheads="1" noChangeShapeType="1" noTextEdit="1"/>
-          </p:cNvSpPr>
-          <p:nvPr>
-            <p:extLst>
-              <p:ext uri="{386F3935-93C4-4BCD-93E2-E3B085C9AB24}">
-                <p16:designElem xmlns:p16="http://schemas.microsoft.com/office/powerpoint/2015/main" val="1"/>
-              </p:ext>
-            </p:extLst>
-          </p:nvPr>
-        </p:nvSpPr>
-        <p:spPr>
-          <a:xfrm>
-            <a:off x="1" y="6400800"/>
-            <a:ext cx="12192000" cy="457200"/>
-          </a:xfrm>
-          <a:prstGeom prst="rect">
-            <a:avLst/>
-          </a:prstGeom>
-          <a:solidFill>
-            <a:schemeClr val="accent2"/>
-          </a:solidFill>
-          <a:ln>
-            <a:noFill/>
-          </a:ln>
-        </p:spPr>
-        <p:style>
-          <a:lnRef idx="2">
-            <a:schemeClr val="accent1">
-              <a:shade val="50000"/>
-            </a:schemeClr>
-          </a:lnRef>
-          <a:fillRef idx="1">
-            <a:schemeClr val="accent1"/>
-          </a:fillRef>
-          <a:effectRef idx="0">
-            <a:schemeClr val="accent1"/>
-          </a:effectRef>
-          <a:fontRef idx="minor">
-            <a:schemeClr val="lt1"/>
-          </a:fontRef>
-        </p:style>
-      </p:sp>
-    </p:spTree>
-    <p:extLst>
-      <p:ext uri="{BB962C8B-B14F-4D97-AF65-F5344CB8AC3E}">
-        <p14:creationId xmlns:p14="http://schemas.microsoft.com/office/powerpoint/2010/main" val="2371512697"/>
-      </p:ext>
-    </p:extLst>
-  </p:cSld>
-  <p:clrMapOvr>
-    <a:masterClrMapping/>
-  </p:clrMapOvr>
-  <mc:AlternateContent xmlns:mc="http://schemas.openxmlformats.org/markup-compatibility/2006" xmlns:p14="http://schemas.microsoft.com/office/powerpoint/2010/main">
-    <mc:Choice Requires="p14">
+  <mc:AlternateContent xmlns:mc="http://schemas.openxmlformats.org/markup-compatibility/2006">
+    <mc:Choice xmlns:p14="http://schemas.microsoft.com/office/powerpoint/2010/main" Requires="p14">
       <p:transition spd="med" p14:dur="700">
         <p:fade/>
       </p:transition>
     </mc:Choice>
-    <mc:Fallback xmlns="">
+    <mc:Fallback>
       <p:transition spd="med">
         <p:fade/>
       </p:transition>
